--- a/Presentation/intership.pptx
+++ b/Presentation/intership.pptx
@@ -1,27 +1,33 @@
 
 <file path=ppt/presentation.xml><?xml version="1.0" encoding="utf-8"?>
-<p:presentation xmlns:a="http://schemas.openxmlformats.org/drawingml/2006/main" xmlns:r="http://schemas.openxmlformats.org/officeDocument/2006/relationships" xmlns:mc="http://schemas.openxmlformats.org/markup-compatibility/2006" xmlns:mv="urn:schemas-microsoft-com:mac:vml" xmlns:p="http://schemas.openxmlformats.org/presentationml/2006/main" xmlns:c="http://schemas.openxmlformats.org/drawingml/2006/chart" xmlns:dgm="http://schemas.openxmlformats.org/drawingml/2006/diagram" xmlns:o="urn:schemas-microsoft-com:office:office" xmlns:v="urn:schemas-microsoft-com:vml" xmlns:pvml="urn:schemas-microsoft-com:office:powerpoint" xmlns:com="http://schemas.openxmlformats.org/drawingml/2006/compatibility" xmlns:p14="http://schemas.microsoft.com/office/powerpoint/2010/main" xmlns:p15="http://schemas.microsoft.com/office/powerpoint/2012/main" xmlns:ahyp="http://schemas.microsoft.com/office/drawing/2018/hyperlinkcolor" autoCompressPictures="0" strictFirstAndLastChars="0" saveSubsetFonts="1">
+<p:presentation xmlns:a="http://schemas.openxmlformats.org/drawingml/2006/main" xmlns:r="http://schemas.openxmlformats.org/officeDocument/2006/relationships" xmlns:p="http://schemas.openxmlformats.org/presentationml/2006/main" strictFirstAndLastChars="0" autoCompressPictures="0">
   <p:sldMasterIdLst>
-    <p:sldMasterId id="2147483660" r:id="rId3"/>
+    <p:sldMasterId id="2147483648" r:id="rId1"/>
   </p:sldMasterIdLst>
   <p:notesMasterIdLst>
     <p:notesMasterId r:id="rId4"/>
   </p:notesMasterIdLst>
   <p:sldIdLst>
-    <p:sldId id="256" r:id="rId5"/>
-    <p:sldId id="257" r:id="rId6"/>
-    <p:sldId id="258" r:id="rId7"/>
-    <p:sldId id="259" r:id="rId8"/>
-    <p:sldId id="260" r:id="rId9"/>
-    <p:sldId id="261" r:id="rId10"/>
-    <p:sldId id="262" r:id="rId11"/>
-    <p:sldId id="263" r:id="rId12"/>
-    <p:sldId id="264" r:id="rId13"/>
+    <p:sldId id="256" r:id="rId3"/>
+    <p:sldId id="257" r:id="rId5"/>
+    <p:sldId id="258" r:id="rId6"/>
+    <p:sldId id="259" r:id="rId7"/>
+    <p:sldId id="260" r:id="rId8"/>
+    <p:sldId id="261" r:id="rId9"/>
+    <p:sldId id="262" r:id="rId10"/>
+    <p:sldId id="263" r:id="rId11"/>
+    <p:sldId id="267" r:id="rId12"/>
+    <p:sldId id="269" r:id="rId13"/>
+    <p:sldId id="271" r:id="rId14"/>
+    <p:sldId id="272" r:id="rId15"/>
+    <p:sldId id="273" r:id="rId16"/>
+    <p:sldId id="274" r:id="rId17"/>
+    <p:sldId id="265" r:id="rId18"/>
   </p:sldIdLst>
-  <p:sldSz cy="6858000" cx="12192000"/>
-  <p:notesSz cx="7559675" cy="10691800"/>
+  <p:sldSz cx="12192000" cy="6858000"/>
+  <p:notesSz cx="7559675" cy="10691495"/>
   <p:defaultTextStyle>
-    <a:defPPr lvl="0" marR="0" rtl="0" algn="l">
+    <a:defPPr marR="0" lvl="0" algn="l" rtl="0">
       <a:lnSpc>
         <a:spcPct val="100000"/>
       </a:lnSpc>
@@ -32,7 +38,7 @@
         <a:spcPts val="0"/>
       </a:spcAft>
     </a:defPPr>
-    <a:lvl1pPr lvl="0" marR="0" rtl="0" algn="l">
+    <a:lvl1pPr marR="0" lvl="0" algn="l" rtl="0">
       <a:lnSpc>
         <a:spcPct val="100000"/>
       </a:lnSpc>
@@ -46,7 +52,7 @@
         <a:srgbClr val="000000"/>
       </a:buClr>
       <a:buFont typeface="Arial"/>
-      <a:defRPr b="0" i="0" sz="1400" u="none" cap="none" strike="noStrike">
+      <a:defRPr sz="1400" b="0" i="0" u="none" strike="noStrike" cap="none">
         <a:solidFill>
           <a:srgbClr val="000000"/>
         </a:solidFill>
@@ -56,7 +62,7 @@
         <a:sym typeface="Arial"/>
       </a:defRPr>
     </a:lvl1pPr>
-    <a:lvl2pPr lvl="1" marR="0" rtl="0" algn="l">
+    <a:lvl2pPr marR="0" lvl="1" algn="l" rtl="0">
       <a:lnSpc>
         <a:spcPct val="100000"/>
       </a:lnSpc>
@@ -70,7 +76,7 @@
         <a:srgbClr val="000000"/>
       </a:buClr>
       <a:buFont typeface="Arial"/>
-      <a:defRPr b="0" i="0" sz="1400" u="none" cap="none" strike="noStrike">
+      <a:defRPr sz="1400" b="0" i="0" u="none" strike="noStrike" cap="none">
         <a:solidFill>
           <a:srgbClr val="000000"/>
         </a:solidFill>
@@ -80,7 +86,7 @@
         <a:sym typeface="Arial"/>
       </a:defRPr>
     </a:lvl2pPr>
-    <a:lvl3pPr lvl="2" marR="0" rtl="0" algn="l">
+    <a:lvl3pPr marR="0" lvl="2" algn="l" rtl="0">
       <a:lnSpc>
         <a:spcPct val="100000"/>
       </a:lnSpc>
@@ -94,7 +100,7 @@
         <a:srgbClr val="000000"/>
       </a:buClr>
       <a:buFont typeface="Arial"/>
-      <a:defRPr b="0" i="0" sz="1400" u="none" cap="none" strike="noStrike">
+      <a:defRPr sz="1400" b="0" i="0" u="none" strike="noStrike" cap="none">
         <a:solidFill>
           <a:srgbClr val="000000"/>
         </a:solidFill>
@@ -104,7 +110,7 @@
         <a:sym typeface="Arial"/>
       </a:defRPr>
     </a:lvl3pPr>
-    <a:lvl4pPr lvl="3" marR="0" rtl="0" algn="l">
+    <a:lvl4pPr marR="0" lvl="3" algn="l" rtl="0">
       <a:lnSpc>
         <a:spcPct val="100000"/>
       </a:lnSpc>
@@ -118,7 +124,7 @@
         <a:srgbClr val="000000"/>
       </a:buClr>
       <a:buFont typeface="Arial"/>
-      <a:defRPr b="0" i="0" sz="1400" u="none" cap="none" strike="noStrike">
+      <a:defRPr sz="1400" b="0" i="0" u="none" strike="noStrike" cap="none">
         <a:solidFill>
           <a:srgbClr val="000000"/>
         </a:solidFill>
@@ -128,7 +134,7 @@
         <a:sym typeface="Arial"/>
       </a:defRPr>
     </a:lvl4pPr>
-    <a:lvl5pPr lvl="4" marR="0" rtl="0" algn="l">
+    <a:lvl5pPr marR="0" lvl="4" algn="l" rtl="0">
       <a:lnSpc>
         <a:spcPct val="100000"/>
       </a:lnSpc>
@@ -142,7 +148,7 @@
         <a:srgbClr val="000000"/>
       </a:buClr>
       <a:buFont typeface="Arial"/>
-      <a:defRPr b="0" i="0" sz="1400" u="none" cap="none" strike="noStrike">
+      <a:defRPr sz="1400" b="0" i="0" u="none" strike="noStrike" cap="none">
         <a:solidFill>
           <a:srgbClr val="000000"/>
         </a:solidFill>
@@ -152,7 +158,7 @@
         <a:sym typeface="Arial"/>
       </a:defRPr>
     </a:lvl5pPr>
-    <a:lvl6pPr lvl="5" marR="0" rtl="0" algn="l">
+    <a:lvl6pPr marR="0" lvl="5" algn="l" rtl="0">
       <a:lnSpc>
         <a:spcPct val="100000"/>
       </a:lnSpc>
@@ -166,7 +172,7 @@
         <a:srgbClr val="000000"/>
       </a:buClr>
       <a:buFont typeface="Arial"/>
-      <a:defRPr b="0" i="0" sz="1400" u="none" cap="none" strike="noStrike">
+      <a:defRPr sz="1400" b="0" i="0" u="none" strike="noStrike" cap="none">
         <a:solidFill>
           <a:srgbClr val="000000"/>
         </a:solidFill>
@@ -176,7 +182,7 @@
         <a:sym typeface="Arial"/>
       </a:defRPr>
     </a:lvl6pPr>
-    <a:lvl7pPr lvl="6" marR="0" rtl="0" algn="l">
+    <a:lvl7pPr marR="0" lvl="6" algn="l" rtl="0">
       <a:lnSpc>
         <a:spcPct val="100000"/>
       </a:lnSpc>
@@ -190,7 +196,7 @@
         <a:srgbClr val="000000"/>
       </a:buClr>
       <a:buFont typeface="Arial"/>
-      <a:defRPr b="0" i="0" sz="1400" u="none" cap="none" strike="noStrike">
+      <a:defRPr sz="1400" b="0" i="0" u="none" strike="noStrike" cap="none">
         <a:solidFill>
           <a:srgbClr val="000000"/>
         </a:solidFill>
@@ -200,7 +206,7 @@
         <a:sym typeface="Arial"/>
       </a:defRPr>
     </a:lvl7pPr>
-    <a:lvl8pPr lvl="7" marR="0" rtl="0" algn="l">
+    <a:lvl8pPr marR="0" lvl="7" algn="l" rtl="0">
       <a:lnSpc>
         <a:spcPct val="100000"/>
       </a:lnSpc>
@@ -214,7 +220,7 @@
         <a:srgbClr val="000000"/>
       </a:buClr>
       <a:buFont typeface="Arial"/>
-      <a:defRPr b="0" i="0" sz="1400" u="none" cap="none" strike="noStrike">
+      <a:defRPr sz="1400" b="0" i="0" u="none" strike="noStrike" cap="none">
         <a:solidFill>
           <a:srgbClr val="000000"/>
         </a:solidFill>
@@ -224,7 +230,7 @@
         <a:sym typeface="Arial"/>
       </a:defRPr>
     </a:lvl8pPr>
-    <a:lvl9pPr lvl="8" marR="0" rtl="0" algn="l">
+    <a:lvl9pPr marR="0" lvl="8" algn="l" rtl="0">
       <a:lnSpc>
         <a:spcPct val="100000"/>
       </a:lnSpc>
@@ -238,7 +244,7 @@
         <a:srgbClr val="000000"/>
       </a:buClr>
       <a:buFont typeface="Arial"/>
-      <a:defRPr b="0" i="0" sz="1400" u="none" cap="none" strike="noStrike">
+      <a:defRPr sz="1400" b="0" i="0" u="none" strike="noStrike" cap="none">
         <a:solidFill>
           <a:srgbClr val="000000"/>
         </a:solidFill>
@@ -253,8 +259,13 @@
 </file>
 
 <file path=ppt/notesMasters/notesMaster1.xml><?xml version="1.0" encoding="utf-8"?>
-<p:notesMaster xmlns:a="http://schemas.openxmlformats.org/drawingml/2006/main" xmlns:r="http://schemas.openxmlformats.org/officeDocument/2006/relationships" xmlns:mc="http://schemas.openxmlformats.org/markup-compatibility/2006" xmlns:mv="urn:schemas-microsoft-com:mac:vml" xmlns:p="http://schemas.openxmlformats.org/presentationml/2006/main" xmlns:c="http://schemas.openxmlformats.org/drawingml/2006/chart" xmlns:dgm="http://schemas.openxmlformats.org/drawingml/2006/diagram" xmlns:o="urn:schemas-microsoft-com:office:office" xmlns:v="urn:schemas-microsoft-com:vml" xmlns:pvml="urn:schemas-microsoft-com:office:powerpoint" xmlns:com="http://schemas.openxmlformats.org/drawingml/2006/compatibility" xmlns:p14="http://schemas.microsoft.com/office/powerpoint/2010/main" xmlns:p15="http://schemas.microsoft.com/office/powerpoint/2012/main" xmlns:ahyp="http://schemas.microsoft.com/office/drawing/2018/hyperlinkcolor">
+<p:notesMaster xmlns:a="http://schemas.openxmlformats.org/drawingml/2006/main" xmlns:r="http://schemas.openxmlformats.org/officeDocument/2006/relationships" xmlns:p="http://schemas.openxmlformats.org/presentationml/2006/main">
   <p:cSld>
+    <p:bg>
+      <p:bgRef idx="1001">
+        <a:schemeClr val="bg1"/>
+      </p:bgRef>
+    </p:bg>
     <p:spTree>
       <p:nvGrpSpPr>
         <p:cNvPr id="2" name="Shape 2"/>
@@ -274,7 +285,7 @@
           <p:cNvPr id="3" name="Google Shape;3;n"/>
           <p:cNvSpPr/>
           <p:nvPr>
-            <p:ph idx="2" type="sldImg"/>
+            <p:ph type="sldImg" idx="2"/>
           </p:nvPr>
         </p:nvSpPr>
         <p:spPr>
@@ -283,9 +294,13 @@
             <a:ext cx="5040025" cy="4009425"/>
           </a:xfrm>
           <a:custGeom>
-            <a:rect b="b" l="l" r="r" t="t"/>
+            <a:avLst/>
+            <a:gdLst/>
+            <a:ahLst/>
+            <a:cxnLst/>
+            <a:rect l="l" t="t" r="r" b="b"/>
             <a:pathLst>
-              <a:path extrusionOk="0" h="120000" w="120000">
+              <a:path w="120000" h="120000" extrusionOk="0">
                 <a:moveTo>
                   <a:pt x="0" y="0"/>
                 </a:moveTo>
@@ -303,14 +318,14 @@
             </a:pathLst>
           </a:custGeom>
           <a:noFill/>
-          <a:ln cap="flat" cmpd="sng" w="9525">
+          <a:ln w="9525" cap="flat" cmpd="sng">
             <a:solidFill>
               <a:srgbClr val="000000"/>
             </a:solidFill>
             <a:prstDash val="solid"/>
             <a:round/>
-            <a:headEnd len="sm" w="sm" type="none"/>
-            <a:tailEnd len="sm" w="sm" type="none"/>
+            <a:headEnd type="none" w="sm" len="sm"/>
+            <a:tailEnd type="none" w="sm" len="sm"/>
           </a:ln>
         </p:spPr>
       </p:sp>
@@ -319,7 +334,7 @@
           <p:cNvPr id="4" name="Google Shape;4;n"/>
           <p:cNvSpPr txBox="1"/>
           <p:nvPr>
-            <p:ph idx="1" type="body"/>
+            <p:ph type="body" idx="1"/>
           </p:nvPr>
         </p:nvSpPr>
         <p:spPr>
@@ -336,11 +351,11 @@
           </a:ln>
         </p:spPr>
         <p:txBody>
-          <a:bodyPr anchorCtr="0" anchor="t" bIns="91425" lIns="91425" spcFirstLastPara="1" rIns="91425" wrap="square" tIns="91425">
+          <a:bodyPr spcFirstLastPara="1" wrap="square" lIns="91425" tIns="91425" rIns="91425" bIns="91425" anchor="t" anchorCtr="0">
             <a:noAutofit/>
           </a:bodyPr>
           <a:lstStyle>
-            <a:lvl1pPr indent="-298450" lvl="0" marL="457200">
+            <a:lvl1pPr marL="457200" lvl="0" indent="-298450">
               <a:spcBef>
                 <a:spcPts val="0"/>
               </a:spcBef>
@@ -351,7 +366,7 @@
               <a:buChar char="●"/>
               <a:defRPr sz="1100"/>
             </a:lvl1pPr>
-            <a:lvl2pPr indent="-298450" lvl="1" marL="914400">
+            <a:lvl2pPr marL="914400" lvl="1" indent="-298450">
               <a:spcBef>
                 <a:spcPts val="0"/>
               </a:spcBef>
@@ -362,7 +377,7 @@
               <a:buChar char="○"/>
               <a:defRPr sz="1100"/>
             </a:lvl2pPr>
-            <a:lvl3pPr indent="-298450" lvl="2" marL="1371600">
+            <a:lvl3pPr marL="1371600" lvl="2" indent="-298450">
               <a:spcBef>
                 <a:spcPts val="0"/>
               </a:spcBef>
@@ -373,7 +388,7 @@
               <a:buChar char="■"/>
               <a:defRPr sz="1100"/>
             </a:lvl3pPr>
-            <a:lvl4pPr indent="-298450" lvl="3" marL="1828800">
+            <a:lvl4pPr marL="1828800" lvl="3" indent="-298450">
               <a:spcBef>
                 <a:spcPts val="0"/>
               </a:spcBef>
@@ -384,7 +399,7 @@
               <a:buChar char="●"/>
               <a:defRPr sz="1100"/>
             </a:lvl4pPr>
-            <a:lvl5pPr indent="-298450" lvl="4" marL="2286000">
+            <a:lvl5pPr marL="2286000" lvl="4" indent="-298450">
               <a:spcBef>
                 <a:spcPts val="0"/>
               </a:spcBef>
@@ -395,7 +410,7 @@
               <a:buChar char="○"/>
               <a:defRPr sz="1100"/>
             </a:lvl5pPr>
-            <a:lvl6pPr indent="-298450" lvl="5" marL="2743200">
+            <a:lvl6pPr marL="2743200" lvl="5" indent="-298450">
               <a:spcBef>
                 <a:spcPts val="0"/>
               </a:spcBef>
@@ -406,7 +421,7 @@
               <a:buChar char="■"/>
               <a:defRPr sz="1100"/>
             </a:lvl6pPr>
-            <a:lvl7pPr indent="-298450" lvl="6" marL="3200400">
+            <a:lvl7pPr marL="3200400" lvl="6" indent="-298450">
               <a:spcBef>
                 <a:spcPts val="0"/>
               </a:spcBef>
@@ -417,7 +432,7 @@
               <a:buChar char="●"/>
               <a:defRPr sz="1100"/>
             </a:lvl7pPr>
-            <a:lvl8pPr indent="-298450" lvl="7" marL="3657600">
+            <a:lvl8pPr marL="3657600" lvl="7" indent="-298450">
               <a:spcBef>
                 <a:spcPts val="0"/>
               </a:spcBef>
@@ -428,7 +443,7 @@
               <a:buChar char="○"/>
               <a:defRPr sz="1100"/>
             </a:lvl8pPr>
-            <a:lvl9pPr indent="-298450" lvl="8" marL="4114800">
+            <a:lvl9pPr marL="4114800" lvl="8" indent="-298450">
               <a:spcBef>
                 <a:spcPts val="0"/>
               </a:spcBef>
@@ -445,9 +460,9 @@
       </p:sp>
     </p:spTree>
   </p:cSld>
-  <p:clrMap accent1="accent1" accent2="accent2" accent3="accent3" accent4="accent4" accent5="accent5" accent6="accent6" bg1="lt1" bg2="dk2" tx1="dk1" tx2="lt2" folHlink="folHlink" hlink="hlink"/>
+  <p:clrMap bg1="lt1" tx1="dk1" bg2="dk2" tx2="lt2" accent1="accent1" accent2="accent2" accent3="accent3" accent4="accent4" accent5="accent5" accent6="accent6" hlink="hlink" folHlink="folHlink"/>
   <p:notesStyle>
-    <a:defPPr lvl="0" marR="0" rtl="0" algn="l">
+    <a:defPPr marR="0" lvl="0" algn="l" rtl="0">
       <a:lnSpc>
         <a:spcPct val="100000"/>
       </a:lnSpc>
@@ -458,7 +473,7 @@
         <a:spcPts val="0"/>
       </a:spcAft>
     </a:defPPr>
-    <a:lvl1pPr lvl="0" marR="0" rtl="0" algn="l">
+    <a:lvl1pPr marR="0" lvl="0" algn="l" rtl="0">
       <a:lnSpc>
         <a:spcPct val="100000"/>
       </a:lnSpc>
@@ -472,7 +487,7 @@
         <a:srgbClr val="000000"/>
       </a:buClr>
       <a:buFont typeface="Arial"/>
-      <a:defRPr b="0" i="0" sz="1400" u="none" cap="none" strike="noStrike">
+      <a:defRPr sz="1400" b="0" i="0" u="none" strike="noStrike" cap="none">
         <a:solidFill>
           <a:srgbClr val="000000"/>
         </a:solidFill>
@@ -482,7 +497,7 @@
         <a:sym typeface="Arial"/>
       </a:defRPr>
     </a:lvl1pPr>
-    <a:lvl2pPr lvl="1" marR="0" rtl="0" algn="l">
+    <a:lvl2pPr marR="0" lvl="1" algn="l" rtl="0">
       <a:lnSpc>
         <a:spcPct val="100000"/>
       </a:lnSpc>
@@ -496,7 +511,7 @@
         <a:srgbClr val="000000"/>
       </a:buClr>
       <a:buFont typeface="Arial"/>
-      <a:defRPr b="0" i="0" sz="1400" u="none" cap="none" strike="noStrike">
+      <a:defRPr sz="1400" b="0" i="0" u="none" strike="noStrike" cap="none">
         <a:solidFill>
           <a:srgbClr val="000000"/>
         </a:solidFill>
@@ -506,7 +521,7 @@
         <a:sym typeface="Arial"/>
       </a:defRPr>
     </a:lvl2pPr>
-    <a:lvl3pPr lvl="2" marR="0" rtl="0" algn="l">
+    <a:lvl3pPr marR="0" lvl="2" algn="l" rtl="0">
       <a:lnSpc>
         <a:spcPct val="100000"/>
       </a:lnSpc>
@@ -520,7 +535,7 @@
         <a:srgbClr val="000000"/>
       </a:buClr>
       <a:buFont typeface="Arial"/>
-      <a:defRPr b="0" i="0" sz="1400" u="none" cap="none" strike="noStrike">
+      <a:defRPr sz="1400" b="0" i="0" u="none" strike="noStrike" cap="none">
         <a:solidFill>
           <a:srgbClr val="000000"/>
         </a:solidFill>
@@ -530,7 +545,7 @@
         <a:sym typeface="Arial"/>
       </a:defRPr>
     </a:lvl3pPr>
-    <a:lvl4pPr lvl="3" marR="0" rtl="0" algn="l">
+    <a:lvl4pPr marR="0" lvl="3" algn="l" rtl="0">
       <a:lnSpc>
         <a:spcPct val="100000"/>
       </a:lnSpc>
@@ -544,7 +559,7 @@
         <a:srgbClr val="000000"/>
       </a:buClr>
       <a:buFont typeface="Arial"/>
-      <a:defRPr b="0" i="0" sz="1400" u="none" cap="none" strike="noStrike">
+      <a:defRPr sz="1400" b="0" i="0" u="none" strike="noStrike" cap="none">
         <a:solidFill>
           <a:srgbClr val="000000"/>
         </a:solidFill>
@@ -554,7 +569,7 @@
         <a:sym typeface="Arial"/>
       </a:defRPr>
     </a:lvl4pPr>
-    <a:lvl5pPr lvl="4" marR="0" rtl="0" algn="l">
+    <a:lvl5pPr marR="0" lvl="4" algn="l" rtl="0">
       <a:lnSpc>
         <a:spcPct val="100000"/>
       </a:lnSpc>
@@ -568,7 +583,7 @@
         <a:srgbClr val="000000"/>
       </a:buClr>
       <a:buFont typeface="Arial"/>
-      <a:defRPr b="0" i="0" sz="1400" u="none" cap="none" strike="noStrike">
+      <a:defRPr sz="1400" b="0" i="0" u="none" strike="noStrike" cap="none">
         <a:solidFill>
           <a:srgbClr val="000000"/>
         </a:solidFill>
@@ -578,7 +593,7 @@
         <a:sym typeface="Arial"/>
       </a:defRPr>
     </a:lvl5pPr>
-    <a:lvl6pPr lvl="5" marR="0" rtl="0" algn="l">
+    <a:lvl6pPr marR="0" lvl="5" algn="l" rtl="0">
       <a:lnSpc>
         <a:spcPct val="100000"/>
       </a:lnSpc>
@@ -592,7 +607,7 @@
         <a:srgbClr val="000000"/>
       </a:buClr>
       <a:buFont typeface="Arial"/>
-      <a:defRPr b="0" i="0" sz="1400" u="none" cap="none" strike="noStrike">
+      <a:defRPr sz="1400" b="0" i="0" u="none" strike="noStrike" cap="none">
         <a:solidFill>
           <a:srgbClr val="000000"/>
         </a:solidFill>
@@ -602,7 +617,7 @@
         <a:sym typeface="Arial"/>
       </a:defRPr>
     </a:lvl6pPr>
-    <a:lvl7pPr lvl="6" marR="0" rtl="0" algn="l">
+    <a:lvl7pPr marR="0" lvl="6" algn="l" rtl="0">
       <a:lnSpc>
         <a:spcPct val="100000"/>
       </a:lnSpc>
@@ -616,7 +631,7 @@
         <a:srgbClr val="000000"/>
       </a:buClr>
       <a:buFont typeface="Arial"/>
-      <a:defRPr b="0" i="0" sz="1400" u="none" cap="none" strike="noStrike">
+      <a:defRPr sz="1400" b="0" i="0" u="none" strike="noStrike" cap="none">
         <a:solidFill>
           <a:srgbClr val="000000"/>
         </a:solidFill>
@@ -626,7 +641,7 @@
         <a:sym typeface="Arial"/>
       </a:defRPr>
     </a:lvl7pPr>
-    <a:lvl8pPr lvl="7" marR="0" rtl="0" algn="l">
+    <a:lvl8pPr marR="0" lvl="7" algn="l" rtl="0">
       <a:lnSpc>
         <a:spcPct val="100000"/>
       </a:lnSpc>
@@ -640,7 +655,7 @@
         <a:srgbClr val="000000"/>
       </a:buClr>
       <a:buFont typeface="Arial"/>
-      <a:defRPr b="0" i="0" sz="1400" u="none" cap="none" strike="noStrike">
+      <a:defRPr sz="1400" b="0" i="0" u="none" strike="noStrike" cap="none">
         <a:solidFill>
           <a:srgbClr val="000000"/>
         </a:solidFill>
@@ -650,7 +665,7 @@
         <a:sym typeface="Arial"/>
       </a:defRPr>
     </a:lvl8pPr>
-    <a:lvl9pPr lvl="8" marR="0" rtl="0" algn="l">
+    <a:lvl9pPr marR="0" lvl="8" algn="l" rtl="0">
       <a:lnSpc>
         <a:spcPct val="100000"/>
       </a:lnSpc>
@@ -664,7 +679,7 @@
         <a:srgbClr val="000000"/>
       </a:buClr>
       <a:buFont typeface="Arial"/>
-      <a:defRPr b="0" i="0" sz="1400" u="none" cap="none" strike="noStrike">
+      <a:defRPr sz="1400" b="0" i="0" u="none" strike="noStrike" cap="none">
         <a:solidFill>
           <a:srgbClr val="000000"/>
         </a:solidFill>
@@ -679,7 +694,7 @@
 </file>
 
 <file path=ppt/notesSlides/notesSlide1.xml><?xml version="1.0" encoding="utf-8"?>
-<p:notes xmlns:a="http://schemas.openxmlformats.org/drawingml/2006/main" xmlns:r="http://schemas.openxmlformats.org/officeDocument/2006/relationships" xmlns:mc="http://schemas.openxmlformats.org/markup-compatibility/2006" xmlns:mv="urn:schemas-microsoft-com:mac:vml" xmlns:p="http://schemas.openxmlformats.org/presentationml/2006/main" xmlns:c="http://schemas.openxmlformats.org/drawingml/2006/chart" xmlns:dgm="http://schemas.openxmlformats.org/drawingml/2006/diagram" xmlns:o="urn:schemas-microsoft-com:office:office" xmlns:v="urn:schemas-microsoft-com:vml" xmlns:pvml="urn:schemas-microsoft-com:office:powerpoint" xmlns:com="http://schemas.openxmlformats.org/drawingml/2006/compatibility" xmlns:p14="http://schemas.microsoft.com/office/powerpoint/2010/main" xmlns:p15="http://schemas.microsoft.com/office/powerpoint/2012/main" xmlns:ahyp="http://schemas.microsoft.com/office/drawing/2018/hyperlinkcolor" showMasterPhAnim="0" showMasterSp="0">
+<p:notes xmlns:a="http://schemas.openxmlformats.org/drawingml/2006/main" xmlns:r="http://schemas.openxmlformats.org/officeDocument/2006/relationships" xmlns:p="http://schemas.openxmlformats.org/presentationml/2006/main" showMasterPhAnim="0" showMasterSp="0">
   <p:cSld>
     <p:spTree>
       <p:nvGrpSpPr>
@@ -700,7 +715,7 @@
           <p:cNvPr id="54" name="Google Shape;54;p1:notes"/>
           <p:cNvSpPr txBox="1"/>
           <p:nvPr>
-            <p:ph idx="1" type="body"/>
+            <p:ph type="body" idx="1"/>
           </p:nvPr>
         </p:nvSpPr>
         <p:spPr>
@@ -713,12 +728,12 @@
           </a:prstGeom>
         </p:spPr>
         <p:txBody>
-          <a:bodyPr anchorCtr="0" anchor="t" bIns="91425" lIns="91425" spcFirstLastPara="1" rIns="91425" wrap="square" tIns="91425">
+          <a:bodyPr spcFirstLastPara="1" wrap="square" lIns="91425" tIns="91425" rIns="91425" bIns="91425" anchor="t" anchorCtr="0">
             <a:noAutofit/>
           </a:bodyPr>
           <a:lstStyle/>
           <a:p>
-            <a:pPr indent="0" lvl="0" marL="0" rtl="0" algn="l">
+            <a:pPr marL="0" lvl="0" indent="0" algn="l" rtl="0">
               <a:spcBef>
                 <a:spcPts val="0"/>
               </a:spcBef>
@@ -727,10 +742,6 @@
               </a:spcAft>
               <a:buNone/>
             </a:pPr>
-            <a:r>
-              <a:t/>
-            </a:r>
-            <a:endParaRPr/>
           </a:p>
         </p:txBody>
       </p:sp>
@@ -739,7 +750,7 @@
           <p:cNvPr id="55" name="Google Shape;55;p1:notes"/>
           <p:cNvSpPr/>
           <p:nvPr>
-            <p:ph idx="2" type="sldImg"/>
+            <p:ph type="sldImg" idx="2"/>
           </p:nvPr>
         </p:nvSpPr>
         <p:spPr>
@@ -748,9 +759,508 @@
             <a:ext cx="5040025" cy="4009425"/>
           </a:xfrm>
           <a:custGeom>
-            <a:rect b="b" l="l" r="r" t="t"/>
+            <a:avLst/>
+            <a:gdLst/>
+            <a:ahLst/>
+            <a:cxnLst/>
+            <a:rect l="l" t="t" r="r" b="b"/>
             <a:pathLst>
-              <a:path extrusionOk="0" h="120000" w="120000">
+              <a:path w="120000" h="120000" extrusionOk="0">
+                <a:moveTo>
+                  <a:pt x="0" y="0"/>
+                </a:moveTo>
+                <a:lnTo>
+                  <a:pt x="120000" y="0"/>
+                </a:lnTo>
+                <a:lnTo>
+                  <a:pt x="120000" y="120000"/>
+                </a:lnTo>
+                <a:lnTo>
+                  <a:pt x="0" y="120000"/>
+                </a:lnTo>
+                <a:close/>
+              </a:path>
+            </a:pathLst>
+          </a:custGeom>
+        </p:spPr>
+      </p:sp>
+    </p:spTree>
+  </p:cSld>
+  <p:clrMapOvr>
+    <a:masterClrMapping/>
+  </p:clrMapOvr>
+</p:notes>
+</file>
+
+<file path=ppt/notesSlides/notesSlide10.xml><?xml version="1.0" encoding="utf-8"?>
+<p:notes xmlns:a="http://schemas.openxmlformats.org/drawingml/2006/main" xmlns:r="http://schemas.openxmlformats.org/officeDocument/2006/relationships" xmlns:p="http://schemas.openxmlformats.org/presentationml/2006/main" showMasterPhAnim="0" showMasterSp="0">
+  <p:cSld>
+    <p:spTree>
+      <p:nvGrpSpPr>
+        <p:cNvPr id="71" name="Shape 71"/>
+        <p:cNvGrpSpPr/>
+        <p:nvPr/>
+      </p:nvGrpSpPr>
+      <p:grpSpPr>
+        <a:xfrm>
+          <a:off x="0" y="0"/>
+          <a:ext cx="0" cy="0"/>
+          <a:chOff x="0" y="0"/>
+          <a:chExt cx="0" cy="0"/>
+        </a:xfrm>
+      </p:grpSpPr>
+      <p:sp>
+        <p:nvSpPr>
+          <p:cNvPr id="72" name="Google Shape;72;p4:notes"/>
+          <p:cNvSpPr txBox="1"/>
+          <p:nvPr>
+            <p:ph type="body" idx="1"/>
+          </p:nvPr>
+        </p:nvSpPr>
+        <p:spPr>
+          <a:xfrm>
+            <a:off x="755950" y="5078600"/>
+            <a:ext cx="6047725" cy="4811300"/>
+          </a:xfrm>
+          <a:prstGeom prst="rect">
+            <a:avLst/>
+          </a:prstGeom>
+        </p:spPr>
+        <p:txBody>
+          <a:bodyPr spcFirstLastPara="1" wrap="square" lIns="91425" tIns="91425" rIns="91425" bIns="91425" anchor="t" anchorCtr="0">
+            <a:noAutofit/>
+          </a:bodyPr>
+          <a:lstStyle/>
+          <a:p>
+            <a:pPr marL="0" lvl="0" indent="0" algn="l" rtl="0">
+              <a:spcBef>
+                <a:spcPts val="0"/>
+              </a:spcBef>
+              <a:spcAft>
+                <a:spcPts val="0"/>
+              </a:spcAft>
+              <a:buNone/>
+            </a:pPr>
+          </a:p>
+        </p:txBody>
+      </p:sp>
+      <p:sp>
+        <p:nvSpPr>
+          <p:cNvPr id="73" name="Google Shape;73;p4:notes"/>
+          <p:cNvSpPr/>
+          <p:nvPr>
+            <p:ph type="sldImg" idx="2"/>
+          </p:nvPr>
+        </p:nvSpPr>
+        <p:spPr>
+          <a:xfrm>
+            <a:off x="1260175" y="801875"/>
+            <a:ext cx="5040025" cy="4009425"/>
+          </a:xfrm>
+          <a:custGeom>
+            <a:avLst/>
+            <a:gdLst/>
+            <a:ahLst/>
+            <a:cxnLst/>
+            <a:rect l="l" t="t" r="r" b="b"/>
+            <a:pathLst>
+              <a:path w="120000" h="120000" extrusionOk="0">
+                <a:moveTo>
+                  <a:pt x="0" y="0"/>
+                </a:moveTo>
+                <a:lnTo>
+                  <a:pt x="120000" y="0"/>
+                </a:lnTo>
+                <a:lnTo>
+                  <a:pt x="120000" y="120000"/>
+                </a:lnTo>
+                <a:lnTo>
+                  <a:pt x="0" y="120000"/>
+                </a:lnTo>
+                <a:close/>
+              </a:path>
+            </a:pathLst>
+          </a:custGeom>
+        </p:spPr>
+      </p:sp>
+    </p:spTree>
+  </p:cSld>
+  <p:clrMapOvr>
+    <a:masterClrMapping/>
+  </p:clrMapOvr>
+</p:notes>
+</file>
+
+<file path=ppt/notesSlides/notesSlide11.xml><?xml version="1.0" encoding="utf-8"?>
+<p:notes xmlns:a="http://schemas.openxmlformats.org/drawingml/2006/main" xmlns:r="http://schemas.openxmlformats.org/officeDocument/2006/relationships" xmlns:p="http://schemas.openxmlformats.org/presentationml/2006/main" showMasterPhAnim="0" showMasterSp="0">
+  <p:cSld>
+    <p:spTree>
+      <p:nvGrpSpPr>
+        <p:cNvPr id="71" name="Shape 71"/>
+        <p:cNvGrpSpPr/>
+        <p:nvPr/>
+      </p:nvGrpSpPr>
+      <p:grpSpPr>
+        <a:xfrm>
+          <a:off x="0" y="0"/>
+          <a:ext cx="0" cy="0"/>
+          <a:chOff x="0" y="0"/>
+          <a:chExt cx="0" cy="0"/>
+        </a:xfrm>
+      </p:grpSpPr>
+      <p:sp>
+        <p:nvSpPr>
+          <p:cNvPr id="72" name="Google Shape;72;p4:notes"/>
+          <p:cNvSpPr txBox="1"/>
+          <p:nvPr>
+            <p:ph type="body" idx="1"/>
+          </p:nvPr>
+        </p:nvSpPr>
+        <p:spPr>
+          <a:xfrm>
+            <a:off x="755950" y="5078600"/>
+            <a:ext cx="6047725" cy="4811300"/>
+          </a:xfrm>
+          <a:prstGeom prst="rect">
+            <a:avLst/>
+          </a:prstGeom>
+        </p:spPr>
+        <p:txBody>
+          <a:bodyPr spcFirstLastPara="1" wrap="square" lIns="91425" tIns="91425" rIns="91425" bIns="91425" anchor="t" anchorCtr="0">
+            <a:noAutofit/>
+          </a:bodyPr>
+          <a:lstStyle/>
+          <a:p>
+            <a:pPr marL="0" lvl="0" indent="0" algn="l" rtl="0">
+              <a:spcBef>
+                <a:spcPts val="0"/>
+              </a:spcBef>
+              <a:spcAft>
+                <a:spcPts val="0"/>
+              </a:spcAft>
+              <a:buNone/>
+            </a:pPr>
+          </a:p>
+        </p:txBody>
+      </p:sp>
+      <p:sp>
+        <p:nvSpPr>
+          <p:cNvPr id="73" name="Google Shape;73;p4:notes"/>
+          <p:cNvSpPr/>
+          <p:nvPr>
+            <p:ph type="sldImg" idx="2"/>
+          </p:nvPr>
+        </p:nvSpPr>
+        <p:spPr>
+          <a:xfrm>
+            <a:off x="1260175" y="801875"/>
+            <a:ext cx="5040025" cy="4009425"/>
+          </a:xfrm>
+          <a:custGeom>
+            <a:avLst/>
+            <a:gdLst/>
+            <a:ahLst/>
+            <a:cxnLst/>
+            <a:rect l="l" t="t" r="r" b="b"/>
+            <a:pathLst>
+              <a:path w="120000" h="120000" extrusionOk="0">
+                <a:moveTo>
+                  <a:pt x="0" y="0"/>
+                </a:moveTo>
+                <a:lnTo>
+                  <a:pt x="120000" y="0"/>
+                </a:lnTo>
+                <a:lnTo>
+                  <a:pt x="120000" y="120000"/>
+                </a:lnTo>
+                <a:lnTo>
+                  <a:pt x="0" y="120000"/>
+                </a:lnTo>
+                <a:close/>
+              </a:path>
+            </a:pathLst>
+          </a:custGeom>
+        </p:spPr>
+      </p:sp>
+    </p:spTree>
+  </p:cSld>
+  <p:clrMapOvr>
+    <a:masterClrMapping/>
+  </p:clrMapOvr>
+</p:notes>
+</file>
+
+<file path=ppt/notesSlides/notesSlide12.xml><?xml version="1.0" encoding="utf-8"?>
+<p:notes xmlns:a="http://schemas.openxmlformats.org/drawingml/2006/main" xmlns:r="http://schemas.openxmlformats.org/officeDocument/2006/relationships" xmlns:p="http://schemas.openxmlformats.org/presentationml/2006/main" showMasterPhAnim="0" showMasterSp="0">
+  <p:cSld>
+    <p:spTree>
+      <p:nvGrpSpPr>
+        <p:cNvPr id="71" name="Shape 71"/>
+        <p:cNvGrpSpPr/>
+        <p:nvPr/>
+      </p:nvGrpSpPr>
+      <p:grpSpPr>
+        <a:xfrm>
+          <a:off x="0" y="0"/>
+          <a:ext cx="0" cy="0"/>
+          <a:chOff x="0" y="0"/>
+          <a:chExt cx="0" cy="0"/>
+        </a:xfrm>
+      </p:grpSpPr>
+      <p:sp>
+        <p:nvSpPr>
+          <p:cNvPr id="72" name="Google Shape;72;p4:notes"/>
+          <p:cNvSpPr txBox="1"/>
+          <p:nvPr>
+            <p:ph type="body" idx="1"/>
+          </p:nvPr>
+        </p:nvSpPr>
+        <p:spPr>
+          <a:xfrm>
+            <a:off x="755950" y="5078600"/>
+            <a:ext cx="6047725" cy="4811300"/>
+          </a:xfrm>
+          <a:prstGeom prst="rect">
+            <a:avLst/>
+          </a:prstGeom>
+        </p:spPr>
+        <p:txBody>
+          <a:bodyPr spcFirstLastPara="1" wrap="square" lIns="91425" tIns="91425" rIns="91425" bIns="91425" anchor="t" anchorCtr="0">
+            <a:noAutofit/>
+          </a:bodyPr>
+          <a:lstStyle/>
+          <a:p>
+            <a:pPr marL="0" lvl="0" indent="0" algn="l" rtl="0">
+              <a:spcBef>
+                <a:spcPts val="0"/>
+              </a:spcBef>
+              <a:spcAft>
+                <a:spcPts val="0"/>
+              </a:spcAft>
+              <a:buNone/>
+            </a:pPr>
+          </a:p>
+        </p:txBody>
+      </p:sp>
+      <p:sp>
+        <p:nvSpPr>
+          <p:cNvPr id="73" name="Google Shape;73;p4:notes"/>
+          <p:cNvSpPr/>
+          <p:nvPr>
+            <p:ph type="sldImg" idx="2"/>
+          </p:nvPr>
+        </p:nvSpPr>
+        <p:spPr>
+          <a:xfrm>
+            <a:off x="1260175" y="801875"/>
+            <a:ext cx="5040025" cy="4009425"/>
+          </a:xfrm>
+          <a:custGeom>
+            <a:avLst/>
+            <a:gdLst/>
+            <a:ahLst/>
+            <a:cxnLst/>
+            <a:rect l="l" t="t" r="r" b="b"/>
+            <a:pathLst>
+              <a:path w="120000" h="120000" extrusionOk="0">
+                <a:moveTo>
+                  <a:pt x="0" y="0"/>
+                </a:moveTo>
+                <a:lnTo>
+                  <a:pt x="120000" y="0"/>
+                </a:lnTo>
+                <a:lnTo>
+                  <a:pt x="120000" y="120000"/>
+                </a:lnTo>
+                <a:lnTo>
+                  <a:pt x="0" y="120000"/>
+                </a:lnTo>
+                <a:close/>
+              </a:path>
+            </a:pathLst>
+          </a:custGeom>
+        </p:spPr>
+      </p:sp>
+    </p:spTree>
+  </p:cSld>
+  <p:clrMapOvr>
+    <a:masterClrMapping/>
+  </p:clrMapOvr>
+</p:notes>
+</file>
+
+<file path=ppt/notesSlides/notesSlide13.xml><?xml version="1.0" encoding="utf-8"?>
+<p:notes xmlns:a="http://schemas.openxmlformats.org/drawingml/2006/main" xmlns:r="http://schemas.openxmlformats.org/officeDocument/2006/relationships" xmlns:p="http://schemas.openxmlformats.org/presentationml/2006/main" showMasterPhAnim="0" showMasterSp="0">
+  <p:cSld>
+    <p:spTree>
+      <p:nvGrpSpPr>
+        <p:cNvPr id="71" name="Shape 71"/>
+        <p:cNvGrpSpPr/>
+        <p:nvPr/>
+      </p:nvGrpSpPr>
+      <p:grpSpPr>
+        <a:xfrm>
+          <a:off x="0" y="0"/>
+          <a:ext cx="0" cy="0"/>
+          <a:chOff x="0" y="0"/>
+          <a:chExt cx="0" cy="0"/>
+        </a:xfrm>
+      </p:grpSpPr>
+      <p:sp>
+        <p:nvSpPr>
+          <p:cNvPr id="72" name="Google Shape;72;p4:notes"/>
+          <p:cNvSpPr txBox="1"/>
+          <p:nvPr>
+            <p:ph type="body" idx="1"/>
+          </p:nvPr>
+        </p:nvSpPr>
+        <p:spPr>
+          <a:xfrm>
+            <a:off x="755950" y="5078600"/>
+            <a:ext cx="6047725" cy="4811300"/>
+          </a:xfrm>
+          <a:prstGeom prst="rect">
+            <a:avLst/>
+          </a:prstGeom>
+        </p:spPr>
+        <p:txBody>
+          <a:bodyPr spcFirstLastPara="1" wrap="square" lIns="91425" tIns="91425" rIns="91425" bIns="91425" anchor="t" anchorCtr="0">
+            <a:noAutofit/>
+          </a:bodyPr>
+          <a:lstStyle/>
+          <a:p>
+            <a:pPr marL="0" lvl="0" indent="0" algn="l" rtl="0">
+              <a:spcBef>
+                <a:spcPts val="0"/>
+              </a:spcBef>
+              <a:spcAft>
+                <a:spcPts val="0"/>
+              </a:spcAft>
+              <a:buNone/>
+            </a:pPr>
+          </a:p>
+        </p:txBody>
+      </p:sp>
+      <p:sp>
+        <p:nvSpPr>
+          <p:cNvPr id="73" name="Google Shape;73;p4:notes"/>
+          <p:cNvSpPr/>
+          <p:nvPr>
+            <p:ph type="sldImg" idx="2"/>
+          </p:nvPr>
+        </p:nvSpPr>
+        <p:spPr>
+          <a:xfrm>
+            <a:off x="1260175" y="801875"/>
+            <a:ext cx="5040025" cy="4009425"/>
+          </a:xfrm>
+          <a:custGeom>
+            <a:avLst/>
+            <a:gdLst/>
+            <a:ahLst/>
+            <a:cxnLst/>
+            <a:rect l="l" t="t" r="r" b="b"/>
+            <a:pathLst>
+              <a:path w="120000" h="120000" extrusionOk="0">
+                <a:moveTo>
+                  <a:pt x="0" y="0"/>
+                </a:moveTo>
+                <a:lnTo>
+                  <a:pt x="120000" y="0"/>
+                </a:lnTo>
+                <a:lnTo>
+                  <a:pt x="120000" y="120000"/>
+                </a:lnTo>
+                <a:lnTo>
+                  <a:pt x="0" y="120000"/>
+                </a:lnTo>
+                <a:close/>
+              </a:path>
+            </a:pathLst>
+          </a:custGeom>
+        </p:spPr>
+      </p:sp>
+    </p:spTree>
+  </p:cSld>
+  <p:clrMapOvr>
+    <a:masterClrMapping/>
+  </p:clrMapOvr>
+</p:notes>
+</file>
+
+<file path=ppt/notesSlides/notesSlide14.xml><?xml version="1.0" encoding="utf-8"?>
+<p:notes xmlns:a="http://schemas.openxmlformats.org/drawingml/2006/main" xmlns:r="http://schemas.openxmlformats.org/officeDocument/2006/relationships" xmlns:p="http://schemas.openxmlformats.org/presentationml/2006/main" showMasterPhAnim="0" showMasterSp="0">
+  <p:cSld>
+    <p:spTree>
+      <p:nvGrpSpPr>
+        <p:cNvPr id="71" name="Shape 71"/>
+        <p:cNvGrpSpPr/>
+        <p:nvPr/>
+      </p:nvGrpSpPr>
+      <p:grpSpPr>
+        <a:xfrm>
+          <a:off x="0" y="0"/>
+          <a:ext cx="0" cy="0"/>
+          <a:chOff x="0" y="0"/>
+          <a:chExt cx="0" cy="0"/>
+        </a:xfrm>
+      </p:grpSpPr>
+      <p:sp>
+        <p:nvSpPr>
+          <p:cNvPr id="72" name="Google Shape;72;p4:notes"/>
+          <p:cNvSpPr txBox="1"/>
+          <p:nvPr>
+            <p:ph type="body" idx="1"/>
+          </p:nvPr>
+        </p:nvSpPr>
+        <p:spPr>
+          <a:xfrm>
+            <a:off x="755950" y="5078600"/>
+            <a:ext cx="6047725" cy="4811300"/>
+          </a:xfrm>
+          <a:prstGeom prst="rect">
+            <a:avLst/>
+          </a:prstGeom>
+        </p:spPr>
+        <p:txBody>
+          <a:bodyPr spcFirstLastPara="1" wrap="square" lIns="91425" tIns="91425" rIns="91425" bIns="91425" anchor="t" anchorCtr="0">
+            <a:noAutofit/>
+          </a:bodyPr>
+          <a:lstStyle/>
+          <a:p>
+            <a:pPr marL="0" lvl="0" indent="0" algn="l" rtl="0">
+              <a:spcBef>
+                <a:spcPts val="0"/>
+              </a:spcBef>
+              <a:spcAft>
+                <a:spcPts val="0"/>
+              </a:spcAft>
+              <a:buNone/>
+            </a:pPr>
+          </a:p>
+        </p:txBody>
+      </p:sp>
+      <p:sp>
+        <p:nvSpPr>
+          <p:cNvPr id="73" name="Google Shape;73;p4:notes"/>
+          <p:cNvSpPr/>
+          <p:nvPr>
+            <p:ph type="sldImg" idx="2"/>
+          </p:nvPr>
+        </p:nvSpPr>
+        <p:spPr>
+          <a:xfrm>
+            <a:off x="1260175" y="801875"/>
+            <a:ext cx="5040025" cy="4009425"/>
+          </a:xfrm>
+          <a:custGeom>
+            <a:avLst/>
+            <a:gdLst/>
+            <a:ahLst/>
+            <a:cxnLst/>
+            <a:rect l="l" t="t" r="r" b="b"/>
+            <a:pathLst>
+              <a:path w="120000" h="120000" extrusionOk="0">
                 <a:moveTo>
                   <a:pt x="0" y="0"/>
                 </a:moveTo>
@@ -778,7 +1288,7 @@
 </file>
 
 <file path=ppt/notesSlides/notesSlide2.xml><?xml version="1.0" encoding="utf-8"?>
-<p:notes xmlns:a="http://schemas.openxmlformats.org/drawingml/2006/main" xmlns:r="http://schemas.openxmlformats.org/officeDocument/2006/relationships" xmlns:mc="http://schemas.openxmlformats.org/markup-compatibility/2006" xmlns:mv="urn:schemas-microsoft-com:mac:vml" xmlns:p="http://schemas.openxmlformats.org/presentationml/2006/main" xmlns:c="http://schemas.openxmlformats.org/drawingml/2006/chart" xmlns:dgm="http://schemas.openxmlformats.org/drawingml/2006/diagram" xmlns:o="urn:schemas-microsoft-com:office:office" xmlns:v="urn:schemas-microsoft-com:vml" xmlns:pvml="urn:schemas-microsoft-com:office:powerpoint" xmlns:com="http://schemas.openxmlformats.org/drawingml/2006/compatibility" xmlns:p14="http://schemas.microsoft.com/office/powerpoint/2010/main" xmlns:p15="http://schemas.microsoft.com/office/powerpoint/2012/main" xmlns:ahyp="http://schemas.microsoft.com/office/drawing/2018/hyperlinkcolor" showMasterPhAnim="0" showMasterSp="0">
+<p:notes xmlns:a="http://schemas.openxmlformats.org/drawingml/2006/main" xmlns:r="http://schemas.openxmlformats.org/officeDocument/2006/relationships" xmlns:p="http://schemas.openxmlformats.org/presentationml/2006/main" showMasterPhAnim="0" showMasterSp="0">
   <p:cSld>
     <p:spTree>
       <p:nvGrpSpPr>
@@ -799,7 +1309,7 @@
           <p:cNvPr id="60" name="Google Shape;60;p2:notes"/>
           <p:cNvSpPr txBox="1"/>
           <p:nvPr>
-            <p:ph idx="1" type="body"/>
+            <p:ph type="body" idx="1"/>
           </p:nvPr>
         </p:nvSpPr>
         <p:spPr>
@@ -812,12 +1322,12 @@
           </a:prstGeom>
         </p:spPr>
         <p:txBody>
-          <a:bodyPr anchorCtr="0" anchor="t" bIns="91425" lIns="91425" spcFirstLastPara="1" rIns="91425" wrap="square" tIns="91425">
+          <a:bodyPr spcFirstLastPara="1" wrap="square" lIns="91425" tIns="91425" rIns="91425" bIns="91425" anchor="t" anchorCtr="0">
             <a:noAutofit/>
           </a:bodyPr>
           <a:lstStyle/>
           <a:p>
-            <a:pPr indent="0" lvl="0" marL="0" rtl="0" algn="l">
+            <a:pPr marL="0" lvl="0" indent="0" algn="l" rtl="0">
               <a:spcBef>
                 <a:spcPts val="0"/>
               </a:spcBef>
@@ -826,10 +1336,6 @@
               </a:spcAft>
               <a:buNone/>
             </a:pPr>
-            <a:r>
-              <a:t/>
-            </a:r>
-            <a:endParaRPr/>
           </a:p>
         </p:txBody>
       </p:sp>
@@ -838,7 +1344,7 @@
           <p:cNvPr id="61" name="Google Shape;61;p2:notes"/>
           <p:cNvSpPr/>
           <p:nvPr>
-            <p:ph idx="2" type="sldImg"/>
+            <p:ph type="sldImg" idx="2"/>
           </p:nvPr>
         </p:nvSpPr>
         <p:spPr>
@@ -847,9 +1353,13 @@
             <a:ext cx="5040025" cy="4009425"/>
           </a:xfrm>
           <a:custGeom>
-            <a:rect b="b" l="l" r="r" t="t"/>
+            <a:avLst/>
+            <a:gdLst/>
+            <a:ahLst/>
+            <a:cxnLst/>
+            <a:rect l="l" t="t" r="r" b="b"/>
             <a:pathLst>
-              <a:path extrusionOk="0" h="120000" w="120000">
+              <a:path w="120000" h="120000" extrusionOk="0">
                 <a:moveTo>
                   <a:pt x="0" y="0"/>
                 </a:moveTo>
@@ -877,7 +1387,7 @@
 </file>
 
 <file path=ppt/notesSlides/notesSlide3.xml><?xml version="1.0" encoding="utf-8"?>
-<p:notes xmlns:a="http://schemas.openxmlformats.org/drawingml/2006/main" xmlns:r="http://schemas.openxmlformats.org/officeDocument/2006/relationships" xmlns:mc="http://schemas.openxmlformats.org/markup-compatibility/2006" xmlns:mv="urn:schemas-microsoft-com:mac:vml" xmlns:p="http://schemas.openxmlformats.org/presentationml/2006/main" xmlns:c="http://schemas.openxmlformats.org/drawingml/2006/chart" xmlns:dgm="http://schemas.openxmlformats.org/drawingml/2006/diagram" xmlns:o="urn:schemas-microsoft-com:office:office" xmlns:v="urn:schemas-microsoft-com:vml" xmlns:pvml="urn:schemas-microsoft-com:office:powerpoint" xmlns:com="http://schemas.openxmlformats.org/drawingml/2006/compatibility" xmlns:p14="http://schemas.microsoft.com/office/powerpoint/2010/main" xmlns:p15="http://schemas.microsoft.com/office/powerpoint/2012/main" xmlns:ahyp="http://schemas.microsoft.com/office/drawing/2018/hyperlinkcolor" showMasterPhAnim="0" showMasterSp="0">
+<p:notes xmlns:a="http://schemas.openxmlformats.org/drawingml/2006/main" xmlns:r="http://schemas.openxmlformats.org/officeDocument/2006/relationships" xmlns:p="http://schemas.openxmlformats.org/presentationml/2006/main" showMasterPhAnim="0" showMasterSp="0">
   <p:cSld>
     <p:spTree>
       <p:nvGrpSpPr>
@@ -898,7 +1408,7 @@
           <p:cNvPr id="66" name="Google Shape;66;p3:notes"/>
           <p:cNvSpPr txBox="1"/>
           <p:nvPr>
-            <p:ph idx="1" type="body"/>
+            <p:ph type="body" idx="1"/>
           </p:nvPr>
         </p:nvSpPr>
         <p:spPr>
@@ -911,12 +1421,12 @@
           </a:prstGeom>
         </p:spPr>
         <p:txBody>
-          <a:bodyPr anchorCtr="0" anchor="t" bIns="91425" lIns="91425" spcFirstLastPara="1" rIns="91425" wrap="square" tIns="91425">
+          <a:bodyPr spcFirstLastPara="1" wrap="square" lIns="91425" tIns="91425" rIns="91425" bIns="91425" anchor="t" anchorCtr="0">
             <a:noAutofit/>
           </a:bodyPr>
           <a:lstStyle/>
           <a:p>
-            <a:pPr indent="0" lvl="0" marL="0" rtl="0" algn="l">
+            <a:pPr marL="0" lvl="0" indent="0" algn="l" rtl="0">
               <a:spcBef>
                 <a:spcPts val="0"/>
               </a:spcBef>
@@ -925,10 +1435,6 @@
               </a:spcAft>
               <a:buNone/>
             </a:pPr>
-            <a:r>
-              <a:t/>
-            </a:r>
-            <a:endParaRPr/>
           </a:p>
         </p:txBody>
       </p:sp>
@@ -937,7 +1443,7 @@
           <p:cNvPr id="67" name="Google Shape;67;p3:notes"/>
           <p:cNvSpPr/>
           <p:nvPr>
-            <p:ph idx="2" type="sldImg"/>
+            <p:ph type="sldImg" idx="2"/>
           </p:nvPr>
         </p:nvSpPr>
         <p:spPr>
@@ -946,9 +1452,13 @@
             <a:ext cx="5040025" cy="4009425"/>
           </a:xfrm>
           <a:custGeom>
-            <a:rect b="b" l="l" r="r" t="t"/>
+            <a:avLst/>
+            <a:gdLst/>
+            <a:ahLst/>
+            <a:cxnLst/>
+            <a:rect l="l" t="t" r="r" b="b"/>
             <a:pathLst>
-              <a:path extrusionOk="0" h="120000" w="120000">
+              <a:path w="120000" h="120000" extrusionOk="0">
                 <a:moveTo>
                   <a:pt x="0" y="0"/>
                 </a:moveTo>
@@ -976,7 +1486,7 @@
 </file>
 
 <file path=ppt/notesSlides/notesSlide4.xml><?xml version="1.0" encoding="utf-8"?>
-<p:notes xmlns:a="http://schemas.openxmlformats.org/drawingml/2006/main" xmlns:r="http://schemas.openxmlformats.org/officeDocument/2006/relationships" xmlns:mc="http://schemas.openxmlformats.org/markup-compatibility/2006" xmlns:mv="urn:schemas-microsoft-com:mac:vml" xmlns:p="http://schemas.openxmlformats.org/presentationml/2006/main" xmlns:c="http://schemas.openxmlformats.org/drawingml/2006/chart" xmlns:dgm="http://schemas.openxmlformats.org/drawingml/2006/diagram" xmlns:o="urn:schemas-microsoft-com:office:office" xmlns:v="urn:schemas-microsoft-com:vml" xmlns:pvml="urn:schemas-microsoft-com:office:powerpoint" xmlns:com="http://schemas.openxmlformats.org/drawingml/2006/compatibility" xmlns:p14="http://schemas.microsoft.com/office/powerpoint/2010/main" xmlns:p15="http://schemas.microsoft.com/office/powerpoint/2012/main" xmlns:ahyp="http://schemas.microsoft.com/office/drawing/2018/hyperlinkcolor" showMasterPhAnim="0" showMasterSp="0">
+<p:notes xmlns:a="http://schemas.openxmlformats.org/drawingml/2006/main" xmlns:r="http://schemas.openxmlformats.org/officeDocument/2006/relationships" xmlns:p="http://schemas.openxmlformats.org/presentationml/2006/main" showMasterPhAnim="0" showMasterSp="0">
   <p:cSld>
     <p:spTree>
       <p:nvGrpSpPr>
@@ -997,7 +1507,7 @@
           <p:cNvPr id="72" name="Google Shape;72;p4:notes"/>
           <p:cNvSpPr txBox="1"/>
           <p:nvPr>
-            <p:ph idx="1" type="body"/>
+            <p:ph type="body" idx="1"/>
           </p:nvPr>
         </p:nvSpPr>
         <p:spPr>
@@ -1010,12 +1520,12 @@
           </a:prstGeom>
         </p:spPr>
         <p:txBody>
-          <a:bodyPr anchorCtr="0" anchor="t" bIns="91425" lIns="91425" spcFirstLastPara="1" rIns="91425" wrap="square" tIns="91425">
+          <a:bodyPr spcFirstLastPara="1" wrap="square" lIns="91425" tIns="91425" rIns="91425" bIns="91425" anchor="t" anchorCtr="0">
             <a:noAutofit/>
           </a:bodyPr>
           <a:lstStyle/>
           <a:p>
-            <a:pPr indent="0" lvl="0" marL="0" rtl="0" algn="l">
+            <a:pPr marL="0" lvl="0" indent="0" algn="l" rtl="0">
               <a:spcBef>
                 <a:spcPts val="0"/>
               </a:spcBef>
@@ -1024,10 +1534,6 @@
               </a:spcAft>
               <a:buNone/>
             </a:pPr>
-            <a:r>
-              <a:t/>
-            </a:r>
-            <a:endParaRPr/>
           </a:p>
         </p:txBody>
       </p:sp>
@@ -1036,7 +1542,7 @@
           <p:cNvPr id="73" name="Google Shape;73;p4:notes"/>
           <p:cNvSpPr/>
           <p:nvPr>
-            <p:ph idx="2" type="sldImg"/>
+            <p:ph type="sldImg" idx="2"/>
           </p:nvPr>
         </p:nvSpPr>
         <p:spPr>
@@ -1045,9 +1551,13 @@
             <a:ext cx="5040025" cy="4009425"/>
           </a:xfrm>
           <a:custGeom>
-            <a:rect b="b" l="l" r="r" t="t"/>
+            <a:avLst/>
+            <a:gdLst/>
+            <a:ahLst/>
+            <a:cxnLst/>
+            <a:rect l="l" t="t" r="r" b="b"/>
             <a:pathLst>
-              <a:path extrusionOk="0" h="120000" w="120000">
+              <a:path w="120000" h="120000" extrusionOk="0">
                 <a:moveTo>
                   <a:pt x="0" y="0"/>
                 </a:moveTo>
@@ -1075,7 +1585,7 @@
 </file>
 
 <file path=ppt/notesSlides/notesSlide5.xml><?xml version="1.0" encoding="utf-8"?>
-<p:notes xmlns:a="http://schemas.openxmlformats.org/drawingml/2006/main" xmlns:r="http://schemas.openxmlformats.org/officeDocument/2006/relationships" xmlns:mc="http://schemas.openxmlformats.org/markup-compatibility/2006" xmlns:mv="urn:schemas-microsoft-com:mac:vml" xmlns:p="http://schemas.openxmlformats.org/presentationml/2006/main" xmlns:c="http://schemas.openxmlformats.org/drawingml/2006/chart" xmlns:dgm="http://schemas.openxmlformats.org/drawingml/2006/diagram" xmlns:o="urn:schemas-microsoft-com:office:office" xmlns:v="urn:schemas-microsoft-com:vml" xmlns:pvml="urn:schemas-microsoft-com:office:powerpoint" xmlns:com="http://schemas.openxmlformats.org/drawingml/2006/compatibility" xmlns:p14="http://schemas.microsoft.com/office/powerpoint/2010/main" xmlns:p15="http://schemas.microsoft.com/office/powerpoint/2012/main" xmlns:ahyp="http://schemas.microsoft.com/office/drawing/2018/hyperlinkcolor" showMasterPhAnim="0" showMasterSp="0">
+<p:notes xmlns:a="http://schemas.openxmlformats.org/drawingml/2006/main" xmlns:r="http://schemas.openxmlformats.org/officeDocument/2006/relationships" xmlns:p="http://schemas.openxmlformats.org/presentationml/2006/main" showMasterPhAnim="0" showMasterSp="0">
   <p:cSld>
     <p:spTree>
       <p:nvGrpSpPr>
@@ -1096,7 +1606,7 @@
           <p:cNvPr id="78" name="Google Shape;78;p5:notes"/>
           <p:cNvSpPr txBox="1"/>
           <p:nvPr>
-            <p:ph idx="1" type="body"/>
+            <p:ph type="body" idx="1"/>
           </p:nvPr>
         </p:nvSpPr>
         <p:spPr>
@@ -1109,12 +1619,12 @@
           </a:prstGeom>
         </p:spPr>
         <p:txBody>
-          <a:bodyPr anchorCtr="0" anchor="t" bIns="91425" lIns="91425" spcFirstLastPara="1" rIns="91425" wrap="square" tIns="91425">
+          <a:bodyPr spcFirstLastPara="1" wrap="square" lIns="91425" tIns="91425" rIns="91425" bIns="91425" anchor="t" anchorCtr="0">
             <a:noAutofit/>
           </a:bodyPr>
           <a:lstStyle/>
           <a:p>
-            <a:pPr indent="0" lvl="0" marL="0" rtl="0" algn="l">
+            <a:pPr marL="0" lvl="0" indent="0" algn="l" rtl="0">
               <a:spcBef>
                 <a:spcPts val="0"/>
               </a:spcBef>
@@ -1123,10 +1633,6 @@
               </a:spcAft>
               <a:buNone/>
             </a:pPr>
-            <a:r>
-              <a:t/>
-            </a:r>
-            <a:endParaRPr/>
           </a:p>
         </p:txBody>
       </p:sp>
@@ -1135,7 +1641,7 @@
           <p:cNvPr id="79" name="Google Shape;79;p5:notes"/>
           <p:cNvSpPr/>
           <p:nvPr>
-            <p:ph idx="2" type="sldImg"/>
+            <p:ph type="sldImg" idx="2"/>
           </p:nvPr>
         </p:nvSpPr>
         <p:spPr>
@@ -1144,9 +1650,13 @@
             <a:ext cx="5040025" cy="4009425"/>
           </a:xfrm>
           <a:custGeom>
-            <a:rect b="b" l="l" r="r" t="t"/>
+            <a:avLst/>
+            <a:gdLst/>
+            <a:ahLst/>
+            <a:cxnLst/>
+            <a:rect l="l" t="t" r="r" b="b"/>
             <a:pathLst>
-              <a:path extrusionOk="0" h="120000" w="120000">
+              <a:path w="120000" h="120000" extrusionOk="0">
                 <a:moveTo>
                   <a:pt x="0" y="0"/>
                 </a:moveTo>
@@ -1174,7 +1684,7 @@
 </file>
 
 <file path=ppt/notesSlides/notesSlide6.xml><?xml version="1.0" encoding="utf-8"?>
-<p:notes xmlns:a="http://schemas.openxmlformats.org/drawingml/2006/main" xmlns:r="http://schemas.openxmlformats.org/officeDocument/2006/relationships" xmlns:mc="http://schemas.openxmlformats.org/markup-compatibility/2006" xmlns:mv="urn:schemas-microsoft-com:mac:vml" xmlns:p="http://schemas.openxmlformats.org/presentationml/2006/main" xmlns:c="http://schemas.openxmlformats.org/drawingml/2006/chart" xmlns:dgm="http://schemas.openxmlformats.org/drawingml/2006/diagram" xmlns:o="urn:schemas-microsoft-com:office:office" xmlns:v="urn:schemas-microsoft-com:vml" xmlns:pvml="urn:schemas-microsoft-com:office:powerpoint" xmlns:com="http://schemas.openxmlformats.org/drawingml/2006/compatibility" xmlns:p14="http://schemas.microsoft.com/office/powerpoint/2010/main" xmlns:p15="http://schemas.microsoft.com/office/powerpoint/2012/main" xmlns:ahyp="http://schemas.microsoft.com/office/drawing/2018/hyperlinkcolor" showMasterPhAnim="0" showMasterSp="0">
+<p:notes xmlns:a="http://schemas.openxmlformats.org/drawingml/2006/main" xmlns:r="http://schemas.openxmlformats.org/officeDocument/2006/relationships" xmlns:p="http://schemas.openxmlformats.org/presentationml/2006/main" showMasterPhAnim="0" showMasterSp="0">
   <p:cSld>
     <p:spTree>
       <p:nvGrpSpPr>
@@ -1195,7 +1705,7 @@
           <p:cNvPr id="83" name="Google Shape;83;p7:notes"/>
           <p:cNvSpPr txBox="1"/>
           <p:nvPr>
-            <p:ph idx="1" type="body"/>
+            <p:ph type="body" idx="1"/>
           </p:nvPr>
         </p:nvSpPr>
         <p:spPr>
@@ -1208,12 +1718,12 @@
           </a:prstGeom>
         </p:spPr>
         <p:txBody>
-          <a:bodyPr anchorCtr="0" anchor="t" bIns="91425" lIns="91425" spcFirstLastPara="1" rIns="91425" wrap="square" tIns="91425">
+          <a:bodyPr spcFirstLastPara="1" wrap="square" lIns="91425" tIns="91425" rIns="91425" bIns="91425" anchor="t" anchorCtr="0">
             <a:noAutofit/>
           </a:bodyPr>
           <a:lstStyle/>
           <a:p>
-            <a:pPr indent="0" lvl="0" marL="0" rtl="0" algn="l">
+            <a:pPr marL="0" lvl="0" indent="0" algn="l" rtl="0">
               <a:spcBef>
                 <a:spcPts val="0"/>
               </a:spcBef>
@@ -1222,10 +1732,6 @@
               </a:spcAft>
               <a:buNone/>
             </a:pPr>
-            <a:r>
-              <a:t/>
-            </a:r>
-            <a:endParaRPr/>
           </a:p>
         </p:txBody>
       </p:sp>
@@ -1234,7 +1740,7 @@
           <p:cNvPr id="84" name="Google Shape;84;p7:notes"/>
           <p:cNvSpPr/>
           <p:nvPr>
-            <p:ph idx="2" type="sldImg"/>
+            <p:ph type="sldImg" idx="2"/>
           </p:nvPr>
         </p:nvSpPr>
         <p:spPr>
@@ -1243,9 +1749,13 @@
             <a:ext cx="5040025" cy="4009425"/>
           </a:xfrm>
           <a:custGeom>
-            <a:rect b="b" l="l" r="r" t="t"/>
+            <a:avLst/>
+            <a:gdLst/>
+            <a:ahLst/>
+            <a:cxnLst/>
+            <a:rect l="l" t="t" r="r" b="b"/>
             <a:pathLst>
-              <a:path extrusionOk="0" h="120000" w="120000">
+              <a:path w="120000" h="120000" extrusionOk="0">
                 <a:moveTo>
                   <a:pt x="0" y="0"/>
                 </a:moveTo>
@@ -1273,7 +1783,7 @@
 </file>
 
 <file path=ppt/notesSlides/notesSlide7.xml><?xml version="1.0" encoding="utf-8"?>
-<p:notes xmlns:a="http://schemas.openxmlformats.org/drawingml/2006/main" xmlns:r="http://schemas.openxmlformats.org/officeDocument/2006/relationships" xmlns:mc="http://schemas.openxmlformats.org/markup-compatibility/2006" xmlns:mv="urn:schemas-microsoft-com:mac:vml" xmlns:p="http://schemas.openxmlformats.org/presentationml/2006/main" xmlns:c="http://schemas.openxmlformats.org/drawingml/2006/chart" xmlns:dgm="http://schemas.openxmlformats.org/drawingml/2006/diagram" xmlns:o="urn:schemas-microsoft-com:office:office" xmlns:v="urn:schemas-microsoft-com:vml" xmlns:pvml="urn:schemas-microsoft-com:office:powerpoint" xmlns:com="http://schemas.openxmlformats.org/drawingml/2006/compatibility" xmlns:p14="http://schemas.microsoft.com/office/powerpoint/2010/main" xmlns:p15="http://schemas.microsoft.com/office/powerpoint/2012/main" xmlns:ahyp="http://schemas.microsoft.com/office/drawing/2018/hyperlinkcolor" showMasterPhAnim="0" showMasterSp="0">
+<p:notes xmlns:a="http://schemas.openxmlformats.org/drawingml/2006/main" xmlns:r="http://schemas.openxmlformats.org/officeDocument/2006/relationships" xmlns:p="http://schemas.openxmlformats.org/presentationml/2006/main" showMasterPhAnim="0" showMasterSp="0">
   <p:cSld>
     <p:spTree>
       <p:nvGrpSpPr>
@@ -1294,7 +1804,7 @@
           <p:cNvPr id="89" name="Google Shape;89;p8:notes"/>
           <p:cNvSpPr txBox="1"/>
           <p:nvPr>
-            <p:ph idx="1" type="body"/>
+            <p:ph type="body" idx="1"/>
           </p:nvPr>
         </p:nvSpPr>
         <p:spPr>
@@ -1307,12 +1817,12 @@
           </a:prstGeom>
         </p:spPr>
         <p:txBody>
-          <a:bodyPr anchorCtr="0" anchor="t" bIns="91425" lIns="91425" spcFirstLastPara="1" rIns="91425" wrap="square" tIns="91425">
+          <a:bodyPr spcFirstLastPara="1" wrap="square" lIns="91425" tIns="91425" rIns="91425" bIns="91425" anchor="t" anchorCtr="0">
             <a:noAutofit/>
           </a:bodyPr>
           <a:lstStyle/>
           <a:p>
-            <a:pPr indent="0" lvl="0" marL="0" rtl="0" algn="l">
+            <a:pPr marL="0" lvl="0" indent="0" algn="l" rtl="0">
               <a:spcBef>
                 <a:spcPts val="0"/>
               </a:spcBef>
@@ -1321,10 +1831,6 @@
               </a:spcAft>
               <a:buNone/>
             </a:pPr>
-            <a:r>
-              <a:t/>
-            </a:r>
-            <a:endParaRPr/>
           </a:p>
         </p:txBody>
       </p:sp>
@@ -1333,7 +1839,7 @@
           <p:cNvPr id="90" name="Google Shape;90;p8:notes"/>
           <p:cNvSpPr/>
           <p:nvPr>
-            <p:ph idx="2" type="sldImg"/>
+            <p:ph type="sldImg" idx="2"/>
           </p:nvPr>
         </p:nvSpPr>
         <p:spPr>
@@ -1342,9 +1848,13 @@
             <a:ext cx="5040025" cy="4009425"/>
           </a:xfrm>
           <a:custGeom>
-            <a:rect b="b" l="l" r="r" t="t"/>
+            <a:avLst/>
+            <a:gdLst/>
+            <a:ahLst/>
+            <a:cxnLst/>
+            <a:rect l="l" t="t" r="r" b="b"/>
             <a:pathLst>
-              <a:path extrusionOk="0" h="120000" w="120000">
+              <a:path w="120000" h="120000" extrusionOk="0">
                 <a:moveTo>
                   <a:pt x="0" y="0"/>
                 </a:moveTo>
@@ -1372,7 +1882,7 @@
 </file>
 
 <file path=ppt/notesSlides/notesSlide8.xml><?xml version="1.0" encoding="utf-8"?>
-<p:notes xmlns:a="http://schemas.openxmlformats.org/drawingml/2006/main" xmlns:r="http://schemas.openxmlformats.org/officeDocument/2006/relationships" xmlns:mc="http://schemas.openxmlformats.org/markup-compatibility/2006" xmlns:mv="urn:schemas-microsoft-com:mac:vml" xmlns:p="http://schemas.openxmlformats.org/presentationml/2006/main" xmlns:c="http://schemas.openxmlformats.org/drawingml/2006/chart" xmlns:dgm="http://schemas.openxmlformats.org/drawingml/2006/diagram" xmlns:o="urn:schemas-microsoft-com:office:office" xmlns:v="urn:schemas-microsoft-com:vml" xmlns:pvml="urn:schemas-microsoft-com:office:powerpoint" xmlns:com="http://schemas.openxmlformats.org/drawingml/2006/compatibility" xmlns:p14="http://schemas.microsoft.com/office/powerpoint/2010/main" xmlns:p15="http://schemas.microsoft.com/office/powerpoint/2012/main" xmlns:ahyp="http://schemas.microsoft.com/office/drawing/2018/hyperlinkcolor" showMasterPhAnim="0" showMasterSp="0">
+<p:notes xmlns:a="http://schemas.openxmlformats.org/drawingml/2006/main" xmlns:r="http://schemas.openxmlformats.org/officeDocument/2006/relationships" xmlns:p="http://schemas.openxmlformats.org/presentationml/2006/main" showMasterPhAnim="0" showMasterSp="0">
   <p:cSld>
     <p:spTree>
       <p:nvGrpSpPr>
@@ -1393,7 +1903,7 @@
           <p:cNvPr id="95" name="Google Shape;95;p9:notes"/>
           <p:cNvSpPr txBox="1"/>
           <p:nvPr>
-            <p:ph idx="1" type="body"/>
+            <p:ph type="body" idx="1"/>
           </p:nvPr>
         </p:nvSpPr>
         <p:spPr>
@@ -1406,12 +1916,12 @@
           </a:prstGeom>
         </p:spPr>
         <p:txBody>
-          <a:bodyPr anchorCtr="0" anchor="t" bIns="91425" lIns="91425" spcFirstLastPara="1" rIns="91425" wrap="square" tIns="91425">
+          <a:bodyPr spcFirstLastPara="1" wrap="square" lIns="91425" tIns="91425" rIns="91425" bIns="91425" anchor="t" anchorCtr="0">
             <a:noAutofit/>
           </a:bodyPr>
           <a:lstStyle/>
           <a:p>
-            <a:pPr indent="0" lvl="0" marL="0" rtl="0" algn="l">
+            <a:pPr marL="0" lvl="0" indent="0" algn="l" rtl="0">
               <a:spcBef>
                 <a:spcPts val="0"/>
               </a:spcBef>
@@ -1420,10 +1930,6 @@
               </a:spcAft>
               <a:buNone/>
             </a:pPr>
-            <a:r>
-              <a:t/>
-            </a:r>
-            <a:endParaRPr/>
           </a:p>
         </p:txBody>
       </p:sp>
@@ -1432,7 +1938,7 @@
           <p:cNvPr id="96" name="Google Shape;96;p9:notes"/>
           <p:cNvSpPr/>
           <p:nvPr>
-            <p:ph idx="2" type="sldImg"/>
+            <p:ph type="sldImg" idx="2"/>
           </p:nvPr>
         </p:nvSpPr>
         <p:spPr>
@@ -1441,9 +1947,13 @@
             <a:ext cx="5040025" cy="4009425"/>
           </a:xfrm>
           <a:custGeom>
-            <a:rect b="b" l="l" r="r" t="t"/>
+            <a:avLst/>
+            <a:gdLst/>
+            <a:ahLst/>
+            <a:cxnLst/>
+            <a:rect l="l" t="t" r="r" b="b"/>
             <a:pathLst>
-              <a:path extrusionOk="0" h="120000" w="120000">
+              <a:path w="120000" h="120000" extrusionOk="0">
                 <a:moveTo>
                   <a:pt x="0" y="0"/>
                 </a:moveTo>
@@ -1471,11 +1981,11 @@
 </file>
 
 <file path=ppt/notesSlides/notesSlide9.xml><?xml version="1.0" encoding="utf-8"?>
-<p:notes xmlns:a="http://schemas.openxmlformats.org/drawingml/2006/main" xmlns:r="http://schemas.openxmlformats.org/officeDocument/2006/relationships" xmlns:mc="http://schemas.openxmlformats.org/markup-compatibility/2006" xmlns:mv="urn:schemas-microsoft-com:mac:vml" xmlns:p="http://schemas.openxmlformats.org/presentationml/2006/main" xmlns:c="http://schemas.openxmlformats.org/drawingml/2006/chart" xmlns:dgm="http://schemas.openxmlformats.org/drawingml/2006/diagram" xmlns:o="urn:schemas-microsoft-com:office:office" xmlns:v="urn:schemas-microsoft-com:vml" xmlns:pvml="urn:schemas-microsoft-com:office:powerpoint" xmlns:com="http://schemas.openxmlformats.org/drawingml/2006/compatibility" xmlns:p14="http://schemas.microsoft.com/office/powerpoint/2010/main" xmlns:p15="http://schemas.microsoft.com/office/powerpoint/2012/main" xmlns:ahyp="http://schemas.microsoft.com/office/drawing/2018/hyperlinkcolor" showMasterPhAnim="0" showMasterSp="0">
+<p:notes xmlns:a="http://schemas.openxmlformats.org/drawingml/2006/main" xmlns:r="http://schemas.openxmlformats.org/officeDocument/2006/relationships" xmlns:p="http://schemas.openxmlformats.org/presentationml/2006/main" showMasterPhAnim="0" showMasterSp="0">
   <p:cSld>
     <p:spTree>
       <p:nvGrpSpPr>
-        <p:cNvPr id="100" name="Shape 100"/>
+        <p:cNvPr id="71" name="Shape 71"/>
         <p:cNvGrpSpPr/>
         <p:nvPr/>
       </p:nvGrpSpPr>
@@ -1489,10 +1999,10 @@
       </p:grpSpPr>
       <p:sp>
         <p:nvSpPr>
-          <p:cNvPr id="101" name="Google Shape;101;p10:notes"/>
+          <p:cNvPr id="72" name="Google Shape;72;p4:notes"/>
           <p:cNvSpPr txBox="1"/>
           <p:nvPr>
-            <p:ph idx="1" type="body"/>
+            <p:ph type="body" idx="1"/>
           </p:nvPr>
         </p:nvSpPr>
         <p:spPr>
@@ -1505,12 +2015,12 @@
           </a:prstGeom>
         </p:spPr>
         <p:txBody>
-          <a:bodyPr anchorCtr="0" anchor="t" bIns="91425" lIns="91425" spcFirstLastPara="1" rIns="91425" wrap="square" tIns="91425">
+          <a:bodyPr spcFirstLastPara="1" wrap="square" lIns="91425" tIns="91425" rIns="91425" bIns="91425" anchor="t" anchorCtr="0">
             <a:noAutofit/>
           </a:bodyPr>
           <a:lstStyle/>
           <a:p>
-            <a:pPr indent="0" lvl="0" marL="0" rtl="0" algn="l">
+            <a:pPr marL="0" lvl="0" indent="0" algn="l" rtl="0">
               <a:spcBef>
                 <a:spcPts val="0"/>
               </a:spcBef>
@@ -1519,19 +2029,15 @@
               </a:spcAft>
               <a:buNone/>
             </a:pPr>
-            <a:r>
-              <a:t/>
-            </a:r>
-            <a:endParaRPr/>
           </a:p>
         </p:txBody>
       </p:sp>
       <p:sp>
         <p:nvSpPr>
-          <p:cNvPr id="102" name="Google Shape;102;p10:notes"/>
+          <p:cNvPr id="73" name="Google Shape;73;p4:notes"/>
           <p:cNvSpPr/>
           <p:nvPr>
-            <p:ph idx="2" type="sldImg"/>
+            <p:ph type="sldImg" idx="2"/>
           </p:nvPr>
         </p:nvSpPr>
         <p:spPr>
@@ -1540,9 +2046,13 @@
             <a:ext cx="5040025" cy="4009425"/>
           </a:xfrm>
           <a:custGeom>
-            <a:rect b="b" l="l" r="r" t="t"/>
+            <a:avLst/>
+            <a:gdLst/>
+            <a:ahLst/>
+            <a:cxnLst/>
+            <a:rect l="l" t="t" r="r" b="b"/>
             <a:pathLst>
-              <a:path extrusionOk="0" h="120000" w="120000">
+              <a:path w="120000" h="120000" extrusionOk="0">
                 <a:moveTo>
                   <a:pt x="0" y="0"/>
                 </a:moveTo>
@@ -1570,7 +2080,7 @@
 </file>
 
 <file path=ppt/slideLayouts/slideLayout1.xml><?xml version="1.0" encoding="utf-8"?>
-<p:sldLayout xmlns:a="http://schemas.openxmlformats.org/drawingml/2006/main" xmlns:r="http://schemas.openxmlformats.org/officeDocument/2006/relationships" xmlns:mc="http://schemas.openxmlformats.org/markup-compatibility/2006" xmlns:mv="urn:schemas-microsoft-com:mac:vml" xmlns:p="http://schemas.openxmlformats.org/presentationml/2006/main" xmlns:c="http://schemas.openxmlformats.org/drawingml/2006/chart" xmlns:dgm="http://schemas.openxmlformats.org/drawingml/2006/diagram" xmlns:o="urn:schemas-microsoft-com:office:office" xmlns:v="urn:schemas-microsoft-com:vml" xmlns:pvml="urn:schemas-microsoft-com:office:powerpoint" xmlns:com="http://schemas.openxmlformats.org/drawingml/2006/compatibility" xmlns:p14="http://schemas.microsoft.com/office/powerpoint/2010/main" xmlns:p15="http://schemas.microsoft.com/office/powerpoint/2012/main" xmlns:ahyp="http://schemas.microsoft.com/office/drawing/2018/hyperlinkcolor" matchingName="Title slide" type="title">
+<p:sldLayout xmlns:a="http://schemas.openxmlformats.org/drawingml/2006/main" xmlns:r="http://schemas.openxmlformats.org/officeDocument/2006/relationships" xmlns:p="http://schemas.openxmlformats.org/presentationml/2006/main" type="title" matchingName="Title slide">
   <p:cSld name="TITLE">
     <p:spTree>
       <p:nvGrpSpPr>
@@ -1604,7 +2114,7 @@
           </a:prstGeom>
         </p:spPr>
         <p:txBody>
-          <a:bodyPr anchorCtr="0" anchor="b" bIns="121900" lIns="121900" spcFirstLastPara="1" rIns="121900" wrap="square" tIns="121900">
+          <a:bodyPr spcFirstLastPara="1" wrap="square" lIns="121900" tIns="121900" rIns="121900" bIns="121900" anchor="b" anchorCtr="0">
             <a:normAutofit/>
           </a:bodyPr>
           <a:lstStyle>
@@ -1716,7 +2226,7 @@
           <p:cNvPr id="11" name="Google Shape;11;p2"/>
           <p:cNvSpPr txBox="1"/>
           <p:nvPr>
-            <p:ph idx="1" type="subTitle"/>
+            <p:ph type="subTitle" idx="1"/>
           </p:nvPr>
         </p:nvSpPr>
         <p:spPr>
@@ -1729,7 +2239,7 @@
           </a:prstGeom>
         </p:spPr>
         <p:txBody>
-          <a:bodyPr anchorCtr="0" anchor="t" bIns="121900" lIns="121900" spcFirstLastPara="1" rIns="121900" wrap="square" tIns="121900">
+          <a:bodyPr spcFirstLastPara="1" wrap="square" lIns="121900" tIns="121900" rIns="121900" bIns="121900" anchor="t" anchorCtr="0">
             <a:normAutofit/>
           </a:bodyPr>
           <a:lstStyle>
@@ -1868,7 +2378,7 @@
           <p:cNvPr id="12" name="Google Shape;12;p2"/>
           <p:cNvSpPr txBox="1"/>
           <p:nvPr>
-            <p:ph idx="12" type="sldNum"/>
+            <p:ph type="sldNum" idx="12"/>
           </p:nvPr>
         </p:nvSpPr>
         <p:spPr>
@@ -1881,7 +2391,7 @@
           </a:prstGeom>
         </p:spPr>
         <p:txBody>
-          <a:bodyPr anchorCtr="0" anchor="ctr" bIns="121900" lIns="121900" spcFirstLastPara="1" rIns="121900" wrap="square" tIns="121900">
+          <a:bodyPr spcFirstLastPara="1" wrap="square" lIns="121900" tIns="121900" rIns="121900" bIns="121900" anchor="ctr" anchorCtr="0">
             <a:normAutofit/>
           </a:bodyPr>
           <a:lstStyle>
@@ -1923,7 +2433,7 @@
             </a:lvl9pPr>
           </a:lstStyle>
           <a:p>
-            <a:pPr indent="0" lvl="0" marL="0" rtl="0" algn="r">
+            <a:pPr marL="0" lvl="0" indent="0" algn="r" rtl="0">
               <a:spcBef>
                 <a:spcPts val="0"/>
               </a:spcBef>
@@ -1934,9 +2444,8 @@
             </a:pPr>
             <a:fld id="{00000000-1234-1234-1234-123412341234}" type="slidenum">
               <a:rPr lang="en-IN"/>
-              <a:t>‹#›</a:t>
             </a:fld>
-            <a:endParaRPr/>
+            <a:endParaRPr lang="en-IN"/>
           </a:p>
         </p:txBody>
       </p:sp>
@@ -1949,7 +2458,7 @@
 </file>
 
 <file path=ppt/slideLayouts/slideLayout10.xml><?xml version="1.0" encoding="utf-8"?>
-<p:sldLayout xmlns:a="http://schemas.openxmlformats.org/drawingml/2006/main" xmlns:r="http://schemas.openxmlformats.org/officeDocument/2006/relationships" xmlns:mc="http://schemas.openxmlformats.org/markup-compatibility/2006" xmlns:mv="urn:schemas-microsoft-com:mac:vml" xmlns:p="http://schemas.openxmlformats.org/presentationml/2006/main" xmlns:c="http://schemas.openxmlformats.org/drawingml/2006/chart" xmlns:dgm="http://schemas.openxmlformats.org/drawingml/2006/diagram" xmlns:o="urn:schemas-microsoft-com:office:office" xmlns:v="urn:schemas-microsoft-com:vml" xmlns:pvml="urn:schemas-microsoft-com:office:powerpoint" xmlns:com="http://schemas.openxmlformats.org/drawingml/2006/compatibility" xmlns:p14="http://schemas.microsoft.com/office/powerpoint/2010/main" xmlns:p15="http://schemas.microsoft.com/office/powerpoint/2012/main" xmlns:ahyp="http://schemas.microsoft.com/office/drawing/2018/hyperlinkcolor" matchingName="Big number">
+<p:sldLayout xmlns:a="http://schemas.openxmlformats.org/drawingml/2006/main" xmlns:r="http://schemas.openxmlformats.org/officeDocument/2006/relationships" xmlns:p="http://schemas.openxmlformats.org/presentationml/2006/main" matchingName="Big number">
   <p:cSld name="BIG_NUMBER">
     <p:spTree>
       <p:nvGrpSpPr>
@@ -1970,7 +2479,7 @@
           <p:cNvPr id="45" name="Google Shape;45;p11"/>
           <p:cNvSpPr txBox="1"/>
           <p:nvPr>
-            <p:ph hasCustomPrompt="1" type="title"/>
+            <p:ph type="title" hasCustomPrompt="1"/>
           </p:nvPr>
         </p:nvSpPr>
         <p:spPr>
@@ -1983,7 +2492,7 @@
           </a:prstGeom>
         </p:spPr>
         <p:txBody>
-          <a:bodyPr anchorCtr="0" anchor="b" bIns="121900" lIns="121900" spcFirstLastPara="1" rIns="121900" wrap="square" tIns="121900">
+          <a:bodyPr spcFirstLastPara="1" wrap="square" lIns="121900" tIns="121900" rIns="121900" bIns="121900" anchor="b" anchorCtr="0">
             <a:normAutofit/>
           </a:bodyPr>
           <a:lstStyle>
@@ -2099,7 +2608,7 @@
           <p:cNvPr id="46" name="Google Shape;46;p11"/>
           <p:cNvSpPr txBox="1"/>
           <p:nvPr>
-            <p:ph idx="1" type="body"/>
+            <p:ph type="body" idx="1"/>
           </p:nvPr>
         </p:nvSpPr>
         <p:spPr>
@@ -2112,11 +2621,11 @@
           </a:prstGeom>
         </p:spPr>
         <p:txBody>
-          <a:bodyPr anchorCtr="0" anchor="t" bIns="121900" lIns="121900" spcFirstLastPara="1" rIns="121900" wrap="square" tIns="121900">
+          <a:bodyPr spcFirstLastPara="1" wrap="square" lIns="121900" tIns="121900" rIns="121900" bIns="121900" anchor="t" anchorCtr="0">
             <a:normAutofit/>
           </a:bodyPr>
           <a:lstStyle>
-            <a:lvl1pPr indent="-381000" lvl="0" marL="457200" algn="ctr">
+            <a:lvl1pPr marL="457200" lvl="0" indent="-381000" algn="ctr">
               <a:spcBef>
                 <a:spcPts val="0"/>
               </a:spcBef>
@@ -2127,7 +2636,7 @@
               <a:buChar char="●"/>
               <a:defRPr/>
             </a:lvl1pPr>
-            <a:lvl2pPr indent="-349250" lvl="1" marL="914400" algn="ctr">
+            <a:lvl2pPr marL="914400" lvl="1" indent="-349250" algn="ctr">
               <a:spcBef>
                 <a:spcPts val="0"/>
               </a:spcBef>
@@ -2138,7 +2647,7 @@
               <a:buChar char="○"/>
               <a:defRPr/>
             </a:lvl2pPr>
-            <a:lvl3pPr indent="-349250" lvl="2" marL="1371600" algn="ctr">
+            <a:lvl3pPr marL="1371600" lvl="2" indent="-349250" algn="ctr">
               <a:spcBef>
                 <a:spcPts val="0"/>
               </a:spcBef>
@@ -2149,7 +2658,7 @@
               <a:buChar char="■"/>
               <a:defRPr/>
             </a:lvl3pPr>
-            <a:lvl4pPr indent="-349250" lvl="3" marL="1828800" algn="ctr">
+            <a:lvl4pPr marL="1828800" lvl="3" indent="-349250" algn="ctr">
               <a:spcBef>
                 <a:spcPts val="0"/>
               </a:spcBef>
@@ -2160,7 +2669,7 @@
               <a:buChar char="●"/>
               <a:defRPr/>
             </a:lvl4pPr>
-            <a:lvl5pPr indent="-349250" lvl="4" marL="2286000" algn="ctr">
+            <a:lvl5pPr marL="2286000" lvl="4" indent="-349250" algn="ctr">
               <a:spcBef>
                 <a:spcPts val="0"/>
               </a:spcBef>
@@ -2171,7 +2680,7 @@
               <a:buChar char="○"/>
               <a:defRPr/>
             </a:lvl5pPr>
-            <a:lvl6pPr indent="-349250" lvl="5" marL="2743200" algn="ctr">
+            <a:lvl6pPr marL="2743200" lvl="5" indent="-349250" algn="ctr">
               <a:spcBef>
                 <a:spcPts val="0"/>
               </a:spcBef>
@@ -2182,7 +2691,7 @@
               <a:buChar char="■"/>
               <a:defRPr/>
             </a:lvl6pPr>
-            <a:lvl7pPr indent="-349250" lvl="6" marL="3200400" algn="ctr">
+            <a:lvl7pPr marL="3200400" lvl="6" indent="-349250" algn="ctr">
               <a:spcBef>
                 <a:spcPts val="0"/>
               </a:spcBef>
@@ -2193,7 +2702,7 @@
               <a:buChar char="●"/>
               <a:defRPr/>
             </a:lvl7pPr>
-            <a:lvl8pPr indent="-349250" lvl="7" marL="3657600" algn="ctr">
+            <a:lvl8pPr marL="3657600" lvl="7" indent="-349250" algn="ctr">
               <a:spcBef>
                 <a:spcPts val="0"/>
               </a:spcBef>
@@ -2204,7 +2713,7 @@
               <a:buChar char="○"/>
               <a:defRPr/>
             </a:lvl8pPr>
-            <a:lvl9pPr indent="-349250" lvl="8" marL="4114800" algn="ctr">
+            <a:lvl9pPr marL="4114800" lvl="8" indent="-349250" algn="ctr">
               <a:spcBef>
                 <a:spcPts val="0"/>
               </a:spcBef>
@@ -2224,7 +2733,7 @@
           <p:cNvPr id="47" name="Google Shape;47;p11"/>
           <p:cNvSpPr txBox="1"/>
           <p:nvPr>
-            <p:ph idx="12" type="sldNum"/>
+            <p:ph type="sldNum" idx="12"/>
           </p:nvPr>
         </p:nvSpPr>
         <p:spPr>
@@ -2237,7 +2746,7 @@
           </a:prstGeom>
         </p:spPr>
         <p:txBody>
-          <a:bodyPr anchorCtr="0" anchor="ctr" bIns="121900" lIns="121900" spcFirstLastPara="1" rIns="121900" wrap="square" tIns="121900">
+          <a:bodyPr spcFirstLastPara="1" wrap="square" lIns="121900" tIns="121900" rIns="121900" bIns="121900" anchor="ctr" anchorCtr="0">
             <a:normAutofit/>
           </a:bodyPr>
           <a:lstStyle>
@@ -2279,7 +2788,7 @@
             </a:lvl9pPr>
           </a:lstStyle>
           <a:p>
-            <a:pPr indent="0" lvl="0" marL="0" rtl="0" algn="r">
+            <a:pPr marL="0" lvl="0" indent="0" algn="r" rtl="0">
               <a:spcBef>
                 <a:spcPts val="0"/>
               </a:spcBef>
@@ -2290,9 +2799,8 @@
             </a:pPr>
             <a:fld id="{00000000-1234-1234-1234-123412341234}" type="slidenum">
               <a:rPr lang="en-IN"/>
-              <a:t>‹#›</a:t>
             </a:fld>
-            <a:endParaRPr/>
+            <a:endParaRPr lang="en-IN"/>
           </a:p>
         </p:txBody>
       </p:sp>
@@ -2305,7 +2813,7 @@
 </file>
 
 <file path=ppt/slideLayouts/slideLayout11.xml><?xml version="1.0" encoding="utf-8"?>
-<p:sldLayout xmlns:a="http://schemas.openxmlformats.org/drawingml/2006/main" xmlns:r="http://schemas.openxmlformats.org/officeDocument/2006/relationships" xmlns:mc="http://schemas.openxmlformats.org/markup-compatibility/2006" xmlns:mv="urn:schemas-microsoft-com:mac:vml" xmlns:p="http://schemas.openxmlformats.org/presentationml/2006/main" xmlns:c="http://schemas.openxmlformats.org/drawingml/2006/chart" xmlns:dgm="http://schemas.openxmlformats.org/drawingml/2006/diagram" xmlns:o="urn:schemas-microsoft-com:office:office" xmlns:v="urn:schemas-microsoft-com:vml" xmlns:pvml="urn:schemas-microsoft-com:office:powerpoint" xmlns:com="http://schemas.openxmlformats.org/drawingml/2006/compatibility" xmlns:p14="http://schemas.microsoft.com/office/powerpoint/2010/main" xmlns:p15="http://schemas.microsoft.com/office/powerpoint/2012/main" xmlns:ahyp="http://schemas.microsoft.com/office/drawing/2018/hyperlinkcolor" matchingName="Blank" type="blank">
+<p:sldLayout xmlns:a="http://schemas.openxmlformats.org/drawingml/2006/main" xmlns:r="http://schemas.openxmlformats.org/officeDocument/2006/relationships" xmlns:p="http://schemas.openxmlformats.org/presentationml/2006/main" type="blank" matchingName="Blank">
   <p:cSld name="BLANK">
     <p:spTree>
       <p:nvGrpSpPr>
@@ -2326,7 +2834,7 @@
           <p:cNvPr id="49" name="Google Shape;49;p12"/>
           <p:cNvSpPr txBox="1"/>
           <p:nvPr>
-            <p:ph idx="12" type="sldNum"/>
+            <p:ph type="sldNum" idx="12"/>
           </p:nvPr>
         </p:nvSpPr>
         <p:spPr>
@@ -2339,7 +2847,7 @@
           </a:prstGeom>
         </p:spPr>
         <p:txBody>
-          <a:bodyPr anchorCtr="0" anchor="ctr" bIns="121900" lIns="121900" spcFirstLastPara="1" rIns="121900" wrap="square" tIns="121900">
+          <a:bodyPr spcFirstLastPara="1" wrap="square" lIns="121900" tIns="121900" rIns="121900" bIns="121900" anchor="ctr" anchorCtr="0">
             <a:normAutofit/>
           </a:bodyPr>
           <a:lstStyle>
@@ -2381,7 +2889,7 @@
             </a:lvl9pPr>
           </a:lstStyle>
           <a:p>
-            <a:pPr indent="0" lvl="0" marL="0" rtl="0" algn="r">
+            <a:pPr marL="0" lvl="0" indent="0" algn="r" rtl="0">
               <a:spcBef>
                 <a:spcPts val="0"/>
               </a:spcBef>
@@ -2392,9 +2900,8 @@
             </a:pPr>
             <a:fld id="{00000000-1234-1234-1234-123412341234}" type="slidenum">
               <a:rPr lang="en-IN"/>
-              <a:t>‹#›</a:t>
             </a:fld>
-            <a:endParaRPr/>
+            <a:endParaRPr lang="en-IN"/>
           </a:p>
         </p:txBody>
       </p:sp>
@@ -2407,7 +2914,7 @@
 </file>
 
 <file path=ppt/slideLayouts/slideLayout12.xml><?xml version="1.0" encoding="utf-8"?>
-<p:sldLayout xmlns:a="http://schemas.openxmlformats.org/drawingml/2006/main" xmlns:r="http://schemas.openxmlformats.org/officeDocument/2006/relationships" xmlns:mc="http://schemas.openxmlformats.org/markup-compatibility/2006" xmlns:mv="urn:schemas-microsoft-com:mac:vml" xmlns:p="http://schemas.openxmlformats.org/presentationml/2006/main" xmlns:c="http://schemas.openxmlformats.org/drawingml/2006/chart" xmlns:dgm="http://schemas.openxmlformats.org/drawingml/2006/diagram" xmlns:o="urn:schemas-microsoft-com:office:office" xmlns:v="urn:schemas-microsoft-com:vml" xmlns:pvml="urn:schemas-microsoft-com:office:powerpoint" xmlns:com="http://schemas.openxmlformats.org/drawingml/2006/compatibility" xmlns:p14="http://schemas.microsoft.com/office/powerpoint/2010/main" xmlns:p15="http://schemas.microsoft.com/office/powerpoint/2012/main" xmlns:ahyp="http://schemas.microsoft.com/office/drawing/2018/hyperlinkcolor" matchingName="Title Slide">
+<p:sldLayout xmlns:a="http://schemas.openxmlformats.org/drawingml/2006/main" xmlns:r="http://schemas.openxmlformats.org/officeDocument/2006/relationships" xmlns:p="http://schemas.openxmlformats.org/presentationml/2006/main" matchingName="Title Slide">
   <p:cSld name="TITLE_AND_BODY_1">
     <p:spTree>
       <p:nvGrpSpPr>
@@ -2445,11 +2952,11 @@
           </a:ln>
         </p:spPr>
         <p:txBody>
-          <a:bodyPr anchorCtr="0" anchor="ctr" bIns="0" lIns="0" spcFirstLastPara="1" rIns="0" wrap="square" tIns="0">
+          <a:bodyPr spcFirstLastPara="1" wrap="square" lIns="0" tIns="0" rIns="0" bIns="0" anchor="ctr" anchorCtr="0">
             <a:noAutofit/>
           </a:bodyPr>
           <a:lstStyle>
-            <a:lvl1pPr lvl="0" rtl="0" algn="l">
+            <a:lvl1pPr lvl="0" algn="l" rtl="0">
               <a:spcBef>
                 <a:spcPts val="0"/>
               </a:spcBef>
@@ -2460,7 +2967,7 @@
               <a:buNone/>
               <a:defRPr/>
             </a:lvl1pPr>
-            <a:lvl2pPr lvl="1" rtl="0" algn="l">
+            <a:lvl2pPr lvl="1" algn="l" rtl="0">
               <a:spcBef>
                 <a:spcPts val="0"/>
               </a:spcBef>
@@ -2471,7 +2978,7 @@
               <a:buNone/>
               <a:defRPr/>
             </a:lvl2pPr>
-            <a:lvl3pPr lvl="2" rtl="0" algn="l">
+            <a:lvl3pPr lvl="2" algn="l" rtl="0">
               <a:spcBef>
                 <a:spcPts val="0"/>
               </a:spcBef>
@@ -2482,7 +2989,7 @@
               <a:buNone/>
               <a:defRPr/>
             </a:lvl3pPr>
-            <a:lvl4pPr lvl="3" rtl="0" algn="l">
+            <a:lvl4pPr lvl="3" algn="l" rtl="0">
               <a:spcBef>
                 <a:spcPts val="0"/>
               </a:spcBef>
@@ -2493,7 +3000,7 @@
               <a:buNone/>
               <a:defRPr/>
             </a:lvl4pPr>
-            <a:lvl5pPr lvl="4" rtl="0" algn="l">
+            <a:lvl5pPr lvl="4" algn="l" rtl="0">
               <a:spcBef>
                 <a:spcPts val="0"/>
               </a:spcBef>
@@ -2504,7 +3011,7 @@
               <a:buNone/>
               <a:defRPr/>
             </a:lvl5pPr>
-            <a:lvl6pPr lvl="5" rtl="0" algn="l">
+            <a:lvl6pPr lvl="5" algn="l" rtl="0">
               <a:spcBef>
                 <a:spcPts val="0"/>
               </a:spcBef>
@@ -2515,7 +3022,7 @@
               <a:buNone/>
               <a:defRPr/>
             </a:lvl6pPr>
-            <a:lvl7pPr lvl="6" rtl="0" algn="l">
+            <a:lvl7pPr lvl="6" algn="l" rtl="0">
               <a:spcBef>
                 <a:spcPts val="0"/>
               </a:spcBef>
@@ -2526,7 +3033,7 @@
               <a:buNone/>
               <a:defRPr/>
             </a:lvl7pPr>
-            <a:lvl8pPr lvl="7" rtl="0" algn="l">
+            <a:lvl8pPr lvl="7" algn="l" rtl="0">
               <a:spcBef>
                 <a:spcPts val="0"/>
               </a:spcBef>
@@ -2537,7 +3044,7 @@
               <a:buNone/>
               <a:defRPr/>
             </a:lvl8pPr>
-            <a:lvl9pPr lvl="8" rtl="0" algn="l">
+            <a:lvl9pPr lvl="8" algn="l" rtl="0">
               <a:spcBef>
                 <a:spcPts val="0"/>
               </a:spcBef>
@@ -2557,7 +3064,7 @@
           <p:cNvPr id="52" name="Google Shape;52;p13"/>
           <p:cNvSpPr txBox="1"/>
           <p:nvPr>
-            <p:ph idx="1" type="subTitle"/>
+            <p:ph type="subTitle" idx="1"/>
           </p:nvPr>
         </p:nvSpPr>
         <p:spPr>
@@ -2574,11 +3081,11 @@
           </a:ln>
         </p:spPr>
         <p:txBody>
-          <a:bodyPr anchorCtr="0" anchor="ctr" bIns="0" lIns="0" spcFirstLastPara="1" rIns="0" wrap="square" tIns="0">
+          <a:bodyPr spcFirstLastPara="1" wrap="square" lIns="0" tIns="0" rIns="0" bIns="0" anchor="ctr" anchorCtr="0">
             <a:noAutofit/>
           </a:bodyPr>
           <a:lstStyle>
-            <a:lvl1pPr lvl="0" rtl="0" algn="l">
+            <a:lvl1pPr lvl="0" algn="l" rtl="0">
               <a:spcBef>
                 <a:spcPts val="0"/>
               </a:spcBef>
@@ -2589,7 +3096,7 @@
               <a:buNone/>
               <a:defRPr/>
             </a:lvl1pPr>
-            <a:lvl2pPr lvl="1" rtl="0" algn="l">
+            <a:lvl2pPr lvl="1" algn="l" rtl="0">
               <a:spcBef>
                 <a:spcPts val="1600"/>
               </a:spcBef>
@@ -2600,7 +3107,7 @@
               <a:buNone/>
               <a:defRPr/>
             </a:lvl2pPr>
-            <a:lvl3pPr lvl="2" rtl="0" algn="l">
+            <a:lvl3pPr lvl="2" algn="l" rtl="0">
               <a:spcBef>
                 <a:spcPts val="1600"/>
               </a:spcBef>
@@ -2611,7 +3118,7 @@
               <a:buNone/>
               <a:defRPr/>
             </a:lvl3pPr>
-            <a:lvl4pPr lvl="3" rtl="0" algn="l">
+            <a:lvl4pPr lvl="3" algn="l" rtl="0">
               <a:spcBef>
                 <a:spcPts val="1600"/>
               </a:spcBef>
@@ -2622,7 +3129,7 @@
               <a:buNone/>
               <a:defRPr/>
             </a:lvl4pPr>
-            <a:lvl5pPr lvl="4" rtl="0" algn="l">
+            <a:lvl5pPr lvl="4" algn="l" rtl="0">
               <a:spcBef>
                 <a:spcPts val="1600"/>
               </a:spcBef>
@@ -2633,7 +3140,7 @@
               <a:buNone/>
               <a:defRPr/>
             </a:lvl5pPr>
-            <a:lvl6pPr lvl="5" rtl="0" algn="l">
+            <a:lvl6pPr lvl="5" algn="l" rtl="0">
               <a:spcBef>
                 <a:spcPts val="1600"/>
               </a:spcBef>
@@ -2644,7 +3151,7 @@
               <a:buNone/>
               <a:defRPr/>
             </a:lvl6pPr>
-            <a:lvl7pPr lvl="6" rtl="0" algn="l">
+            <a:lvl7pPr lvl="6" algn="l" rtl="0">
               <a:spcBef>
                 <a:spcPts val="1600"/>
               </a:spcBef>
@@ -2655,7 +3162,7 @@
               <a:buNone/>
               <a:defRPr/>
             </a:lvl7pPr>
-            <a:lvl8pPr lvl="7" rtl="0" algn="l">
+            <a:lvl8pPr lvl="7" algn="l" rtl="0">
               <a:spcBef>
                 <a:spcPts val="1600"/>
               </a:spcBef>
@@ -2666,7 +3173,7 @@
               <a:buNone/>
               <a:defRPr/>
             </a:lvl8pPr>
-            <a:lvl9pPr lvl="8" rtl="0" algn="l">
+            <a:lvl9pPr lvl="8" algn="l" rtl="0">
               <a:spcBef>
                 <a:spcPts val="1600"/>
               </a:spcBef>
@@ -2690,7 +3197,7 @@
 </file>
 
 <file path=ppt/slideLayouts/slideLayout2.xml><?xml version="1.0" encoding="utf-8"?>
-<p:sldLayout xmlns:a="http://schemas.openxmlformats.org/drawingml/2006/main" xmlns:r="http://schemas.openxmlformats.org/officeDocument/2006/relationships" xmlns:mc="http://schemas.openxmlformats.org/markup-compatibility/2006" xmlns:mv="urn:schemas-microsoft-com:mac:vml" xmlns:p="http://schemas.openxmlformats.org/presentationml/2006/main" xmlns:c="http://schemas.openxmlformats.org/drawingml/2006/chart" xmlns:dgm="http://schemas.openxmlformats.org/drawingml/2006/diagram" xmlns:o="urn:schemas-microsoft-com:office:office" xmlns:v="urn:schemas-microsoft-com:vml" xmlns:pvml="urn:schemas-microsoft-com:office:powerpoint" xmlns:com="http://schemas.openxmlformats.org/drawingml/2006/compatibility" xmlns:p14="http://schemas.microsoft.com/office/powerpoint/2010/main" xmlns:p15="http://schemas.microsoft.com/office/powerpoint/2012/main" xmlns:ahyp="http://schemas.microsoft.com/office/drawing/2018/hyperlinkcolor" matchingName="Section header" type="secHead">
+<p:sldLayout xmlns:a="http://schemas.openxmlformats.org/drawingml/2006/main" xmlns:r="http://schemas.openxmlformats.org/officeDocument/2006/relationships" xmlns:p="http://schemas.openxmlformats.org/presentationml/2006/main" type="secHead" matchingName="Section header">
   <p:cSld name="SECTION_HEADER">
     <p:spTree>
       <p:nvGrpSpPr>
@@ -2724,7 +3231,7 @@
           </a:prstGeom>
         </p:spPr>
         <p:txBody>
-          <a:bodyPr anchorCtr="0" anchor="ctr" bIns="121900" lIns="121900" spcFirstLastPara="1" rIns="121900" wrap="square" tIns="121900">
+          <a:bodyPr spcFirstLastPara="1" wrap="square" lIns="121900" tIns="121900" rIns="121900" bIns="121900" anchor="ctr" anchorCtr="0">
             <a:normAutofit/>
           </a:bodyPr>
           <a:lstStyle>
@@ -2836,7 +3343,7 @@
           <p:cNvPr id="15" name="Google Shape;15;p3"/>
           <p:cNvSpPr txBox="1"/>
           <p:nvPr>
-            <p:ph idx="12" type="sldNum"/>
+            <p:ph type="sldNum" idx="12"/>
           </p:nvPr>
         </p:nvSpPr>
         <p:spPr>
@@ -2849,7 +3356,7 @@
           </a:prstGeom>
         </p:spPr>
         <p:txBody>
-          <a:bodyPr anchorCtr="0" anchor="ctr" bIns="121900" lIns="121900" spcFirstLastPara="1" rIns="121900" wrap="square" tIns="121900">
+          <a:bodyPr spcFirstLastPara="1" wrap="square" lIns="121900" tIns="121900" rIns="121900" bIns="121900" anchor="ctr" anchorCtr="0">
             <a:normAutofit/>
           </a:bodyPr>
           <a:lstStyle>
@@ -2891,7 +3398,7 @@
             </a:lvl9pPr>
           </a:lstStyle>
           <a:p>
-            <a:pPr indent="0" lvl="0" marL="0" rtl="0" algn="r">
+            <a:pPr marL="0" lvl="0" indent="0" algn="r" rtl="0">
               <a:spcBef>
                 <a:spcPts val="0"/>
               </a:spcBef>
@@ -2902,9 +3409,8 @@
             </a:pPr>
             <a:fld id="{00000000-1234-1234-1234-123412341234}" type="slidenum">
               <a:rPr lang="en-IN"/>
-              <a:t>‹#›</a:t>
             </a:fld>
-            <a:endParaRPr/>
+            <a:endParaRPr lang="en-IN"/>
           </a:p>
         </p:txBody>
       </p:sp>
@@ -2917,7 +3423,7 @@
 </file>
 
 <file path=ppt/slideLayouts/slideLayout3.xml><?xml version="1.0" encoding="utf-8"?>
-<p:sldLayout xmlns:a="http://schemas.openxmlformats.org/drawingml/2006/main" xmlns:r="http://schemas.openxmlformats.org/officeDocument/2006/relationships" xmlns:mc="http://schemas.openxmlformats.org/markup-compatibility/2006" xmlns:mv="urn:schemas-microsoft-com:mac:vml" xmlns:p="http://schemas.openxmlformats.org/presentationml/2006/main" xmlns:c="http://schemas.openxmlformats.org/drawingml/2006/chart" xmlns:dgm="http://schemas.openxmlformats.org/drawingml/2006/diagram" xmlns:o="urn:schemas-microsoft-com:office:office" xmlns:v="urn:schemas-microsoft-com:vml" xmlns:pvml="urn:schemas-microsoft-com:office:powerpoint" xmlns:com="http://schemas.openxmlformats.org/drawingml/2006/compatibility" xmlns:p14="http://schemas.microsoft.com/office/powerpoint/2010/main" xmlns:p15="http://schemas.microsoft.com/office/powerpoint/2012/main" xmlns:ahyp="http://schemas.microsoft.com/office/drawing/2018/hyperlinkcolor" matchingName="Title and body" type="tx">
+<p:sldLayout xmlns:a="http://schemas.openxmlformats.org/drawingml/2006/main" xmlns:r="http://schemas.openxmlformats.org/officeDocument/2006/relationships" xmlns:p="http://schemas.openxmlformats.org/presentationml/2006/main" type="tx" matchingName="Title and body">
   <p:cSld name="TITLE_AND_BODY">
     <p:spTree>
       <p:nvGrpSpPr>
@@ -2951,7 +3457,7 @@
           </a:prstGeom>
         </p:spPr>
         <p:txBody>
-          <a:bodyPr anchorCtr="0" anchor="t" bIns="121900" lIns="121900" spcFirstLastPara="1" rIns="121900" wrap="square" tIns="121900">
+          <a:bodyPr spcFirstLastPara="1" wrap="square" lIns="121900" tIns="121900" rIns="121900" bIns="121900" anchor="t" anchorCtr="0">
             <a:normAutofit/>
           </a:bodyPr>
           <a:lstStyle>
@@ -3063,7 +3569,7 @@
           <p:cNvPr id="18" name="Google Shape;18;p4"/>
           <p:cNvSpPr txBox="1"/>
           <p:nvPr>
-            <p:ph idx="1" type="body"/>
+            <p:ph type="body" idx="1"/>
           </p:nvPr>
         </p:nvSpPr>
         <p:spPr>
@@ -3076,11 +3582,11 @@
           </a:prstGeom>
         </p:spPr>
         <p:txBody>
-          <a:bodyPr anchorCtr="0" anchor="t" bIns="121900" lIns="121900" spcFirstLastPara="1" rIns="121900" wrap="square" tIns="121900">
+          <a:bodyPr spcFirstLastPara="1" wrap="square" lIns="121900" tIns="121900" rIns="121900" bIns="121900" anchor="t" anchorCtr="0">
             <a:normAutofit/>
           </a:bodyPr>
           <a:lstStyle>
-            <a:lvl1pPr indent="-381000" lvl="0" marL="457200">
+            <a:lvl1pPr marL="457200" lvl="0" indent="-381000">
               <a:spcBef>
                 <a:spcPts val="0"/>
               </a:spcBef>
@@ -3091,7 +3597,7 @@
               <a:buChar char="●"/>
               <a:defRPr/>
             </a:lvl1pPr>
-            <a:lvl2pPr indent="-349250" lvl="1" marL="914400">
+            <a:lvl2pPr marL="914400" lvl="1" indent="-349250">
               <a:spcBef>
                 <a:spcPts val="0"/>
               </a:spcBef>
@@ -3102,7 +3608,7 @@
               <a:buChar char="○"/>
               <a:defRPr/>
             </a:lvl2pPr>
-            <a:lvl3pPr indent="-349250" lvl="2" marL="1371600">
+            <a:lvl3pPr marL="1371600" lvl="2" indent="-349250">
               <a:spcBef>
                 <a:spcPts val="0"/>
               </a:spcBef>
@@ -3113,7 +3619,7 @@
               <a:buChar char="■"/>
               <a:defRPr/>
             </a:lvl3pPr>
-            <a:lvl4pPr indent="-349250" lvl="3" marL="1828800">
+            <a:lvl4pPr marL="1828800" lvl="3" indent="-349250">
               <a:spcBef>
                 <a:spcPts val="0"/>
               </a:spcBef>
@@ -3124,7 +3630,7 @@
               <a:buChar char="●"/>
               <a:defRPr/>
             </a:lvl4pPr>
-            <a:lvl5pPr indent="-349250" lvl="4" marL="2286000">
+            <a:lvl5pPr marL="2286000" lvl="4" indent="-349250">
               <a:spcBef>
                 <a:spcPts val="0"/>
               </a:spcBef>
@@ -3135,7 +3641,7 @@
               <a:buChar char="○"/>
               <a:defRPr/>
             </a:lvl5pPr>
-            <a:lvl6pPr indent="-349250" lvl="5" marL="2743200">
+            <a:lvl6pPr marL="2743200" lvl="5" indent="-349250">
               <a:spcBef>
                 <a:spcPts val="0"/>
               </a:spcBef>
@@ -3146,7 +3652,7 @@
               <a:buChar char="■"/>
               <a:defRPr/>
             </a:lvl6pPr>
-            <a:lvl7pPr indent="-349250" lvl="6" marL="3200400">
+            <a:lvl7pPr marL="3200400" lvl="6" indent="-349250">
               <a:spcBef>
                 <a:spcPts val="0"/>
               </a:spcBef>
@@ -3157,7 +3663,7 @@
               <a:buChar char="●"/>
               <a:defRPr/>
             </a:lvl7pPr>
-            <a:lvl8pPr indent="-349250" lvl="7" marL="3657600">
+            <a:lvl8pPr marL="3657600" lvl="7" indent="-349250">
               <a:spcBef>
                 <a:spcPts val="0"/>
               </a:spcBef>
@@ -3168,7 +3674,7 @@
               <a:buChar char="○"/>
               <a:defRPr/>
             </a:lvl8pPr>
-            <a:lvl9pPr indent="-349250" lvl="8" marL="4114800">
+            <a:lvl9pPr marL="4114800" lvl="8" indent="-349250">
               <a:spcBef>
                 <a:spcPts val="0"/>
               </a:spcBef>
@@ -3188,7 +3694,7 @@
           <p:cNvPr id="19" name="Google Shape;19;p4"/>
           <p:cNvSpPr txBox="1"/>
           <p:nvPr>
-            <p:ph idx="12" type="sldNum"/>
+            <p:ph type="sldNum" idx="12"/>
           </p:nvPr>
         </p:nvSpPr>
         <p:spPr>
@@ -3201,7 +3707,7 @@
           </a:prstGeom>
         </p:spPr>
         <p:txBody>
-          <a:bodyPr anchorCtr="0" anchor="ctr" bIns="121900" lIns="121900" spcFirstLastPara="1" rIns="121900" wrap="square" tIns="121900">
+          <a:bodyPr spcFirstLastPara="1" wrap="square" lIns="121900" tIns="121900" rIns="121900" bIns="121900" anchor="ctr" anchorCtr="0">
             <a:normAutofit/>
           </a:bodyPr>
           <a:lstStyle>
@@ -3243,7 +3749,7 @@
             </a:lvl9pPr>
           </a:lstStyle>
           <a:p>
-            <a:pPr indent="0" lvl="0" marL="0" rtl="0" algn="r">
+            <a:pPr marL="0" lvl="0" indent="0" algn="r" rtl="0">
               <a:spcBef>
                 <a:spcPts val="0"/>
               </a:spcBef>
@@ -3254,9 +3760,8 @@
             </a:pPr>
             <a:fld id="{00000000-1234-1234-1234-123412341234}" type="slidenum">
               <a:rPr lang="en-IN"/>
-              <a:t>‹#›</a:t>
             </a:fld>
-            <a:endParaRPr/>
+            <a:endParaRPr lang="en-IN"/>
           </a:p>
         </p:txBody>
       </p:sp>
@@ -3269,7 +3774,7 @@
 </file>
 
 <file path=ppt/slideLayouts/slideLayout4.xml><?xml version="1.0" encoding="utf-8"?>
-<p:sldLayout xmlns:a="http://schemas.openxmlformats.org/drawingml/2006/main" xmlns:r="http://schemas.openxmlformats.org/officeDocument/2006/relationships" xmlns:mc="http://schemas.openxmlformats.org/markup-compatibility/2006" xmlns:mv="urn:schemas-microsoft-com:mac:vml" xmlns:p="http://schemas.openxmlformats.org/presentationml/2006/main" xmlns:c="http://schemas.openxmlformats.org/drawingml/2006/chart" xmlns:dgm="http://schemas.openxmlformats.org/drawingml/2006/diagram" xmlns:o="urn:schemas-microsoft-com:office:office" xmlns:v="urn:schemas-microsoft-com:vml" xmlns:pvml="urn:schemas-microsoft-com:office:powerpoint" xmlns:com="http://schemas.openxmlformats.org/drawingml/2006/compatibility" xmlns:p14="http://schemas.microsoft.com/office/powerpoint/2010/main" xmlns:p15="http://schemas.microsoft.com/office/powerpoint/2012/main" xmlns:ahyp="http://schemas.microsoft.com/office/drawing/2018/hyperlinkcolor" matchingName="Title and two columns" type="twoColTx">
+<p:sldLayout xmlns:a="http://schemas.openxmlformats.org/drawingml/2006/main" xmlns:r="http://schemas.openxmlformats.org/officeDocument/2006/relationships" xmlns:p="http://schemas.openxmlformats.org/presentationml/2006/main" type="twoColTx" matchingName="Title and two columns">
   <p:cSld name="TITLE_AND_TWO_COLUMNS">
     <p:spTree>
       <p:nvGrpSpPr>
@@ -3303,7 +3808,7 @@
           </a:prstGeom>
         </p:spPr>
         <p:txBody>
-          <a:bodyPr anchorCtr="0" anchor="t" bIns="121900" lIns="121900" spcFirstLastPara="1" rIns="121900" wrap="square" tIns="121900">
+          <a:bodyPr spcFirstLastPara="1" wrap="square" lIns="121900" tIns="121900" rIns="121900" bIns="121900" anchor="t" anchorCtr="0">
             <a:normAutofit/>
           </a:bodyPr>
           <a:lstStyle>
@@ -3415,7 +3920,7 @@
           <p:cNvPr id="22" name="Google Shape;22;p5"/>
           <p:cNvSpPr txBox="1"/>
           <p:nvPr>
-            <p:ph idx="1" type="body"/>
+            <p:ph type="body" idx="1"/>
           </p:nvPr>
         </p:nvSpPr>
         <p:spPr>
@@ -3428,11 +3933,11 @@
           </a:prstGeom>
         </p:spPr>
         <p:txBody>
-          <a:bodyPr anchorCtr="0" anchor="t" bIns="121900" lIns="121900" spcFirstLastPara="1" rIns="121900" wrap="square" tIns="121900">
+          <a:bodyPr spcFirstLastPara="1" wrap="square" lIns="121900" tIns="121900" rIns="121900" bIns="121900" anchor="t" anchorCtr="0">
             <a:normAutofit/>
           </a:bodyPr>
           <a:lstStyle>
-            <a:lvl1pPr indent="-349250" lvl="0" marL="457200">
+            <a:lvl1pPr marL="457200" lvl="0" indent="-349250">
               <a:spcBef>
                 <a:spcPts val="0"/>
               </a:spcBef>
@@ -3443,7 +3948,7 @@
               <a:buChar char="●"/>
               <a:defRPr sz="1900"/>
             </a:lvl1pPr>
-            <a:lvl2pPr indent="-330200" lvl="1" marL="914400">
+            <a:lvl2pPr marL="914400" lvl="1" indent="-330200">
               <a:spcBef>
                 <a:spcPts val="0"/>
               </a:spcBef>
@@ -3454,7 +3959,7 @@
               <a:buChar char="○"/>
               <a:defRPr sz="1600"/>
             </a:lvl2pPr>
-            <a:lvl3pPr indent="-330200" lvl="2" marL="1371600">
+            <a:lvl3pPr marL="1371600" lvl="2" indent="-330200">
               <a:spcBef>
                 <a:spcPts val="0"/>
               </a:spcBef>
@@ -3465,7 +3970,7 @@
               <a:buChar char="■"/>
               <a:defRPr sz="1600"/>
             </a:lvl3pPr>
-            <a:lvl4pPr indent="-330200" lvl="3" marL="1828800">
+            <a:lvl4pPr marL="1828800" lvl="3" indent="-330200">
               <a:spcBef>
                 <a:spcPts val="0"/>
               </a:spcBef>
@@ -3476,7 +3981,7 @@
               <a:buChar char="●"/>
               <a:defRPr sz="1600"/>
             </a:lvl4pPr>
-            <a:lvl5pPr indent="-330200" lvl="4" marL="2286000">
+            <a:lvl5pPr marL="2286000" lvl="4" indent="-330200">
               <a:spcBef>
                 <a:spcPts val="0"/>
               </a:spcBef>
@@ -3487,7 +3992,7 @@
               <a:buChar char="○"/>
               <a:defRPr sz="1600"/>
             </a:lvl5pPr>
-            <a:lvl6pPr indent="-330200" lvl="5" marL="2743200">
+            <a:lvl6pPr marL="2743200" lvl="5" indent="-330200">
               <a:spcBef>
                 <a:spcPts val="0"/>
               </a:spcBef>
@@ -3498,7 +4003,7 @@
               <a:buChar char="■"/>
               <a:defRPr sz="1600"/>
             </a:lvl6pPr>
-            <a:lvl7pPr indent="-330200" lvl="6" marL="3200400">
+            <a:lvl7pPr marL="3200400" lvl="6" indent="-330200">
               <a:spcBef>
                 <a:spcPts val="0"/>
               </a:spcBef>
@@ -3509,7 +4014,7 @@
               <a:buChar char="●"/>
               <a:defRPr sz="1600"/>
             </a:lvl7pPr>
-            <a:lvl8pPr indent="-330200" lvl="7" marL="3657600">
+            <a:lvl8pPr marL="3657600" lvl="7" indent="-330200">
               <a:spcBef>
                 <a:spcPts val="0"/>
               </a:spcBef>
@@ -3520,7 +4025,7 @@
               <a:buChar char="○"/>
               <a:defRPr sz="1600"/>
             </a:lvl8pPr>
-            <a:lvl9pPr indent="-330200" lvl="8" marL="4114800">
+            <a:lvl9pPr marL="4114800" lvl="8" indent="-330200">
               <a:spcBef>
                 <a:spcPts val="0"/>
               </a:spcBef>
@@ -3540,7 +4045,7 @@
           <p:cNvPr id="23" name="Google Shape;23;p5"/>
           <p:cNvSpPr txBox="1"/>
           <p:nvPr>
-            <p:ph idx="2" type="body"/>
+            <p:ph type="body" idx="2"/>
           </p:nvPr>
         </p:nvSpPr>
         <p:spPr>
@@ -3553,11 +4058,11 @@
           </a:prstGeom>
         </p:spPr>
         <p:txBody>
-          <a:bodyPr anchorCtr="0" anchor="t" bIns="121900" lIns="121900" spcFirstLastPara="1" rIns="121900" wrap="square" tIns="121900">
+          <a:bodyPr spcFirstLastPara="1" wrap="square" lIns="121900" tIns="121900" rIns="121900" bIns="121900" anchor="t" anchorCtr="0">
             <a:normAutofit/>
           </a:bodyPr>
           <a:lstStyle>
-            <a:lvl1pPr indent="-349250" lvl="0" marL="457200">
+            <a:lvl1pPr marL="457200" lvl="0" indent="-349250">
               <a:spcBef>
                 <a:spcPts val="0"/>
               </a:spcBef>
@@ -3568,7 +4073,7 @@
               <a:buChar char="●"/>
               <a:defRPr sz="1900"/>
             </a:lvl1pPr>
-            <a:lvl2pPr indent="-330200" lvl="1" marL="914400">
+            <a:lvl2pPr marL="914400" lvl="1" indent="-330200">
               <a:spcBef>
                 <a:spcPts val="0"/>
               </a:spcBef>
@@ -3579,7 +4084,7 @@
               <a:buChar char="○"/>
               <a:defRPr sz="1600"/>
             </a:lvl2pPr>
-            <a:lvl3pPr indent="-330200" lvl="2" marL="1371600">
+            <a:lvl3pPr marL="1371600" lvl="2" indent="-330200">
               <a:spcBef>
                 <a:spcPts val="0"/>
               </a:spcBef>
@@ -3590,7 +4095,7 @@
               <a:buChar char="■"/>
               <a:defRPr sz="1600"/>
             </a:lvl3pPr>
-            <a:lvl4pPr indent="-330200" lvl="3" marL="1828800">
+            <a:lvl4pPr marL="1828800" lvl="3" indent="-330200">
               <a:spcBef>
                 <a:spcPts val="0"/>
               </a:spcBef>
@@ -3601,7 +4106,7 @@
               <a:buChar char="●"/>
               <a:defRPr sz="1600"/>
             </a:lvl4pPr>
-            <a:lvl5pPr indent="-330200" lvl="4" marL="2286000">
+            <a:lvl5pPr marL="2286000" lvl="4" indent="-330200">
               <a:spcBef>
                 <a:spcPts val="0"/>
               </a:spcBef>
@@ -3612,7 +4117,7 @@
               <a:buChar char="○"/>
               <a:defRPr sz="1600"/>
             </a:lvl5pPr>
-            <a:lvl6pPr indent="-330200" lvl="5" marL="2743200">
+            <a:lvl6pPr marL="2743200" lvl="5" indent="-330200">
               <a:spcBef>
                 <a:spcPts val="0"/>
               </a:spcBef>
@@ -3623,7 +4128,7 @@
               <a:buChar char="■"/>
               <a:defRPr sz="1600"/>
             </a:lvl6pPr>
-            <a:lvl7pPr indent="-330200" lvl="6" marL="3200400">
+            <a:lvl7pPr marL="3200400" lvl="6" indent="-330200">
               <a:spcBef>
                 <a:spcPts val="0"/>
               </a:spcBef>
@@ -3634,7 +4139,7 @@
               <a:buChar char="●"/>
               <a:defRPr sz="1600"/>
             </a:lvl7pPr>
-            <a:lvl8pPr indent="-330200" lvl="7" marL="3657600">
+            <a:lvl8pPr marL="3657600" lvl="7" indent="-330200">
               <a:spcBef>
                 <a:spcPts val="0"/>
               </a:spcBef>
@@ -3645,7 +4150,7 @@
               <a:buChar char="○"/>
               <a:defRPr sz="1600"/>
             </a:lvl8pPr>
-            <a:lvl9pPr indent="-330200" lvl="8" marL="4114800">
+            <a:lvl9pPr marL="4114800" lvl="8" indent="-330200">
               <a:spcBef>
                 <a:spcPts val="0"/>
               </a:spcBef>
@@ -3665,7 +4170,7 @@
           <p:cNvPr id="24" name="Google Shape;24;p5"/>
           <p:cNvSpPr txBox="1"/>
           <p:nvPr>
-            <p:ph idx="12" type="sldNum"/>
+            <p:ph type="sldNum" idx="12"/>
           </p:nvPr>
         </p:nvSpPr>
         <p:spPr>
@@ -3678,7 +4183,7 @@
           </a:prstGeom>
         </p:spPr>
         <p:txBody>
-          <a:bodyPr anchorCtr="0" anchor="ctr" bIns="121900" lIns="121900" spcFirstLastPara="1" rIns="121900" wrap="square" tIns="121900">
+          <a:bodyPr spcFirstLastPara="1" wrap="square" lIns="121900" tIns="121900" rIns="121900" bIns="121900" anchor="ctr" anchorCtr="0">
             <a:normAutofit/>
           </a:bodyPr>
           <a:lstStyle>
@@ -3720,7 +4225,7 @@
             </a:lvl9pPr>
           </a:lstStyle>
           <a:p>
-            <a:pPr indent="0" lvl="0" marL="0" rtl="0" algn="r">
+            <a:pPr marL="0" lvl="0" indent="0" algn="r" rtl="0">
               <a:spcBef>
                 <a:spcPts val="0"/>
               </a:spcBef>
@@ -3731,9 +4236,8 @@
             </a:pPr>
             <a:fld id="{00000000-1234-1234-1234-123412341234}" type="slidenum">
               <a:rPr lang="en-IN"/>
-              <a:t>‹#›</a:t>
             </a:fld>
-            <a:endParaRPr/>
+            <a:endParaRPr lang="en-IN"/>
           </a:p>
         </p:txBody>
       </p:sp>
@@ -3746,7 +4250,7 @@
 </file>
 
 <file path=ppt/slideLayouts/slideLayout5.xml><?xml version="1.0" encoding="utf-8"?>
-<p:sldLayout xmlns:a="http://schemas.openxmlformats.org/drawingml/2006/main" xmlns:r="http://schemas.openxmlformats.org/officeDocument/2006/relationships" xmlns:mc="http://schemas.openxmlformats.org/markup-compatibility/2006" xmlns:mv="urn:schemas-microsoft-com:mac:vml" xmlns:p="http://schemas.openxmlformats.org/presentationml/2006/main" xmlns:c="http://schemas.openxmlformats.org/drawingml/2006/chart" xmlns:dgm="http://schemas.openxmlformats.org/drawingml/2006/diagram" xmlns:o="urn:schemas-microsoft-com:office:office" xmlns:v="urn:schemas-microsoft-com:vml" xmlns:pvml="urn:schemas-microsoft-com:office:powerpoint" xmlns:com="http://schemas.openxmlformats.org/drawingml/2006/compatibility" xmlns:p14="http://schemas.microsoft.com/office/powerpoint/2010/main" xmlns:p15="http://schemas.microsoft.com/office/powerpoint/2012/main" xmlns:ahyp="http://schemas.microsoft.com/office/drawing/2018/hyperlinkcolor" matchingName="Title only" type="titleOnly">
+<p:sldLayout xmlns:a="http://schemas.openxmlformats.org/drawingml/2006/main" xmlns:r="http://schemas.openxmlformats.org/officeDocument/2006/relationships" xmlns:p="http://schemas.openxmlformats.org/presentationml/2006/main" type="titleOnly" matchingName="Title only">
   <p:cSld name="TITLE_ONLY">
     <p:spTree>
       <p:nvGrpSpPr>
@@ -3780,7 +4284,7 @@
           </a:prstGeom>
         </p:spPr>
         <p:txBody>
-          <a:bodyPr anchorCtr="0" anchor="t" bIns="121900" lIns="121900" spcFirstLastPara="1" rIns="121900" wrap="square" tIns="121900">
+          <a:bodyPr spcFirstLastPara="1" wrap="square" lIns="121900" tIns="121900" rIns="121900" bIns="121900" anchor="t" anchorCtr="0">
             <a:normAutofit/>
           </a:bodyPr>
           <a:lstStyle>
@@ -3892,7 +4396,7 @@
           <p:cNvPr id="27" name="Google Shape;27;p6"/>
           <p:cNvSpPr txBox="1"/>
           <p:nvPr>
-            <p:ph idx="12" type="sldNum"/>
+            <p:ph type="sldNum" idx="12"/>
           </p:nvPr>
         </p:nvSpPr>
         <p:spPr>
@@ -3905,7 +4409,7 @@
           </a:prstGeom>
         </p:spPr>
         <p:txBody>
-          <a:bodyPr anchorCtr="0" anchor="ctr" bIns="121900" lIns="121900" spcFirstLastPara="1" rIns="121900" wrap="square" tIns="121900">
+          <a:bodyPr spcFirstLastPara="1" wrap="square" lIns="121900" tIns="121900" rIns="121900" bIns="121900" anchor="ctr" anchorCtr="0">
             <a:normAutofit/>
           </a:bodyPr>
           <a:lstStyle>
@@ -3947,7 +4451,7 @@
             </a:lvl9pPr>
           </a:lstStyle>
           <a:p>
-            <a:pPr indent="0" lvl="0" marL="0" rtl="0" algn="r">
+            <a:pPr marL="0" lvl="0" indent="0" algn="r" rtl="0">
               <a:spcBef>
                 <a:spcPts val="0"/>
               </a:spcBef>
@@ -3958,9 +4462,8 @@
             </a:pPr>
             <a:fld id="{00000000-1234-1234-1234-123412341234}" type="slidenum">
               <a:rPr lang="en-IN"/>
-              <a:t>‹#›</a:t>
             </a:fld>
-            <a:endParaRPr/>
+            <a:endParaRPr lang="en-IN"/>
           </a:p>
         </p:txBody>
       </p:sp>
@@ -3973,7 +4476,7 @@
 </file>
 
 <file path=ppt/slideLayouts/slideLayout6.xml><?xml version="1.0" encoding="utf-8"?>
-<p:sldLayout xmlns:a="http://schemas.openxmlformats.org/drawingml/2006/main" xmlns:r="http://schemas.openxmlformats.org/officeDocument/2006/relationships" xmlns:mc="http://schemas.openxmlformats.org/markup-compatibility/2006" xmlns:mv="urn:schemas-microsoft-com:mac:vml" xmlns:p="http://schemas.openxmlformats.org/presentationml/2006/main" xmlns:c="http://schemas.openxmlformats.org/drawingml/2006/chart" xmlns:dgm="http://schemas.openxmlformats.org/drawingml/2006/diagram" xmlns:o="urn:schemas-microsoft-com:office:office" xmlns:v="urn:schemas-microsoft-com:vml" xmlns:pvml="urn:schemas-microsoft-com:office:powerpoint" xmlns:com="http://schemas.openxmlformats.org/drawingml/2006/compatibility" xmlns:p14="http://schemas.microsoft.com/office/powerpoint/2010/main" xmlns:p15="http://schemas.microsoft.com/office/powerpoint/2012/main" xmlns:ahyp="http://schemas.microsoft.com/office/drawing/2018/hyperlinkcolor" matchingName="One column text">
+<p:sldLayout xmlns:a="http://schemas.openxmlformats.org/drawingml/2006/main" xmlns:r="http://schemas.openxmlformats.org/officeDocument/2006/relationships" xmlns:p="http://schemas.openxmlformats.org/presentationml/2006/main" matchingName="One column text">
   <p:cSld name="ONE_COLUMN_TEXT">
     <p:spTree>
       <p:nvGrpSpPr>
@@ -4007,7 +4510,7 @@
           </a:prstGeom>
         </p:spPr>
         <p:txBody>
-          <a:bodyPr anchorCtr="0" anchor="b" bIns="121900" lIns="121900" spcFirstLastPara="1" rIns="121900" wrap="square" tIns="121900">
+          <a:bodyPr spcFirstLastPara="1" wrap="square" lIns="121900" tIns="121900" rIns="121900" bIns="121900" anchor="b" anchorCtr="0">
             <a:normAutofit/>
           </a:bodyPr>
           <a:lstStyle>
@@ -4119,7 +4622,7 @@
           <p:cNvPr id="30" name="Google Shape;30;p7"/>
           <p:cNvSpPr txBox="1"/>
           <p:nvPr>
-            <p:ph idx="1" type="body"/>
+            <p:ph type="body" idx="1"/>
           </p:nvPr>
         </p:nvSpPr>
         <p:spPr>
@@ -4132,11 +4635,11 @@
           </a:prstGeom>
         </p:spPr>
         <p:txBody>
-          <a:bodyPr anchorCtr="0" anchor="t" bIns="121900" lIns="121900" spcFirstLastPara="1" rIns="121900" wrap="square" tIns="121900">
+          <a:bodyPr spcFirstLastPara="1" wrap="square" lIns="121900" tIns="121900" rIns="121900" bIns="121900" anchor="t" anchorCtr="0">
             <a:normAutofit/>
           </a:bodyPr>
           <a:lstStyle>
-            <a:lvl1pPr indent="-330200" lvl="0" marL="457200">
+            <a:lvl1pPr marL="457200" lvl="0" indent="-330200">
               <a:spcBef>
                 <a:spcPts val="0"/>
               </a:spcBef>
@@ -4147,7 +4650,7 @@
               <a:buChar char="●"/>
               <a:defRPr sz="1600"/>
             </a:lvl1pPr>
-            <a:lvl2pPr indent="-330200" lvl="1" marL="914400">
+            <a:lvl2pPr marL="914400" lvl="1" indent="-330200">
               <a:spcBef>
                 <a:spcPts val="0"/>
               </a:spcBef>
@@ -4158,7 +4661,7 @@
               <a:buChar char="○"/>
               <a:defRPr sz="1600"/>
             </a:lvl2pPr>
-            <a:lvl3pPr indent="-330200" lvl="2" marL="1371600">
+            <a:lvl3pPr marL="1371600" lvl="2" indent="-330200">
               <a:spcBef>
                 <a:spcPts val="0"/>
               </a:spcBef>
@@ -4169,7 +4672,7 @@
               <a:buChar char="■"/>
               <a:defRPr sz="1600"/>
             </a:lvl3pPr>
-            <a:lvl4pPr indent="-330200" lvl="3" marL="1828800">
+            <a:lvl4pPr marL="1828800" lvl="3" indent="-330200">
               <a:spcBef>
                 <a:spcPts val="0"/>
               </a:spcBef>
@@ -4180,7 +4683,7 @@
               <a:buChar char="●"/>
               <a:defRPr sz="1600"/>
             </a:lvl4pPr>
-            <a:lvl5pPr indent="-330200" lvl="4" marL="2286000">
+            <a:lvl5pPr marL="2286000" lvl="4" indent="-330200">
               <a:spcBef>
                 <a:spcPts val="0"/>
               </a:spcBef>
@@ -4191,7 +4694,7 @@
               <a:buChar char="○"/>
               <a:defRPr sz="1600"/>
             </a:lvl5pPr>
-            <a:lvl6pPr indent="-330200" lvl="5" marL="2743200">
+            <a:lvl6pPr marL="2743200" lvl="5" indent="-330200">
               <a:spcBef>
                 <a:spcPts val="0"/>
               </a:spcBef>
@@ -4202,7 +4705,7 @@
               <a:buChar char="■"/>
               <a:defRPr sz="1600"/>
             </a:lvl6pPr>
-            <a:lvl7pPr indent="-330200" lvl="6" marL="3200400">
+            <a:lvl7pPr marL="3200400" lvl="6" indent="-330200">
               <a:spcBef>
                 <a:spcPts val="0"/>
               </a:spcBef>
@@ -4213,7 +4716,7 @@
               <a:buChar char="●"/>
               <a:defRPr sz="1600"/>
             </a:lvl7pPr>
-            <a:lvl8pPr indent="-330200" lvl="7" marL="3657600">
+            <a:lvl8pPr marL="3657600" lvl="7" indent="-330200">
               <a:spcBef>
                 <a:spcPts val="0"/>
               </a:spcBef>
@@ -4224,7 +4727,7 @@
               <a:buChar char="○"/>
               <a:defRPr sz="1600"/>
             </a:lvl8pPr>
-            <a:lvl9pPr indent="-330200" lvl="8" marL="4114800">
+            <a:lvl9pPr marL="4114800" lvl="8" indent="-330200">
               <a:spcBef>
                 <a:spcPts val="0"/>
               </a:spcBef>
@@ -4244,7 +4747,7 @@
           <p:cNvPr id="31" name="Google Shape;31;p7"/>
           <p:cNvSpPr txBox="1"/>
           <p:nvPr>
-            <p:ph idx="12" type="sldNum"/>
+            <p:ph type="sldNum" idx="12"/>
           </p:nvPr>
         </p:nvSpPr>
         <p:spPr>
@@ -4257,7 +4760,7 @@
           </a:prstGeom>
         </p:spPr>
         <p:txBody>
-          <a:bodyPr anchorCtr="0" anchor="ctr" bIns="121900" lIns="121900" spcFirstLastPara="1" rIns="121900" wrap="square" tIns="121900">
+          <a:bodyPr spcFirstLastPara="1" wrap="square" lIns="121900" tIns="121900" rIns="121900" bIns="121900" anchor="ctr" anchorCtr="0">
             <a:normAutofit/>
           </a:bodyPr>
           <a:lstStyle>
@@ -4299,7 +4802,7 @@
             </a:lvl9pPr>
           </a:lstStyle>
           <a:p>
-            <a:pPr indent="0" lvl="0" marL="0" rtl="0" algn="r">
+            <a:pPr marL="0" lvl="0" indent="0" algn="r" rtl="0">
               <a:spcBef>
                 <a:spcPts val="0"/>
               </a:spcBef>
@@ -4310,9 +4813,8 @@
             </a:pPr>
             <a:fld id="{00000000-1234-1234-1234-123412341234}" type="slidenum">
               <a:rPr lang="en-IN"/>
-              <a:t>‹#›</a:t>
             </a:fld>
-            <a:endParaRPr/>
+            <a:endParaRPr lang="en-IN"/>
           </a:p>
         </p:txBody>
       </p:sp>
@@ -4325,7 +4827,7 @@
 </file>
 
 <file path=ppt/slideLayouts/slideLayout7.xml><?xml version="1.0" encoding="utf-8"?>
-<p:sldLayout xmlns:a="http://schemas.openxmlformats.org/drawingml/2006/main" xmlns:r="http://schemas.openxmlformats.org/officeDocument/2006/relationships" xmlns:mc="http://schemas.openxmlformats.org/markup-compatibility/2006" xmlns:mv="urn:schemas-microsoft-com:mac:vml" xmlns:p="http://schemas.openxmlformats.org/presentationml/2006/main" xmlns:c="http://schemas.openxmlformats.org/drawingml/2006/chart" xmlns:dgm="http://schemas.openxmlformats.org/drawingml/2006/diagram" xmlns:o="urn:schemas-microsoft-com:office:office" xmlns:v="urn:schemas-microsoft-com:vml" xmlns:pvml="urn:schemas-microsoft-com:office:powerpoint" xmlns:com="http://schemas.openxmlformats.org/drawingml/2006/compatibility" xmlns:p14="http://schemas.microsoft.com/office/powerpoint/2010/main" xmlns:p15="http://schemas.microsoft.com/office/powerpoint/2012/main" xmlns:ahyp="http://schemas.microsoft.com/office/drawing/2018/hyperlinkcolor" matchingName="Main point">
+<p:sldLayout xmlns:a="http://schemas.openxmlformats.org/drawingml/2006/main" xmlns:r="http://schemas.openxmlformats.org/officeDocument/2006/relationships" xmlns:p="http://schemas.openxmlformats.org/presentationml/2006/main" matchingName="Main point">
   <p:cSld name="MAIN_POINT">
     <p:spTree>
       <p:nvGrpSpPr>
@@ -4359,7 +4861,7 @@
           </a:prstGeom>
         </p:spPr>
         <p:txBody>
-          <a:bodyPr anchorCtr="0" anchor="ctr" bIns="121900" lIns="121900" spcFirstLastPara="1" rIns="121900" wrap="square" tIns="121900">
+          <a:bodyPr spcFirstLastPara="1" wrap="square" lIns="121900" tIns="121900" rIns="121900" bIns="121900" anchor="ctr" anchorCtr="0">
             <a:normAutofit/>
           </a:bodyPr>
           <a:lstStyle>
@@ -4471,7 +4973,7 @@
           <p:cNvPr id="34" name="Google Shape;34;p8"/>
           <p:cNvSpPr txBox="1"/>
           <p:nvPr>
-            <p:ph idx="12" type="sldNum"/>
+            <p:ph type="sldNum" idx="12"/>
           </p:nvPr>
         </p:nvSpPr>
         <p:spPr>
@@ -4484,7 +4986,7 @@
           </a:prstGeom>
         </p:spPr>
         <p:txBody>
-          <a:bodyPr anchorCtr="0" anchor="ctr" bIns="121900" lIns="121900" spcFirstLastPara="1" rIns="121900" wrap="square" tIns="121900">
+          <a:bodyPr spcFirstLastPara="1" wrap="square" lIns="121900" tIns="121900" rIns="121900" bIns="121900" anchor="ctr" anchorCtr="0">
             <a:normAutofit/>
           </a:bodyPr>
           <a:lstStyle>
@@ -4526,7 +5028,7 @@
             </a:lvl9pPr>
           </a:lstStyle>
           <a:p>
-            <a:pPr indent="0" lvl="0" marL="0" rtl="0" algn="r">
+            <a:pPr marL="0" lvl="0" indent="0" algn="r" rtl="0">
               <a:spcBef>
                 <a:spcPts val="0"/>
               </a:spcBef>
@@ -4537,9 +5039,8 @@
             </a:pPr>
             <a:fld id="{00000000-1234-1234-1234-123412341234}" type="slidenum">
               <a:rPr lang="en-IN"/>
-              <a:t>‹#›</a:t>
             </a:fld>
-            <a:endParaRPr/>
+            <a:endParaRPr lang="en-IN"/>
           </a:p>
         </p:txBody>
       </p:sp>
@@ -4552,7 +5053,7 @@
 </file>
 
 <file path=ppt/slideLayouts/slideLayout8.xml><?xml version="1.0" encoding="utf-8"?>
-<p:sldLayout xmlns:a="http://schemas.openxmlformats.org/drawingml/2006/main" xmlns:r="http://schemas.openxmlformats.org/officeDocument/2006/relationships" xmlns:mc="http://schemas.openxmlformats.org/markup-compatibility/2006" xmlns:mv="urn:schemas-microsoft-com:mac:vml" xmlns:p="http://schemas.openxmlformats.org/presentationml/2006/main" xmlns:c="http://schemas.openxmlformats.org/drawingml/2006/chart" xmlns:dgm="http://schemas.openxmlformats.org/drawingml/2006/diagram" xmlns:o="urn:schemas-microsoft-com:office:office" xmlns:v="urn:schemas-microsoft-com:vml" xmlns:pvml="urn:schemas-microsoft-com:office:powerpoint" xmlns:com="http://schemas.openxmlformats.org/drawingml/2006/compatibility" xmlns:p14="http://schemas.microsoft.com/office/powerpoint/2010/main" xmlns:p15="http://schemas.microsoft.com/office/powerpoint/2012/main" xmlns:ahyp="http://schemas.microsoft.com/office/drawing/2018/hyperlinkcolor" matchingName="Section title and description">
+<p:sldLayout xmlns:a="http://schemas.openxmlformats.org/drawingml/2006/main" xmlns:r="http://schemas.openxmlformats.org/officeDocument/2006/relationships" xmlns:p="http://schemas.openxmlformats.org/presentationml/2006/main" matchingName="Section title and description">
   <p:cSld name="SECTION_TITLE_AND_DESCRIPTION">
     <p:spTree>
       <p:nvGrpSpPr>
@@ -4590,12 +5091,12 @@
           </a:ln>
         </p:spPr>
         <p:txBody>
-          <a:bodyPr anchorCtr="0" anchor="ctr" bIns="121900" lIns="121900" spcFirstLastPara="1" rIns="121900" wrap="square" tIns="121900">
+          <a:bodyPr spcFirstLastPara="1" wrap="square" lIns="121900" tIns="121900" rIns="121900" bIns="121900" anchor="ctr" anchorCtr="0">
             <a:noAutofit/>
           </a:bodyPr>
           <a:lstStyle/>
           <a:p>
-            <a:pPr indent="0" lvl="0" marL="0" rtl="0" algn="l">
+            <a:pPr marL="0" lvl="0" indent="0" algn="l" rtl="0">
               <a:spcBef>
                 <a:spcPts val="0"/>
               </a:spcBef>
@@ -4604,10 +5105,6 @@
               </a:spcAft>
               <a:buNone/>
             </a:pPr>
-            <a:r>
-              <a:t/>
-            </a:r>
-            <a:endParaRPr/>
           </a:p>
         </p:txBody>
       </p:sp>
@@ -4629,7 +5126,7 @@
           </a:prstGeom>
         </p:spPr>
         <p:txBody>
-          <a:bodyPr anchorCtr="0" anchor="b" bIns="121900" lIns="121900" spcFirstLastPara="1" rIns="121900" wrap="square" tIns="121900">
+          <a:bodyPr spcFirstLastPara="1" wrap="square" lIns="121900" tIns="121900" rIns="121900" bIns="121900" anchor="b" anchorCtr="0">
             <a:normAutofit/>
           </a:bodyPr>
           <a:lstStyle>
@@ -4741,7 +5238,7 @@
           <p:cNvPr id="38" name="Google Shape;38;p9"/>
           <p:cNvSpPr txBox="1"/>
           <p:nvPr>
-            <p:ph idx="1" type="subTitle"/>
+            <p:ph type="subTitle" idx="1"/>
           </p:nvPr>
         </p:nvSpPr>
         <p:spPr>
@@ -4754,7 +5251,7 @@
           </a:prstGeom>
         </p:spPr>
         <p:txBody>
-          <a:bodyPr anchorCtr="0" anchor="t" bIns="121900" lIns="121900" spcFirstLastPara="1" rIns="121900" wrap="square" tIns="121900">
+          <a:bodyPr spcFirstLastPara="1" wrap="square" lIns="121900" tIns="121900" rIns="121900" bIns="121900" anchor="t" anchorCtr="0">
             <a:normAutofit/>
           </a:bodyPr>
           <a:lstStyle>
@@ -4893,7 +5390,7 @@
           <p:cNvPr id="39" name="Google Shape;39;p9"/>
           <p:cNvSpPr txBox="1"/>
           <p:nvPr>
-            <p:ph idx="2" type="body"/>
+            <p:ph type="body" idx="2"/>
           </p:nvPr>
         </p:nvSpPr>
         <p:spPr>
@@ -4906,11 +5403,11 @@
           </a:prstGeom>
         </p:spPr>
         <p:txBody>
-          <a:bodyPr anchorCtr="0" anchor="ctr" bIns="121900" lIns="121900" spcFirstLastPara="1" rIns="121900" wrap="square" tIns="121900">
+          <a:bodyPr spcFirstLastPara="1" wrap="square" lIns="121900" tIns="121900" rIns="121900" bIns="121900" anchor="ctr" anchorCtr="0">
             <a:normAutofit/>
           </a:bodyPr>
           <a:lstStyle>
-            <a:lvl1pPr indent="-381000" lvl="0" marL="457200">
+            <a:lvl1pPr marL="457200" lvl="0" indent="-381000">
               <a:spcBef>
                 <a:spcPts val="0"/>
               </a:spcBef>
@@ -4921,7 +5418,7 @@
               <a:buChar char="●"/>
               <a:defRPr/>
             </a:lvl1pPr>
-            <a:lvl2pPr indent="-349250" lvl="1" marL="914400">
+            <a:lvl2pPr marL="914400" lvl="1" indent="-349250">
               <a:spcBef>
                 <a:spcPts val="0"/>
               </a:spcBef>
@@ -4932,7 +5429,7 @@
               <a:buChar char="○"/>
               <a:defRPr/>
             </a:lvl2pPr>
-            <a:lvl3pPr indent="-349250" lvl="2" marL="1371600">
+            <a:lvl3pPr marL="1371600" lvl="2" indent="-349250">
               <a:spcBef>
                 <a:spcPts val="0"/>
               </a:spcBef>
@@ -4943,7 +5440,7 @@
               <a:buChar char="■"/>
               <a:defRPr/>
             </a:lvl3pPr>
-            <a:lvl4pPr indent="-349250" lvl="3" marL="1828800">
+            <a:lvl4pPr marL="1828800" lvl="3" indent="-349250">
               <a:spcBef>
                 <a:spcPts val="0"/>
               </a:spcBef>
@@ -4954,7 +5451,7 @@
               <a:buChar char="●"/>
               <a:defRPr/>
             </a:lvl4pPr>
-            <a:lvl5pPr indent="-349250" lvl="4" marL="2286000">
+            <a:lvl5pPr marL="2286000" lvl="4" indent="-349250">
               <a:spcBef>
                 <a:spcPts val="0"/>
               </a:spcBef>
@@ -4965,7 +5462,7 @@
               <a:buChar char="○"/>
               <a:defRPr/>
             </a:lvl5pPr>
-            <a:lvl6pPr indent="-349250" lvl="5" marL="2743200">
+            <a:lvl6pPr marL="2743200" lvl="5" indent="-349250">
               <a:spcBef>
                 <a:spcPts val="0"/>
               </a:spcBef>
@@ -4976,7 +5473,7 @@
               <a:buChar char="■"/>
               <a:defRPr/>
             </a:lvl6pPr>
-            <a:lvl7pPr indent="-349250" lvl="6" marL="3200400">
+            <a:lvl7pPr marL="3200400" lvl="6" indent="-349250">
               <a:spcBef>
                 <a:spcPts val="0"/>
               </a:spcBef>
@@ -4987,7 +5484,7 @@
               <a:buChar char="●"/>
               <a:defRPr/>
             </a:lvl7pPr>
-            <a:lvl8pPr indent="-349250" lvl="7" marL="3657600">
+            <a:lvl8pPr marL="3657600" lvl="7" indent="-349250">
               <a:spcBef>
                 <a:spcPts val="0"/>
               </a:spcBef>
@@ -4998,7 +5495,7 @@
               <a:buChar char="○"/>
               <a:defRPr/>
             </a:lvl8pPr>
-            <a:lvl9pPr indent="-349250" lvl="8" marL="4114800">
+            <a:lvl9pPr marL="4114800" lvl="8" indent="-349250">
               <a:spcBef>
                 <a:spcPts val="0"/>
               </a:spcBef>
@@ -5018,7 +5515,7 @@
           <p:cNvPr id="40" name="Google Shape;40;p9"/>
           <p:cNvSpPr txBox="1"/>
           <p:nvPr>
-            <p:ph idx="12" type="sldNum"/>
+            <p:ph type="sldNum" idx="12"/>
           </p:nvPr>
         </p:nvSpPr>
         <p:spPr>
@@ -5031,7 +5528,7 @@
           </a:prstGeom>
         </p:spPr>
         <p:txBody>
-          <a:bodyPr anchorCtr="0" anchor="ctr" bIns="121900" lIns="121900" spcFirstLastPara="1" rIns="121900" wrap="square" tIns="121900">
+          <a:bodyPr spcFirstLastPara="1" wrap="square" lIns="121900" tIns="121900" rIns="121900" bIns="121900" anchor="ctr" anchorCtr="0">
             <a:normAutofit/>
           </a:bodyPr>
           <a:lstStyle>
@@ -5073,7 +5570,7 @@
             </a:lvl9pPr>
           </a:lstStyle>
           <a:p>
-            <a:pPr indent="0" lvl="0" marL="0" rtl="0" algn="r">
+            <a:pPr marL="0" lvl="0" indent="0" algn="r" rtl="0">
               <a:spcBef>
                 <a:spcPts val="0"/>
               </a:spcBef>
@@ -5084,9 +5581,8 @@
             </a:pPr>
             <a:fld id="{00000000-1234-1234-1234-123412341234}" type="slidenum">
               <a:rPr lang="en-IN"/>
-              <a:t>‹#›</a:t>
             </a:fld>
-            <a:endParaRPr/>
+            <a:endParaRPr lang="en-IN"/>
           </a:p>
         </p:txBody>
       </p:sp>
@@ -5099,7 +5595,7 @@
 </file>
 
 <file path=ppt/slideLayouts/slideLayout9.xml><?xml version="1.0" encoding="utf-8"?>
-<p:sldLayout xmlns:a="http://schemas.openxmlformats.org/drawingml/2006/main" xmlns:r="http://schemas.openxmlformats.org/officeDocument/2006/relationships" xmlns:mc="http://schemas.openxmlformats.org/markup-compatibility/2006" xmlns:mv="urn:schemas-microsoft-com:mac:vml" xmlns:p="http://schemas.openxmlformats.org/presentationml/2006/main" xmlns:c="http://schemas.openxmlformats.org/drawingml/2006/chart" xmlns:dgm="http://schemas.openxmlformats.org/drawingml/2006/diagram" xmlns:o="urn:schemas-microsoft-com:office:office" xmlns:v="urn:schemas-microsoft-com:vml" xmlns:pvml="urn:schemas-microsoft-com:office:powerpoint" xmlns:com="http://schemas.openxmlformats.org/drawingml/2006/compatibility" xmlns:p14="http://schemas.microsoft.com/office/powerpoint/2010/main" xmlns:p15="http://schemas.microsoft.com/office/powerpoint/2012/main" xmlns:ahyp="http://schemas.microsoft.com/office/drawing/2018/hyperlinkcolor" matchingName="Caption">
+<p:sldLayout xmlns:a="http://schemas.openxmlformats.org/drawingml/2006/main" xmlns:r="http://schemas.openxmlformats.org/officeDocument/2006/relationships" xmlns:p="http://schemas.openxmlformats.org/presentationml/2006/main" matchingName="Caption">
   <p:cSld name="CAPTION_ONLY">
     <p:spTree>
       <p:nvGrpSpPr>
@@ -5120,7 +5616,7 @@
           <p:cNvPr id="42" name="Google Shape;42;p10"/>
           <p:cNvSpPr txBox="1"/>
           <p:nvPr>
-            <p:ph idx="1" type="body"/>
+            <p:ph type="body" idx="1"/>
           </p:nvPr>
         </p:nvSpPr>
         <p:spPr>
@@ -5133,11 +5629,11 @@
           </a:prstGeom>
         </p:spPr>
         <p:txBody>
-          <a:bodyPr anchorCtr="0" anchor="ctr" bIns="121900" lIns="121900" spcFirstLastPara="1" rIns="121900" wrap="square" tIns="121900">
+          <a:bodyPr spcFirstLastPara="1" wrap="square" lIns="121900" tIns="121900" rIns="121900" bIns="121900" anchor="ctr" anchorCtr="0">
             <a:normAutofit/>
           </a:bodyPr>
           <a:lstStyle>
-            <a:lvl1pPr indent="-228600" lvl="0" marL="457200">
+            <a:lvl1pPr marL="457200" lvl="0" indent="-228600">
               <a:lnSpc>
                 <a:spcPct val="100000"/>
               </a:lnSpc>
@@ -5160,7 +5656,7 @@
           <p:cNvPr id="43" name="Google Shape;43;p10"/>
           <p:cNvSpPr txBox="1"/>
           <p:nvPr>
-            <p:ph idx="12" type="sldNum"/>
+            <p:ph type="sldNum" idx="12"/>
           </p:nvPr>
         </p:nvSpPr>
         <p:spPr>
@@ -5173,7 +5669,7 @@
           </a:prstGeom>
         </p:spPr>
         <p:txBody>
-          <a:bodyPr anchorCtr="0" anchor="ctr" bIns="121900" lIns="121900" spcFirstLastPara="1" rIns="121900" wrap="square" tIns="121900">
+          <a:bodyPr spcFirstLastPara="1" wrap="square" lIns="121900" tIns="121900" rIns="121900" bIns="121900" anchor="ctr" anchorCtr="0">
             <a:normAutofit/>
           </a:bodyPr>
           <a:lstStyle>
@@ -5215,7 +5711,7 @@
             </a:lvl9pPr>
           </a:lstStyle>
           <a:p>
-            <a:pPr indent="0" lvl="0" marL="0" rtl="0" algn="r">
+            <a:pPr marL="0" lvl="0" indent="0" algn="r" rtl="0">
               <a:spcBef>
                 <a:spcPts val="0"/>
               </a:spcBef>
@@ -5226,9 +5722,8 @@
             </a:pPr>
             <a:fld id="{00000000-1234-1234-1234-123412341234}" type="slidenum">
               <a:rPr lang="en-IN"/>
-              <a:t>‹#›</a:t>
             </a:fld>
-            <a:endParaRPr/>
+            <a:endParaRPr lang="en-IN"/>
           </a:p>
         </p:txBody>
       </p:sp>
@@ -5241,13 +5736,14 @@
 </file>
 
 <file path=ppt/slideMasters/slideMaster1.xml><?xml version="1.0" encoding="utf-8"?>
-<p:sldMaster xmlns:a="http://schemas.openxmlformats.org/drawingml/2006/main" xmlns:r="http://schemas.openxmlformats.org/officeDocument/2006/relationships" xmlns:mc="http://schemas.openxmlformats.org/markup-compatibility/2006" xmlns:mv="urn:schemas-microsoft-com:mac:vml" xmlns:p="http://schemas.openxmlformats.org/presentationml/2006/main" xmlns:c="http://schemas.openxmlformats.org/drawingml/2006/chart" xmlns:dgm="http://schemas.openxmlformats.org/drawingml/2006/diagram" xmlns:o="urn:schemas-microsoft-com:office:office" xmlns:v="urn:schemas-microsoft-com:vml" xmlns:pvml="urn:schemas-microsoft-com:office:powerpoint" xmlns:com="http://schemas.openxmlformats.org/drawingml/2006/compatibility" xmlns:p14="http://schemas.microsoft.com/office/powerpoint/2010/main" xmlns:p15="http://schemas.microsoft.com/office/powerpoint/2012/main" xmlns:ahyp="http://schemas.microsoft.com/office/drawing/2018/hyperlinkcolor">
-  <p:cSld name="simple-light-2">
+<p:sldMaster xmlns:a="http://schemas.openxmlformats.org/drawingml/2006/main" xmlns:r="http://schemas.openxmlformats.org/officeDocument/2006/relationships" xmlns:p="http://schemas.openxmlformats.org/presentationml/2006/main">
+  <p:cSld>
     <p:bg>
       <p:bgPr>
         <a:solidFill>
           <a:schemeClr val="lt1"/>
         </a:solidFill>
+        <a:effectLst/>
       </p:bgPr>
     </p:bg>
     <p:spTree>
@@ -5286,7 +5782,7 @@
           </a:ln>
         </p:spPr>
         <p:txBody>
-          <a:bodyPr anchorCtr="0" anchor="t" bIns="121900" lIns="121900" spcFirstLastPara="1" rIns="121900" wrap="square" tIns="121900">
+          <a:bodyPr spcFirstLastPara="1" wrap="square" lIns="121900" tIns="121900" rIns="121900" bIns="121900" anchor="t" anchorCtr="0">
             <a:normAutofit/>
           </a:bodyPr>
           <a:lstStyle>
@@ -5461,7 +5957,7 @@
           <p:cNvPr id="7" name="Google Shape;7;p1"/>
           <p:cNvSpPr txBox="1"/>
           <p:nvPr>
-            <p:ph idx="1" type="body"/>
+            <p:ph type="body" idx="1"/>
           </p:nvPr>
         </p:nvSpPr>
         <p:spPr>
@@ -5478,11 +5974,11 @@
           </a:ln>
         </p:spPr>
         <p:txBody>
-          <a:bodyPr anchorCtr="0" anchor="t" bIns="121900" lIns="121900" spcFirstLastPara="1" rIns="121900" wrap="square" tIns="121900">
+          <a:bodyPr spcFirstLastPara="1" wrap="square" lIns="121900" tIns="121900" rIns="121900" bIns="121900" anchor="t" anchorCtr="0">
             <a:normAutofit/>
           </a:bodyPr>
           <a:lstStyle>
-            <a:lvl1pPr indent="-381000" lvl="0" marL="457200">
+            <a:lvl1pPr marL="457200" lvl="0" indent="-381000">
               <a:lnSpc>
                 <a:spcPct val="115000"/>
               </a:lnSpc>
@@ -5503,7 +5999,7 @@
                 </a:solidFill>
               </a:defRPr>
             </a:lvl1pPr>
-            <a:lvl2pPr indent="-349250" lvl="1" marL="914400">
+            <a:lvl2pPr marL="914400" lvl="1" indent="-349250">
               <a:lnSpc>
                 <a:spcPct val="115000"/>
               </a:lnSpc>
@@ -5524,7 +6020,7 @@
                 </a:solidFill>
               </a:defRPr>
             </a:lvl2pPr>
-            <a:lvl3pPr indent="-349250" lvl="2" marL="1371600">
+            <a:lvl3pPr marL="1371600" lvl="2" indent="-349250">
               <a:lnSpc>
                 <a:spcPct val="115000"/>
               </a:lnSpc>
@@ -5545,7 +6041,7 @@
                 </a:solidFill>
               </a:defRPr>
             </a:lvl3pPr>
-            <a:lvl4pPr indent="-349250" lvl="3" marL="1828800">
+            <a:lvl4pPr marL="1828800" lvl="3" indent="-349250">
               <a:lnSpc>
                 <a:spcPct val="115000"/>
               </a:lnSpc>
@@ -5566,7 +6062,7 @@
                 </a:solidFill>
               </a:defRPr>
             </a:lvl4pPr>
-            <a:lvl5pPr indent="-349250" lvl="4" marL="2286000">
+            <a:lvl5pPr marL="2286000" lvl="4" indent="-349250">
               <a:lnSpc>
                 <a:spcPct val="115000"/>
               </a:lnSpc>
@@ -5587,7 +6083,7 @@
                 </a:solidFill>
               </a:defRPr>
             </a:lvl5pPr>
-            <a:lvl6pPr indent="-349250" lvl="5" marL="2743200">
+            <a:lvl6pPr marL="2743200" lvl="5" indent="-349250">
               <a:lnSpc>
                 <a:spcPct val="115000"/>
               </a:lnSpc>
@@ -5608,7 +6104,7 @@
                 </a:solidFill>
               </a:defRPr>
             </a:lvl6pPr>
-            <a:lvl7pPr indent="-349250" lvl="6" marL="3200400">
+            <a:lvl7pPr marL="3200400" lvl="6" indent="-349250">
               <a:lnSpc>
                 <a:spcPct val="115000"/>
               </a:lnSpc>
@@ -5629,7 +6125,7 @@
                 </a:solidFill>
               </a:defRPr>
             </a:lvl7pPr>
-            <a:lvl8pPr indent="-349250" lvl="7" marL="3657600">
+            <a:lvl8pPr marL="3657600" lvl="7" indent="-349250">
               <a:lnSpc>
                 <a:spcPct val="115000"/>
               </a:lnSpc>
@@ -5650,7 +6146,7 @@
                 </a:solidFill>
               </a:defRPr>
             </a:lvl8pPr>
-            <a:lvl9pPr indent="-349250" lvl="8" marL="4114800">
+            <a:lvl9pPr marL="4114800" lvl="8" indent="-349250">
               <a:lnSpc>
                 <a:spcPct val="115000"/>
               </a:lnSpc>
@@ -5680,7 +6176,7 @@
           <p:cNvPr id="8" name="Google Shape;8;p1"/>
           <p:cNvSpPr txBox="1"/>
           <p:nvPr>
-            <p:ph idx="12" type="sldNum"/>
+            <p:ph type="sldNum" idx="12"/>
           </p:nvPr>
         </p:nvSpPr>
         <p:spPr>
@@ -5697,7 +6193,7 @@
           </a:ln>
         </p:spPr>
         <p:txBody>
-          <a:bodyPr anchorCtr="0" anchor="ctr" bIns="121900" lIns="121900" spcFirstLastPara="1" rIns="121900" wrap="square" tIns="121900">
+          <a:bodyPr spcFirstLastPara="1" wrap="square" lIns="121900" tIns="121900" rIns="121900" bIns="121900" anchor="ctr" anchorCtr="0">
             <a:normAutofit/>
           </a:bodyPr>
           <a:lstStyle>
@@ -5775,7 +6271,7 @@
             </a:lvl9pPr>
           </a:lstStyle>
           <a:p>
-            <a:pPr indent="0" lvl="0" marL="0" rtl="0" algn="r">
+            <a:pPr marL="0" lvl="0" indent="0" algn="r" rtl="0">
               <a:spcBef>
                 <a:spcPts val="0"/>
               </a:spcBef>
@@ -5786,33 +6282,32 @@
             </a:pPr>
             <a:fld id="{00000000-1234-1234-1234-123412341234}" type="slidenum">
               <a:rPr lang="en-IN"/>
-              <a:t>‹#›</a:t>
             </a:fld>
-            <a:endParaRPr/>
+            <a:endParaRPr lang="en-IN"/>
           </a:p>
         </p:txBody>
       </p:sp>
     </p:spTree>
   </p:cSld>
-  <p:clrMap accent1="accent1" accent2="accent2" accent3="accent3" accent4="accent4" accent5="accent5" accent6="accent6" bg1="lt1" bg2="dk2" tx1="dk1" tx2="lt2" folHlink="folHlink" hlink="hlink"/>
+  <p:clrMap bg1="lt1" tx1="dk1" bg2="dk2" tx2="lt2" accent1="accent1" accent2="accent2" accent3="accent3" accent4="accent4" accent5="accent5" accent6="accent6" hlink="hlink" folHlink="folHlink"/>
   <p:sldLayoutIdLst>
-    <p:sldLayoutId id="2147483648" r:id="rId1"/>
-    <p:sldLayoutId id="2147483649" r:id="rId2"/>
-    <p:sldLayoutId id="2147483650" r:id="rId3"/>
-    <p:sldLayoutId id="2147483651" r:id="rId4"/>
-    <p:sldLayoutId id="2147483652" r:id="rId5"/>
-    <p:sldLayoutId id="2147483653" r:id="rId6"/>
-    <p:sldLayoutId id="2147483654" r:id="rId7"/>
-    <p:sldLayoutId id="2147483655" r:id="rId8"/>
-    <p:sldLayoutId id="2147483656" r:id="rId9"/>
-    <p:sldLayoutId id="2147483657" r:id="rId10"/>
-    <p:sldLayoutId id="2147483658" r:id="rId11"/>
-    <p:sldLayoutId id="2147483659" r:id="rId12"/>
+    <p:sldLayoutId id="2147483649" r:id="rId1"/>
+    <p:sldLayoutId id="2147483650" r:id="rId2"/>
+    <p:sldLayoutId id="2147483651" r:id="rId3"/>
+    <p:sldLayoutId id="2147483652" r:id="rId4"/>
+    <p:sldLayoutId id="2147483653" r:id="rId5"/>
+    <p:sldLayoutId id="2147483654" r:id="rId6"/>
+    <p:sldLayoutId id="2147483655" r:id="rId7"/>
+    <p:sldLayoutId id="2147483656" r:id="rId8"/>
+    <p:sldLayoutId id="2147483657" r:id="rId9"/>
+    <p:sldLayoutId id="2147483658" r:id="rId10"/>
+    <p:sldLayoutId id="2147483659" r:id="rId11"/>
+    <p:sldLayoutId id="2147483660" r:id="rId12"/>
   </p:sldLayoutIdLst>
-  <p:hf dt="0" ftr="0" hdr="0" sldNum="0"/>
+  <p:hf sldNum="0" hdr="0" ftr="0" dt="0"/>
   <p:txStyles>
     <p:titleStyle>
-      <a:defPPr lvl="0" marR="0" rtl="0" algn="l">
+      <a:defPPr marR="0" lvl="0" algn="l" rtl="0">
         <a:lnSpc>
           <a:spcPct val="100000"/>
         </a:lnSpc>
@@ -5823,7 +6318,7 @@
           <a:spcPts val="0"/>
         </a:spcAft>
       </a:defPPr>
-      <a:lvl1pPr lvl="0" marR="0" rtl="0" algn="l">
+      <a:lvl1pPr marR="0" lvl="0" algn="l" rtl="0">
         <a:lnSpc>
           <a:spcPct val="100000"/>
         </a:lnSpc>
@@ -5837,7 +6332,7 @@
           <a:srgbClr val="000000"/>
         </a:buClr>
         <a:buFont typeface="Arial"/>
-        <a:defRPr b="0" i="0" sz="1400" u="none" cap="none" strike="noStrike">
+        <a:defRPr sz="1400" b="0" i="0" u="none" strike="noStrike" cap="none">
           <a:solidFill>
             <a:srgbClr val="000000"/>
           </a:solidFill>
@@ -5847,7 +6342,7 @@
           <a:sym typeface="Arial"/>
         </a:defRPr>
       </a:lvl1pPr>
-      <a:lvl2pPr lvl="1" marR="0" rtl="0" algn="l">
+      <a:lvl2pPr marR="0" lvl="1" algn="l" rtl="0">
         <a:lnSpc>
           <a:spcPct val="100000"/>
         </a:lnSpc>
@@ -5861,7 +6356,7 @@
           <a:srgbClr val="000000"/>
         </a:buClr>
         <a:buFont typeface="Arial"/>
-        <a:defRPr b="0" i="0" sz="1400" u="none" cap="none" strike="noStrike">
+        <a:defRPr sz="1400" b="0" i="0" u="none" strike="noStrike" cap="none">
           <a:solidFill>
             <a:srgbClr val="000000"/>
           </a:solidFill>
@@ -5871,7 +6366,7 @@
           <a:sym typeface="Arial"/>
         </a:defRPr>
       </a:lvl2pPr>
-      <a:lvl3pPr lvl="2" marR="0" rtl="0" algn="l">
+      <a:lvl3pPr marR="0" lvl="2" algn="l" rtl="0">
         <a:lnSpc>
           <a:spcPct val="100000"/>
         </a:lnSpc>
@@ -5885,7 +6380,7 @@
           <a:srgbClr val="000000"/>
         </a:buClr>
         <a:buFont typeface="Arial"/>
-        <a:defRPr b="0" i="0" sz="1400" u="none" cap="none" strike="noStrike">
+        <a:defRPr sz="1400" b="0" i="0" u="none" strike="noStrike" cap="none">
           <a:solidFill>
             <a:srgbClr val="000000"/>
           </a:solidFill>
@@ -5895,7 +6390,7 @@
           <a:sym typeface="Arial"/>
         </a:defRPr>
       </a:lvl3pPr>
-      <a:lvl4pPr lvl="3" marR="0" rtl="0" algn="l">
+      <a:lvl4pPr marR="0" lvl="3" algn="l" rtl="0">
         <a:lnSpc>
           <a:spcPct val="100000"/>
         </a:lnSpc>
@@ -5909,7 +6404,7 @@
           <a:srgbClr val="000000"/>
         </a:buClr>
         <a:buFont typeface="Arial"/>
-        <a:defRPr b="0" i="0" sz="1400" u="none" cap="none" strike="noStrike">
+        <a:defRPr sz="1400" b="0" i="0" u="none" strike="noStrike" cap="none">
           <a:solidFill>
             <a:srgbClr val="000000"/>
           </a:solidFill>
@@ -5919,7 +6414,7 @@
           <a:sym typeface="Arial"/>
         </a:defRPr>
       </a:lvl4pPr>
-      <a:lvl5pPr lvl="4" marR="0" rtl="0" algn="l">
+      <a:lvl5pPr marR="0" lvl="4" algn="l" rtl="0">
         <a:lnSpc>
           <a:spcPct val="100000"/>
         </a:lnSpc>
@@ -5933,7 +6428,7 @@
           <a:srgbClr val="000000"/>
         </a:buClr>
         <a:buFont typeface="Arial"/>
-        <a:defRPr b="0" i="0" sz="1400" u="none" cap="none" strike="noStrike">
+        <a:defRPr sz="1400" b="0" i="0" u="none" strike="noStrike" cap="none">
           <a:solidFill>
             <a:srgbClr val="000000"/>
           </a:solidFill>
@@ -5943,7 +6438,7 @@
           <a:sym typeface="Arial"/>
         </a:defRPr>
       </a:lvl5pPr>
-      <a:lvl6pPr lvl="5" marR="0" rtl="0" algn="l">
+      <a:lvl6pPr marR="0" lvl="5" algn="l" rtl="0">
         <a:lnSpc>
           <a:spcPct val="100000"/>
         </a:lnSpc>
@@ -5957,7 +6452,7 @@
           <a:srgbClr val="000000"/>
         </a:buClr>
         <a:buFont typeface="Arial"/>
-        <a:defRPr b="0" i="0" sz="1400" u="none" cap="none" strike="noStrike">
+        <a:defRPr sz="1400" b="0" i="0" u="none" strike="noStrike" cap="none">
           <a:solidFill>
             <a:srgbClr val="000000"/>
           </a:solidFill>
@@ -5967,7 +6462,7 @@
           <a:sym typeface="Arial"/>
         </a:defRPr>
       </a:lvl6pPr>
-      <a:lvl7pPr lvl="6" marR="0" rtl="0" algn="l">
+      <a:lvl7pPr marR="0" lvl="6" algn="l" rtl="0">
         <a:lnSpc>
           <a:spcPct val="100000"/>
         </a:lnSpc>
@@ -5981,7 +6476,7 @@
           <a:srgbClr val="000000"/>
         </a:buClr>
         <a:buFont typeface="Arial"/>
-        <a:defRPr b="0" i="0" sz="1400" u="none" cap="none" strike="noStrike">
+        <a:defRPr sz="1400" b="0" i="0" u="none" strike="noStrike" cap="none">
           <a:solidFill>
             <a:srgbClr val="000000"/>
           </a:solidFill>
@@ -5991,7 +6486,7 @@
           <a:sym typeface="Arial"/>
         </a:defRPr>
       </a:lvl7pPr>
-      <a:lvl8pPr lvl="7" marR="0" rtl="0" algn="l">
+      <a:lvl8pPr marR="0" lvl="7" algn="l" rtl="0">
         <a:lnSpc>
           <a:spcPct val="100000"/>
         </a:lnSpc>
@@ -6005,7 +6500,7 @@
           <a:srgbClr val="000000"/>
         </a:buClr>
         <a:buFont typeface="Arial"/>
-        <a:defRPr b="0" i="0" sz="1400" u="none" cap="none" strike="noStrike">
+        <a:defRPr sz="1400" b="0" i="0" u="none" strike="noStrike" cap="none">
           <a:solidFill>
             <a:srgbClr val="000000"/>
           </a:solidFill>
@@ -6015,7 +6510,7 @@
           <a:sym typeface="Arial"/>
         </a:defRPr>
       </a:lvl8pPr>
-      <a:lvl9pPr lvl="8" marR="0" rtl="0" algn="l">
+      <a:lvl9pPr marR="0" lvl="8" algn="l" rtl="0">
         <a:lnSpc>
           <a:spcPct val="100000"/>
         </a:lnSpc>
@@ -6029,7 +6524,7 @@
           <a:srgbClr val="000000"/>
         </a:buClr>
         <a:buFont typeface="Arial"/>
-        <a:defRPr b="0" i="0" sz="1400" u="none" cap="none" strike="noStrike">
+        <a:defRPr sz="1400" b="0" i="0" u="none" strike="noStrike" cap="none">
           <a:solidFill>
             <a:srgbClr val="000000"/>
           </a:solidFill>
@@ -6041,7 +6536,7 @@
       </a:lvl9pPr>
     </p:titleStyle>
     <p:bodyStyle>
-      <a:defPPr lvl="0" marR="0" rtl="0" algn="l">
+      <a:defPPr marR="0" lvl="0" algn="l" rtl="0">
         <a:lnSpc>
           <a:spcPct val="100000"/>
         </a:lnSpc>
@@ -6052,7 +6547,7 @@
           <a:spcPts val="0"/>
         </a:spcAft>
       </a:defPPr>
-      <a:lvl1pPr lvl="0" marR="0" rtl="0" algn="l">
+      <a:lvl1pPr marR="0" lvl="0" algn="l" rtl="0">
         <a:lnSpc>
           <a:spcPct val="100000"/>
         </a:lnSpc>
@@ -6066,7 +6561,7 @@
           <a:srgbClr val="000000"/>
         </a:buClr>
         <a:buFont typeface="Arial"/>
-        <a:defRPr b="0" i="0" sz="1400" u="none" cap="none" strike="noStrike">
+        <a:defRPr sz="1400" b="0" i="0" u="none" strike="noStrike" cap="none">
           <a:solidFill>
             <a:srgbClr val="000000"/>
           </a:solidFill>
@@ -6076,7 +6571,7 @@
           <a:sym typeface="Arial"/>
         </a:defRPr>
       </a:lvl1pPr>
-      <a:lvl2pPr lvl="1" marR="0" rtl="0" algn="l">
+      <a:lvl2pPr marR="0" lvl="1" algn="l" rtl="0">
         <a:lnSpc>
           <a:spcPct val="100000"/>
         </a:lnSpc>
@@ -6090,7 +6585,7 @@
           <a:srgbClr val="000000"/>
         </a:buClr>
         <a:buFont typeface="Arial"/>
-        <a:defRPr b="0" i="0" sz="1400" u="none" cap="none" strike="noStrike">
+        <a:defRPr sz="1400" b="0" i="0" u="none" strike="noStrike" cap="none">
           <a:solidFill>
             <a:srgbClr val="000000"/>
           </a:solidFill>
@@ -6100,7 +6595,7 @@
           <a:sym typeface="Arial"/>
         </a:defRPr>
       </a:lvl2pPr>
-      <a:lvl3pPr lvl="2" marR="0" rtl="0" algn="l">
+      <a:lvl3pPr marR="0" lvl="2" algn="l" rtl="0">
         <a:lnSpc>
           <a:spcPct val="100000"/>
         </a:lnSpc>
@@ -6114,7 +6609,7 @@
           <a:srgbClr val="000000"/>
         </a:buClr>
         <a:buFont typeface="Arial"/>
-        <a:defRPr b="0" i="0" sz="1400" u="none" cap="none" strike="noStrike">
+        <a:defRPr sz="1400" b="0" i="0" u="none" strike="noStrike" cap="none">
           <a:solidFill>
             <a:srgbClr val="000000"/>
           </a:solidFill>
@@ -6124,7 +6619,7 @@
           <a:sym typeface="Arial"/>
         </a:defRPr>
       </a:lvl3pPr>
-      <a:lvl4pPr lvl="3" marR="0" rtl="0" algn="l">
+      <a:lvl4pPr marR="0" lvl="3" algn="l" rtl="0">
         <a:lnSpc>
           <a:spcPct val="100000"/>
         </a:lnSpc>
@@ -6138,7 +6633,7 @@
           <a:srgbClr val="000000"/>
         </a:buClr>
         <a:buFont typeface="Arial"/>
-        <a:defRPr b="0" i="0" sz="1400" u="none" cap="none" strike="noStrike">
+        <a:defRPr sz="1400" b="0" i="0" u="none" strike="noStrike" cap="none">
           <a:solidFill>
             <a:srgbClr val="000000"/>
           </a:solidFill>
@@ -6148,7 +6643,7 @@
           <a:sym typeface="Arial"/>
         </a:defRPr>
       </a:lvl4pPr>
-      <a:lvl5pPr lvl="4" marR="0" rtl="0" algn="l">
+      <a:lvl5pPr marR="0" lvl="4" algn="l" rtl="0">
         <a:lnSpc>
           <a:spcPct val="100000"/>
         </a:lnSpc>
@@ -6162,7 +6657,7 @@
           <a:srgbClr val="000000"/>
         </a:buClr>
         <a:buFont typeface="Arial"/>
-        <a:defRPr b="0" i="0" sz="1400" u="none" cap="none" strike="noStrike">
+        <a:defRPr sz="1400" b="0" i="0" u="none" strike="noStrike" cap="none">
           <a:solidFill>
             <a:srgbClr val="000000"/>
           </a:solidFill>
@@ -6172,7 +6667,7 @@
           <a:sym typeface="Arial"/>
         </a:defRPr>
       </a:lvl5pPr>
-      <a:lvl6pPr lvl="5" marR="0" rtl="0" algn="l">
+      <a:lvl6pPr marR="0" lvl="5" algn="l" rtl="0">
         <a:lnSpc>
           <a:spcPct val="100000"/>
         </a:lnSpc>
@@ -6186,7 +6681,7 @@
           <a:srgbClr val="000000"/>
         </a:buClr>
         <a:buFont typeface="Arial"/>
-        <a:defRPr b="0" i="0" sz="1400" u="none" cap="none" strike="noStrike">
+        <a:defRPr sz="1400" b="0" i="0" u="none" strike="noStrike" cap="none">
           <a:solidFill>
             <a:srgbClr val="000000"/>
           </a:solidFill>
@@ -6196,7 +6691,7 @@
           <a:sym typeface="Arial"/>
         </a:defRPr>
       </a:lvl6pPr>
-      <a:lvl7pPr lvl="6" marR="0" rtl="0" algn="l">
+      <a:lvl7pPr marR="0" lvl="6" algn="l" rtl="0">
         <a:lnSpc>
           <a:spcPct val="100000"/>
         </a:lnSpc>
@@ -6210,7 +6705,7 @@
           <a:srgbClr val="000000"/>
         </a:buClr>
         <a:buFont typeface="Arial"/>
-        <a:defRPr b="0" i="0" sz="1400" u="none" cap="none" strike="noStrike">
+        <a:defRPr sz="1400" b="0" i="0" u="none" strike="noStrike" cap="none">
           <a:solidFill>
             <a:srgbClr val="000000"/>
           </a:solidFill>
@@ -6220,7 +6715,7 @@
           <a:sym typeface="Arial"/>
         </a:defRPr>
       </a:lvl7pPr>
-      <a:lvl8pPr lvl="7" marR="0" rtl="0" algn="l">
+      <a:lvl8pPr marR="0" lvl="7" algn="l" rtl="0">
         <a:lnSpc>
           <a:spcPct val="100000"/>
         </a:lnSpc>
@@ -6234,7 +6729,7 @@
           <a:srgbClr val="000000"/>
         </a:buClr>
         <a:buFont typeface="Arial"/>
-        <a:defRPr b="0" i="0" sz="1400" u="none" cap="none" strike="noStrike">
+        <a:defRPr sz="1400" b="0" i="0" u="none" strike="noStrike" cap="none">
           <a:solidFill>
             <a:srgbClr val="000000"/>
           </a:solidFill>
@@ -6244,7 +6739,7 @@
           <a:sym typeface="Arial"/>
         </a:defRPr>
       </a:lvl8pPr>
-      <a:lvl9pPr lvl="8" marR="0" rtl="0" algn="l">
+      <a:lvl9pPr marR="0" lvl="8" algn="l" rtl="0">
         <a:lnSpc>
           <a:spcPct val="100000"/>
         </a:lnSpc>
@@ -6258,7 +6753,7 @@
           <a:srgbClr val="000000"/>
         </a:buClr>
         <a:buFont typeface="Arial"/>
-        <a:defRPr b="0" i="0" sz="1400" u="none" cap="none" strike="noStrike">
+        <a:defRPr sz="1400" b="0" i="0" u="none" strike="noStrike" cap="none">
           <a:solidFill>
             <a:srgbClr val="000000"/>
           </a:solidFill>
@@ -6270,7 +6765,7 @@
       </a:lvl9pPr>
     </p:bodyStyle>
     <p:otherStyle>
-      <a:defPPr lvl="0" marR="0" rtl="0" algn="l">
+      <a:defPPr marR="0" lvl="0" algn="l" rtl="0">
         <a:lnSpc>
           <a:spcPct val="100000"/>
         </a:lnSpc>
@@ -6281,7 +6776,7 @@
           <a:spcPts val="0"/>
         </a:spcAft>
       </a:defPPr>
-      <a:lvl1pPr lvl="0" marR="0" rtl="0" algn="l">
+      <a:lvl1pPr marR="0" lvl="0" algn="l" rtl="0">
         <a:lnSpc>
           <a:spcPct val="100000"/>
         </a:lnSpc>
@@ -6295,7 +6790,7 @@
           <a:srgbClr val="000000"/>
         </a:buClr>
         <a:buFont typeface="Arial"/>
-        <a:defRPr b="0" i="0" sz="1400" u="none" cap="none" strike="noStrike">
+        <a:defRPr sz="1400" b="0" i="0" u="none" strike="noStrike" cap="none">
           <a:solidFill>
             <a:srgbClr val="000000"/>
           </a:solidFill>
@@ -6305,7 +6800,7 @@
           <a:sym typeface="Arial"/>
         </a:defRPr>
       </a:lvl1pPr>
-      <a:lvl2pPr lvl="1" marR="0" rtl="0" algn="l">
+      <a:lvl2pPr marR="0" lvl="1" algn="l" rtl="0">
         <a:lnSpc>
           <a:spcPct val="100000"/>
         </a:lnSpc>
@@ -6319,7 +6814,7 @@
           <a:srgbClr val="000000"/>
         </a:buClr>
         <a:buFont typeface="Arial"/>
-        <a:defRPr b="0" i="0" sz="1400" u="none" cap="none" strike="noStrike">
+        <a:defRPr sz="1400" b="0" i="0" u="none" strike="noStrike" cap="none">
           <a:solidFill>
             <a:srgbClr val="000000"/>
           </a:solidFill>
@@ -6329,7 +6824,7 @@
           <a:sym typeface="Arial"/>
         </a:defRPr>
       </a:lvl2pPr>
-      <a:lvl3pPr lvl="2" marR="0" rtl="0" algn="l">
+      <a:lvl3pPr marR="0" lvl="2" algn="l" rtl="0">
         <a:lnSpc>
           <a:spcPct val="100000"/>
         </a:lnSpc>
@@ -6343,7 +6838,7 @@
           <a:srgbClr val="000000"/>
         </a:buClr>
         <a:buFont typeface="Arial"/>
-        <a:defRPr b="0" i="0" sz="1400" u="none" cap="none" strike="noStrike">
+        <a:defRPr sz="1400" b="0" i="0" u="none" strike="noStrike" cap="none">
           <a:solidFill>
             <a:srgbClr val="000000"/>
           </a:solidFill>
@@ -6353,7 +6848,7 @@
           <a:sym typeface="Arial"/>
         </a:defRPr>
       </a:lvl3pPr>
-      <a:lvl4pPr lvl="3" marR="0" rtl="0" algn="l">
+      <a:lvl4pPr marR="0" lvl="3" algn="l" rtl="0">
         <a:lnSpc>
           <a:spcPct val="100000"/>
         </a:lnSpc>
@@ -6367,7 +6862,7 @@
           <a:srgbClr val="000000"/>
         </a:buClr>
         <a:buFont typeface="Arial"/>
-        <a:defRPr b="0" i="0" sz="1400" u="none" cap="none" strike="noStrike">
+        <a:defRPr sz="1400" b="0" i="0" u="none" strike="noStrike" cap="none">
           <a:solidFill>
             <a:srgbClr val="000000"/>
           </a:solidFill>
@@ -6377,7 +6872,7 @@
           <a:sym typeface="Arial"/>
         </a:defRPr>
       </a:lvl4pPr>
-      <a:lvl5pPr lvl="4" marR="0" rtl="0" algn="l">
+      <a:lvl5pPr marR="0" lvl="4" algn="l" rtl="0">
         <a:lnSpc>
           <a:spcPct val="100000"/>
         </a:lnSpc>
@@ -6391,7 +6886,7 @@
           <a:srgbClr val="000000"/>
         </a:buClr>
         <a:buFont typeface="Arial"/>
-        <a:defRPr b="0" i="0" sz="1400" u="none" cap="none" strike="noStrike">
+        <a:defRPr sz="1400" b="0" i="0" u="none" strike="noStrike" cap="none">
           <a:solidFill>
             <a:srgbClr val="000000"/>
           </a:solidFill>
@@ -6401,7 +6896,7 @@
           <a:sym typeface="Arial"/>
         </a:defRPr>
       </a:lvl5pPr>
-      <a:lvl6pPr lvl="5" marR="0" rtl="0" algn="l">
+      <a:lvl6pPr marR="0" lvl="5" algn="l" rtl="0">
         <a:lnSpc>
           <a:spcPct val="100000"/>
         </a:lnSpc>
@@ -6415,7 +6910,7 @@
           <a:srgbClr val="000000"/>
         </a:buClr>
         <a:buFont typeface="Arial"/>
-        <a:defRPr b="0" i="0" sz="1400" u="none" cap="none" strike="noStrike">
+        <a:defRPr sz="1400" b="0" i="0" u="none" strike="noStrike" cap="none">
           <a:solidFill>
             <a:srgbClr val="000000"/>
           </a:solidFill>
@@ -6425,7 +6920,7 @@
           <a:sym typeface="Arial"/>
         </a:defRPr>
       </a:lvl6pPr>
-      <a:lvl7pPr lvl="6" marR="0" rtl="0" algn="l">
+      <a:lvl7pPr marR="0" lvl="6" algn="l" rtl="0">
         <a:lnSpc>
           <a:spcPct val="100000"/>
         </a:lnSpc>
@@ -6439,7 +6934,7 @@
           <a:srgbClr val="000000"/>
         </a:buClr>
         <a:buFont typeface="Arial"/>
-        <a:defRPr b="0" i="0" sz="1400" u="none" cap="none" strike="noStrike">
+        <a:defRPr sz="1400" b="0" i="0" u="none" strike="noStrike" cap="none">
           <a:solidFill>
             <a:srgbClr val="000000"/>
           </a:solidFill>
@@ -6449,7 +6944,7 @@
           <a:sym typeface="Arial"/>
         </a:defRPr>
       </a:lvl7pPr>
-      <a:lvl8pPr lvl="7" marR="0" rtl="0" algn="l">
+      <a:lvl8pPr marR="0" lvl="7" algn="l" rtl="0">
         <a:lnSpc>
           <a:spcPct val="100000"/>
         </a:lnSpc>
@@ -6463,7 +6958,7 @@
           <a:srgbClr val="000000"/>
         </a:buClr>
         <a:buFont typeface="Arial"/>
-        <a:defRPr b="0" i="0" sz="1400" u="none" cap="none" strike="noStrike">
+        <a:defRPr sz="1400" b="0" i="0" u="none" strike="noStrike" cap="none">
           <a:solidFill>
             <a:srgbClr val="000000"/>
           </a:solidFill>
@@ -6473,7 +6968,7 @@
           <a:sym typeface="Arial"/>
         </a:defRPr>
       </a:lvl8pPr>
-      <a:lvl9pPr lvl="8" marR="0" rtl="0" algn="l">
+      <a:lvl9pPr marR="0" lvl="8" algn="l" rtl="0">
         <a:lnSpc>
           <a:spcPct val="100000"/>
         </a:lnSpc>
@@ -6487,7 +6982,7 @@
           <a:srgbClr val="000000"/>
         </a:buClr>
         <a:buFont typeface="Arial"/>
-        <a:defRPr b="0" i="0" sz="1400" u="none" cap="none" strike="noStrike">
+        <a:defRPr sz="1400" b="0" i="0" u="none" strike="noStrike" cap="none">
           <a:solidFill>
             <a:srgbClr val="000000"/>
           </a:solidFill>
@@ -6503,18 +6998,17 @@
 </file>
 
 <file path=ppt/slides/slide1.xml><?xml version="1.0" encoding="utf-8"?>
-<p:sld xmlns:a="http://schemas.openxmlformats.org/drawingml/2006/main" xmlns:r="http://schemas.openxmlformats.org/officeDocument/2006/relationships" xmlns:mc="http://schemas.openxmlformats.org/markup-compatibility/2006" xmlns:mv="urn:schemas-microsoft-com:mac:vml" xmlns:p="http://schemas.openxmlformats.org/presentationml/2006/main" xmlns:c="http://schemas.openxmlformats.org/drawingml/2006/chart" xmlns:dgm="http://schemas.openxmlformats.org/drawingml/2006/diagram" xmlns:o="urn:schemas-microsoft-com:office:office" xmlns:v="urn:schemas-microsoft-com:vml" xmlns:pvml="urn:schemas-microsoft-com:office:powerpoint" xmlns:com="http://schemas.openxmlformats.org/drawingml/2006/compatibility" xmlns:p14="http://schemas.microsoft.com/office/powerpoint/2010/main" xmlns:p15="http://schemas.microsoft.com/office/powerpoint/2012/main" xmlns:ahyp="http://schemas.microsoft.com/office/drawing/2018/hyperlinkcolor">
+<p:sld xmlns:a="http://schemas.openxmlformats.org/drawingml/2006/main" xmlns:r="http://schemas.openxmlformats.org/officeDocument/2006/relationships" xmlns:p="http://schemas.openxmlformats.org/presentationml/2006/main">
   <p:cSld>
     <p:bg>
       <p:bgPr>
         <a:blipFill>
-          <a:blip r:embed="rId3">
-            <a:alphaModFix/>
-          </a:blip>
+          <a:blip r:embed="rId1"/>
           <a:stretch>
             <a:fillRect/>
           </a:stretch>
         </a:blipFill>
+        <a:effectLst/>
       </p:bgPr>
     </p:bg>
     <p:spTree>
@@ -6551,12 +7045,12 @@
           </a:ln>
         </p:spPr>
         <p:txBody>
-          <a:bodyPr anchorCtr="0" anchor="ctr" bIns="45000" lIns="90000" spcFirstLastPara="1" rIns="90000" wrap="square" tIns="45000">
+          <a:bodyPr spcFirstLastPara="1" wrap="square" lIns="90000" tIns="45000" rIns="90000" bIns="45000" anchor="ctr" anchorCtr="0">
             <a:noAutofit/>
           </a:bodyPr>
           <a:lstStyle/>
           <a:p>
-            <a:pPr indent="0" lvl="0" marL="0" marR="0" rtl="0" algn="r">
+            <a:pPr marL="0" marR="0" lvl="0" indent="0" algn="r" rtl="0">
               <a:lnSpc>
                 <a:spcPct val="100000"/>
               </a:lnSpc>
@@ -6569,7 +7063,7 @@
               <a:buNone/>
             </a:pPr>
             <a:r>
-              <a:rPr b="1" lang="en-IN" sz="9600" strike="noStrike">
+              <a:rPr lang="en-IN" sz="9600" b="1" strike="noStrike">
                 <a:solidFill>
                   <a:srgbClr val="FFCA28"/>
                 </a:solidFill>
@@ -6581,7 +7075,7 @@
               <a:t>Odoo</a:t>
             </a:r>
             <a:r>
-              <a:rPr b="0" lang="en-IN" sz="9600" strike="noStrike">
+              <a:rPr lang="en-IN" sz="9600" b="0" strike="noStrike">
                 <a:solidFill>
                   <a:srgbClr val="000000"/>
                 </a:solidFill>
@@ -6593,7 +7087,7 @@
               <a:t> </a:t>
             </a:r>
             <a:r>
-              <a:rPr b="1" lang="en-IN" sz="9600" strike="noStrike">
+              <a:rPr lang="en-IN" sz="9600" b="1" strike="noStrike">
                 <a:solidFill>
                   <a:srgbClr val="000000"/>
                 </a:solidFill>
@@ -6604,7 +7098,7 @@
               </a:rPr>
               <a:t>India</a:t>
             </a:r>
-            <a:endParaRPr b="0" sz="9600" strike="noStrike">
+            <a:endParaRPr sz="9600" b="0" strike="noStrike">
               <a:solidFill>
                 <a:srgbClr val="000000"/>
               </a:solidFill>
@@ -6636,12 +7130,12 @@
           </a:ln>
         </p:spPr>
         <p:txBody>
-          <a:bodyPr anchorCtr="0" anchor="t" bIns="45000" lIns="90000" spcFirstLastPara="1" rIns="90000" wrap="square" tIns="45000">
+          <a:bodyPr spcFirstLastPara="1" wrap="square" lIns="90000" tIns="45000" rIns="90000" bIns="45000" anchor="t" anchorCtr="0">
             <a:normAutofit/>
           </a:bodyPr>
           <a:lstStyle/>
           <a:p>
-            <a:pPr indent="0" lvl="0" marL="0" marR="0" rtl="0" algn="r">
+            <a:pPr marL="0" marR="0" lvl="0" indent="0" algn="r" rtl="0">
               <a:lnSpc>
                 <a:spcPct val="100000"/>
               </a:lnSpc>
@@ -6654,7 +7148,7 @@
               <a:buNone/>
             </a:pPr>
             <a:r>
-              <a:rPr b="0" lang="en-IN" sz="3200" strike="noStrike">
+              <a:rPr lang="en-IN" sz="3200" b="0" strike="noStrike">
                 <a:solidFill>
                   <a:srgbClr val="FFFFFE"/>
                 </a:solidFill>
@@ -6666,7 +7160,7 @@
               <a:t>			</a:t>
             </a:r>
             <a:r>
-              <a:rPr b="1" lang="en-IN" sz="2800" strike="noStrike">
+              <a:rPr lang="en-IN" sz="2800" b="1" strike="noStrike">
                 <a:solidFill>
                   <a:srgbClr val="333333"/>
                 </a:solidFill>
@@ -6678,7 +7172,7 @@
               <a:t>Address</a:t>
             </a:r>
             <a:r>
-              <a:rPr b="1" lang="en-IN" sz="2800" strike="noStrike">
+              <a:rPr lang="en-IN" sz="2800" b="1" strike="noStrike">
                 <a:solidFill>
                   <a:srgbClr val="FFFFFE"/>
                 </a:solidFill>
@@ -6689,7 +7183,7 @@
               </a:rPr>
               <a:t>: </a:t>
             </a:r>
-            <a:endParaRPr b="0" sz="2800" strike="noStrike">
+            <a:endParaRPr sz="2800" b="0" strike="noStrike">
               <a:solidFill>
                 <a:srgbClr val="FFFFFE"/>
               </a:solidFill>
@@ -6700,7 +7194,7 @@
             </a:endParaRPr>
           </a:p>
           <a:p>
-            <a:pPr indent="0" lvl="0" marL="0" marR="0" rtl="0" algn="r">
+            <a:pPr marL="0" marR="0" lvl="0" indent="0" algn="r" rtl="0">
               <a:lnSpc>
                 <a:spcPct val="100000"/>
               </a:lnSpc>
@@ -6713,7 +7207,7 @@
               <a:buNone/>
             </a:pPr>
             <a:r>
-              <a:rPr b="1" lang="en-IN" sz="2000" strike="noStrike">
+              <a:rPr lang="en-IN" sz="2000" b="1" strike="noStrike">
                 <a:solidFill>
                   <a:srgbClr val="FFFFFE"/>
                 </a:solidFill>
@@ -6724,7 +7218,7 @@
               </a:rPr>
               <a:t>						401 &amp; 402, Floor 4, </a:t>
             </a:r>
-            <a:endParaRPr b="0" sz="2000" strike="noStrike">
+            <a:endParaRPr sz="2000" b="0" strike="noStrike">
               <a:solidFill>
                 <a:srgbClr val="FFFFFE"/>
               </a:solidFill>
@@ -6735,7 +7229,7 @@
             </a:endParaRPr>
           </a:p>
           <a:p>
-            <a:pPr indent="0" lvl="0" marL="0" marR="0" rtl="0" algn="r">
+            <a:pPr marL="0" marR="0" lvl="0" indent="0" algn="r" rtl="0">
               <a:lnSpc>
                 <a:spcPct val="100000"/>
               </a:lnSpc>
@@ -6748,7 +7242,7 @@
               <a:buNone/>
             </a:pPr>
             <a:r>
-              <a:rPr b="1" lang="en-IN" sz="2000" strike="noStrike">
+              <a:rPr lang="en-IN" sz="2000" b="1" strike="noStrike">
                 <a:solidFill>
                   <a:srgbClr val="FFFFFE"/>
                 </a:solidFill>
@@ -6759,7 +7253,7 @@
               </a:rPr>
               <a:t>						       IT Tower 3 InfoCity Gate, </a:t>
             </a:r>
-            <a:endParaRPr b="0" sz="2000" strike="noStrike">
+            <a:endParaRPr sz="2000" b="0" strike="noStrike">
               <a:solidFill>
                 <a:srgbClr val="FFFFFE"/>
               </a:solidFill>
@@ -6770,7 +7264,7 @@
             </a:endParaRPr>
           </a:p>
           <a:p>
-            <a:pPr indent="0" lvl="0" marL="0" marR="0" rtl="0" algn="r">
+            <a:pPr marL="0" marR="0" lvl="0" indent="0" algn="r" rtl="0">
               <a:lnSpc>
                 <a:spcPct val="100000"/>
               </a:lnSpc>
@@ -6783,7 +7277,7 @@
               <a:buNone/>
             </a:pPr>
             <a:r>
-              <a:rPr b="1" lang="en-IN" sz="2000" strike="noStrike">
+              <a:rPr lang="en-IN" sz="2000" b="1" strike="noStrike">
                 <a:solidFill>
                   <a:srgbClr val="FFFFFE"/>
                 </a:solidFill>
@@ -6794,7 +7288,7 @@
               </a:rPr>
               <a:t>							     1, Gandhinagar, Gujarat 382007</a:t>
             </a:r>
-            <a:endParaRPr b="0" sz="2000" strike="noStrike">
+            <a:endParaRPr sz="2000" b="0" strike="noStrike">
               <a:solidFill>
                 <a:srgbClr val="FFFFFE"/>
               </a:solidFill>
@@ -6814,19 +7308,1713 @@
 </p:sld>
 </file>
 
-<file path=ppt/slides/slide2.xml><?xml version="1.0" encoding="utf-8"?>
-<p:sld xmlns:a="http://schemas.openxmlformats.org/drawingml/2006/main" xmlns:r="http://schemas.openxmlformats.org/officeDocument/2006/relationships" xmlns:mc="http://schemas.openxmlformats.org/markup-compatibility/2006" xmlns:mv="urn:schemas-microsoft-com:mac:vml" xmlns:p="http://schemas.openxmlformats.org/presentationml/2006/main" xmlns:c="http://schemas.openxmlformats.org/drawingml/2006/chart" xmlns:dgm="http://schemas.openxmlformats.org/drawingml/2006/diagram" xmlns:o="urn:schemas-microsoft-com:office:office" xmlns:v="urn:schemas-microsoft-com:vml" xmlns:pvml="urn:schemas-microsoft-com:office:powerpoint" xmlns:com="http://schemas.openxmlformats.org/drawingml/2006/compatibility" xmlns:p14="http://schemas.microsoft.com/office/powerpoint/2010/main" xmlns:p15="http://schemas.microsoft.com/office/powerpoint/2012/main" xmlns:ahyp="http://schemas.microsoft.com/office/drawing/2018/hyperlinkcolor">
+<file path=ppt/slides/slide10.xml><?xml version="1.0" encoding="utf-8"?>
+<p:sld xmlns:a="http://schemas.openxmlformats.org/drawingml/2006/main" xmlns:r="http://schemas.openxmlformats.org/officeDocument/2006/relationships" xmlns:p="http://schemas.openxmlformats.org/presentationml/2006/main">
   <p:cSld>
     <p:bg>
       <p:bgPr>
         <a:blipFill>
-          <a:blip r:embed="rId3">
-            <a:alphaModFix/>
-          </a:blip>
+          <a:blip r:embed="rId1"/>
           <a:stretch>
             <a:fillRect/>
           </a:stretch>
         </a:blipFill>
+        <a:effectLst/>
+      </p:bgPr>
+    </p:bg>
+    <p:spTree>
+      <p:nvGrpSpPr>
+        <p:cNvPr id="74" name="Shape 74"/>
+        <p:cNvGrpSpPr/>
+        <p:nvPr/>
+      </p:nvGrpSpPr>
+      <p:grpSpPr>
+        <a:xfrm>
+          <a:off x="0" y="0"/>
+          <a:ext cx="0" cy="0"/>
+          <a:chOff x="0" y="0"/>
+          <a:chExt cx="0" cy="0"/>
+        </a:xfrm>
+      </p:grpSpPr>
+      <p:sp>
+        <p:nvSpPr>
+          <p:cNvPr id="75" name="Google Shape;75;p17"/>
+          <p:cNvSpPr txBox="1"/>
+          <p:nvPr/>
+        </p:nvSpPr>
+        <p:spPr>
+          <a:xfrm>
+            <a:off x="609320" y="548830"/>
+            <a:ext cx="10972500" cy="582000"/>
+          </a:xfrm>
+          <a:prstGeom prst="rect">
+            <a:avLst/>
+          </a:prstGeom>
+          <a:noFill/>
+          <a:ln>
+            <a:noFill/>
+          </a:ln>
+        </p:spPr>
+        <p:txBody>
+          <a:bodyPr spcFirstLastPara="1" wrap="square" lIns="90000" tIns="45000" rIns="90000" bIns="45000" anchor="ctr" anchorCtr="0">
+            <a:noAutofit/>
+          </a:bodyPr>
+          <a:lstStyle/>
+          <a:p>
+            <a:pPr marL="0" marR="0" lvl="0" indent="457200" algn="l" rtl="0">
+              <a:lnSpc>
+                <a:spcPct val="100000"/>
+              </a:lnSpc>
+              <a:spcBef>
+                <a:spcPts val="0"/>
+              </a:spcBef>
+              <a:spcAft>
+                <a:spcPts val="0"/>
+              </a:spcAft>
+              <a:buNone/>
+            </a:pPr>
+            <a:r>
+              <a:rPr lang="en-IN" sz="3600" b="0" strike="noStrike">
+                <a:solidFill>
+                  <a:srgbClr val="000000"/>
+                </a:solidFill>
+                <a:latin typeface="Arial"/>
+                <a:ea typeface="Arial"/>
+                <a:cs typeface="Arial"/>
+                <a:sym typeface="Arial"/>
+              </a:rPr>
+              <a:t>				</a:t>
+            </a:r>
+            <a:r>
+              <a:rPr lang="en-IN" sz="3600" b="1" strike="noStrike">
+                <a:solidFill>
+                  <a:srgbClr val="000000"/>
+                </a:solidFill>
+                <a:latin typeface="Arial"/>
+                <a:ea typeface="Arial"/>
+                <a:cs typeface="Arial"/>
+                <a:sym typeface="Arial"/>
+              </a:rPr>
+              <a:t>ORGANIZATION</a:t>
+            </a:r>
+            <a:endParaRPr lang="en-IN" sz="3600" b="1" strike="noStrike">
+              <a:solidFill>
+                <a:srgbClr val="000000"/>
+              </a:solidFill>
+              <a:latin typeface="Arial"/>
+              <a:ea typeface="Arial"/>
+              <a:cs typeface="Arial"/>
+              <a:sym typeface="Arial"/>
+            </a:endParaRPr>
+          </a:p>
+        </p:txBody>
+      </p:sp>
+      <p:sp>
+        <p:nvSpPr>
+          <p:cNvPr id="76" name="Google Shape;76;p17"/>
+          <p:cNvSpPr txBox="1"/>
+          <p:nvPr/>
+        </p:nvSpPr>
+        <p:spPr>
+          <a:xfrm>
+            <a:off x="623570" y="1844675"/>
+            <a:ext cx="10972165" cy="3710940"/>
+          </a:xfrm>
+          <a:prstGeom prst="rect">
+            <a:avLst/>
+          </a:prstGeom>
+          <a:noFill/>
+          <a:ln>
+            <a:noFill/>
+          </a:ln>
+        </p:spPr>
+        <p:txBody>
+          <a:bodyPr spcFirstLastPara="1" wrap="square" lIns="90000" tIns="45000" rIns="90000" bIns="45000" anchor="t" anchorCtr="0">
+            <a:noAutofit/>
+          </a:bodyPr>
+          <a:lstStyle/>
+          <a:p>
+            <a:pPr marL="342900" marR="0" lvl="0" indent="-342900" algn="l" rtl="0">
+              <a:lnSpc>
+                <a:spcPct val="100000"/>
+              </a:lnSpc>
+              <a:spcBef>
+                <a:spcPts val="400"/>
+              </a:spcBef>
+              <a:spcAft>
+                <a:spcPts val="0"/>
+              </a:spcAft>
+              <a:buClr>
+                <a:srgbClr val="000000"/>
+              </a:buClr>
+              <a:buSzPts val="2000"/>
+              <a:buFont typeface="Arial" panose="02080604020202020204" pitchFamily="34" charset="0"/>
+              <a:buChar char="•"/>
+            </a:pPr>
+            <a:r>
+              <a:rPr lang="en-IN" sz="3200" b="1" strike="noStrike">
+                <a:solidFill>
+                  <a:srgbClr val="000000"/>
+                </a:solidFill>
+                <a:latin typeface="Arial"/>
+                <a:ea typeface="Arial"/>
+                <a:cs typeface="Arial"/>
+                <a:sym typeface="Arial"/>
+              </a:rPr>
+              <a:t>Departments in Odoo:</a:t>
+            </a:r>
+            <a:endParaRPr lang="en-IN" sz="3200" b="1" strike="noStrike">
+              <a:solidFill>
+                <a:srgbClr val="000000"/>
+              </a:solidFill>
+              <a:latin typeface="Arial"/>
+              <a:ea typeface="Arial"/>
+              <a:cs typeface="Arial"/>
+              <a:sym typeface="Arial"/>
+            </a:endParaRPr>
+          </a:p>
+          <a:p>
+            <a:pPr marL="800100" marR="0" lvl="1" indent="-342900" algn="l" rtl="0">
+              <a:lnSpc>
+                <a:spcPct val="100000"/>
+              </a:lnSpc>
+              <a:spcBef>
+                <a:spcPts val="400"/>
+              </a:spcBef>
+              <a:spcAft>
+                <a:spcPts val="0"/>
+              </a:spcAft>
+              <a:buClr>
+                <a:srgbClr val="000000"/>
+              </a:buClr>
+              <a:buSzPts val="2000"/>
+              <a:buFont typeface="Arial" panose="02080604020202020204" pitchFamily="34" charset="0"/>
+              <a:buChar char="•"/>
+            </a:pPr>
+            <a:r>
+              <a:rPr lang="en-IN" sz="3200" b="1" strike="noStrike">
+                <a:solidFill>
+                  <a:schemeClr val="bg1"/>
+                </a:solidFill>
+                <a:latin typeface="Arial"/>
+                <a:ea typeface="Arial"/>
+                <a:cs typeface="Arial"/>
+                <a:sym typeface="Arial"/>
+              </a:rPr>
+              <a:t>Sales</a:t>
+            </a:r>
+            <a:endParaRPr lang="en-IN" sz="3200" b="1" strike="noStrike">
+              <a:solidFill>
+                <a:schemeClr val="bg1"/>
+              </a:solidFill>
+              <a:latin typeface="Arial"/>
+              <a:ea typeface="Arial"/>
+              <a:cs typeface="Arial"/>
+              <a:sym typeface="Arial"/>
+            </a:endParaRPr>
+          </a:p>
+          <a:p>
+            <a:pPr marL="800100" marR="0" lvl="1" indent="-342900" algn="l" rtl="0">
+              <a:lnSpc>
+                <a:spcPct val="100000"/>
+              </a:lnSpc>
+              <a:spcBef>
+                <a:spcPts val="400"/>
+              </a:spcBef>
+              <a:spcAft>
+                <a:spcPts val="0"/>
+              </a:spcAft>
+              <a:buClr>
+                <a:srgbClr val="000000"/>
+              </a:buClr>
+              <a:buSzPts val="2000"/>
+              <a:buFont typeface="Arial" panose="02080604020202020204" pitchFamily="34" charset="0"/>
+              <a:buChar char="•"/>
+            </a:pPr>
+            <a:r>
+              <a:rPr lang="en-IN" sz="3200" b="1" strike="noStrike">
+                <a:solidFill>
+                  <a:schemeClr val="bg1"/>
+                </a:solidFill>
+                <a:latin typeface="Arial"/>
+                <a:ea typeface="Arial"/>
+                <a:cs typeface="Arial"/>
+                <a:sym typeface="Arial"/>
+              </a:rPr>
+              <a:t>Research &amp; Development</a:t>
+            </a:r>
+            <a:endParaRPr lang="en-IN" sz="3200" b="1" strike="noStrike">
+              <a:solidFill>
+                <a:schemeClr val="bg1"/>
+              </a:solidFill>
+              <a:latin typeface="Arial"/>
+              <a:ea typeface="Arial"/>
+              <a:cs typeface="Arial"/>
+              <a:sym typeface="Arial"/>
+            </a:endParaRPr>
+          </a:p>
+          <a:p>
+            <a:pPr marL="800100" marR="0" lvl="1" indent="-342900" algn="l" rtl="0">
+              <a:lnSpc>
+                <a:spcPct val="100000"/>
+              </a:lnSpc>
+              <a:spcBef>
+                <a:spcPts val="400"/>
+              </a:spcBef>
+              <a:spcAft>
+                <a:spcPts val="0"/>
+              </a:spcAft>
+              <a:buClr>
+                <a:srgbClr val="000000"/>
+              </a:buClr>
+              <a:buSzPts val="2000"/>
+              <a:buFont typeface="Arial" panose="02080604020202020204" pitchFamily="34" charset="0"/>
+              <a:buChar char="•"/>
+            </a:pPr>
+            <a:r>
+              <a:rPr lang="en-IN" sz="3200" b="1" strike="noStrike">
+                <a:solidFill>
+                  <a:schemeClr val="bg1"/>
+                </a:solidFill>
+                <a:latin typeface="Arial"/>
+                <a:ea typeface="Arial"/>
+                <a:cs typeface="Arial"/>
+                <a:sym typeface="Arial"/>
+              </a:rPr>
+              <a:t>Upgrade</a:t>
+            </a:r>
+            <a:endParaRPr lang="en-IN" sz="3200" b="1" strike="noStrike">
+              <a:solidFill>
+                <a:schemeClr val="bg1"/>
+              </a:solidFill>
+              <a:latin typeface="Arial"/>
+              <a:ea typeface="Arial"/>
+              <a:cs typeface="Arial"/>
+              <a:sym typeface="Arial"/>
+            </a:endParaRPr>
+          </a:p>
+          <a:p>
+            <a:pPr marL="800100" marR="0" lvl="1" indent="-342900" algn="l" rtl="0">
+              <a:lnSpc>
+                <a:spcPct val="100000"/>
+              </a:lnSpc>
+              <a:spcBef>
+                <a:spcPts val="400"/>
+              </a:spcBef>
+              <a:spcAft>
+                <a:spcPts val="0"/>
+              </a:spcAft>
+              <a:buClr>
+                <a:srgbClr val="000000"/>
+              </a:buClr>
+              <a:buSzPts val="2000"/>
+              <a:buFont typeface="Arial" panose="02080604020202020204" pitchFamily="34" charset="0"/>
+              <a:buChar char="•"/>
+            </a:pPr>
+            <a:r>
+              <a:rPr lang="en-IN" sz="3200" b="1" strike="noStrike">
+                <a:solidFill>
+                  <a:schemeClr val="bg1"/>
+                </a:solidFill>
+                <a:latin typeface="Arial"/>
+                <a:ea typeface="Arial"/>
+                <a:cs typeface="Arial"/>
+                <a:sym typeface="Arial"/>
+              </a:rPr>
+              <a:t>Deveopment on demand</a:t>
+            </a:r>
+            <a:endParaRPr lang="en-IN" sz="3200" b="1" strike="noStrike">
+              <a:solidFill>
+                <a:schemeClr val="bg1"/>
+              </a:solidFill>
+              <a:latin typeface="Arial"/>
+              <a:ea typeface="Arial"/>
+              <a:cs typeface="Arial"/>
+              <a:sym typeface="Arial"/>
+            </a:endParaRPr>
+          </a:p>
+        </p:txBody>
+      </p:sp>
+    </p:spTree>
+  </p:cSld>
+  <p:clrMapOvr>
+    <a:masterClrMapping/>
+  </p:clrMapOvr>
+</p:sld>
+</file>
+
+<file path=ppt/slides/slide11.xml><?xml version="1.0" encoding="utf-8"?>
+<p:sld xmlns:a="http://schemas.openxmlformats.org/drawingml/2006/main" xmlns:r="http://schemas.openxmlformats.org/officeDocument/2006/relationships" xmlns:p="http://schemas.openxmlformats.org/presentationml/2006/main">
+  <p:cSld>
+    <p:bg>
+      <p:bgPr>
+        <a:blipFill>
+          <a:blip r:embed="rId1"/>
+          <a:stretch>
+            <a:fillRect/>
+          </a:stretch>
+        </a:blipFill>
+        <a:effectLst/>
+      </p:bgPr>
+    </p:bg>
+    <p:spTree>
+      <p:nvGrpSpPr>
+        <p:cNvPr id="74" name="Shape 74"/>
+        <p:cNvGrpSpPr/>
+        <p:nvPr/>
+      </p:nvGrpSpPr>
+      <p:grpSpPr>
+        <a:xfrm>
+          <a:off x="0" y="0"/>
+          <a:ext cx="0" cy="0"/>
+          <a:chOff x="0" y="0"/>
+          <a:chExt cx="0" cy="0"/>
+        </a:xfrm>
+      </p:grpSpPr>
+      <p:sp>
+        <p:nvSpPr>
+          <p:cNvPr id="75" name="Google Shape;75;p17"/>
+          <p:cNvSpPr txBox="1"/>
+          <p:nvPr/>
+        </p:nvSpPr>
+        <p:spPr>
+          <a:xfrm>
+            <a:off x="609320" y="548830"/>
+            <a:ext cx="10972500" cy="582000"/>
+          </a:xfrm>
+          <a:prstGeom prst="rect">
+            <a:avLst/>
+          </a:prstGeom>
+          <a:noFill/>
+          <a:ln>
+            <a:noFill/>
+          </a:ln>
+        </p:spPr>
+        <p:txBody>
+          <a:bodyPr spcFirstLastPara="1" wrap="square" lIns="90000" tIns="45000" rIns="90000" bIns="45000" anchor="ctr" anchorCtr="0">
+            <a:noAutofit/>
+          </a:bodyPr>
+          <a:lstStyle/>
+          <a:p>
+            <a:pPr marL="3657600" marR="0" lvl="8" indent="457200" algn="l" rtl="0">
+              <a:lnSpc>
+                <a:spcPct val="100000"/>
+              </a:lnSpc>
+              <a:spcBef>
+                <a:spcPts val="0"/>
+              </a:spcBef>
+              <a:spcAft>
+                <a:spcPts val="0"/>
+              </a:spcAft>
+              <a:buNone/>
+            </a:pPr>
+            <a:r>
+              <a:rPr lang="en-IN" sz="3600" b="0" strike="noStrike">
+                <a:solidFill>
+                  <a:srgbClr val="000000"/>
+                </a:solidFill>
+                <a:latin typeface="Arial"/>
+                <a:ea typeface="Arial"/>
+                <a:cs typeface="Arial"/>
+                <a:sym typeface="Arial"/>
+              </a:rPr>
+              <a:t>	</a:t>
+            </a:r>
+            <a:r>
+              <a:rPr lang="en-IN" sz="3600" b="1" strike="noStrike">
+                <a:solidFill>
+                  <a:srgbClr val="000000"/>
+                </a:solidFill>
+                <a:latin typeface="Arial"/>
+                <a:ea typeface="Arial"/>
+                <a:cs typeface="Arial"/>
+                <a:sym typeface="Arial"/>
+              </a:rPr>
+              <a:t>Sales</a:t>
+            </a:r>
+            <a:endParaRPr lang="en-IN" sz="3600" b="1" strike="noStrike">
+              <a:solidFill>
+                <a:srgbClr val="000000"/>
+              </a:solidFill>
+              <a:latin typeface="Arial"/>
+              <a:ea typeface="Arial"/>
+              <a:cs typeface="Arial"/>
+              <a:sym typeface="Arial"/>
+            </a:endParaRPr>
+          </a:p>
+        </p:txBody>
+      </p:sp>
+      <p:sp>
+        <p:nvSpPr>
+          <p:cNvPr id="76" name="Google Shape;76;p17"/>
+          <p:cNvSpPr txBox="1"/>
+          <p:nvPr/>
+        </p:nvSpPr>
+        <p:spPr>
+          <a:xfrm>
+            <a:off x="767715" y="1130935"/>
+            <a:ext cx="10717530" cy="4872355"/>
+          </a:xfrm>
+          <a:prstGeom prst="rect">
+            <a:avLst/>
+          </a:prstGeom>
+          <a:noFill/>
+          <a:ln>
+            <a:noFill/>
+          </a:ln>
+        </p:spPr>
+        <p:txBody>
+          <a:bodyPr spcFirstLastPara="1" wrap="square" lIns="90000" tIns="45000" rIns="90000" bIns="45000" anchor="t" anchorCtr="0">
+            <a:noAutofit/>
+          </a:bodyPr>
+          <a:lstStyle/>
+          <a:p>
+            <a:pPr marL="342900" marR="0" lvl="0" indent="-342900" algn="l" rtl="0">
+              <a:lnSpc>
+                <a:spcPct val="100000"/>
+              </a:lnSpc>
+              <a:spcBef>
+                <a:spcPts val="400"/>
+              </a:spcBef>
+              <a:spcAft>
+                <a:spcPts val="0"/>
+              </a:spcAft>
+              <a:buClr>
+                <a:srgbClr val="000000"/>
+              </a:buClr>
+              <a:buSzPts val="2000"/>
+              <a:buFont typeface="Arial" panose="02080604020202020204" pitchFamily="34" charset="0"/>
+              <a:buChar char="•"/>
+            </a:pPr>
+            <a:endParaRPr lang="en-IN" sz="2400" b="1" strike="noStrike">
+              <a:solidFill>
+                <a:schemeClr val="bg1"/>
+              </a:solidFill>
+              <a:latin typeface="Arial"/>
+              <a:ea typeface="Arial"/>
+              <a:cs typeface="Arial"/>
+              <a:sym typeface="Arial"/>
+            </a:endParaRPr>
+          </a:p>
+          <a:p>
+            <a:pPr marL="342900" marR="0" lvl="0" indent="-342900" algn="l" rtl="0">
+              <a:lnSpc>
+                <a:spcPct val="100000"/>
+              </a:lnSpc>
+              <a:spcBef>
+                <a:spcPts val="400"/>
+              </a:spcBef>
+              <a:spcAft>
+                <a:spcPts val="0"/>
+              </a:spcAft>
+              <a:buClr>
+                <a:srgbClr val="000000"/>
+              </a:buClr>
+              <a:buSzPts val="2000"/>
+              <a:buFont typeface="Arial" panose="02080604020202020204" pitchFamily="34" charset="0"/>
+              <a:buChar char="•"/>
+            </a:pPr>
+            <a:r>
+              <a:rPr lang="en-IN" sz="2400" b="1" strike="noStrike">
+                <a:solidFill>
+                  <a:schemeClr val="bg1"/>
+                </a:solidFill>
+                <a:latin typeface="Arial"/>
+                <a:ea typeface="Arial"/>
+                <a:cs typeface="Arial"/>
+                <a:sym typeface="Arial"/>
+              </a:rPr>
+              <a:t>In Sales, you’re either a hunter or a farmer: the former negotiate and sign new customers (Business Advisors, Partnership Recruitment), the latter build and nurture long-term business  relationships with partners (Account Manager) or clients (Customer Success Team "CST"). For the ambitious ones who want to work with the big guys, our Mid-market &amp; Corporate team will suit you just fine.</a:t>
+            </a:r>
+            <a:endParaRPr lang="en-IN" sz="2400" b="1" strike="noStrike">
+              <a:solidFill>
+                <a:schemeClr val="bg1"/>
+              </a:solidFill>
+              <a:latin typeface="Arial"/>
+              <a:ea typeface="Arial"/>
+              <a:cs typeface="Arial"/>
+              <a:sym typeface="Arial"/>
+            </a:endParaRPr>
+          </a:p>
+          <a:p>
+            <a:pPr marL="342900" marR="0" lvl="0" indent="-342900" algn="l" rtl="0">
+              <a:lnSpc>
+                <a:spcPct val="100000"/>
+              </a:lnSpc>
+              <a:spcBef>
+                <a:spcPts val="400"/>
+              </a:spcBef>
+              <a:spcAft>
+                <a:spcPts val="0"/>
+              </a:spcAft>
+              <a:buClr>
+                <a:srgbClr val="000000"/>
+              </a:buClr>
+              <a:buSzPts val="2000"/>
+              <a:buFont typeface="Arial" panose="02080604020202020204" pitchFamily="34" charset="0"/>
+              <a:buChar char="•"/>
+            </a:pPr>
+            <a:endParaRPr lang="en-IN" sz="2400" b="1" strike="noStrike">
+              <a:solidFill>
+                <a:schemeClr val="bg1"/>
+              </a:solidFill>
+              <a:latin typeface="Arial"/>
+              <a:ea typeface="Arial"/>
+              <a:cs typeface="Arial"/>
+              <a:sym typeface="Arial"/>
+            </a:endParaRPr>
+          </a:p>
+          <a:p>
+            <a:pPr marL="342900" marR="0" lvl="0" indent="-342900" algn="l" rtl="0">
+              <a:lnSpc>
+                <a:spcPct val="100000"/>
+              </a:lnSpc>
+              <a:spcBef>
+                <a:spcPts val="400"/>
+              </a:spcBef>
+              <a:spcAft>
+                <a:spcPts val="0"/>
+              </a:spcAft>
+              <a:buClr>
+                <a:srgbClr val="000000"/>
+              </a:buClr>
+              <a:buSzPts val="2000"/>
+              <a:buFont typeface="Arial" panose="02080604020202020204" pitchFamily="34" charset="0"/>
+              <a:buChar char="•"/>
+            </a:pPr>
+            <a:r>
+              <a:rPr lang="en-IN" sz="2400" b="1" strike="noStrike">
+                <a:solidFill>
+                  <a:schemeClr val="tx1"/>
+                </a:solidFill>
+                <a:latin typeface="Arial"/>
+                <a:ea typeface="Arial"/>
+                <a:cs typeface="Arial"/>
+                <a:sym typeface="Arial"/>
+              </a:rPr>
+              <a:t>Sales are superman/women; they do demos, understand the business, find tailored solutions to pain points, negotiate contracts, etc. The direct sales are business advisors, more than salesmen (no outbound sales).</a:t>
+            </a:r>
+            <a:endParaRPr lang="en-IN" sz="2400" b="1" strike="noStrike">
+              <a:solidFill>
+                <a:schemeClr val="tx1"/>
+              </a:solidFill>
+              <a:latin typeface="Arial"/>
+              <a:ea typeface="Arial"/>
+              <a:cs typeface="Arial"/>
+              <a:sym typeface="Arial"/>
+            </a:endParaRPr>
+          </a:p>
+        </p:txBody>
+      </p:sp>
+    </p:spTree>
+  </p:cSld>
+  <p:clrMapOvr>
+    <a:masterClrMapping/>
+  </p:clrMapOvr>
+</p:sld>
+</file>
+
+<file path=ppt/slides/slide12.xml><?xml version="1.0" encoding="utf-8"?>
+<p:sld xmlns:a="http://schemas.openxmlformats.org/drawingml/2006/main" xmlns:r="http://schemas.openxmlformats.org/officeDocument/2006/relationships" xmlns:p="http://schemas.openxmlformats.org/presentationml/2006/main">
+  <p:cSld>
+    <p:bg>
+      <p:bgPr>
+        <a:blipFill>
+          <a:blip r:embed="rId1"/>
+          <a:stretch>
+            <a:fillRect/>
+          </a:stretch>
+        </a:blipFill>
+        <a:effectLst/>
+      </p:bgPr>
+    </p:bg>
+    <p:spTree>
+      <p:nvGrpSpPr>
+        <p:cNvPr id="74" name="Shape 74"/>
+        <p:cNvGrpSpPr/>
+        <p:nvPr/>
+      </p:nvGrpSpPr>
+      <p:grpSpPr>
+        <a:xfrm>
+          <a:off x="0" y="0"/>
+          <a:ext cx="0" cy="0"/>
+          <a:chOff x="0" y="0"/>
+          <a:chExt cx="0" cy="0"/>
+        </a:xfrm>
+      </p:grpSpPr>
+      <p:sp>
+        <p:nvSpPr>
+          <p:cNvPr id="75" name="Google Shape;75;p17"/>
+          <p:cNvSpPr txBox="1"/>
+          <p:nvPr/>
+        </p:nvSpPr>
+        <p:spPr>
+          <a:xfrm>
+            <a:off x="609320" y="548830"/>
+            <a:ext cx="10972500" cy="582000"/>
+          </a:xfrm>
+          <a:prstGeom prst="rect">
+            <a:avLst/>
+          </a:prstGeom>
+          <a:noFill/>
+          <a:ln>
+            <a:noFill/>
+          </a:ln>
+        </p:spPr>
+        <p:txBody>
+          <a:bodyPr spcFirstLastPara="1" wrap="square" lIns="90000" tIns="45000" rIns="90000" bIns="45000" anchor="ctr" anchorCtr="0">
+            <a:noAutofit/>
+          </a:bodyPr>
+          <a:lstStyle/>
+          <a:p>
+            <a:pPr marL="0" marR="0" lvl="0" indent="457200" algn="l" rtl="0">
+              <a:lnSpc>
+                <a:spcPct val="100000"/>
+              </a:lnSpc>
+              <a:spcBef>
+                <a:spcPts val="0"/>
+              </a:spcBef>
+              <a:spcAft>
+                <a:spcPts val="0"/>
+              </a:spcAft>
+              <a:buNone/>
+            </a:pPr>
+            <a:r>
+              <a:rPr lang="en-IN" sz="3600" b="0" strike="noStrike">
+                <a:solidFill>
+                  <a:srgbClr val="000000"/>
+                </a:solidFill>
+                <a:latin typeface="Arial"/>
+                <a:ea typeface="Arial"/>
+                <a:cs typeface="Arial"/>
+                <a:sym typeface="Arial"/>
+              </a:rPr>
+              <a:t>			</a:t>
+            </a:r>
+            <a:r>
+              <a:rPr lang="en-IN" sz="3600" b="1" strike="noStrike">
+                <a:solidFill>
+                  <a:srgbClr val="000000"/>
+                </a:solidFill>
+                <a:latin typeface="Arial"/>
+                <a:ea typeface="Arial"/>
+                <a:cs typeface="Arial"/>
+                <a:sym typeface="Arial"/>
+              </a:rPr>
+              <a:t>Research &amp; Development</a:t>
+            </a:r>
+            <a:endParaRPr lang="en-IN" sz="3600" b="1" strike="noStrike">
+              <a:solidFill>
+                <a:srgbClr val="000000"/>
+              </a:solidFill>
+              <a:latin typeface="Arial"/>
+              <a:ea typeface="Arial"/>
+              <a:cs typeface="Arial"/>
+              <a:sym typeface="Arial"/>
+            </a:endParaRPr>
+          </a:p>
+        </p:txBody>
+      </p:sp>
+      <p:sp>
+        <p:nvSpPr>
+          <p:cNvPr id="76" name="Google Shape;76;p17"/>
+          <p:cNvSpPr txBox="1"/>
+          <p:nvPr/>
+        </p:nvSpPr>
+        <p:spPr>
+          <a:xfrm>
+            <a:off x="767715" y="1130935"/>
+            <a:ext cx="10717530" cy="4872355"/>
+          </a:xfrm>
+          <a:prstGeom prst="rect">
+            <a:avLst/>
+          </a:prstGeom>
+          <a:noFill/>
+          <a:ln>
+            <a:noFill/>
+          </a:ln>
+        </p:spPr>
+        <p:txBody>
+          <a:bodyPr spcFirstLastPara="1" wrap="square" lIns="90000" tIns="45000" rIns="90000" bIns="45000" anchor="t" anchorCtr="0">
+            <a:noAutofit/>
+          </a:bodyPr>
+          <a:lstStyle/>
+          <a:p>
+            <a:pPr marL="342900" marR="0" lvl="0" indent="-342900" algn="l" rtl="0">
+              <a:lnSpc>
+                <a:spcPct val="100000"/>
+              </a:lnSpc>
+              <a:spcBef>
+                <a:spcPts val="400"/>
+              </a:spcBef>
+              <a:spcAft>
+                <a:spcPts val="0"/>
+              </a:spcAft>
+              <a:buClr>
+                <a:srgbClr val="000000"/>
+              </a:buClr>
+              <a:buSzPts val="2000"/>
+              <a:buFont typeface="Arial" panose="02080604020202020204" pitchFamily="34" charset="0"/>
+              <a:buChar char="•"/>
+            </a:pPr>
+            <a:endParaRPr lang="en-IN" sz="2400" b="1" strike="noStrike">
+              <a:solidFill>
+                <a:schemeClr val="bg1"/>
+              </a:solidFill>
+              <a:latin typeface="Arial"/>
+              <a:ea typeface="Arial"/>
+              <a:cs typeface="Arial"/>
+              <a:sym typeface="Arial"/>
+            </a:endParaRPr>
+          </a:p>
+          <a:p>
+            <a:pPr marL="342900" marR="0" lvl="0" indent="-342900" algn="l" rtl="0">
+              <a:lnSpc>
+                <a:spcPct val="100000"/>
+              </a:lnSpc>
+              <a:spcBef>
+                <a:spcPts val="400"/>
+              </a:spcBef>
+              <a:spcAft>
+                <a:spcPts val="0"/>
+              </a:spcAft>
+              <a:buClr>
+                <a:srgbClr val="000000"/>
+              </a:buClr>
+              <a:buSzPts val="2000"/>
+              <a:buFont typeface="Arial" panose="02080604020202020204" pitchFamily="34" charset="0"/>
+              <a:buChar char="•"/>
+            </a:pPr>
+            <a:r>
+              <a:rPr lang="en-IN" sz="2400" b="1" strike="noStrike">
+                <a:solidFill>
+                  <a:schemeClr val="bg1"/>
+                </a:solidFill>
+                <a:latin typeface="Arial"/>
+                <a:ea typeface="Arial"/>
+                <a:cs typeface="Arial"/>
+                <a:sym typeface="Arial"/>
+              </a:rPr>
+              <a:t>The R&amp;D department works at the core of the product development. Each team has different responsibilities; a set of apps, frontend framework (JS), backend (Python), IA, mobile apps, etc. </a:t>
+            </a:r>
+            <a:endParaRPr lang="en-IN" sz="2400" b="1" strike="noStrike">
+              <a:solidFill>
+                <a:schemeClr val="bg1"/>
+              </a:solidFill>
+              <a:latin typeface="Arial"/>
+              <a:ea typeface="Arial"/>
+              <a:cs typeface="Arial"/>
+              <a:sym typeface="Arial"/>
+            </a:endParaRPr>
+          </a:p>
+          <a:p>
+            <a:pPr marL="342900" marR="0" lvl="0" indent="-342900" algn="l" rtl="0">
+              <a:lnSpc>
+                <a:spcPct val="100000"/>
+              </a:lnSpc>
+              <a:spcBef>
+                <a:spcPts val="400"/>
+              </a:spcBef>
+              <a:spcAft>
+                <a:spcPts val="0"/>
+              </a:spcAft>
+              <a:buClr>
+                <a:srgbClr val="000000"/>
+              </a:buClr>
+              <a:buSzPts val="2000"/>
+              <a:buFont typeface="Arial" panose="02080604020202020204" pitchFamily="34" charset="0"/>
+              <a:buChar char="•"/>
+            </a:pPr>
+            <a:endParaRPr lang="en-IN" sz="2400" b="1" strike="noStrike">
+              <a:solidFill>
+                <a:schemeClr val="bg1"/>
+              </a:solidFill>
+              <a:latin typeface="Arial"/>
+              <a:ea typeface="Arial"/>
+              <a:cs typeface="Arial"/>
+              <a:sym typeface="Arial"/>
+            </a:endParaRPr>
+          </a:p>
+          <a:p>
+            <a:pPr marL="342900" marR="0" lvl="0" indent="-342900" algn="l" rtl="0">
+              <a:lnSpc>
+                <a:spcPct val="100000"/>
+              </a:lnSpc>
+              <a:spcBef>
+                <a:spcPts val="400"/>
+              </a:spcBef>
+              <a:spcAft>
+                <a:spcPts val="0"/>
+              </a:spcAft>
+              <a:buClr>
+                <a:srgbClr val="000000"/>
+              </a:buClr>
+              <a:buSzPts val="2000"/>
+              <a:buFont typeface="Arial" panose="02080604020202020204" pitchFamily="34" charset="0"/>
+              <a:buChar char="•"/>
+            </a:pPr>
+            <a:r>
+              <a:rPr lang="en-IN" sz="2400" b="1" strike="noStrike">
+                <a:solidFill>
+                  <a:schemeClr val="tx1"/>
+                </a:solidFill>
+                <a:latin typeface="Arial"/>
+                <a:ea typeface="Arial"/>
+                <a:cs typeface="Arial"/>
+                <a:sym typeface="Arial"/>
+              </a:rPr>
+              <a:t>There is no planning, no budget, no boring managers: just smart engineers and great technology</a:t>
+            </a:r>
+            <a:endParaRPr lang="en-IN" sz="2400" b="1" strike="noStrike">
+              <a:solidFill>
+                <a:schemeClr val="tx1"/>
+              </a:solidFill>
+              <a:latin typeface="Arial"/>
+              <a:ea typeface="Arial"/>
+              <a:cs typeface="Arial"/>
+              <a:sym typeface="Arial"/>
+            </a:endParaRPr>
+          </a:p>
+        </p:txBody>
+      </p:sp>
+    </p:spTree>
+  </p:cSld>
+  <p:clrMapOvr>
+    <a:masterClrMapping/>
+  </p:clrMapOvr>
+</p:sld>
+</file>
+
+<file path=ppt/slides/slide13.xml><?xml version="1.0" encoding="utf-8"?>
+<p:sld xmlns:a="http://schemas.openxmlformats.org/drawingml/2006/main" xmlns:r="http://schemas.openxmlformats.org/officeDocument/2006/relationships" xmlns:p="http://schemas.openxmlformats.org/presentationml/2006/main">
+  <p:cSld>
+    <p:bg>
+      <p:bgPr>
+        <a:blipFill>
+          <a:blip r:embed="rId1"/>
+          <a:stretch>
+            <a:fillRect/>
+          </a:stretch>
+        </a:blipFill>
+        <a:effectLst/>
+      </p:bgPr>
+    </p:bg>
+    <p:spTree>
+      <p:nvGrpSpPr>
+        <p:cNvPr id="74" name="Shape 74"/>
+        <p:cNvGrpSpPr/>
+        <p:nvPr/>
+      </p:nvGrpSpPr>
+      <p:grpSpPr>
+        <a:xfrm>
+          <a:off x="0" y="0"/>
+          <a:ext cx="0" cy="0"/>
+          <a:chOff x="0" y="0"/>
+          <a:chExt cx="0" cy="0"/>
+        </a:xfrm>
+      </p:grpSpPr>
+      <p:sp>
+        <p:nvSpPr>
+          <p:cNvPr id="75" name="Google Shape;75;p17"/>
+          <p:cNvSpPr txBox="1"/>
+          <p:nvPr/>
+        </p:nvSpPr>
+        <p:spPr>
+          <a:xfrm>
+            <a:off x="609320" y="548830"/>
+            <a:ext cx="10972500" cy="582000"/>
+          </a:xfrm>
+          <a:prstGeom prst="rect">
+            <a:avLst/>
+          </a:prstGeom>
+          <a:noFill/>
+          <a:ln>
+            <a:noFill/>
+          </a:ln>
+        </p:spPr>
+        <p:txBody>
+          <a:bodyPr spcFirstLastPara="1" wrap="square" lIns="90000" tIns="45000" rIns="90000" bIns="45000" anchor="ctr" anchorCtr="0">
+            <a:noAutofit/>
+          </a:bodyPr>
+          <a:lstStyle/>
+          <a:p>
+            <a:pPr marL="0" marR="0" lvl="0" indent="457200" algn="l" rtl="0">
+              <a:lnSpc>
+                <a:spcPct val="100000"/>
+              </a:lnSpc>
+              <a:spcBef>
+                <a:spcPts val="0"/>
+              </a:spcBef>
+              <a:spcAft>
+                <a:spcPts val="0"/>
+              </a:spcAft>
+              <a:buNone/>
+            </a:pPr>
+            <a:r>
+              <a:rPr lang="en-IN" sz="3600" b="0" strike="noStrike">
+                <a:solidFill>
+                  <a:srgbClr val="000000"/>
+                </a:solidFill>
+                <a:latin typeface="Arial"/>
+                <a:ea typeface="Arial"/>
+                <a:cs typeface="Arial"/>
+                <a:sym typeface="Arial"/>
+              </a:rPr>
+              <a:t>			        </a:t>
+            </a:r>
+            <a:r>
+              <a:rPr lang="en-IN" sz="3600" b="1" strike="noStrike">
+                <a:solidFill>
+                  <a:srgbClr val="000000"/>
+                </a:solidFill>
+                <a:latin typeface="Arial"/>
+                <a:ea typeface="Arial"/>
+                <a:cs typeface="Arial"/>
+                <a:sym typeface="Arial"/>
+              </a:rPr>
+              <a:t>Odoo Update</a:t>
+            </a:r>
+            <a:endParaRPr lang="en-IN" sz="3600" b="1" strike="noStrike">
+              <a:solidFill>
+                <a:srgbClr val="000000"/>
+              </a:solidFill>
+              <a:latin typeface="Arial"/>
+              <a:ea typeface="Arial"/>
+              <a:cs typeface="Arial"/>
+              <a:sym typeface="Arial"/>
+            </a:endParaRPr>
+          </a:p>
+        </p:txBody>
+      </p:sp>
+      <p:sp>
+        <p:nvSpPr>
+          <p:cNvPr id="76" name="Google Shape;76;p17"/>
+          <p:cNvSpPr txBox="1"/>
+          <p:nvPr/>
+        </p:nvSpPr>
+        <p:spPr>
+          <a:xfrm>
+            <a:off x="767715" y="1130935"/>
+            <a:ext cx="10717530" cy="4872355"/>
+          </a:xfrm>
+          <a:prstGeom prst="rect">
+            <a:avLst/>
+          </a:prstGeom>
+          <a:noFill/>
+          <a:ln>
+            <a:noFill/>
+          </a:ln>
+        </p:spPr>
+        <p:txBody>
+          <a:bodyPr spcFirstLastPara="1" wrap="square" lIns="90000" tIns="45000" rIns="90000" bIns="45000" anchor="t" anchorCtr="0">
+            <a:noAutofit/>
+          </a:bodyPr>
+          <a:lstStyle/>
+          <a:p>
+            <a:pPr marL="342900" marR="0" lvl="0" indent="-342900" algn="l" rtl="0">
+              <a:lnSpc>
+                <a:spcPct val="100000"/>
+              </a:lnSpc>
+              <a:spcBef>
+                <a:spcPts val="400"/>
+              </a:spcBef>
+              <a:spcAft>
+                <a:spcPts val="0"/>
+              </a:spcAft>
+              <a:buClr>
+                <a:srgbClr val="000000"/>
+              </a:buClr>
+              <a:buSzPts val="2000"/>
+              <a:buFont typeface="Arial" panose="02080604020202020204" pitchFamily="34" charset="0"/>
+              <a:buChar char="•"/>
+            </a:pPr>
+            <a:endParaRPr lang="en-IN" sz="2400" b="1" strike="noStrike">
+              <a:solidFill>
+                <a:schemeClr val="bg1"/>
+              </a:solidFill>
+              <a:latin typeface="Arial"/>
+              <a:ea typeface="Arial"/>
+              <a:cs typeface="Arial"/>
+              <a:sym typeface="Arial"/>
+            </a:endParaRPr>
+          </a:p>
+          <a:p>
+            <a:pPr marL="342900" marR="0" lvl="0" indent="-342900" algn="l" rtl="0">
+              <a:lnSpc>
+                <a:spcPct val="100000"/>
+              </a:lnSpc>
+              <a:spcBef>
+                <a:spcPts val="400"/>
+              </a:spcBef>
+              <a:spcAft>
+                <a:spcPts val="0"/>
+              </a:spcAft>
+              <a:buClr>
+                <a:srgbClr val="000000"/>
+              </a:buClr>
+              <a:buSzPts val="2000"/>
+              <a:buFont typeface="Arial" panose="02080604020202020204" pitchFamily="34" charset="0"/>
+              <a:buChar char="•"/>
+            </a:pPr>
+            <a:r>
+              <a:rPr lang="en-IN" sz="2400" b="1" strike="noStrike">
+                <a:solidFill>
+                  <a:schemeClr val="bg1"/>
+                </a:solidFill>
+                <a:latin typeface="Arial"/>
+                <a:ea typeface="Arial"/>
+                <a:cs typeface="Arial"/>
+                <a:sym typeface="Arial"/>
+              </a:rPr>
+              <a:t>As the name denotes, it is switching over from Odoo 13 to the latest Odoo 14. Keep in mind that it does not change the edition from community to enterprise editions, and it also does not cover the hosting type or migration from enterprise software to Odoo. </a:t>
+            </a:r>
+            <a:endParaRPr lang="en-IN" sz="2400" b="1" strike="noStrike">
+              <a:solidFill>
+                <a:schemeClr val="bg1"/>
+              </a:solidFill>
+              <a:latin typeface="Arial"/>
+              <a:ea typeface="Arial"/>
+              <a:cs typeface="Arial"/>
+              <a:sym typeface="Arial"/>
+            </a:endParaRPr>
+          </a:p>
+          <a:p>
+            <a:pPr marL="342900" marR="0" lvl="0" indent="-342900" algn="l" rtl="0">
+              <a:lnSpc>
+                <a:spcPct val="100000"/>
+              </a:lnSpc>
+              <a:spcBef>
+                <a:spcPts val="400"/>
+              </a:spcBef>
+              <a:spcAft>
+                <a:spcPts val="0"/>
+              </a:spcAft>
+              <a:buClr>
+                <a:srgbClr val="000000"/>
+              </a:buClr>
+              <a:buSzPts val="2000"/>
+              <a:buFont typeface="Arial" panose="02080604020202020204" pitchFamily="34" charset="0"/>
+              <a:buChar char="•"/>
+            </a:pPr>
+            <a:endParaRPr lang="en-IN" sz="2400" b="1" strike="noStrike">
+              <a:solidFill>
+                <a:schemeClr val="bg1"/>
+              </a:solidFill>
+              <a:latin typeface="Arial"/>
+              <a:ea typeface="Arial"/>
+              <a:cs typeface="Arial"/>
+              <a:sym typeface="Arial"/>
+            </a:endParaRPr>
+          </a:p>
+          <a:p>
+            <a:pPr marL="342900" marR="0" lvl="0" indent="-342900" algn="l" rtl="0">
+              <a:lnSpc>
+                <a:spcPct val="100000"/>
+              </a:lnSpc>
+              <a:spcBef>
+                <a:spcPts val="400"/>
+              </a:spcBef>
+              <a:spcAft>
+                <a:spcPts val="0"/>
+              </a:spcAft>
+              <a:buClr>
+                <a:srgbClr val="000000"/>
+              </a:buClr>
+              <a:buSzPts val="2000"/>
+              <a:buFont typeface="Arial" panose="02080604020202020204" pitchFamily="34" charset="0"/>
+              <a:buChar char="•"/>
+            </a:pPr>
+            <a:r>
+              <a:rPr lang="en-IN" sz="2400" b="1" strike="noStrike">
+                <a:solidFill>
+                  <a:schemeClr val="tx1"/>
+                </a:solidFill>
+                <a:latin typeface="Arial"/>
+                <a:ea typeface="Arial"/>
+                <a:cs typeface="Arial"/>
+                <a:sym typeface="Arial"/>
+              </a:rPr>
+              <a:t>As discussed, an updated version gives you more ease of use, better options, and better technical support for doing complicated tasks. An updated version also gives you timely alerts on other newer additions, better workflow, and options for availing of other premium services for Odoo customization.</a:t>
+            </a:r>
+            <a:endParaRPr lang="en-IN" sz="2400" b="1" strike="noStrike">
+              <a:solidFill>
+                <a:schemeClr val="tx1"/>
+              </a:solidFill>
+              <a:latin typeface="Arial"/>
+              <a:ea typeface="Arial"/>
+              <a:cs typeface="Arial"/>
+              <a:sym typeface="Arial"/>
+            </a:endParaRPr>
+          </a:p>
+        </p:txBody>
+      </p:sp>
+    </p:spTree>
+  </p:cSld>
+  <p:clrMapOvr>
+    <a:masterClrMapping/>
+  </p:clrMapOvr>
+</p:sld>
+</file>
+
+<file path=ppt/slides/slide14.xml><?xml version="1.0" encoding="utf-8"?>
+<p:sld xmlns:a="http://schemas.openxmlformats.org/drawingml/2006/main" xmlns:r="http://schemas.openxmlformats.org/officeDocument/2006/relationships" xmlns:p="http://schemas.openxmlformats.org/presentationml/2006/main">
+  <p:cSld>
+    <p:bg>
+      <p:bgPr>
+        <a:blipFill>
+          <a:blip r:embed="rId1"/>
+          <a:stretch>
+            <a:fillRect/>
+          </a:stretch>
+        </a:blipFill>
+        <a:effectLst/>
+      </p:bgPr>
+    </p:bg>
+    <p:spTree>
+      <p:nvGrpSpPr>
+        <p:cNvPr id="74" name="Shape 74"/>
+        <p:cNvGrpSpPr/>
+        <p:nvPr/>
+      </p:nvGrpSpPr>
+      <p:grpSpPr>
+        <a:xfrm>
+          <a:off x="0" y="0"/>
+          <a:ext cx="0" cy="0"/>
+          <a:chOff x="0" y="0"/>
+          <a:chExt cx="0" cy="0"/>
+        </a:xfrm>
+      </p:grpSpPr>
+      <p:sp>
+        <p:nvSpPr>
+          <p:cNvPr id="75" name="Google Shape;75;p17"/>
+          <p:cNvSpPr txBox="1"/>
+          <p:nvPr/>
+        </p:nvSpPr>
+        <p:spPr>
+          <a:xfrm>
+            <a:off x="609320" y="548830"/>
+            <a:ext cx="10972500" cy="582000"/>
+          </a:xfrm>
+          <a:prstGeom prst="rect">
+            <a:avLst/>
+          </a:prstGeom>
+          <a:noFill/>
+          <a:ln>
+            <a:noFill/>
+          </a:ln>
+        </p:spPr>
+        <p:txBody>
+          <a:bodyPr spcFirstLastPara="1" wrap="square" lIns="90000" tIns="45000" rIns="90000" bIns="45000" anchor="ctr" anchorCtr="0">
+            <a:noAutofit/>
+          </a:bodyPr>
+          <a:lstStyle/>
+          <a:p>
+            <a:pPr marL="457200" marR="0" lvl="1" indent="0" algn="l" rtl="0">
+              <a:lnSpc>
+                <a:spcPct val="100000"/>
+              </a:lnSpc>
+              <a:spcBef>
+                <a:spcPts val="400"/>
+              </a:spcBef>
+              <a:spcAft>
+                <a:spcPts val="0"/>
+              </a:spcAft>
+              <a:buClr>
+                <a:srgbClr val="000000"/>
+              </a:buClr>
+              <a:buSzPts val="2000"/>
+              <a:buFont typeface="Arial" panose="02080604020202020204" pitchFamily="34" charset="0"/>
+              <a:buNone/>
+            </a:pPr>
+            <a:r>
+              <a:rPr lang="en-IN" sz="3600" b="0" strike="noStrike">
+                <a:solidFill>
+                  <a:srgbClr val="000000"/>
+                </a:solidFill>
+                <a:latin typeface="Arial"/>
+                <a:ea typeface="Arial"/>
+                <a:cs typeface="Arial"/>
+                <a:sym typeface="Arial"/>
+              </a:rPr>
+              <a:t>			  </a:t>
+            </a:r>
+            <a:r>
+              <a:rPr lang="en-IN" sz="3600" b="1">
+                <a:solidFill>
+                  <a:schemeClr val="tx1"/>
+                </a:solidFill>
+                <a:sym typeface="Arial"/>
+              </a:rPr>
+              <a:t>Deveopment on demand</a:t>
+            </a:r>
+            <a:endParaRPr lang="en-IN" sz="3600" b="1" strike="noStrike">
+              <a:solidFill>
+                <a:schemeClr val="tx1"/>
+              </a:solidFill>
+              <a:latin typeface="Arial"/>
+              <a:ea typeface="Arial"/>
+              <a:cs typeface="Arial"/>
+              <a:sym typeface="Arial"/>
+            </a:endParaRPr>
+          </a:p>
+        </p:txBody>
+      </p:sp>
+      <p:sp>
+        <p:nvSpPr>
+          <p:cNvPr id="76" name="Google Shape;76;p17"/>
+          <p:cNvSpPr txBox="1"/>
+          <p:nvPr/>
+        </p:nvSpPr>
+        <p:spPr>
+          <a:xfrm>
+            <a:off x="767715" y="1130935"/>
+            <a:ext cx="10717530" cy="4872355"/>
+          </a:xfrm>
+          <a:prstGeom prst="rect">
+            <a:avLst/>
+          </a:prstGeom>
+          <a:noFill/>
+          <a:ln>
+            <a:noFill/>
+          </a:ln>
+        </p:spPr>
+        <p:txBody>
+          <a:bodyPr spcFirstLastPara="1" wrap="square" lIns="90000" tIns="45000" rIns="90000" bIns="45000" anchor="t" anchorCtr="0">
+            <a:noAutofit/>
+          </a:bodyPr>
+          <a:lstStyle/>
+          <a:p>
+            <a:pPr marL="342900" marR="0" lvl="0" indent="-342900" algn="l" rtl="0">
+              <a:lnSpc>
+                <a:spcPct val="100000"/>
+              </a:lnSpc>
+              <a:spcBef>
+                <a:spcPts val="400"/>
+              </a:spcBef>
+              <a:spcAft>
+                <a:spcPts val="0"/>
+              </a:spcAft>
+              <a:buClr>
+                <a:srgbClr val="000000"/>
+              </a:buClr>
+              <a:buSzPts val="2000"/>
+              <a:buFont typeface="Arial" panose="02080604020202020204" pitchFamily="34" charset="0"/>
+              <a:buChar char="•"/>
+            </a:pPr>
+            <a:endParaRPr lang="en-IN" sz="2400" b="1" strike="noStrike">
+              <a:solidFill>
+                <a:schemeClr val="bg1"/>
+              </a:solidFill>
+              <a:latin typeface="Arial"/>
+              <a:ea typeface="Arial"/>
+              <a:cs typeface="Arial"/>
+              <a:sym typeface="Arial"/>
+            </a:endParaRPr>
+          </a:p>
+          <a:p>
+            <a:pPr marL="342900" marR="0" lvl="0" indent="-342900" algn="l" rtl="0">
+              <a:lnSpc>
+                <a:spcPct val="100000"/>
+              </a:lnSpc>
+              <a:spcBef>
+                <a:spcPts val="400"/>
+              </a:spcBef>
+              <a:spcAft>
+                <a:spcPts val="0"/>
+              </a:spcAft>
+              <a:buClr>
+                <a:srgbClr val="000000"/>
+              </a:buClr>
+              <a:buSzPts val="2000"/>
+              <a:buFont typeface="Arial" panose="02080604020202020204" pitchFamily="34" charset="0"/>
+              <a:buChar char="•"/>
+            </a:pPr>
+            <a:r>
+              <a:rPr lang="en-IN" sz="2400" b="1" strike="noStrike">
+                <a:solidFill>
+                  <a:schemeClr val="bg1"/>
+                </a:solidFill>
+                <a:latin typeface="Arial"/>
+                <a:ea typeface="Arial"/>
+                <a:cs typeface="Arial"/>
+                <a:sym typeface="Arial"/>
+              </a:rPr>
+              <a:t>We have proven the offshore methodology to be successful for any project development, as long as it's combined with the right project management.</a:t>
+            </a:r>
+            <a:endParaRPr lang="en-IN" sz="2400" b="1" strike="noStrike">
+              <a:solidFill>
+                <a:schemeClr val="bg1"/>
+              </a:solidFill>
+              <a:latin typeface="Arial"/>
+              <a:ea typeface="Arial"/>
+              <a:cs typeface="Arial"/>
+              <a:sym typeface="Arial"/>
+            </a:endParaRPr>
+          </a:p>
+          <a:p>
+            <a:pPr marL="342900" marR="0" lvl="0" indent="-342900" algn="l" rtl="0">
+              <a:lnSpc>
+                <a:spcPct val="100000"/>
+              </a:lnSpc>
+              <a:spcBef>
+                <a:spcPts val="400"/>
+              </a:spcBef>
+              <a:spcAft>
+                <a:spcPts val="0"/>
+              </a:spcAft>
+              <a:buClr>
+                <a:srgbClr val="000000"/>
+              </a:buClr>
+              <a:buSzPts val="2000"/>
+              <a:buFont typeface="Arial" panose="02080604020202020204" pitchFamily="34" charset="0"/>
+              <a:buChar char="•"/>
+            </a:pPr>
+            <a:endParaRPr lang="en-IN" sz="2400" b="1" strike="noStrike">
+              <a:solidFill>
+                <a:schemeClr val="bg1"/>
+              </a:solidFill>
+              <a:latin typeface="Arial"/>
+              <a:ea typeface="Arial"/>
+              <a:cs typeface="Arial"/>
+              <a:sym typeface="Arial"/>
+            </a:endParaRPr>
+          </a:p>
+          <a:p>
+            <a:pPr marL="342900" marR="0" lvl="0" indent="-342900" algn="l" rtl="0">
+              <a:lnSpc>
+                <a:spcPct val="100000"/>
+              </a:lnSpc>
+              <a:spcBef>
+                <a:spcPts val="400"/>
+              </a:spcBef>
+              <a:spcAft>
+                <a:spcPts val="0"/>
+              </a:spcAft>
+              <a:buClr>
+                <a:srgbClr val="000000"/>
+              </a:buClr>
+              <a:buSzPts val="2000"/>
+              <a:buFont typeface="Arial" panose="02080604020202020204" pitchFamily="34" charset="0"/>
+              <a:buChar char="•"/>
+            </a:pPr>
+            <a:r>
+              <a:rPr lang="en-IN" sz="2400" b="1" strike="noStrike">
+                <a:solidFill>
+                  <a:schemeClr val="tx1"/>
+                </a:solidFill>
+                <a:latin typeface="Arial"/>
+                <a:ea typeface="Arial"/>
+                <a:cs typeface="Arial"/>
+                <a:sym typeface="Arial"/>
+              </a:rPr>
+              <a:t>you will be responsible for creating and customizing Odoo modules, developing and implementing features.</a:t>
+            </a:r>
+            <a:endParaRPr lang="en-IN" sz="2400" b="1" strike="noStrike">
+              <a:solidFill>
+                <a:schemeClr val="tx1"/>
+              </a:solidFill>
+              <a:latin typeface="Arial"/>
+              <a:ea typeface="Arial"/>
+              <a:cs typeface="Arial"/>
+              <a:sym typeface="Arial"/>
+            </a:endParaRPr>
+          </a:p>
+          <a:p>
+            <a:pPr marL="342900" marR="0" lvl="0" indent="-342900" algn="l" rtl="0">
+              <a:lnSpc>
+                <a:spcPct val="100000"/>
+              </a:lnSpc>
+              <a:spcBef>
+                <a:spcPts val="400"/>
+              </a:spcBef>
+              <a:spcAft>
+                <a:spcPts val="0"/>
+              </a:spcAft>
+              <a:buClr>
+                <a:srgbClr val="000000"/>
+              </a:buClr>
+              <a:buSzPts val="2000"/>
+              <a:buFont typeface="Arial" panose="02080604020202020204" pitchFamily="34" charset="0"/>
+              <a:buChar char="•"/>
+            </a:pPr>
+            <a:endParaRPr lang="en-IN" sz="2400" b="1" strike="noStrike">
+              <a:solidFill>
+                <a:schemeClr val="tx1"/>
+              </a:solidFill>
+              <a:latin typeface="Arial"/>
+              <a:ea typeface="Arial"/>
+              <a:cs typeface="Arial"/>
+              <a:sym typeface="Arial"/>
+            </a:endParaRPr>
+          </a:p>
+          <a:p>
+            <a:pPr marL="342900" marR="0" lvl="0" indent="-342900" algn="l" rtl="0">
+              <a:lnSpc>
+                <a:spcPct val="100000"/>
+              </a:lnSpc>
+              <a:spcBef>
+                <a:spcPts val="400"/>
+              </a:spcBef>
+              <a:spcAft>
+                <a:spcPts val="0"/>
+              </a:spcAft>
+              <a:buClr>
+                <a:srgbClr val="000000"/>
+              </a:buClr>
+              <a:buSzPts val="2000"/>
+              <a:buFont typeface="Arial" panose="02080604020202020204" pitchFamily="34" charset="0"/>
+              <a:buChar char="•"/>
+            </a:pPr>
+            <a:r>
+              <a:rPr lang="en-IN" sz="2400" b="1" strike="noStrike">
+                <a:solidFill>
+                  <a:schemeClr val="bg1"/>
+                </a:solidFill>
+                <a:latin typeface="Arial"/>
+                <a:ea typeface="Arial"/>
+                <a:cs typeface="Arial"/>
+                <a:sym typeface="Arial"/>
+              </a:rPr>
+              <a:t>Create and customize Odoo modules based on our business needs.</a:t>
+            </a:r>
+            <a:endParaRPr lang="en-IN" sz="2400" b="1" strike="noStrike">
+              <a:solidFill>
+                <a:schemeClr val="bg1"/>
+              </a:solidFill>
+              <a:latin typeface="Arial"/>
+              <a:ea typeface="Arial"/>
+              <a:cs typeface="Arial"/>
+              <a:sym typeface="Arial"/>
+            </a:endParaRPr>
+          </a:p>
+          <a:p>
+            <a:pPr marL="342900" marR="0" lvl="0" indent="-342900" algn="l" rtl="0">
+              <a:lnSpc>
+                <a:spcPct val="100000"/>
+              </a:lnSpc>
+              <a:spcBef>
+                <a:spcPts val="400"/>
+              </a:spcBef>
+              <a:spcAft>
+                <a:spcPts val="0"/>
+              </a:spcAft>
+              <a:buClr>
+                <a:srgbClr val="000000"/>
+              </a:buClr>
+              <a:buSzPts val="2000"/>
+              <a:buFont typeface="Arial" panose="02080604020202020204" pitchFamily="34" charset="0"/>
+              <a:buChar char="•"/>
+            </a:pPr>
+            <a:endParaRPr lang="en-IN" sz="2400" b="1" strike="noStrike">
+              <a:solidFill>
+                <a:schemeClr val="tx1"/>
+              </a:solidFill>
+              <a:latin typeface="Arial"/>
+              <a:ea typeface="Arial"/>
+              <a:cs typeface="Arial"/>
+              <a:sym typeface="Arial"/>
+            </a:endParaRPr>
+          </a:p>
+          <a:p>
+            <a:pPr marL="342900" marR="0" lvl="0" indent="-342900" algn="l" rtl="0">
+              <a:lnSpc>
+                <a:spcPct val="100000"/>
+              </a:lnSpc>
+              <a:spcBef>
+                <a:spcPts val="400"/>
+              </a:spcBef>
+              <a:spcAft>
+                <a:spcPts val="0"/>
+              </a:spcAft>
+              <a:buClr>
+                <a:srgbClr val="000000"/>
+              </a:buClr>
+              <a:buSzPts val="2000"/>
+              <a:buFont typeface="Arial" panose="02080604020202020204" pitchFamily="34" charset="0"/>
+              <a:buChar char="•"/>
+            </a:pPr>
+            <a:r>
+              <a:rPr lang="en-IN" sz="2400" b="1" strike="noStrike">
+                <a:solidFill>
+                  <a:schemeClr val="tx1"/>
+                </a:solidFill>
+                <a:latin typeface="Arial"/>
+                <a:ea typeface="Arial"/>
+                <a:cs typeface="Arial"/>
+                <a:sym typeface="Arial"/>
+              </a:rPr>
+              <a:t>Develop and implement new features and functionalities in Odoo.</a:t>
+            </a:r>
+            <a:endParaRPr lang="en-IN" sz="2400" b="1" strike="noStrike">
+              <a:solidFill>
+                <a:schemeClr val="tx1"/>
+              </a:solidFill>
+              <a:latin typeface="Arial"/>
+              <a:ea typeface="Arial"/>
+              <a:cs typeface="Arial"/>
+              <a:sym typeface="Arial"/>
+            </a:endParaRPr>
+          </a:p>
+          <a:p>
+            <a:pPr marL="342900" marR="0" lvl="0" indent="-342900" algn="l" rtl="0">
+              <a:lnSpc>
+                <a:spcPct val="100000"/>
+              </a:lnSpc>
+              <a:spcBef>
+                <a:spcPts val="400"/>
+              </a:spcBef>
+              <a:spcAft>
+                <a:spcPts val="0"/>
+              </a:spcAft>
+              <a:buClr>
+                <a:srgbClr val="000000"/>
+              </a:buClr>
+              <a:buSzPts val="2000"/>
+              <a:buFont typeface="Arial" panose="02080604020202020204" pitchFamily="34" charset="0"/>
+              <a:buChar char="•"/>
+            </a:pPr>
+            <a:endParaRPr lang="en-IN" sz="2400" b="1" strike="noStrike">
+              <a:solidFill>
+                <a:schemeClr val="tx1"/>
+              </a:solidFill>
+              <a:latin typeface="Arial"/>
+              <a:ea typeface="Arial"/>
+              <a:cs typeface="Arial"/>
+              <a:sym typeface="Arial"/>
+            </a:endParaRPr>
+          </a:p>
+          <a:p>
+            <a:pPr marL="342900" marR="0" lvl="0" indent="-342900" algn="l" rtl="0">
+              <a:lnSpc>
+                <a:spcPct val="100000"/>
+              </a:lnSpc>
+              <a:spcBef>
+                <a:spcPts val="400"/>
+              </a:spcBef>
+              <a:spcAft>
+                <a:spcPts val="0"/>
+              </a:spcAft>
+              <a:buClr>
+                <a:srgbClr val="000000"/>
+              </a:buClr>
+              <a:buSzPts val="2000"/>
+              <a:buFont typeface="Arial" panose="02080604020202020204" pitchFamily="34" charset="0"/>
+              <a:buChar char="•"/>
+            </a:pPr>
+            <a:r>
+              <a:rPr lang="en-IN" sz="2400" b="1" strike="noStrike">
+                <a:solidFill>
+                  <a:schemeClr val="bg1"/>
+                </a:solidFill>
+                <a:latin typeface="Arial"/>
+                <a:ea typeface="Arial"/>
+                <a:cs typeface="Arial"/>
+                <a:sym typeface="Arial"/>
+              </a:rPr>
+              <a:t>Troubleshoot and debug any issues with our Odoo installation.</a:t>
+            </a:r>
+            <a:endParaRPr lang="en-IN" sz="2400" b="1" strike="noStrike">
+              <a:solidFill>
+                <a:schemeClr val="bg1"/>
+              </a:solidFill>
+              <a:latin typeface="Arial"/>
+              <a:ea typeface="Arial"/>
+              <a:cs typeface="Arial"/>
+              <a:sym typeface="Arial"/>
+            </a:endParaRPr>
+          </a:p>
+          <a:p>
+            <a:pPr marL="0" marR="0" lvl="0" indent="0" algn="l" rtl="0">
+              <a:lnSpc>
+                <a:spcPct val="100000"/>
+              </a:lnSpc>
+              <a:spcBef>
+                <a:spcPts val="400"/>
+              </a:spcBef>
+              <a:spcAft>
+                <a:spcPts val="0"/>
+              </a:spcAft>
+              <a:buClr>
+                <a:srgbClr val="000000"/>
+              </a:buClr>
+              <a:buSzPts val="2000"/>
+              <a:buFont typeface="Arial" panose="02080604020202020204" pitchFamily="34" charset="0"/>
+              <a:buNone/>
+            </a:pPr>
+            <a:endParaRPr lang="en-IN" sz="2400" b="1" strike="noStrike">
+              <a:solidFill>
+                <a:schemeClr val="tx1"/>
+              </a:solidFill>
+              <a:latin typeface="Arial"/>
+              <a:ea typeface="Arial"/>
+              <a:cs typeface="Arial"/>
+              <a:sym typeface="Arial"/>
+            </a:endParaRPr>
+          </a:p>
+        </p:txBody>
+      </p:sp>
+    </p:spTree>
+  </p:cSld>
+  <p:clrMapOvr>
+    <a:masterClrMapping/>
+  </p:clrMapOvr>
+</p:sld>
+</file>
+
+<file path=ppt/slides/slide15.xml><?xml version="1.0" encoding="utf-8"?>
+<p:sld xmlns:a="http://schemas.openxmlformats.org/drawingml/2006/main" xmlns:r="http://schemas.openxmlformats.org/officeDocument/2006/relationships" xmlns:p="http://schemas.openxmlformats.org/presentationml/2006/main">
+  <p:cSld>
+    <p:spTree>
+      <p:nvGrpSpPr>
+        <p:cNvPr id="1" name=""/>
+        <p:cNvGrpSpPr/>
+        <p:nvPr/>
+      </p:nvGrpSpPr>
+      <p:grpSpPr/>
+      <p:pic>
+        <p:nvPicPr>
+          <p:cNvPr id="2" name="Picture 1"/>
+          <p:cNvPicPr>
+            <a:picLocks noChangeAspect="1"/>
+          </p:cNvPicPr>
+          <p:nvPr/>
+        </p:nvPicPr>
+        <p:blipFill>
+          <a:blip r:embed="rId1"/>
+          <a:stretch>
+            <a:fillRect/>
+          </a:stretch>
+        </p:blipFill>
+        <p:spPr>
+          <a:xfrm>
+            <a:off x="2207895" y="-27305"/>
+            <a:ext cx="6998335" cy="6895465"/>
+          </a:xfrm>
+          <a:prstGeom prst="rect">
+            <a:avLst/>
+          </a:prstGeom>
+        </p:spPr>
+      </p:pic>
+    </p:spTree>
+  </p:cSld>
+  <p:clrMapOvr>
+    <a:masterClrMapping/>
+  </p:clrMapOvr>
+</p:sld>
+</file>
+
+<file path=ppt/slides/slide2.xml><?xml version="1.0" encoding="utf-8"?>
+<p:sld xmlns:a="http://schemas.openxmlformats.org/drawingml/2006/main" xmlns:r="http://schemas.openxmlformats.org/officeDocument/2006/relationships" xmlns:p="http://schemas.openxmlformats.org/presentationml/2006/main">
+  <p:cSld>
+    <p:bg>
+      <p:bgPr>
+        <a:blipFill>
+          <a:blip r:embed="rId1"/>
+          <a:stretch>
+            <a:fillRect/>
+          </a:stretch>
+        </a:blipFill>
+        <a:effectLst/>
       </p:bgPr>
     </p:bg>
     <p:spTree>
@@ -6863,12 +9051,12 @@
           </a:ln>
         </p:spPr>
         <p:txBody>
-          <a:bodyPr anchorCtr="0" anchor="ctr" bIns="45000" lIns="90000" spcFirstLastPara="1" rIns="90000" wrap="square" tIns="45000">
+          <a:bodyPr spcFirstLastPara="1" wrap="square" lIns="90000" tIns="45000" rIns="90000" bIns="45000" anchor="ctr" anchorCtr="0">
             <a:normAutofit fontScale="83000" lnSpcReduction="10000"/>
           </a:bodyPr>
           <a:lstStyle/>
           <a:p>
-            <a:pPr indent="0" lvl="0" marL="0" marR="0" rtl="0" algn="l">
+            <a:pPr marL="0" marR="0" lvl="0" indent="0" algn="l" rtl="0">
               <a:lnSpc>
                 <a:spcPct val="100000"/>
               </a:lnSpc>
@@ -6881,7 +9069,7 @@
               <a:buNone/>
             </a:pPr>
             <a:r>
-              <a:rPr b="1" lang="en-IN" sz="4800" strike="noStrike">
+              <a:rPr lang="en-IN" sz="4800" b="1" strike="noStrike">
                 <a:solidFill>
                   <a:srgbClr val="FFFFFE"/>
                 </a:solidFill>
@@ -6893,7 +9081,7 @@
               <a:t>		</a:t>
             </a:r>
             <a:r>
-              <a:rPr b="1" lang="en-IN" sz="4900" strike="noStrike">
+              <a:rPr lang="en-IN" sz="4900" b="1" strike="noStrike">
                 <a:solidFill>
                   <a:srgbClr val="FFFFFE"/>
                 </a:solidFill>
@@ -6905,7 +9093,7 @@
               <a:t>Our </a:t>
             </a:r>
             <a:r>
-              <a:rPr b="1" lang="en-IN" sz="4900">
+              <a:rPr lang="en-IN" sz="4900" b="1">
                 <a:solidFill>
                   <a:srgbClr val="FFFFFE"/>
                 </a:solidFill>
@@ -6913,7 +9101,7 @@
               <a:t>Internship</a:t>
             </a:r>
             <a:r>
-              <a:rPr b="1" lang="en-IN" sz="4900" strike="noStrike">
+              <a:rPr lang="en-IN" sz="4900" b="1" strike="noStrike">
                 <a:solidFill>
                   <a:srgbClr val="FFFFFE"/>
                 </a:solidFill>
@@ -6928,7 +9116,7 @@
               <a:rPr lang="en-IN" sz="1800"/>
             </a:br>
             <a:r>
-              <a:rPr b="1" lang="en-IN" sz="4900" strike="noStrike">
+              <a:rPr lang="en-IN" sz="4900" b="1" strike="noStrike">
                 <a:solidFill>
                   <a:srgbClr val="FFFFFE"/>
                 </a:solidFill>
@@ -6939,7 +9127,7 @@
               </a:rPr>
               <a:t>			    At odoo India</a:t>
             </a:r>
-            <a:endParaRPr b="1" sz="4900" strike="noStrike">
+            <a:endParaRPr sz="4900" b="1" strike="noStrike">
               <a:solidFill>
                 <a:srgbClr val="FFFFFE"/>
               </a:solidFill>
@@ -6971,12 +9159,12 @@
           </a:ln>
         </p:spPr>
         <p:txBody>
-          <a:bodyPr anchorCtr="0" anchor="t" bIns="45000" lIns="90000" spcFirstLastPara="1" rIns="90000" wrap="square" tIns="45000">
+          <a:bodyPr spcFirstLastPara="1" wrap="square" lIns="90000" tIns="45000" rIns="90000" bIns="45000" anchor="t" anchorCtr="0">
             <a:noAutofit/>
           </a:bodyPr>
           <a:lstStyle/>
           <a:p>
-            <a:pPr indent="0" lvl="0" marL="0" marR="0" rtl="0" algn="l">
+            <a:pPr marL="0" marR="0" lvl="0" indent="0" algn="l" rtl="0">
               <a:lnSpc>
                 <a:spcPct val="100000"/>
               </a:lnSpc>
@@ -6989,7 +9177,7 @@
               <a:buNone/>
             </a:pPr>
             <a:r>
-              <a:rPr b="1" lang="en-IN" sz="3200" strike="noStrike">
+              <a:rPr lang="en-IN" sz="3200" b="1" strike="noStrike">
                 <a:solidFill>
                   <a:srgbClr val="191919"/>
                 </a:solidFill>
@@ -7000,7 +9188,7 @@
               </a:rPr>
               <a:t>Prepared By :</a:t>
             </a:r>
-            <a:endParaRPr b="0" sz="3200" strike="noStrike">
+            <a:endParaRPr sz="3200" b="0" strike="noStrike">
               <a:solidFill>
                 <a:srgbClr val="191919"/>
               </a:solidFill>
@@ -7011,12 +9199,12 @@
             </a:endParaRPr>
           </a:p>
           <a:p>
-            <a:pPr indent="0" lvl="0" marL="0" marR="0" rtl="0" algn="l">
+            <a:pPr marL="0" marR="0" lvl="0" indent="0" algn="l" rtl="0">
               <a:lnSpc>
                 <a:spcPct val="100000"/>
               </a:lnSpc>
               <a:spcBef>
-                <a:spcPts val="641"/>
+                <a:spcPts val="640"/>
               </a:spcBef>
               <a:spcAft>
                 <a:spcPts val="0"/>
@@ -7024,7 +9212,7 @@
               <a:buNone/>
             </a:pPr>
             <a:r>
-              <a:rPr b="0" lang="en-IN" sz="3200" strike="noStrike">
+              <a:rPr lang="en-IN" sz="3200" b="0" strike="noStrike">
                 <a:solidFill>
                   <a:srgbClr val="191919"/>
                 </a:solidFill>
@@ -7036,7 +9224,7 @@
               <a:t>	</a:t>
             </a:r>
             <a:r>
-              <a:rPr b="1" lang="en-IN" sz="2400" strike="noStrike">
+              <a:rPr lang="en-IN" sz="2400" b="1" strike="noStrike">
                 <a:solidFill>
                   <a:srgbClr val="191919"/>
                 </a:solidFill>
@@ -7048,7 +9236,7 @@
               <a:t>V</a:t>
             </a:r>
             <a:r>
-              <a:rPr b="0" lang="en-IN" sz="2400" strike="noStrike">
+              <a:rPr lang="en-IN" sz="2400" b="0" strike="noStrike">
                 <a:solidFill>
                   <a:srgbClr val="191919"/>
                 </a:solidFill>
@@ -7060,7 +9248,7 @@
               <a:t>aghasiya </a:t>
             </a:r>
             <a:r>
-              <a:rPr b="1" lang="en-IN" sz="2400" strike="noStrike">
+              <a:rPr lang="en-IN" sz="2400" b="1" strike="noStrike">
                 <a:solidFill>
                   <a:srgbClr val="191919"/>
                 </a:solidFill>
@@ -7072,7 +9260,7 @@
               <a:t>A</a:t>
             </a:r>
             <a:r>
-              <a:rPr b="0" lang="en-IN" sz="2400" strike="noStrike">
+              <a:rPr lang="en-IN" sz="2400" b="0" strike="noStrike">
                 <a:solidFill>
                   <a:srgbClr val="191919"/>
                 </a:solidFill>
@@ -7084,7 +9272,7 @@
               <a:t>rchana  (</a:t>
             </a:r>
             <a:r>
-              <a:rPr b="1" lang="en-IN" sz="2400" strike="noStrike">
+              <a:rPr lang="en-IN" sz="2400" b="1" strike="noStrike">
                 <a:solidFill>
                   <a:srgbClr val="191919"/>
                 </a:solidFill>
@@ -7096,7 +9284,7 @@
               <a:t>12108102</a:t>
             </a:r>
             <a:r>
-              <a:rPr b="0" lang="en-IN" sz="2400" strike="noStrike">
+              <a:rPr lang="en-IN" sz="2400" b="0" strike="noStrike">
                 <a:solidFill>
                   <a:srgbClr val="191919"/>
                 </a:solidFill>
@@ -7107,7 +9295,7 @@
               </a:rPr>
               <a:t>)</a:t>
             </a:r>
-            <a:endParaRPr b="0" sz="2400" strike="noStrike">
+            <a:endParaRPr sz="2400" b="0" strike="noStrike">
               <a:solidFill>
                 <a:srgbClr val="191919"/>
               </a:solidFill>
@@ -7118,12 +9306,12 @@
             </a:endParaRPr>
           </a:p>
           <a:p>
-            <a:pPr indent="0" lvl="0" marL="0" marR="0" rtl="0" algn="l">
+            <a:pPr marL="0" marR="0" lvl="0" indent="0" algn="l" rtl="0">
               <a:lnSpc>
                 <a:spcPct val="100000"/>
               </a:lnSpc>
               <a:spcBef>
-                <a:spcPts val="479"/>
+                <a:spcPts val="480"/>
               </a:spcBef>
               <a:spcAft>
                 <a:spcPts val="0"/>
@@ -7131,7 +9319,7 @@
               <a:buNone/>
             </a:pPr>
             <a:r>
-              <a:rPr b="0" lang="en-IN" sz="2400" strike="noStrike">
+              <a:rPr lang="en-IN" sz="2400" b="0" strike="noStrike">
                 <a:solidFill>
                   <a:srgbClr val="191919"/>
                 </a:solidFill>
@@ -7143,7 +9331,7 @@
               <a:t>	</a:t>
             </a:r>
             <a:r>
-              <a:rPr b="1" lang="en-IN" sz="2400" strike="noStrike">
+              <a:rPr lang="en-IN" sz="2400" b="1" strike="noStrike">
                 <a:solidFill>
                   <a:srgbClr val="191919"/>
                 </a:solidFill>
@@ -7155,7 +9343,7 @@
               <a:t>G</a:t>
             </a:r>
             <a:r>
-              <a:rPr b="0" lang="en-IN" sz="2400" strike="noStrike">
+              <a:rPr lang="en-IN" sz="2400" b="0" strike="noStrike">
                 <a:solidFill>
                   <a:srgbClr val="191919"/>
                 </a:solidFill>
@@ -7167,7 +9355,7 @@
               <a:t>ehlot </a:t>
             </a:r>
             <a:r>
-              <a:rPr b="1" lang="en-IN" sz="2400" strike="noStrike">
+              <a:rPr lang="en-IN" sz="2400" b="1" strike="noStrike">
                 <a:solidFill>
                   <a:srgbClr val="191919"/>
                 </a:solidFill>
@@ -7179,7 +9367,7 @@
               <a:t>M</a:t>
             </a:r>
             <a:r>
-              <a:rPr b="0" lang="en-IN" sz="2400" strike="noStrike">
+              <a:rPr lang="en-IN" sz="2400" b="0" strike="noStrike">
                 <a:solidFill>
                   <a:srgbClr val="191919"/>
                 </a:solidFill>
@@ -7191,7 +9379,7 @@
               <a:t>anthan        (</a:t>
             </a:r>
             <a:r>
-              <a:rPr b="1" lang="en-IN" sz="2400" strike="noStrike">
+              <a:rPr lang="en-IN" sz="2400" b="1" strike="noStrike">
                 <a:solidFill>
                   <a:srgbClr val="191919"/>
                 </a:solidFill>
@@ -7203,7 +9391,7 @@
               <a:t>12108124</a:t>
             </a:r>
             <a:r>
-              <a:rPr b="0" lang="en-IN" sz="2400" strike="noStrike">
+              <a:rPr lang="en-IN" sz="2400" b="0" strike="noStrike">
                 <a:solidFill>
                   <a:srgbClr val="191919"/>
                 </a:solidFill>
@@ -7214,7 +9402,7 @@
               </a:rPr>
               <a:t>)</a:t>
             </a:r>
-            <a:endParaRPr b="0" sz="2400" strike="noStrike">
+            <a:endParaRPr sz="2400" b="0" strike="noStrike">
               <a:solidFill>
                 <a:srgbClr val="191919"/>
               </a:solidFill>
@@ -7235,18 +9423,17 @@
 </file>
 
 <file path=ppt/slides/slide3.xml><?xml version="1.0" encoding="utf-8"?>
-<p:sld xmlns:a="http://schemas.openxmlformats.org/drawingml/2006/main" xmlns:r="http://schemas.openxmlformats.org/officeDocument/2006/relationships" xmlns:mc="http://schemas.openxmlformats.org/markup-compatibility/2006" xmlns:mv="urn:schemas-microsoft-com:mac:vml" xmlns:p="http://schemas.openxmlformats.org/presentationml/2006/main" xmlns:c="http://schemas.openxmlformats.org/drawingml/2006/chart" xmlns:dgm="http://schemas.openxmlformats.org/drawingml/2006/diagram" xmlns:o="urn:schemas-microsoft-com:office:office" xmlns:v="urn:schemas-microsoft-com:vml" xmlns:pvml="urn:schemas-microsoft-com:office:powerpoint" xmlns:com="http://schemas.openxmlformats.org/drawingml/2006/compatibility" xmlns:p14="http://schemas.microsoft.com/office/powerpoint/2010/main" xmlns:p15="http://schemas.microsoft.com/office/powerpoint/2012/main" xmlns:ahyp="http://schemas.microsoft.com/office/drawing/2018/hyperlinkcolor">
+<p:sld xmlns:a="http://schemas.openxmlformats.org/drawingml/2006/main" xmlns:r="http://schemas.openxmlformats.org/officeDocument/2006/relationships" xmlns:p="http://schemas.openxmlformats.org/presentationml/2006/main">
   <p:cSld>
     <p:bg>
       <p:bgPr>
         <a:blipFill>
-          <a:blip r:embed="rId3">
-            <a:alphaModFix/>
-          </a:blip>
+          <a:blip r:embed="rId1"/>
           <a:stretch>
             <a:fillRect/>
           </a:stretch>
         </a:blipFill>
+        <a:effectLst/>
       </p:bgPr>
     </p:bg>
     <p:spTree>
@@ -7283,12 +9470,12 @@
           </a:ln>
         </p:spPr>
         <p:txBody>
-          <a:bodyPr anchorCtr="0" anchor="ctr" bIns="45000" lIns="90000" spcFirstLastPara="1" rIns="90000" wrap="square" tIns="45000">
+          <a:bodyPr spcFirstLastPara="1" wrap="square" lIns="90000" tIns="45000" rIns="90000" bIns="45000" anchor="ctr" anchorCtr="0">
             <a:noAutofit/>
           </a:bodyPr>
           <a:lstStyle/>
           <a:p>
-            <a:pPr indent="0" lvl="0" marL="0" marR="0" rtl="0" algn="l">
+            <a:pPr marL="0" marR="0" lvl="0" indent="0" algn="l" rtl="0">
               <a:lnSpc>
                 <a:spcPct val="100000"/>
               </a:lnSpc>
@@ -7301,7 +9488,7 @@
               <a:buNone/>
             </a:pPr>
             <a:r>
-              <a:rPr b="1" lang="en-IN" sz="4000" strike="noStrike">
+              <a:rPr lang="en-IN" sz="4000" b="1" strike="noStrike">
                 <a:solidFill>
                   <a:srgbClr val="000000"/>
                 </a:solidFill>
@@ -7312,7 +9499,7 @@
               </a:rPr>
               <a:t>Odoo India </a:t>
             </a:r>
-            <a:endParaRPr b="1" sz="4000" strike="noStrike">
+            <a:endParaRPr sz="4000" b="1" strike="noStrike">
               <a:solidFill>
                 <a:srgbClr val="000000"/>
               </a:solidFill>
@@ -7344,12 +9531,12 @@
           </a:ln>
         </p:spPr>
         <p:txBody>
-          <a:bodyPr anchorCtr="0" anchor="t" bIns="45000" lIns="90000" spcFirstLastPara="1" rIns="90000" wrap="square" tIns="45000">
+          <a:bodyPr spcFirstLastPara="1" wrap="square" lIns="90000" tIns="45000" rIns="90000" bIns="45000" anchor="t" anchorCtr="0">
             <a:noAutofit/>
           </a:bodyPr>
           <a:lstStyle/>
           <a:p>
-            <a:pPr indent="-342720" lvl="0" marL="343080" marR="0" rtl="0" algn="l">
+            <a:pPr marL="342900" marR="0" lvl="0" indent="-342900" algn="l" rtl="0">
               <a:lnSpc>
                 <a:spcPct val="100000"/>
               </a:lnSpc>
@@ -7367,7 +9554,7 @@
               <a:buChar char="∙"/>
             </a:pPr>
             <a:r>
-              <a:rPr b="1" lang="en-IN" sz="2000" strike="noStrike">
+              <a:rPr lang="en-IN" sz="2000" b="1" strike="noStrike">
                 <a:solidFill>
                   <a:srgbClr val="FFFFFE"/>
                 </a:solidFill>
@@ -7378,7 +9565,7 @@
               </a:rPr>
               <a:t>Odoo is a suite of open source business apps that cover all your company needs: CRM, eCommerce, accounting, inventory, point of sale, project management, etc.</a:t>
             </a:r>
-            <a:endParaRPr b="0" sz="2000" strike="noStrike">
+            <a:endParaRPr sz="2000" b="0" strike="noStrike">
               <a:solidFill>
                 <a:srgbClr val="000000"/>
               </a:solidFill>
@@ -7389,7 +9576,7 @@
             </a:endParaRPr>
           </a:p>
           <a:p>
-            <a:pPr indent="0" lvl="0" marL="0" marR="0" rtl="0" algn="l">
+            <a:pPr marL="0" marR="0" lvl="0" indent="0" algn="l" rtl="0">
               <a:lnSpc>
                 <a:spcPct val="100000"/>
               </a:lnSpc>
@@ -7401,10 +9588,7 @@
               </a:spcAft>
               <a:buNone/>
             </a:pPr>
-            <a:r>
-              <a:t/>
-            </a:r>
-            <a:endParaRPr b="0" sz="2000" strike="noStrike">
+            <a:endParaRPr sz="2000" b="0" strike="noStrike">
               <a:solidFill>
                 <a:srgbClr val="000000"/>
               </a:solidFill>
@@ -7415,7 +9599,7 @@
             </a:endParaRPr>
           </a:p>
           <a:p>
-            <a:pPr indent="-342720" lvl="0" marL="343080" marR="0" rtl="0" algn="l">
+            <a:pPr marL="342900" marR="0" lvl="0" indent="-342900" algn="l" rtl="0">
               <a:lnSpc>
                 <a:spcPct val="100000"/>
               </a:lnSpc>
@@ -7433,7 +9617,7 @@
               <a:buChar char="∙"/>
             </a:pPr>
             <a:r>
-              <a:rPr b="1" lang="en-IN" sz="2000" strike="noStrike">
+              <a:rPr lang="en-IN" sz="2000" b="1" strike="noStrike">
                 <a:latin typeface="Arial"/>
                 <a:ea typeface="Arial"/>
                 <a:cs typeface="Arial"/>
@@ -7441,7 +9625,7 @@
               </a:rPr>
               <a:t>Odoo is a Belgian suite of business management software tools including, for example, CRM, e-commerce, billing, accounting, manufacturing, warehouse, project management, and inventory management.</a:t>
             </a:r>
-            <a:endParaRPr b="0" sz="2000" strike="noStrike">
+            <a:endParaRPr sz="2000" b="0" strike="noStrike">
               <a:solidFill>
                 <a:srgbClr val="000000"/>
               </a:solidFill>
@@ -7452,7 +9636,7 @@
             </a:endParaRPr>
           </a:p>
           <a:p>
-            <a:pPr indent="0" lvl="0" marL="0" marR="0" rtl="0" algn="l">
+            <a:pPr marL="0" marR="0" lvl="0" indent="0" algn="l" rtl="0">
               <a:lnSpc>
                 <a:spcPct val="100000"/>
               </a:lnSpc>
@@ -7464,10 +9648,7 @@
               </a:spcAft>
               <a:buNone/>
             </a:pPr>
-            <a:r>
-              <a:t/>
-            </a:r>
-            <a:endParaRPr b="0" sz="2000" strike="noStrike">
+            <a:endParaRPr sz="2000" b="0" strike="noStrike">
               <a:solidFill>
                 <a:srgbClr val="000000"/>
               </a:solidFill>
@@ -7478,7 +9659,7 @@
             </a:endParaRPr>
           </a:p>
           <a:p>
-            <a:pPr indent="-342720" lvl="0" marL="343080" marR="0" rtl="0" algn="l">
+            <a:pPr marL="342900" marR="0" lvl="0" indent="-342900" algn="l" rtl="0">
               <a:lnSpc>
                 <a:spcPct val="100000"/>
               </a:lnSpc>
@@ -7496,7 +9677,7 @@
               <a:buChar char="∙"/>
             </a:pPr>
             <a:r>
-              <a:rPr b="1" lang="en-IN" sz="2000" strike="noStrike">
+              <a:rPr lang="en-IN" sz="2000" b="1" strike="noStrike">
                 <a:solidFill>
                   <a:srgbClr val="FFFFFE"/>
                 </a:solidFill>
@@ -7507,7 +9688,7 @@
               </a:rPr>
               <a:t>Between the Odoo apps and the tens of thousands of Community apps, there is something to help address all of your business needs in a single, cost-effective and modular solution: no more work to get different technology cooperating.</a:t>
             </a:r>
-            <a:endParaRPr b="0" sz="2000" strike="noStrike">
+            <a:endParaRPr sz="2000" b="0" strike="noStrike">
               <a:solidFill>
                 <a:srgbClr val="000000"/>
               </a:solidFill>
@@ -7518,7 +9699,7 @@
             </a:endParaRPr>
           </a:p>
           <a:p>
-            <a:pPr indent="0" lvl="0" marL="0" marR="0" rtl="0" algn="l">
+            <a:pPr marL="0" marR="0" lvl="0" indent="0" algn="l" rtl="0">
               <a:lnSpc>
                 <a:spcPct val="100000"/>
               </a:lnSpc>
@@ -7530,10 +9711,7 @@
               </a:spcAft>
               <a:buNone/>
             </a:pPr>
-            <a:r>
-              <a:t/>
-            </a:r>
-            <a:endParaRPr b="0" sz="2000" strike="noStrike">
+            <a:endParaRPr sz="2000" b="0" strike="noStrike">
               <a:solidFill>
                 <a:srgbClr val="000000"/>
               </a:solidFill>
@@ -7544,7 +9722,7 @@
             </a:endParaRPr>
           </a:p>
           <a:p>
-            <a:pPr indent="-342720" lvl="0" marL="343080" marR="0" rtl="0" algn="l">
+            <a:pPr marL="342900" marR="0" lvl="0" indent="-342900" algn="l" rtl="0">
               <a:lnSpc>
                 <a:spcPct val="100000"/>
               </a:lnSpc>
@@ -7562,7 +9740,7 @@
               <a:buChar char="∙"/>
             </a:pPr>
             <a:r>
-              <a:rPr b="1" lang="en-IN" sz="2000" strike="noStrike">
+              <a:rPr lang="en-IN" sz="2000" b="1" strike="noStrike">
                 <a:solidFill>
                   <a:srgbClr val="000000"/>
                 </a:solidFill>
@@ -7573,7 +9751,7 @@
               </a:rPr>
               <a:t>Odoo apps are perfectly integrated with each other, allowing you to fully automate your business processes and reap the savings and benefits.</a:t>
             </a:r>
-            <a:endParaRPr b="0" sz="2000" strike="noStrike">
+            <a:endParaRPr sz="2000" b="0" strike="noStrike">
               <a:solidFill>
                 <a:srgbClr val="000000"/>
               </a:solidFill>
@@ -7594,18 +9772,17 @@
 </file>
 
 <file path=ppt/slides/slide4.xml><?xml version="1.0" encoding="utf-8"?>
-<p:sld xmlns:a="http://schemas.openxmlformats.org/drawingml/2006/main" xmlns:r="http://schemas.openxmlformats.org/officeDocument/2006/relationships" xmlns:mc="http://schemas.openxmlformats.org/markup-compatibility/2006" xmlns:mv="urn:schemas-microsoft-com:mac:vml" xmlns:p="http://schemas.openxmlformats.org/presentationml/2006/main" xmlns:c="http://schemas.openxmlformats.org/drawingml/2006/chart" xmlns:dgm="http://schemas.openxmlformats.org/drawingml/2006/diagram" xmlns:o="urn:schemas-microsoft-com:office:office" xmlns:v="urn:schemas-microsoft-com:vml" xmlns:pvml="urn:schemas-microsoft-com:office:powerpoint" xmlns:com="http://schemas.openxmlformats.org/drawingml/2006/compatibility" xmlns:p14="http://schemas.microsoft.com/office/powerpoint/2010/main" xmlns:p15="http://schemas.microsoft.com/office/powerpoint/2012/main" xmlns:ahyp="http://schemas.microsoft.com/office/drawing/2018/hyperlinkcolor">
+<p:sld xmlns:a="http://schemas.openxmlformats.org/drawingml/2006/main" xmlns:r="http://schemas.openxmlformats.org/officeDocument/2006/relationships" xmlns:p="http://schemas.openxmlformats.org/presentationml/2006/main">
   <p:cSld>
     <p:bg>
       <p:bgPr>
         <a:blipFill>
-          <a:blip r:embed="rId3">
-            <a:alphaModFix/>
-          </a:blip>
+          <a:blip r:embed="rId1"/>
           <a:stretch>
             <a:fillRect/>
           </a:stretch>
         </a:blipFill>
+        <a:effectLst/>
       </p:bgPr>
     </p:bg>
     <p:spTree>
@@ -7642,12 +9819,12 @@
           </a:ln>
         </p:spPr>
         <p:txBody>
-          <a:bodyPr anchorCtr="0" anchor="ctr" bIns="45000" lIns="90000" spcFirstLastPara="1" rIns="90000" wrap="square" tIns="45000">
+          <a:bodyPr spcFirstLastPara="1" wrap="square" lIns="90000" tIns="45000" rIns="90000" bIns="45000" anchor="ctr" anchorCtr="0">
             <a:noAutofit/>
           </a:bodyPr>
           <a:lstStyle/>
           <a:p>
-            <a:pPr indent="457200" lvl="0" marL="0" marR="0" rtl="0" algn="l">
+            <a:pPr marL="0" marR="0" lvl="0" indent="457200" algn="l" rtl="0">
               <a:lnSpc>
                 <a:spcPct val="100000"/>
               </a:lnSpc>
@@ -7660,7 +9837,7 @@
               <a:buNone/>
             </a:pPr>
             <a:r>
-              <a:rPr b="1" lang="en-IN" sz="3600" strike="noStrike">
+              <a:rPr lang="en-IN" sz="3600" b="1" strike="noStrike">
                 <a:solidFill>
                   <a:srgbClr val="000000"/>
                 </a:solidFill>
@@ -7671,7 +9848,7 @@
               </a:rPr>
               <a:t>History</a:t>
             </a:r>
-            <a:endParaRPr b="0" sz="3600" strike="noStrike">
+            <a:endParaRPr sz="3600" b="0" strike="noStrike">
               <a:solidFill>
                 <a:srgbClr val="000000"/>
               </a:solidFill>
@@ -7703,12 +9880,12 @@
           </a:ln>
         </p:spPr>
         <p:txBody>
-          <a:bodyPr anchorCtr="0" anchor="t" bIns="45000" lIns="90000" spcFirstLastPara="1" rIns="90000" wrap="square" tIns="45000">
+          <a:bodyPr spcFirstLastPara="1" wrap="square" lIns="90000" tIns="45000" rIns="90000" bIns="45000" anchor="t" anchorCtr="0">
             <a:noAutofit/>
           </a:bodyPr>
           <a:lstStyle/>
           <a:p>
-            <a:pPr indent="-342720" lvl="0" marL="343080" marR="0" rtl="0" algn="l">
+            <a:pPr marL="342900" marR="0" lvl="0" indent="-342900" algn="l" rtl="0">
               <a:lnSpc>
                 <a:spcPct val="100000"/>
               </a:lnSpc>
@@ -7726,7 +9903,7 @@
               <a:buChar char="∙"/>
             </a:pPr>
             <a:r>
-              <a:rPr b="1" lang="en-IN" sz="2000" strike="noStrike">
+              <a:rPr lang="en-IN" sz="2000" b="1" strike="noStrike">
                 <a:solidFill>
                   <a:srgbClr val="FFFFFE"/>
                 </a:solidFill>
@@ -7737,7 +9914,7 @@
               </a:rPr>
               <a:t>In 2005, Fabien Pinckaers, the founder and current CEO of Odoo, started to develop his first software product, TinyERP. Three years later, the name was changed to OpenERP. The company started to grow quickly and in 2010, OpenERP had become a 100+ employee company.</a:t>
             </a:r>
-            <a:endParaRPr b="1" sz="2000" strike="noStrike">
+            <a:endParaRPr sz="2000" b="1" strike="noStrike">
               <a:solidFill>
                 <a:srgbClr val="000000"/>
               </a:solidFill>
@@ -7748,7 +9925,7 @@
             </a:endParaRPr>
           </a:p>
           <a:p>
-            <a:pPr indent="0" lvl="0" marL="0" marR="0" rtl="0" algn="l">
+            <a:pPr marL="0" marR="0" lvl="0" indent="0" algn="l" rtl="0">
               <a:lnSpc>
                 <a:spcPct val="100000"/>
               </a:lnSpc>
@@ -7760,10 +9937,7 @@
               </a:spcAft>
               <a:buNone/>
             </a:pPr>
-            <a:r>
-              <a:t/>
-            </a:r>
-            <a:endParaRPr b="1" sz="2000" strike="noStrike">
+            <a:endParaRPr sz="2000" b="1" strike="noStrike">
               <a:solidFill>
                 <a:srgbClr val="000000"/>
               </a:solidFill>
@@ -7774,7 +9948,7 @@
             </a:endParaRPr>
           </a:p>
           <a:p>
-            <a:pPr indent="-342720" lvl="0" marL="343080" marR="0" rtl="0" algn="l">
+            <a:pPr marL="342900" marR="0" lvl="0" indent="-342900" algn="l" rtl="0">
               <a:lnSpc>
                 <a:spcPct val="100000"/>
               </a:lnSpc>
@@ -7792,7 +9966,7 @@
               <a:buChar char="∙"/>
             </a:pPr>
             <a:r>
-              <a:rPr b="1" lang="en-IN" sz="2000" strike="noStrike">
+              <a:rPr lang="en-IN" sz="2000" b="1" strike="noStrike">
                 <a:solidFill>
                   <a:srgbClr val="000000"/>
                 </a:solidFill>
@@ -7803,7 +9977,7 @@
               </a:rPr>
               <a:t>In 2013, the company won a Deloitte award for being the fastest-growing company in Belgium, with 1549% growth over a five-year period.</a:t>
             </a:r>
-            <a:endParaRPr b="1" sz="2000" strike="noStrike">
+            <a:endParaRPr sz="2000" b="1" strike="noStrike">
               <a:solidFill>
                 <a:srgbClr val="000000"/>
               </a:solidFill>
@@ -7814,7 +9988,7 @@
             </a:endParaRPr>
           </a:p>
           <a:p>
-            <a:pPr indent="0" lvl="0" marL="0" marR="0" rtl="0" algn="l">
+            <a:pPr marL="0" marR="0" lvl="0" indent="0" algn="l" rtl="0">
               <a:lnSpc>
                 <a:spcPct val="100000"/>
               </a:lnSpc>
@@ -7826,10 +10000,7 @@
               </a:spcAft>
               <a:buNone/>
             </a:pPr>
-            <a:r>
-              <a:t/>
-            </a:r>
-            <a:endParaRPr b="1" sz="2000" strike="noStrike">
+            <a:endParaRPr sz="2000" b="1" strike="noStrike">
               <a:solidFill>
                 <a:srgbClr val="000000"/>
               </a:solidFill>
@@ -7840,7 +10011,7 @@
             </a:endParaRPr>
           </a:p>
           <a:p>
-            <a:pPr indent="-342720" lvl="0" marL="343080" marR="0" rtl="0" algn="l">
+            <a:pPr marL="342900" marR="0" lvl="0" indent="-342900" algn="l" rtl="0">
               <a:lnSpc>
                 <a:spcPct val="100000"/>
               </a:lnSpc>
@@ -7858,7 +10029,7 @@
               <a:buChar char="∙"/>
             </a:pPr>
             <a:r>
-              <a:rPr b="1" lang="en-IN" sz="2000" strike="noStrike">
+              <a:rPr lang="en-IN" sz="2000" b="1" strike="noStrike">
                 <a:solidFill>
                   <a:srgbClr val="FFFFFE"/>
                 </a:solidFill>
@@ -7869,7 +10040,7 @@
               </a:rPr>
               <a:t>In 2014, the company was renamed Odoo, to diversify itself from the term "ERP".[15] In 2015, Inc. Magazine placed Odoo in the top 5000 fastest-growing private companies in Europe,In 2019, the company raised a $90 million investment.</a:t>
             </a:r>
-            <a:endParaRPr b="1" sz="2000" strike="noStrike">
+            <a:endParaRPr sz="2000" b="1" strike="noStrike">
               <a:solidFill>
                 <a:srgbClr val="000000"/>
               </a:solidFill>
@@ -7880,7 +10051,7 @@
             </a:endParaRPr>
           </a:p>
           <a:p>
-            <a:pPr indent="0" lvl="0" marL="0" marR="0" rtl="0" algn="l">
+            <a:pPr marL="0" marR="0" lvl="0" indent="0" algn="l" rtl="0">
               <a:lnSpc>
                 <a:spcPct val="100000"/>
               </a:lnSpc>
@@ -7892,10 +10063,7 @@
               </a:spcAft>
               <a:buNone/>
             </a:pPr>
-            <a:r>
-              <a:t/>
-            </a:r>
-            <a:endParaRPr b="1" sz="2000" strike="noStrike">
+            <a:endParaRPr sz="2000" b="1" strike="noStrike">
               <a:solidFill>
                 <a:srgbClr val="000000"/>
               </a:solidFill>
@@ -7906,7 +10074,7 @@
             </a:endParaRPr>
           </a:p>
           <a:p>
-            <a:pPr indent="-342720" lvl="0" marL="343080" marR="0" rtl="0" algn="l">
+            <a:pPr marL="342900" marR="0" lvl="0" indent="-342900" algn="l" rtl="0">
               <a:lnSpc>
                 <a:spcPct val="100000"/>
               </a:lnSpc>
@@ -7924,7 +10092,7 @@
               <a:buChar char="∙"/>
             </a:pPr>
             <a:r>
-              <a:rPr b="1" lang="en-IN" sz="2000" strike="noStrike">
+              <a:rPr lang="en-IN" sz="2000" b="1" strike="noStrike">
                 <a:solidFill>
                   <a:srgbClr val="000000"/>
                 </a:solidFill>
@@ -7935,7 +10103,7 @@
               </a:rPr>
               <a:t>In 2021, Odoo products were used by more than 5 million customers.Odoo expects to hire 1,000 new employees, according to CEO Fabien Pinckaers.</a:t>
             </a:r>
-            <a:endParaRPr b="1" sz="2000" strike="noStrike">
+            <a:endParaRPr sz="2000" b="1" strike="noStrike">
               <a:solidFill>
                 <a:srgbClr val="000000"/>
               </a:solidFill>
@@ -7956,18 +10124,17 @@
 </file>
 
 <file path=ppt/slides/slide5.xml><?xml version="1.0" encoding="utf-8"?>
-<p:sld xmlns:a="http://schemas.openxmlformats.org/drawingml/2006/main" xmlns:r="http://schemas.openxmlformats.org/officeDocument/2006/relationships" xmlns:mc="http://schemas.openxmlformats.org/markup-compatibility/2006" xmlns:mv="urn:schemas-microsoft-com:mac:vml" xmlns:p="http://schemas.openxmlformats.org/presentationml/2006/main" xmlns:c="http://schemas.openxmlformats.org/drawingml/2006/chart" xmlns:dgm="http://schemas.openxmlformats.org/drawingml/2006/diagram" xmlns:o="urn:schemas-microsoft-com:office:office" xmlns:v="urn:schemas-microsoft-com:vml" xmlns:pvml="urn:schemas-microsoft-com:office:powerpoint" xmlns:com="http://schemas.openxmlformats.org/drawingml/2006/compatibility" xmlns:p14="http://schemas.microsoft.com/office/powerpoint/2010/main" xmlns:p15="http://schemas.microsoft.com/office/powerpoint/2012/main" xmlns:ahyp="http://schemas.microsoft.com/office/drawing/2018/hyperlinkcolor">
+<p:sld xmlns:a="http://schemas.openxmlformats.org/drawingml/2006/main" xmlns:r="http://schemas.openxmlformats.org/officeDocument/2006/relationships" xmlns:p="http://schemas.openxmlformats.org/presentationml/2006/main">
   <p:cSld>
     <p:bg>
       <p:bgPr>
         <a:blipFill>
-          <a:blip r:embed="rId3">
-            <a:alphaModFix/>
-          </a:blip>
+          <a:blip r:embed="rId1"/>
           <a:stretch>
             <a:fillRect/>
           </a:stretch>
         </a:blipFill>
+        <a:effectLst/>
       </p:bgPr>
     </p:bg>
     <p:spTree>
@@ -8004,12 +10171,12 @@
           </a:ln>
         </p:spPr>
         <p:txBody>
-          <a:bodyPr anchorCtr="0" anchor="t" bIns="45000" lIns="90000" spcFirstLastPara="1" rIns="90000" wrap="square" tIns="45000">
+          <a:bodyPr spcFirstLastPara="1" wrap="square" lIns="90000" tIns="45000" rIns="90000" bIns="45000" anchor="t" anchorCtr="0">
             <a:noAutofit/>
           </a:bodyPr>
           <a:lstStyle/>
           <a:p>
-            <a:pPr indent="-342720" lvl="0" marL="343080" marR="0" rtl="0" algn="l">
+            <a:pPr marL="342900" marR="0" lvl="0" indent="-342900" algn="l" rtl="0">
               <a:lnSpc>
                 <a:spcPct val="100000"/>
               </a:lnSpc>
@@ -8027,7 +10194,7 @@
               <a:buChar char="∙"/>
             </a:pPr>
             <a:r>
-              <a:rPr b="1" lang="en-IN" sz="2400" strike="noStrike">
+              <a:rPr lang="en-IN" sz="2400" b="1" strike="noStrike">
                 <a:solidFill>
                   <a:srgbClr val="000000"/>
                 </a:solidFill>
@@ -8038,7 +10205,7 @@
               </a:rPr>
               <a:t>Initial release date:</a:t>
             </a:r>
-            <a:endParaRPr b="0" sz="2400" strike="noStrike">
+            <a:endParaRPr sz="2400" b="0" strike="noStrike">
               <a:solidFill>
                 <a:srgbClr val="000000"/>
               </a:solidFill>
@@ -8049,7 +10216,7 @@
             </a:endParaRPr>
           </a:p>
           <a:p>
-            <a:pPr indent="-285480" lvl="1" marL="743040" marR="0" rtl="0" algn="l">
+            <a:pPr marL="742950" marR="0" lvl="1" indent="-285750" algn="l" rtl="0">
               <a:lnSpc>
                 <a:spcPct val="100000"/>
               </a:lnSpc>
@@ -8067,7 +10234,7 @@
               <a:buChar char="−"/>
             </a:pPr>
             <a:r>
-              <a:rPr b="0" i="0" lang="en-IN" sz="2100" u="none" cap="none" strike="noStrike">
+              <a:rPr lang="en-IN" sz="2100" b="0" i="0" u="none" strike="noStrike" cap="none">
                 <a:solidFill>
                   <a:srgbClr val="7B6993"/>
                 </a:solidFill>
@@ -8079,7 +10246,7 @@
               <a:t> </a:t>
             </a:r>
             <a:r>
-              <a:rPr b="1" i="0" lang="en-IN" sz="2100" u="none" cap="none" strike="noStrike">
+              <a:rPr lang="en-IN" sz="2100" b="1" i="0" u="none" strike="noStrike" cap="none">
                 <a:solidFill>
                   <a:srgbClr val="FFFFFE"/>
                 </a:solidFill>
@@ -8090,7 +10257,7 @@
               </a:rPr>
               <a:t>February 2005</a:t>
             </a:r>
-            <a:endParaRPr b="0" i="0" sz="2100" u="none" cap="none" strike="noStrike">
+            <a:endParaRPr sz="2100" b="0" i="0" u="none" strike="noStrike" cap="none">
               <a:solidFill>
                 <a:srgbClr val="000000"/>
               </a:solidFill>
@@ -8101,12 +10268,12 @@
             </a:endParaRPr>
           </a:p>
           <a:p>
-            <a:pPr indent="-342720" lvl="0" marL="343080" marR="0" rtl="0" algn="l">
+            <a:pPr marL="342900" marR="0" lvl="0" indent="-342900" algn="l" rtl="0">
               <a:lnSpc>
                 <a:spcPct val="100000"/>
               </a:lnSpc>
               <a:spcBef>
-                <a:spcPts val="479"/>
+                <a:spcPts val="480"/>
               </a:spcBef>
               <a:spcAft>
                 <a:spcPts val="0"/>
@@ -8119,7 +10286,7 @@
               <a:buChar char="∙"/>
             </a:pPr>
             <a:r>
-              <a:rPr b="1" lang="en-IN" sz="2400" strike="noStrike">
+              <a:rPr lang="en-IN" sz="2400" b="1" strike="noStrike">
                 <a:solidFill>
                   <a:srgbClr val="000000"/>
                 </a:solidFill>
@@ -8131,7 +10298,7 @@
               <a:t>Developer</a:t>
             </a:r>
             <a:r>
-              <a:rPr b="0" lang="en-IN" sz="2400" strike="noStrike">
+              <a:rPr lang="en-IN" sz="2400" b="0" strike="noStrike">
                 <a:solidFill>
                   <a:srgbClr val="000000"/>
                 </a:solidFill>
@@ -8142,7 +10309,7 @@
               </a:rPr>
               <a:t>: </a:t>
             </a:r>
-            <a:endParaRPr b="0" sz="2400" strike="noStrike">
+            <a:endParaRPr sz="2400" b="0" strike="noStrike">
               <a:solidFill>
                 <a:srgbClr val="000000"/>
               </a:solidFill>
@@ -8153,7 +10320,7 @@
             </a:endParaRPr>
           </a:p>
           <a:p>
-            <a:pPr indent="-285480" lvl="1" marL="743040" marR="0" rtl="0" algn="l">
+            <a:pPr marL="742950" marR="0" lvl="1" indent="-285750" algn="l" rtl="0">
               <a:lnSpc>
                 <a:spcPct val="100000"/>
               </a:lnSpc>
@@ -8171,7 +10338,7 @@
               <a:buChar char="−"/>
             </a:pPr>
             <a:r>
-              <a:rPr b="1" i="0" lang="en-IN" sz="2100" u="none" cap="none" strike="noStrike">
+              <a:rPr lang="en-IN" sz="2100" b="1" i="0" u="none" strike="noStrike" cap="none">
                 <a:solidFill>
                   <a:srgbClr val="FFFFFE"/>
                 </a:solidFill>
@@ -8182,7 +10349,7 @@
               </a:rPr>
               <a:t>Odoo SA</a:t>
             </a:r>
-            <a:endParaRPr b="0" i="0" sz="2100" u="none" cap="none" strike="noStrike">
+            <a:endParaRPr sz="2100" b="0" i="0" u="none" strike="noStrike" cap="none">
               <a:solidFill>
                 <a:srgbClr val="000000"/>
               </a:solidFill>
@@ -8193,12 +10360,12 @@
             </a:endParaRPr>
           </a:p>
           <a:p>
-            <a:pPr indent="-342720" lvl="0" marL="343080" marR="0" rtl="0" algn="l">
+            <a:pPr marL="342900" marR="0" lvl="0" indent="-342900" algn="l" rtl="0">
               <a:lnSpc>
                 <a:spcPct val="100000"/>
               </a:lnSpc>
               <a:spcBef>
-                <a:spcPts val="479"/>
+                <a:spcPts val="480"/>
               </a:spcBef>
               <a:spcAft>
                 <a:spcPts val="0"/>
@@ -8211,7 +10378,7 @@
               <a:buChar char="∙"/>
             </a:pPr>
             <a:r>
-              <a:rPr b="1" lang="en-IN" sz="2400" strike="noStrike">
+              <a:rPr lang="en-IN" sz="2400" b="1" strike="noStrike">
                 <a:solidFill>
                   <a:srgbClr val="000000"/>
                 </a:solidFill>
@@ -8222,7 +10389,7 @@
               </a:rPr>
               <a:t>License:</a:t>
             </a:r>
-            <a:endParaRPr b="0" sz="2400" strike="noStrike">
+            <a:endParaRPr sz="2400" b="0" strike="noStrike">
               <a:solidFill>
                 <a:srgbClr val="000000"/>
               </a:solidFill>
@@ -8233,7 +10400,7 @@
             </a:endParaRPr>
           </a:p>
           <a:p>
-            <a:pPr indent="-285480" lvl="1" marL="743040" marR="0" rtl="0" algn="l">
+            <a:pPr marL="742950" marR="0" lvl="1" indent="-285750" algn="l" rtl="0">
               <a:lnSpc>
                 <a:spcPct val="100000"/>
               </a:lnSpc>
@@ -8251,7 +10418,7 @@
               <a:buChar char="−"/>
             </a:pPr>
             <a:r>
-              <a:rPr b="0" i="0" lang="en-IN" sz="2100" u="none" cap="none" strike="noStrike">
+              <a:rPr lang="en-IN" sz="2100" b="0" i="0" u="none" strike="noStrike" cap="none">
                 <a:solidFill>
                   <a:srgbClr val="FFFFFE"/>
                 </a:solidFill>
@@ -8263,7 +10430,7 @@
               <a:t> </a:t>
             </a:r>
             <a:r>
-              <a:rPr b="1" i="0" lang="en-IN" sz="2100" u="none" cap="none" strike="noStrike">
+              <a:rPr lang="en-IN" sz="2100" b="1" i="0" u="none" strike="noStrike" cap="none">
                 <a:solidFill>
                   <a:srgbClr val="FFFFFE"/>
                 </a:solidFill>
@@ -8274,7 +10441,7 @@
               </a:rPr>
               <a:t>"Community" version: GNU Lesser General Public License v3; "Enterprise" version: Proprietary license</a:t>
             </a:r>
-            <a:endParaRPr b="0" i="0" sz="2100" u="none" cap="none" strike="noStrike">
+            <a:endParaRPr sz="2100" b="0" i="0" u="none" strike="noStrike" cap="none">
               <a:solidFill>
                 <a:srgbClr val="000000"/>
               </a:solidFill>
@@ -8285,12 +10452,12 @@
             </a:endParaRPr>
           </a:p>
           <a:p>
-            <a:pPr indent="-342720" lvl="0" marL="343080" marR="0" rtl="0" algn="l">
+            <a:pPr marL="342900" marR="0" lvl="0" indent="-342900" algn="l" rtl="0">
               <a:lnSpc>
                 <a:spcPct val="100000"/>
               </a:lnSpc>
               <a:spcBef>
-                <a:spcPts val="479"/>
+                <a:spcPts val="480"/>
               </a:spcBef>
               <a:spcAft>
                 <a:spcPts val="0"/>
@@ -8303,7 +10470,7 @@
               <a:buChar char="∙"/>
             </a:pPr>
             <a:r>
-              <a:rPr b="1" lang="en-IN" sz="2400" strike="noStrike">
+              <a:rPr lang="en-IN" sz="2400" b="1" strike="noStrike">
                 <a:solidFill>
                   <a:srgbClr val="000000"/>
                 </a:solidFill>
@@ -8315,7 +10482,7 @@
               <a:t>Repository</a:t>
             </a:r>
             <a:r>
-              <a:rPr b="0" lang="en-IN" sz="2400" strike="noStrike">
+              <a:rPr lang="en-IN" sz="2400" b="0" strike="noStrike">
                 <a:solidFill>
                   <a:srgbClr val="000000"/>
                 </a:solidFill>
@@ -8326,7 +10493,7 @@
               </a:rPr>
               <a:t>: </a:t>
             </a:r>
-            <a:endParaRPr b="0" sz="2400" strike="noStrike">
+            <a:endParaRPr sz="2400" b="0" strike="noStrike">
               <a:solidFill>
                 <a:srgbClr val="000000"/>
               </a:solidFill>
@@ -8337,12 +10504,12 @@
             </a:endParaRPr>
           </a:p>
           <a:p>
-            <a:pPr indent="-285480" lvl="1" marL="743040" marR="0" rtl="0" algn="l">
+            <a:pPr marL="742950" marR="0" lvl="1" indent="-285750" algn="l" rtl="0">
               <a:lnSpc>
                 <a:spcPct val="100000"/>
               </a:lnSpc>
               <a:spcBef>
-                <a:spcPts val="366"/>
+                <a:spcPts val="365"/>
               </a:spcBef>
               <a:spcAft>
                 <a:spcPts val="0"/>
@@ -8355,7 +10522,7 @@
               <a:buChar char="−"/>
             </a:pPr>
             <a:r>
-              <a:rPr b="1" i="0" lang="en-IN" sz="1840" u="none" cap="none" strike="noStrike">
+              <a:rPr lang="en-IN" sz="1840" b="1" i="0" u="none" strike="noStrike" cap="none">
                 <a:solidFill>
                   <a:srgbClr val="FFFFFE"/>
                 </a:solidFill>
@@ -8366,7 +10533,7 @@
               </a:rPr>
               <a:t>github.com/odoo/odoo</a:t>
             </a:r>
-            <a:endParaRPr b="0" i="0" sz="1840" u="none" cap="none" strike="noStrike">
+            <a:endParaRPr sz="1840" b="0" i="0" u="none" strike="noStrike" cap="none">
               <a:solidFill>
                 <a:srgbClr val="000000"/>
               </a:solidFill>
@@ -8377,12 +10544,12 @@
             </a:endParaRPr>
           </a:p>
           <a:p>
-            <a:pPr indent="-342720" lvl="0" marL="343080" marR="0" rtl="0" algn="l">
+            <a:pPr marL="342900" marR="0" lvl="0" indent="-342900" algn="l" rtl="0">
               <a:lnSpc>
                 <a:spcPct val="100000"/>
               </a:lnSpc>
               <a:spcBef>
-                <a:spcPts val="479"/>
+                <a:spcPts val="480"/>
               </a:spcBef>
               <a:spcAft>
                 <a:spcPts val="0"/>
@@ -8395,7 +10562,7 @@
               <a:buChar char="∙"/>
             </a:pPr>
             <a:r>
-              <a:rPr b="1" lang="en-IN" sz="2400" strike="noStrike">
+              <a:rPr lang="en-IN" sz="2400" b="1" strike="noStrike">
                 <a:solidFill>
                   <a:srgbClr val="000000"/>
                 </a:solidFill>
@@ -8407,7 +10574,7 @@
               <a:t>Operating system:</a:t>
             </a:r>
             <a:r>
-              <a:rPr b="0" lang="en-IN" sz="2400" strike="noStrike">
+              <a:rPr lang="en-IN" sz="2400" b="0" strike="noStrike">
                 <a:solidFill>
                   <a:srgbClr val="000000"/>
                 </a:solidFill>
@@ -8418,7 +10585,7 @@
               </a:rPr>
               <a:t> </a:t>
             </a:r>
-            <a:endParaRPr b="0" sz="2400" strike="noStrike">
+            <a:endParaRPr sz="2400" b="0" strike="noStrike">
               <a:solidFill>
                 <a:srgbClr val="000000"/>
               </a:solidFill>
@@ -8429,7 +10596,7 @@
             </a:endParaRPr>
           </a:p>
           <a:p>
-            <a:pPr indent="-285480" lvl="1" marL="743040" marR="0" rtl="0" algn="l">
+            <a:pPr marL="742950" marR="0" lvl="1" indent="-285750" algn="l" rtl="0">
               <a:lnSpc>
                 <a:spcPct val="100000"/>
               </a:lnSpc>
@@ -8447,7 +10614,7 @@
               <a:buChar char="−"/>
             </a:pPr>
             <a:r>
-              <a:rPr b="1" i="0" lang="en-IN" sz="2100" u="none" cap="none" strike="noStrike">
+              <a:rPr lang="en-IN" sz="2100" b="1" i="0" u="none" strike="noStrike" cap="none">
                 <a:solidFill>
                   <a:srgbClr val="FFFFFE"/>
                 </a:solidFill>
@@ -8458,7 +10625,7 @@
               </a:rPr>
               <a:t>Linux, Unix-like, OS X, Windows, iOS, Android</a:t>
             </a:r>
-            <a:endParaRPr b="0" i="0" sz="2100" u="none" cap="none" strike="noStrike">
+            <a:endParaRPr sz="2100" b="0" i="0" u="none" strike="noStrike" cap="none">
               <a:solidFill>
                 <a:srgbClr val="000000"/>
               </a:solidFill>
@@ -8469,12 +10636,12 @@
             </a:endParaRPr>
           </a:p>
           <a:p>
-            <a:pPr indent="-342720" lvl="0" marL="343080" marR="0" rtl="0" algn="l">
+            <a:pPr marL="342900" marR="0" lvl="0" indent="-342900" algn="l" rtl="0">
               <a:lnSpc>
                 <a:spcPct val="100000"/>
               </a:lnSpc>
               <a:spcBef>
-                <a:spcPts val="479"/>
+                <a:spcPts val="480"/>
               </a:spcBef>
               <a:spcAft>
                 <a:spcPts val="0"/>
@@ -8487,7 +10654,7 @@
               <a:buChar char="∙"/>
             </a:pPr>
             <a:r>
-              <a:rPr b="1" lang="en-IN" sz="2400" strike="noStrike">
+              <a:rPr lang="en-IN" sz="2400" b="1" strike="noStrike">
                 <a:solidFill>
                   <a:srgbClr val="000000"/>
                 </a:solidFill>
@@ -8499,7 +10666,7 @@
               <a:t>Preview release:</a:t>
             </a:r>
             <a:r>
-              <a:rPr b="0" lang="en-IN" sz="2400" strike="noStrike">
+              <a:rPr lang="en-IN" sz="2400" b="0" strike="noStrike">
                 <a:solidFill>
                   <a:srgbClr val="000000"/>
                 </a:solidFill>
@@ -8510,7 +10677,7 @@
               </a:rPr>
               <a:t> </a:t>
             </a:r>
-            <a:endParaRPr b="0" sz="2400" strike="noStrike">
+            <a:endParaRPr sz="2400" b="0" strike="noStrike">
               <a:solidFill>
                 <a:srgbClr val="000000"/>
               </a:solidFill>
@@ -8521,7 +10688,7 @@
             </a:endParaRPr>
           </a:p>
           <a:p>
-            <a:pPr indent="-285480" lvl="1" marL="743040" marR="0" rtl="0" algn="l">
+            <a:pPr marL="742950" marR="0" lvl="1" indent="-285750" algn="l" rtl="0">
               <a:lnSpc>
                 <a:spcPct val="100000"/>
               </a:lnSpc>
@@ -8539,7 +10706,7 @@
               <a:buChar char="−"/>
             </a:pPr>
             <a:r>
-              <a:rPr b="1" i="0" lang="en-IN" sz="2100" u="none" cap="none" strike="noStrike">
+              <a:rPr lang="en-IN" sz="2100" b="1" i="0" u="none" strike="noStrike" cap="none">
                 <a:solidFill>
                   <a:srgbClr val="FFFFFE"/>
                 </a:solidFill>
@@ -8550,7 +10717,7 @@
               </a:rPr>
               <a:t>master</a:t>
             </a:r>
-            <a:endParaRPr b="0" i="0" sz="2100" u="none" cap="none" strike="noStrike">
+            <a:endParaRPr sz="2100" b="0" i="0" u="none" strike="noStrike" cap="none">
               <a:solidFill>
                 <a:srgbClr val="000000"/>
               </a:solidFill>
@@ -8561,12 +10728,12 @@
             </a:endParaRPr>
           </a:p>
           <a:p>
-            <a:pPr indent="-342720" lvl="0" marL="343080" marR="0" rtl="0" algn="l">
+            <a:pPr marL="342900" marR="0" lvl="0" indent="-342900" algn="l" rtl="0">
               <a:lnSpc>
                 <a:spcPct val="100000"/>
               </a:lnSpc>
               <a:spcBef>
-                <a:spcPts val="479"/>
+                <a:spcPts val="480"/>
               </a:spcBef>
               <a:spcAft>
                 <a:spcPts val="0"/>
@@ -8579,7 +10746,7 @@
               <a:buChar char="∙"/>
             </a:pPr>
             <a:r>
-              <a:rPr b="1" lang="en-IN" sz="2400" strike="noStrike">
+              <a:rPr lang="en-IN" sz="2400" b="1" strike="noStrike">
                 <a:solidFill>
                   <a:srgbClr val="000000"/>
                 </a:solidFill>
@@ -8591,7 +10758,7 @@
               <a:t>Programming languages</a:t>
             </a:r>
             <a:r>
-              <a:rPr b="0" lang="en-IN" sz="2400" strike="noStrike">
+              <a:rPr lang="en-IN" sz="2400" b="0" strike="noStrike">
                 <a:solidFill>
                   <a:srgbClr val="000000"/>
                 </a:solidFill>
@@ -8602,7 +10769,7 @@
               </a:rPr>
               <a:t>: </a:t>
             </a:r>
-            <a:endParaRPr b="0" sz="2400" strike="noStrike">
+            <a:endParaRPr sz="2400" b="0" strike="noStrike">
               <a:solidFill>
                 <a:srgbClr val="000000"/>
               </a:solidFill>
@@ -8613,7 +10780,7 @@
             </a:endParaRPr>
           </a:p>
           <a:p>
-            <a:pPr indent="-285480" lvl="1" marL="743040" marR="0" rtl="0" algn="l">
+            <a:pPr marL="742950" marR="0" lvl="1" indent="-285750" algn="l" rtl="0">
               <a:lnSpc>
                 <a:spcPct val="100000"/>
               </a:lnSpc>
@@ -8631,7 +10798,7 @@
               <a:buChar char="−"/>
             </a:pPr>
             <a:r>
-              <a:rPr b="1" i="0" lang="en-IN" sz="2100" u="none" cap="none" strike="noStrike">
+              <a:rPr lang="en-IN" sz="2100" b="1" i="0" u="none" strike="noStrike" cap="none">
                 <a:solidFill>
                   <a:srgbClr val="FFFFFE"/>
                 </a:solidFill>
@@ -8642,7 +10809,7 @@
               </a:rPr>
               <a:t>Python, JavaScript</a:t>
             </a:r>
-            <a:endParaRPr b="0" i="0" sz="2100" u="none" cap="none" strike="noStrike">
+            <a:endParaRPr sz="2100" b="0" i="0" u="none" strike="noStrike" cap="none">
               <a:solidFill>
                 <a:srgbClr val="000000"/>
               </a:solidFill>
@@ -8663,18 +10830,17 @@
 </file>
 
 <file path=ppt/slides/slide6.xml><?xml version="1.0" encoding="utf-8"?>
-<p:sld xmlns:a="http://schemas.openxmlformats.org/drawingml/2006/main" xmlns:r="http://schemas.openxmlformats.org/officeDocument/2006/relationships" xmlns:mc="http://schemas.openxmlformats.org/markup-compatibility/2006" xmlns:mv="urn:schemas-microsoft-com:mac:vml" xmlns:p="http://schemas.openxmlformats.org/presentationml/2006/main" xmlns:c="http://schemas.openxmlformats.org/drawingml/2006/chart" xmlns:dgm="http://schemas.openxmlformats.org/drawingml/2006/diagram" xmlns:o="urn:schemas-microsoft-com:office:office" xmlns:v="urn:schemas-microsoft-com:vml" xmlns:pvml="urn:schemas-microsoft-com:office:powerpoint" xmlns:com="http://schemas.openxmlformats.org/drawingml/2006/compatibility" xmlns:p14="http://schemas.microsoft.com/office/powerpoint/2010/main" xmlns:p15="http://schemas.microsoft.com/office/powerpoint/2012/main" xmlns:ahyp="http://schemas.microsoft.com/office/drawing/2018/hyperlinkcolor">
+<p:sld xmlns:a="http://schemas.openxmlformats.org/drawingml/2006/main" xmlns:r="http://schemas.openxmlformats.org/officeDocument/2006/relationships" xmlns:p="http://schemas.openxmlformats.org/presentationml/2006/main">
   <p:cSld>
     <p:bg>
       <p:bgPr>
         <a:blipFill>
-          <a:blip r:embed="rId3">
-            <a:alphaModFix/>
-          </a:blip>
+          <a:blip r:embed="rId1"/>
           <a:stretch>
             <a:fillRect/>
           </a:stretch>
         </a:blipFill>
+        <a:effectLst/>
       </p:bgPr>
     </p:bg>
     <p:spTree>
@@ -8711,12 +10877,12 @@
           </a:ln>
         </p:spPr>
         <p:txBody>
-          <a:bodyPr anchorCtr="0" anchor="ctr" bIns="45000" lIns="90000" spcFirstLastPara="1" rIns="90000" wrap="square" tIns="45000">
+          <a:bodyPr spcFirstLastPara="1" wrap="square" lIns="90000" tIns="45000" rIns="90000" bIns="45000" anchor="ctr" anchorCtr="0">
             <a:noAutofit/>
           </a:bodyPr>
           <a:lstStyle/>
           <a:p>
-            <a:pPr indent="0" lvl="0" marL="0" marR="0" rtl="0" algn="l">
+            <a:pPr marL="0" marR="0" lvl="0" indent="0" algn="l" rtl="0">
               <a:spcBef>
                 <a:spcPts val="0"/>
               </a:spcBef>
@@ -8725,10 +10891,7 @@
               </a:spcAft>
               <a:buNone/>
             </a:pPr>
-            <a:r>
-              <a:t/>
-            </a:r>
-            <a:endParaRPr b="0" sz="1800" strike="noStrike">
+            <a:endParaRPr sz="1800" b="0" strike="noStrike">
               <a:solidFill>
                 <a:srgbClr val="000000"/>
               </a:solidFill>
@@ -8742,16 +10905,16 @@
       </p:sp>
       <p:pic>
         <p:nvPicPr>
-          <p:cNvPr descr="our_offices" id="87" name="Google Shape;87;p19"/>
+          <p:cNvPr id="87" name="Google Shape;87;p19" descr="our_offices"/>
           <p:cNvPicPr preferRelativeResize="0"/>
           <p:nvPr/>
         </p:nvPicPr>
         <p:blipFill rotWithShape="1">
-          <a:blip r:embed="rId4">
-            <a:alphaModFix/>
-          </a:blip>
-          <a:srcRect b="0" l="0" r="0" t="0"/>
-          <a:stretch/>
+          <a:blip r:embed="rId2"/>
+          <a:srcRect/>
+          <a:stretch>
+            <a:fillRect/>
+          </a:stretch>
         </p:blipFill>
         <p:spPr>
           <a:xfrm>
@@ -8776,18 +10939,17 @@
 </file>
 
 <file path=ppt/slides/slide7.xml><?xml version="1.0" encoding="utf-8"?>
-<p:sld xmlns:a="http://schemas.openxmlformats.org/drawingml/2006/main" xmlns:r="http://schemas.openxmlformats.org/officeDocument/2006/relationships" xmlns:mc="http://schemas.openxmlformats.org/markup-compatibility/2006" xmlns:mv="urn:schemas-microsoft-com:mac:vml" xmlns:p="http://schemas.openxmlformats.org/presentationml/2006/main" xmlns:c="http://schemas.openxmlformats.org/drawingml/2006/chart" xmlns:dgm="http://schemas.openxmlformats.org/drawingml/2006/diagram" xmlns:o="urn:schemas-microsoft-com:office:office" xmlns:v="urn:schemas-microsoft-com:vml" xmlns:pvml="urn:schemas-microsoft-com:office:powerpoint" xmlns:com="http://schemas.openxmlformats.org/drawingml/2006/compatibility" xmlns:p14="http://schemas.microsoft.com/office/powerpoint/2010/main" xmlns:p15="http://schemas.microsoft.com/office/powerpoint/2012/main" xmlns:ahyp="http://schemas.microsoft.com/office/drawing/2018/hyperlinkcolor">
+<p:sld xmlns:a="http://schemas.openxmlformats.org/drawingml/2006/main" xmlns:r="http://schemas.openxmlformats.org/officeDocument/2006/relationships" xmlns:p="http://schemas.openxmlformats.org/presentationml/2006/main">
   <p:cSld>
     <p:bg>
       <p:bgPr>
         <a:blipFill>
-          <a:blip r:embed="rId3">
-            <a:alphaModFix/>
-          </a:blip>
+          <a:blip r:embed="rId1"/>
           <a:stretch>
             <a:fillRect/>
           </a:stretch>
         </a:blipFill>
+        <a:effectLst/>
       </p:bgPr>
     </p:bg>
     <p:spTree>
@@ -8824,12 +10986,12 @@
           </a:ln>
         </p:spPr>
         <p:txBody>
-          <a:bodyPr anchorCtr="0" anchor="ctr" bIns="45000" lIns="90000" spcFirstLastPara="1" rIns="90000" wrap="square" tIns="45000">
+          <a:bodyPr spcFirstLastPara="1" wrap="square" lIns="90000" tIns="45000" rIns="90000" bIns="45000" anchor="ctr" anchorCtr="0">
             <a:noAutofit/>
           </a:bodyPr>
           <a:lstStyle/>
           <a:p>
-            <a:pPr indent="0" lvl="0" marL="0" marR="0" rtl="0" algn="l">
+            <a:pPr marL="0" marR="0" lvl="0" indent="0" algn="l" rtl="0">
               <a:spcBef>
                 <a:spcPts val="0"/>
               </a:spcBef>
@@ -8838,10 +11000,7 @@
               </a:spcAft>
               <a:buNone/>
             </a:pPr>
-            <a:r>
-              <a:t/>
-            </a:r>
-            <a:endParaRPr b="0" sz="1800" strike="noStrike">
+            <a:endParaRPr sz="1800" b="0" strike="noStrike">
               <a:solidFill>
                 <a:srgbClr val="000000"/>
               </a:solidFill>
@@ -8855,16 +11014,16 @@
       </p:sp>
       <p:pic>
         <p:nvPicPr>
-          <p:cNvPr descr="users" id="93" name="Google Shape;93;p20"/>
+          <p:cNvPr id="93" name="Google Shape;93;p20" descr="users"/>
           <p:cNvPicPr preferRelativeResize="0"/>
           <p:nvPr/>
         </p:nvPicPr>
         <p:blipFill rotWithShape="1">
-          <a:blip r:embed="rId4">
-            <a:alphaModFix/>
-          </a:blip>
-          <a:srcRect b="0" l="0" r="0" t="0"/>
-          <a:stretch/>
+          <a:blip r:embed="rId2"/>
+          <a:srcRect/>
+          <a:stretch>
+            <a:fillRect/>
+          </a:stretch>
         </p:blipFill>
         <p:spPr>
           <a:xfrm>
@@ -8889,18 +11048,17 @@
 </file>
 
 <file path=ppt/slides/slide8.xml><?xml version="1.0" encoding="utf-8"?>
-<p:sld xmlns:a="http://schemas.openxmlformats.org/drawingml/2006/main" xmlns:r="http://schemas.openxmlformats.org/officeDocument/2006/relationships" xmlns:mc="http://schemas.openxmlformats.org/markup-compatibility/2006" xmlns:mv="urn:schemas-microsoft-com:mac:vml" xmlns:p="http://schemas.openxmlformats.org/presentationml/2006/main" xmlns:c="http://schemas.openxmlformats.org/drawingml/2006/chart" xmlns:dgm="http://schemas.openxmlformats.org/drawingml/2006/diagram" xmlns:o="urn:schemas-microsoft-com:office:office" xmlns:v="urn:schemas-microsoft-com:vml" xmlns:pvml="urn:schemas-microsoft-com:office:powerpoint" xmlns:com="http://schemas.openxmlformats.org/drawingml/2006/compatibility" xmlns:p14="http://schemas.microsoft.com/office/powerpoint/2010/main" xmlns:p15="http://schemas.microsoft.com/office/powerpoint/2012/main" xmlns:ahyp="http://schemas.microsoft.com/office/drawing/2018/hyperlinkcolor">
+<p:sld xmlns:a="http://schemas.openxmlformats.org/drawingml/2006/main" xmlns:r="http://schemas.openxmlformats.org/officeDocument/2006/relationships" xmlns:p="http://schemas.openxmlformats.org/presentationml/2006/main">
   <p:cSld>
     <p:bg>
       <p:bgPr>
         <a:blipFill>
-          <a:blip r:embed="rId3">
-            <a:alphaModFix/>
-          </a:blip>
+          <a:blip r:embed="rId1"/>
           <a:stretch>
             <a:fillRect/>
           </a:stretch>
         </a:blipFill>
+        <a:effectLst/>
       </p:bgPr>
     </p:bg>
     <p:spTree>
@@ -8937,12 +11095,12 @@
           </a:ln>
         </p:spPr>
         <p:txBody>
-          <a:bodyPr anchorCtr="0" anchor="ctr" bIns="45000" lIns="90000" spcFirstLastPara="1" rIns="90000" wrap="square" tIns="45000">
+          <a:bodyPr spcFirstLastPara="1" wrap="square" lIns="90000" tIns="45000" rIns="90000" bIns="45000" anchor="ctr" anchorCtr="0">
             <a:noAutofit/>
           </a:bodyPr>
           <a:lstStyle/>
           <a:p>
-            <a:pPr indent="0" lvl="0" marL="0" marR="0" rtl="0" algn="l">
+            <a:pPr marL="0" marR="0" lvl="0" indent="0" algn="l" rtl="0">
               <a:spcBef>
                 <a:spcPts val="0"/>
               </a:spcBef>
@@ -8951,10 +11109,7 @@
               </a:spcAft>
               <a:buNone/>
             </a:pPr>
-            <a:r>
-              <a:t/>
-            </a:r>
-            <a:endParaRPr b="0" sz="1800" strike="noStrike">
+            <a:endParaRPr sz="1800" b="0" strike="noStrike">
               <a:solidFill>
                 <a:srgbClr val="000000"/>
               </a:solidFill>
@@ -8968,16 +11123,16 @@
       </p:sp>
       <p:pic>
         <p:nvPicPr>
-          <p:cNvPr descr="awards" id="99" name="Google Shape;99;p21"/>
+          <p:cNvPr id="99" name="Google Shape;99;p21" descr="awards"/>
           <p:cNvPicPr preferRelativeResize="0"/>
           <p:nvPr/>
         </p:nvPicPr>
         <p:blipFill rotWithShape="1">
-          <a:blip r:embed="rId4">
-            <a:alphaModFix/>
-          </a:blip>
-          <a:srcRect b="0" l="0" r="0" t="0"/>
-          <a:stretch/>
+          <a:blip r:embed="rId2"/>
+          <a:srcRect/>
+          <a:stretch>
+            <a:fillRect/>
+          </a:stretch>
         </p:blipFill>
         <p:spPr>
           <a:xfrm>
@@ -9002,11 +11157,22 @@
 </file>
 
 <file path=ppt/slides/slide9.xml><?xml version="1.0" encoding="utf-8"?>
-<p:sld xmlns:a="http://schemas.openxmlformats.org/drawingml/2006/main" xmlns:r="http://schemas.openxmlformats.org/officeDocument/2006/relationships" xmlns:mc="http://schemas.openxmlformats.org/markup-compatibility/2006" xmlns:mv="urn:schemas-microsoft-com:mac:vml" xmlns:p="http://schemas.openxmlformats.org/presentationml/2006/main" xmlns:c="http://schemas.openxmlformats.org/drawingml/2006/chart" xmlns:dgm="http://schemas.openxmlformats.org/drawingml/2006/diagram" xmlns:o="urn:schemas-microsoft-com:office:office" xmlns:v="urn:schemas-microsoft-com:vml" xmlns:pvml="urn:schemas-microsoft-com:office:powerpoint" xmlns:com="http://schemas.openxmlformats.org/drawingml/2006/compatibility" xmlns:p14="http://schemas.microsoft.com/office/powerpoint/2010/main" xmlns:p15="http://schemas.microsoft.com/office/powerpoint/2012/main" xmlns:ahyp="http://schemas.microsoft.com/office/drawing/2018/hyperlinkcolor">
+<p:sld xmlns:a="http://schemas.openxmlformats.org/drawingml/2006/main" xmlns:r="http://schemas.openxmlformats.org/officeDocument/2006/relationships" xmlns:p="http://schemas.openxmlformats.org/presentationml/2006/main">
   <p:cSld>
+    <p:bg>
+      <p:bgPr>
+        <a:blipFill>
+          <a:blip r:embed="rId1"/>
+          <a:stretch>
+            <a:fillRect/>
+          </a:stretch>
+        </a:blipFill>
+        <a:effectLst/>
+      </p:bgPr>
+    </p:bg>
     <p:spTree>
       <p:nvGrpSpPr>
-        <p:cNvPr id="103" name="Shape 103"/>
+        <p:cNvPr id="74" name="Shape 74"/>
         <p:cNvGrpSpPr/>
         <p:nvPr/>
       </p:nvGrpSpPr>
@@ -9020,14 +11186,14 @@
       </p:grpSpPr>
       <p:sp>
         <p:nvSpPr>
-          <p:cNvPr id="104" name="Google Shape;104;p22"/>
+          <p:cNvPr id="75" name="Google Shape;75;p17"/>
           <p:cNvSpPr txBox="1"/>
           <p:nvPr/>
         </p:nvSpPr>
         <p:spPr>
           <a:xfrm>
-            <a:off x="374040" y="1389240"/>
-            <a:ext cx="10972440" cy="4952520"/>
+            <a:off x="609320" y="548830"/>
+            <a:ext cx="10972500" cy="582000"/>
           </a:xfrm>
           <a:prstGeom prst="rect">
             <a:avLst/>
@@ -9038,12 +11204,12 @@
           </a:ln>
         </p:spPr>
         <p:txBody>
-          <a:bodyPr anchorCtr="0" anchor="t" bIns="45000" lIns="90000" spcFirstLastPara="1" rIns="90000" wrap="square" tIns="45000">
+          <a:bodyPr spcFirstLastPara="1" wrap="square" lIns="90000" tIns="45000" rIns="90000" bIns="45000" anchor="ctr" anchorCtr="0">
             <a:noAutofit/>
           </a:bodyPr>
           <a:lstStyle/>
           <a:p>
-            <a:pPr indent="-342720" lvl="0" marL="343080" marR="0" rtl="0" algn="l">
+            <a:pPr marL="0" marR="0" lvl="0" indent="457200" algn="l" rtl="0">
               <a:lnSpc>
                 <a:spcPct val="100000"/>
               </a:lnSpc>
@@ -9053,15 +11219,10 @@
               <a:spcAft>
                 <a:spcPts val="0"/>
               </a:spcAft>
-              <a:buClr>
-                <a:srgbClr val="000000"/>
-              </a:buClr>
-              <a:buSzPts val="3200"/>
-              <a:buFont typeface="Noto Sans Symbols"/>
-              <a:buChar char="∙"/>
+              <a:buNone/>
             </a:pPr>
             <a:r>
-              <a:rPr b="0" lang="en-IN" sz="3200" strike="noStrike">
+              <a:rPr lang="en-IN" sz="3600" b="0" strike="noStrike">
                 <a:solidFill>
                   <a:srgbClr val="000000"/>
                 </a:solidFill>
@@ -9070,9 +11231,275 @@
                 <a:cs typeface="Arial"/>
                 <a:sym typeface="Arial"/>
               </a:rPr>
-              <a:t>Odoo is open source so you write public code and contribute to the development community. Greate, is not it? moreever what you develop will be used by milions of people all over the world.</a:t>
+              <a:t>				</a:t>
             </a:r>
-            <a:endParaRPr b="0" sz="3200" strike="noStrike">
+            <a:r>
+              <a:rPr lang="en-IN" sz="3600" b="1" strike="noStrike">
+                <a:solidFill>
+                  <a:srgbClr val="000000"/>
+                </a:solidFill>
+                <a:latin typeface="Arial"/>
+                <a:ea typeface="Arial"/>
+                <a:cs typeface="Arial"/>
+                <a:sym typeface="Arial"/>
+              </a:rPr>
+              <a:t>Open Source</a:t>
+            </a:r>
+            <a:endParaRPr lang="en-IN" sz="3600" b="1" strike="noStrike">
+              <a:solidFill>
+                <a:srgbClr val="000000"/>
+              </a:solidFill>
+              <a:latin typeface="Arial"/>
+              <a:ea typeface="Arial"/>
+              <a:cs typeface="Arial"/>
+              <a:sym typeface="Arial"/>
+            </a:endParaRPr>
+          </a:p>
+        </p:txBody>
+      </p:sp>
+      <p:sp>
+        <p:nvSpPr>
+          <p:cNvPr id="76" name="Google Shape;76;p17"/>
+          <p:cNvSpPr txBox="1"/>
+          <p:nvPr/>
+        </p:nvSpPr>
+        <p:spPr>
+          <a:xfrm>
+            <a:off x="623570" y="1844675"/>
+            <a:ext cx="10972165" cy="3710940"/>
+          </a:xfrm>
+          <a:prstGeom prst="rect">
+            <a:avLst/>
+          </a:prstGeom>
+          <a:noFill/>
+          <a:ln>
+            <a:noFill/>
+          </a:ln>
+        </p:spPr>
+        <p:txBody>
+          <a:bodyPr spcFirstLastPara="1" wrap="square" lIns="90000" tIns="45000" rIns="90000" bIns="45000" anchor="t" anchorCtr="0">
+            <a:noAutofit/>
+          </a:bodyPr>
+          <a:lstStyle/>
+          <a:p>
+            <a:pPr marL="342900" marR="0" lvl="0" indent="-342900" algn="l" rtl="0">
+              <a:lnSpc>
+                <a:spcPct val="100000"/>
+              </a:lnSpc>
+              <a:spcBef>
+                <a:spcPts val="0"/>
+              </a:spcBef>
+              <a:spcAft>
+                <a:spcPts val="0"/>
+              </a:spcAft>
+              <a:buClr>
+                <a:srgbClr val="000000"/>
+              </a:buClr>
+              <a:buSzPts val="2000"/>
+              <a:buFont typeface="Noto Sans Symbols"/>
+              <a:buChar char="∙"/>
+            </a:pPr>
+            <a:r>
+              <a:rPr lang="en-IN" sz="2000" b="1" strike="noStrike">
+                <a:solidFill>
+                  <a:srgbClr val="FFFFFE"/>
+                </a:solidFill>
+                <a:latin typeface="Arial"/>
+                <a:ea typeface="Arial"/>
+                <a:cs typeface="Arial"/>
+                <a:sym typeface="Arial"/>
+              </a:rPr>
+              <a:t>Open Source is a great development model! But it’s not a business model8.To build a sustainable solution, we use an open core business model, based on two products:</a:t>
+            </a:r>
+            <a:endParaRPr lang="en-IN" sz="2000" b="1" strike="noStrike">
+              <a:solidFill>
+                <a:srgbClr val="FFFFFE"/>
+              </a:solidFill>
+              <a:latin typeface="Arial"/>
+              <a:ea typeface="Arial"/>
+              <a:cs typeface="Arial"/>
+              <a:sym typeface="Arial"/>
+            </a:endParaRPr>
+          </a:p>
+          <a:p>
+            <a:pPr marL="342900" marR="0" lvl="0" indent="-342900" algn="l" rtl="0">
+              <a:lnSpc>
+                <a:spcPct val="100000"/>
+              </a:lnSpc>
+              <a:spcBef>
+                <a:spcPts val="0"/>
+              </a:spcBef>
+              <a:spcAft>
+                <a:spcPts val="0"/>
+              </a:spcAft>
+              <a:buClr>
+                <a:srgbClr val="000000"/>
+              </a:buClr>
+              <a:buSzPts val="2000"/>
+              <a:buFont typeface="Noto Sans Symbols"/>
+              <a:buChar char="∙"/>
+            </a:pPr>
+            <a:endParaRPr lang="en-IN" sz="2000" b="1" strike="noStrike">
+              <a:solidFill>
+                <a:srgbClr val="FFFFFE"/>
+              </a:solidFill>
+              <a:latin typeface="Arial"/>
+              <a:ea typeface="Arial"/>
+              <a:cs typeface="Arial"/>
+              <a:sym typeface="Arial"/>
+            </a:endParaRPr>
+          </a:p>
+          <a:p>
+            <a:pPr marL="342900" marR="0" lvl="0" indent="-342900" algn="l" rtl="0">
+              <a:lnSpc>
+                <a:spcPct val="100000"/>
+              </a:lnSpc>
+              <a:spcBef>
+                <a:spcPts val="0"/>
+              </a:spcBef>
+              <a:spcAft>
+                <a:spcPts val="0"/>
+              </a:spcAft>
+              <a:buClr>
+                <a:srgbClr val="000000"/>
+              </a:buClr>
+              <a:buSzPts val="2000"/>
+              <a:buFont typeface="Noto Sans Symbols"/>
+              <a:buChar char="∙"/>
+            </a:pPr>
+            <a:r>
+              <a:rPr lang="en-IN" sz="2000" b="1" strike="noStrike">
+                <a:solidFill>
+                  <a:srgbClr val="000000"/>
+                </a:solidFill>
+                <a:latin typeface="Arial"/>
+                <a:ea typeface="Arial"/>
+                <a:cs typeface="Arial"/>
+                <a:sym typeface="Arial"/>
+              </a:rPr>
+              <a:t>1. Odoo Community, </a:t>
+            </a:r>
+            <a:r>
+              <a:rPr lang="en-IN" sz="2000" b="1" strike="noStrike">
+                <a:solidFill>
+                  <a:schemeClr val="bg1"/>
+                </a:solidFill>
+                <a:latin typeface="Arial"/>
+                <a:ea typeface="Arial"/>
+                <a:cs typeface="Arial"/>
+                <a:sym typeface="Arial"/>
+              </a:rPr>
+              <a:t>our open source product that covers most management needs: CRM, Sales, Invoicing, MRP, Website, etc.</a:t>
+            </a:r>
+            <a:endParaRPr lang="en-IN" sz="2000" b="1" strike="noStrike">
+              <a:solidFill>
+                <a:schemeClr val="bg1"/>
+              </a:solidFill>
+              <a:latin typeface="Arial"/>
+              <a:ea typeface="Arial"/>
+              <a:cs typeface="Arial"/>
+              <a:sym typeface="Arial"/>
+            </a:endParaRPr>
+          </a:p>
+          <a:p>
+            <a:pPr marL="0" marR="0" lvl="0" indent="0" algn="l" rtl="0">
+              <a:lnSpc>
+                <a:spcPct val="100000"/>
+              </a:lnSpc>
+              <a:spcBef>
+                <a:spcPts val="0"/>
+              </a:spcBef>
+              <a:spcAft>
+                <a:spcPts val="0"/>
+              </a:spcAft>
+              <a:buClr>
+                <a:srgbClr val="000000"/>
+              </a:buClr>
+              <a:buSzPts val="2000"/>
+              <a:buFont typeface="Noto Sans Symbols"/>
+              <a:buNone/>
+            </a:pPr>
+            <a:endParaRPr lang="en-IN" sz="2000" b="1" strike="noStrike">
+              <a:solidFill>
+                <a:schemeClr val="bg1"/>
+              </a:solidFill>
+              <a:latin typeface="Arial"/>
+              <a:ea typeface="Arial"/>
+              <a:cs typeface="Arial"/>
+              <a:sym typeface="Arial"/>
+            </a:endParaRPr>
+          </a:p>
+          <a:p>
+            <a:pPr marL="342900" marR="0" lvl="0" indent="-342900" algn="l" rtl="0">
+              <a:lnSpc>
+                <a:spcPct val="100000"/>
+              </a:lnSpc>
+              <a:spcBef>
+                <a:spcPts val="400"/>
+              </a:spcBef>
+              <a:spcAft>
+                <a:spcPts val="0"/>
+              </a:spcAft>
+              <a:buClr>
+                <a:srgbClr val="000000"/>
+              </a:buClr>
+              <a:buSzPts val="2000"/>
+              <a:buFont typeface="Noto Sans Symbols"/>
+              <a:buChar char="∙"/>
+            </a:pPr>
+            <a:r>
+              <a:rPr lang="en-IN" sz="2000" b="1" strike="noStrike">
+                <a:solidFill>
+                  <a:schemeClr val="tx1"/>
+                </a:solidFill>
+                <a:latin typeface="Arial"/>
+                <a:ea typeface="Arial"/>
+                <a:cs typeface="Arial"/>
+                <a:sym typeface="Arial"/>
+              </a:rPr>
+              <a:t>2. Odoo Enterprise,</a:t>
+            </a:r>
+            <a:r>
+              <a:rPr lang="en-IN" sz="2000" b="1" strike="noStrike">
+                <a:solidFill>
+                  <a:srgbClr val="FFFFFE"/>
+                </a:solidFill>
+                <a:latin typeface="Arial"/>
+                <a:ea typeface="Arial"/>
+                <a:cs typeface="Arial"/>
+                <a:sym typeface="Arial"/>
+              </a:rPr>
+              <a:t> a subscription to get extra features (Accounting, Studio, Timesheet, etc) and services (upgrades, support, Odoo.sh).</a:t>
+            </a:r>
+            <a:endParaRPr lang="en-IN" sz="2000" b="1" strike="noStrike">
+              <a:solidFill>
+                <a:srgbClr val="FFFFFE"/>
+              </a:solidFill>
+              <a:latin typeface="Arial"/>
+              <a:ea typeface="Arial"/>
+              <a:cs typeface="Arial"/>
+              <a:sym typeface="Arial"/>
+            </a:endParaRPr>
+          </a:p>
+          <a:p>
+            <a:pPr marL="0" marR="0" lvl="0" indent="0" algn="l" rtl="0">
+              <a:lnSpc>
+                <a:spcPct val="100000"/>
+              </a:lnSpc>
+              <a:spcBef>
+                <a:spcPts val="400"/>
+              </a:spcBef>
+              <a:spcAft>
+                <a:spcPts val="0"/>
+              </a:spcAft>
+              <a:buClr>
+                <a:srgbClr val="000000"/>
+              </a:buClr>
+              <a:buSzPts val="2000"/>
+              <a:buFont typeface="Noto Sans Symbols"/>
+              <a:buNone/>
+            </a:pPr>
+            <a:endParaRPr sz="2000" b="1" strike="noStrike">
               <a:solidFill>
                 <a:srgbClr val="000000"/>
               </a:solidFill>
@@ -9093,7 +11520,7 @@
 </file>
 
 <file path=ppt/theme/theme1.xml><?xml version="1.0" encoding="utf-8"?>
-<a:theme xmlns:a="http://schemas.openxmlformats.org/drawingml/2006/main" xmlns:r="http://schemas.openxmlformats.org/officeDocument/2006/relationships" name="Simple Light">
+<a:theme xmlns:a="http://schemas.openxmlformats.org/drawingml/2006/main" name="Simple Light">
   <a:themeElements>
     <a:clrScheme name="Simple Light">
       <a:dk1>
@@ -9368,11 +11795,16 @@
       </a:bgFillStyleLst>
     </a:fmtScheme>
   </a:themeElements>
+  <a:extLst>
+    <a:ext uri="{05A4C25C-085E-4340-85A3-A5531E510DB2}">
+      <thm15:themeFamily xmlns:thm15="http://schemas.microsoft.com/office/thememl/2012/main" name="Office Theme" id="{62F939B6-93AF-4DB8-9C6B-D6C7DFDC589F}" vid="{4A3C46E8-61CC-4603-A589-7422A47A8E4A}"/>
+    </a:ext>
+  </a:extLst>
 </a:theme>
 </file>
 
 <file path=ppt/theme/theme2.xml><?xml version="1.0" encoding="utf-8"?>
-<a:theme xmlns:a="http://schemas.openxmlformats.org/drawingml/2006/main" xmlns:r="http://schemas.openxmlformats.org/officeDocument/2006/relationships">
+<a:theme xmlns:a="http://schemas.openxmlformats.org/drawingml/2006/main">
   <a:themeElements>
     <a:clrScheme name="Default">
       <a:dk1>
@@ -9647,5 +12079,10 @@
       </a:bgFillStyleLst>
     </a:fmtScheme>
   </a:themeElements>
+  <a:extLst>
+    <a:ext uri="{05A4C25C-085E-4340-85A3-A5531E510DB2}">
+      <thm15:themeFamily xmlns:thm15="http://schemas.microsoft.com/office/thememl/2012/main" name="Office Theme" id="{62F939B6-93AF-4DB8-9C6B-D6C7DFDC589F}" vid="{4A3C46E8-61CC-4603-A589-7422A47A8E4A}"/>
+    </a:ext>
+  </a:extLst>
 </a:theme>
 </file>
--- a/Presentation/intership.pptx
+++ b/Presentation/intership.pptx
@@ -23,6 +23,11 @@
     <p:sldId id="273" r:id="rId16"/>
     <p:sldId id="274" r:id="rId17"/>
     <p:sldId id="265" r:id="rId18"/>
+    <p:sldId id="277" r:id="rId19"/>
+    <p:sldId id="278" r:id="rId20"/>
+    <p:sldId id="279" r:id="rId21"/>
+    <p:sldId id="280" r:id="rId22"/>
+    <p:sldId id="281" r:id="rId23"/>
   </p:sldIdLst>
   <p:sldSz cx="12192000" cy="6858000"/>
   <p:notesSz cx="7559675" cy="10691495"/>
@@ -1189,6 +1194,501 @@
 </file>
 
 <file path=ppt/notesSlides/notesSlide14.xml><?xml version="1.0" encoding="utf-8"?>
+<p:notes xmlns:a="http://schemas.openxmlformats.org/drawingml/2006/main" xmlns:r="http://schemas.openxmlformats.org/officeDocument/2006/relationships" xmlns:p="http://schemas.openxmlformats.org/presentationml/2006/main" showMasterPhAnim="0" showMasterSp="0">
+  <p:cSld>
+    <p:spTree>
+      <p:nvGrpSpPr>
+        <p:cNvPr id="71" name="Shape 71"/>
+        <p:cNvGrpSpPr/>
+        <p:nvPr/>
+      </p:nvGrpSpPr>
+      <p:grpSpPr>
+        <a:xfrm>
+          <a:off x="0" y="0"/>
+          <a:ext cx="0" cy="0"/>
+          <a:chOff x="0" y="0"/>
+          <a:chExt cx="0" cy="0"/>
+        </a:xfrm>
+      </p:grpSpPr>
+      <p:sp>
+        <p:nvSpPr>
+          <p:cNvPr id="72" name="Google Shape;72;p4:notes"/>
+          <p:cNvSpPr txBox="1"/>
+          <p:nvPr>
+            <p:ph type="body" idx="1"/>
+          </p:nvPr>
+        </p:nvSpPr>
+        <p:spPr>
+          <a:xfrm>
+            <a:off x="755950" y="5078600"/>
+            <a:ext cx="6047725" cy="4811300"/>
+          </a:xfrm>
+          <a:prstGeom prst="rect">
+            <a:avLst/>
+          </a:prstGeom>
+        </p:spPr>
+        <p:txBody>
+          <a:bodyPr spcFirstLastPara="1" wrap="square" lIns="91425" tIns="91425" rIns="91425" bIns="91425" anchor="t" anchorCtr="0">
+            <a:noAutofit/>
+          </a:bodyPr>
+          <a:lstStyle/>
+          <a:p>
+            <a:pPr marL="0" lvl="0" indent="0" algn="l" rtl="0">
+              <a:spcBef>
+                <a:spcPts val="0"/>
+              </a:spcBef>
+              <a:spcAft>
+                <a:spcPts val="0"/>
+              </a:spcAft>
+              <a:buNone/>
+            </a:pPr>
+          </a:p>
+        </p:txBody>
+      </p:sp>
+      <p:sp>
+        <p:nvSpPr>
+          <p:cNvPr id="73" name="Google Shape;73;p4:notes"/>
+          <p:cNvSpPr/>
+          <p:nvPr>
+            <p:ph type="sldImg" idx="2"/>
+          </p:nvPr>
+        </p:nvSpPr>
+        <p:spPr>
+          <a:xfrm>
+            <a:off x="1260175" y="801875"/>
+            <a:ext cx="5040025" cy="4009425"/>
+          </a:xfrm>
+          <a:custGeom>
+            <a:avLst/>
+            <a:gdLst/>
+            <a:ahLst/>
+            <a:cxnLst/>
+            <a:rect l="l" t="t" r="r" b="b"/>
+            <a:pathLst>
+              <a:path w="120000" h="120000" extrusionOk="0">
+                <a:moveTo>
+                  <a:pt x="0" y="0"/>
+                </a:moveTo>
+                <a:lnTo>
+                  <a:pt x="120000" y="0"/>
+                </a:lnTo>
+                <a:lnTo>
+                  <a:pt x="120000" y="120000"/>
+                </a:lnTo>
+                <a:lnTo>
+                  <a:pt x="0" y="120000"/>
+                </a:lnTo>
+                <a:close/>
+              </a:path>
+            </a:pathLst>
+          </a:custGeom>
+        </p:spPr>
+      </p:sp>
+    </p:spTree>
+  </p:cSld>
+  <p:clrMapOvr>
+    <a:masterClrMapping/>
+  </p:clrMapOvr>
+</p:notes>
+</file>
+
+<file path=ppt/notesSlides/notesSlide15.xml><?xml version="1.0" encoding="utf-8"?>
+<p:notes xmlns:a="http://schemas.openxmlformats.org/drawingml/2006/main" xmlns:r="http://schemas.openxmlformats.org/officeDocument/2006/relationships" xmlns:p="http://schemas.openxmlformats.org/presentationml/2006/main" showMasterPhAnim="0" showMasterSp="0">
+  <p:cSld>
+    <p:spTree>
+      <p:nvGrpSpPr>
+        <p:cNvPr id="71" name="Shape 71"/>
+        <p:cNvGrpSpPr/>
+        <p:nvPr/>
+      </p:nvGrpSpPr>
+      <p:grpSpPr>
+        <a:xfrm>
+          <a:off x="0" y="0"/>
+          <a:ext cx="0" cy="0"/>
+          <a:chOff x="0" y="0"/>
+          <a:chExt cx="0" cy="0"/>
+        </a:xfrm>
+      </p:grpSpPr>
+      <p:sp>
+        <p:nvSpPr>
+          <p:cNvPr id="72" name="Google Shape;72;p4:notes"/>
+          <p:cNvSpPr txBox="1"/>
+          <p:nvPr>
+            <p:ph type="body" idx="1"/>
+          </p:nvPr>
+        </p:nvSpPr>
+        <p:spPr>
+          <a:xfrm>
+            <a:off x="755950" y="5078600"/>
+            <a:ext cx="6047725" cy="4811300"/>
+          </a:xfrm>
+          <a:prstGeom prst="rect">
+            <a:avLst/>
+          </a:prstGeom>
+        </p:spPr>
+        <p:txBody>
+          <a:bodyPr spcFirstLastPara="1" wrap="square" lIns="91425" tIns="91425" rIns="91425" bIns="91425" anchor="t" anchorCtr="0">
+            <a:noAutofit/>
+          </a:bodyPr>
+          <a:lstStyle/>
+          <a:p>
+            <a:pPr marL="0" lvl="0" indent="0" algn="l" rtl="0">
+              <a:spcBef>
+                <a:spcPts val="0"/>
+              </a:spcBef>
+              <a:spcAft>
+                <a:spcPts val="0"/>
+              </a:spcAft>
+              <a:buNone/>
+            </a:pPr>
+          </a:p>
+        </p:txBody>
+      </p:sp>
+      <p:sp>
+        <p:nvSpPr>
+          <p:cNvPr id="73" name="Google Shape;73;p4:notes"/>
+          <p:cNvSpPr/>
+          <p:nvPr>
+            <p:ph type="sldImg" idx="2"/>
+          </p:nvPr>
+        </p:nvSpPr>
+        <p:spPr>
+          <a:xfrm>
+            <a:off x="1260175" y="801875"/>
+            <a:ext cx="5040025" cy="4009425"/>
+          </a:xfrm>
+          <a:custGeom>
+            <a:avLst/>
+            <a:gdLst/>
+            <a:ahLst/>
+            <a:cxnLst/>
+            <a:rect l="l" t="t" r="r" b="b"/>
+            <a:pathLst>
+              <a:path w="120000" h="120000" extrusionOk="0">
+                <a:moveTo>
+                  <a:pt x="0" y="0"/>
+                </a:moveTo>
+                <a:lnTo>
+                  <a:pt x="120000" y="0"/>
+                </a:lnTo>
+                <a:lnTo>
+                  <a:pt x="120000" y="120000"/>
+                </a:lnTo>
+                <a:lnTo>
+                  <a:pt x="0" y="120000"/>
+                </a:lnTo>
+                <a:close/>
+              </a:path>
+            </a:pathLst>
+          </a:custGeom>
+        </p:spPr>
+      </p:sp>
+    </p:spTree>
+  </p:cSld>
+  <p:clrMapOvr>
+    <a:masterClrMapping/>
+  </p:clrMapOvr>
+</p:notes>
+</file>
+
+<file path=ppt/notesSlides/notesSlide16.xml><?xml version="1.0" encoding="utf-8"?>
+<p:notes xmlns:a="http://schemas.openxmlformats.org/drawingml/2006/main" xmlns:r="http://schemas.openxmlformats.org/officeDocument/2006/relationships" xmlns:p="http://schemas.openxmlformats.org/presentationml/2006/main" showMasterPhAnim="0" showMasterSp="0">
+  <p:cSld>
+    <p:spTree>
+      <p:nvGrpSpPr>
+        <p:cNvPr id="71" name="Shape 71"/>
+        <p:cNvGrpSpPr/>
+        <p:nvPr/>
+      </p:nvGrpSpPr>
+      <p:grpSpPr>
+        <a:xfrm>
+          <a:off x="0" y="0"/>
+          <a:ext cx="0" cy="0"/>
+          <a:chOff x="0" y="0"/>
+          <a:chExt cx="0" cy="0"/>
+        </a:xfrm>
+      </p:grpSpPr>
+      <p:sp>
+        <p:nvSpPr>
+          <p:cNvPr id="72" name="Google Shape;72;p4:notes"/>
+          <p:cNvSpPr txBox="1"/>
+          <p:nvPr>
+            <p:ph type="body" idx="1"/>
+          </p:nvPr>
+        </p:nvSpPr>
+        <p:spPr>
+          <a:xfrm>
+            <a:off x="755950" y="5078600"/>
+            <a:ext cx="6047725" cy="4811300"/>
+          </a:xfrm>
+          <a:prstGeom prst="rect">
+            <a:avLst/>
+          </a:prstGeom>
+        </p:spPr>
+        <p:txBody>
+          <a:bodyPr spcFirstLastPara="1" wrap="square" lIns="91425" tIns="91425" rIns="91425" bIns="91425" anchor="t" anchorCtr="0">
+            <a:noAutofit/>
+          </a:bodyPr>
+          <a:lstStyle/>
+          <a:p>
+            <a:pPr marL="0" lvl="0" indent="0" algn="l" rtl="0">
+              <a:spcBef>
+                <a:spcPts val="0"/>
+              </a:spcBef>
+              <a:spcAft>
+                <a:spcPts val="0"/>
+              </a:spcAft>
+              <a:buNone/>
+            </a:pPr>
+          </a:p>
+        </p:txBody>
+      </p:sp>
+      <p:sp>
+        <p:nvSpPr>
+          <p:cNvPr id="73" name="Google Shape;73;p4:notes"/>
+          <p:cNvSpPr/>
+          <p:nvPr>
+            <p:ph type="sldImg" idx="2"/>
+          </p:nvPr>
+        </p:nvSpPr>
+        <p:spPr>
+          <a:xfrm>
+            <a:off x="1260175" y="801875"/>
+            <a:ext cx="5040025" cy="4009425"/>
+          </a:xfrm>
+          <a:custGeom>
+            <a:avLst/>
+            <a:gdLst/>
+            <a:ahLst/>
+            <a:cxnLst/>
+            <a:rect l="l" t="t" r="r" b="b"/>
+            <a:pathLst>
+              <a:path w="120000" h="120000" extrusionOk="0">
+                <a:moveTo>
+                  <a:pt x="0" y="0"/>
+                </a:moveTo>
+                <a:lnTo>
+                  <a:pt x="120000" y="0"/>
+                </a:lnTo>
+                <a:lnTo>
+                  <a:pt x="120000" y="120000"/>
+                </a:lnTo>
+                <a:lnTo>
+                  <a:pt x="0" y="120000"/>
+                </a:lnTo>
+                <a:close/>
+              </a:path>
+            </a:pathLst>
+          </a:custGeom>
+        </p:spPr>
+      </p:sp>
+    </p:spTree>
+  </p:cSld>
+  <p:clrMapOvr>
+    <a:masterClrMapping/>
+  </p:clrMapOvr>
+</p:notes>
+</file>
+
+<file path=ppt/notesSlides/notesSlide17.xml><?xml version="1.0" encoding="utf-8"?>
+<p:notes xmlns:a="http://schemas.openxmlformats.org/drawingml/2006/main" xmlns:r="http://schemas.openxmlformats.org/officeDocument/2006/relationships" xmlns:p="http://schemas.openxmlformats.org/presentationml/2006/main" showMasterPhAnim="0" showMasterSp="0">
+  <p:cSld>
+    <p:spTree>
+      <p:nvGrpSpPr>
+        <p:cNvPr id="71" name="Shape 71"/>
+        <p:cNvGrpSpPr/>
+        <p:nvPr/>
+      </p:nvGrpSpPr>
+      <p:grpSpPr>
+        <a:xfrm>
+          <a:off x="0" y="0"/>
+          <a:ext cx="0" cy="0"/>
+          <a:chOff x="0" y="0"/>
+          <a:chExt cx="0" cy="0"/>
+        </a:xfrm>
+      </p:grpSpPr>
+      <p:sp>
+        <p:nvSpPr>
+          <p:cNvPr id="72" name="Google Shape;72;p4:notes"/>
+          <p:cNvSpPr txBox="1"/>
+          <p:nvPr>
+            <p:ph type="body" idx="1"/>
+          </p:nvPr>
+        </p:nvSpPr>
+        <p:spPr>
+          <a:xfrm>
+            <a:off x="755950" y="5078600"/>
+            <a:ext cx="6047725" cy="4811300"/>
+          </a:xfrm>
+          <a:prstGeom prst="rect">
+            <a:avLst/>
+          </a:prstGeom>
+        </p:spPr>
+        <p:txBody>
+          <a:bodyPr spcFirstLastPara="1" wrap="square" lIns="91425" tIns="91425" rIns="91425" bIns="91425" anchor="t" anchorCtr="0">
+            <a:noAutofit/>
+          </a:bodyPr>
+          <a:lstStyle/>
+          <a:p>
+            <a:pPr marL="0" lvl="0" indent="0" algn="l" rtl="0">
+              <a:spcBef>
+                <a:spcPts val="0"/>
+              </a:spcBef>
+              <a:spcAft>
+                <a:spcPts val="0"/>
+              </a:spcAft>
+              <a:buNone/>
+            </a:pPr>
+          </a:p>
+        </p:txBody>
+      </p:sp>
+      <p:sp>
+        <p:nvSpPr>
+          <p:cNvPr id="73" name="Google Shape;73;p4:notes"/>
+          <p:cNvSpPr/>
+          <p:nvPr>
+            <p:ph type="sldImg" idx="2"/>
+          </p:nvPr>
+        </p:nvSpPr>
+        <p:spPr>
+          <a:xfrm>
+            <a:off x="1260175" y="801875"/>
+            <a:ext cx="5040025" cy="4009425"/>
+          </a:xfrm>
+          <a:custGeom>
+            <a:avLst/>
+            <a:gdLst/>
+            <a:ahLst/>
+            <a:cxnLst/>
+            <a:rect l="l" t="t" r="r" b="b"/>
+            <a:pathLst>
+              <a:path w="120000" h="120000" extrusionOk="0">
+                <a:moveTo>
+                  <a:pt x="0" y="0"/>
+                </a:moveTo>
+                <a:lnTo>
+                  <a:pt x="120000" y="0"/>
+                </a:lnTo>
+                <a:lnTo>
+                  <a:pt x="120000" y="120000"/>
+                </a:lnTo>
+                <a:lnTo>
+                  <a:pt x="0" y="120000"/>
+                </a:lnTo>
+                <a:close/>
+              </a:path>
+            </a:pathLst>
+          </a:custGeom>
+        </p:spPr>
+      </p:sp>
+    </p:spTree>
+  </p:cSld>
+  <p:clrMapOvr>
+    <a:masterClrMapping/>
+  </p:clrMapOvr>
+</p:notes>
+</file>
+
+<file path=ppt/notesSlides/notesSlide18.xml><?xml version="1.0" encoding="utf-8"?>
+<p:notes xmlns:a="http://schemas.openxmlformats.org/drawingml/2006/main" xmlns:r="http://schemas.openxmlformats.org/officeDocument/2006/relationships" xmlns:p="http://schemas.openxmlformats.org/presentationml/2006/main" showMasterPhAnim="0" showMasterSp="0">
+  <p:cSld>
+    <p:spTree>
+      <p:nvGrpSpPr>
+        <p:cNvPr id="71" name="Shape 71"/>
+        <p:cNvGrpSpPr/>
+        <p:nvPr/>
+      </p:nvGrpSpPr>
+      <p:grpSpPr>
+        <a:xfrm>
+          <a:off x="0" y="0"/>
+          <a:ext cx="0" cy="0"/>
+          <a:chOff x="0" y="0"/>
+          <a:chExt cx="0" cy="0"/>
+        </a:xfrm>
+      </p:grpSpPr>
+      <p:sp>
+        <p:nvSpPr>
+          <p:cNvPr id="72" name="Google Shape;72;p4:notes"/>
+          <p:cNvSpPr txBox="1"/>
+          <p:nvPr>
+            <p:ph type="body" idx="1"/>
+          </p:nvPr>
+        </p:nvSpPr>
+        <p:spPr>
+          <a:xfrm>
+            <a:off x="755950" y="5078600"/>
+            <a:ext cx="6047725" cy="4811300"/>
+          </a:xfrm>
+          <a:prstGeom prst="rect">
+            <a:avLst/>
+          </a:prstGeom>
+        </p:spPr>
+        <p:txBody>
+          <a:bodyPr spcFirstLastPara="1" wrap="square" lIns="91425" tIns="91425" rIns="91425" bIns="91425" anchor="t" anchorCtr="0">
+            <a:noAutofit/>
+          </a:bodyPr>
+          <a:lstStyle/>
+          <a:p>
+            <a:pPr marL="0" lvl="0" indent="0" algn="l" rtl="0">
+              <a:spcBef>
+                <a:spcPts val="0"/>
+              </a:spcBef>
+              <a:spcAft>
+                <a:spcPts val="0"/>
+              </a:spcAft>
+              <a:buNone/>
+            </a:pPr>
+          </a:p>
+        </p:txBody>
+      </p:sp>
+      <p:sp>
+        <p:nvSpPr>
+          <p:cNvPr id="73" name="Google Shape;73;p4:notes"/>
+          <p:cNvSpPr/>
+          <p:nvPr>
+            <p:ph type="sldImg" idx="2"/>
+          </p:nvPr>
+        </p:nvSpPr>
+        <p:spPr>
+          <a:xfrm>
+            <a:off x="1260175" y="801875"/>
+            <a:ext cx="5040025" cy="4009425"/>
+          </a:xfrm>
+          <a:custGeom>
+            <a:avLst/>
+            <a:gdLst/>
+            <a:ahLst/>
+            <a:cxnLst/>
+            <a:rect l="l" t="t" r="r" b="b"/>
+            <a:pathLst>
+              <a:path w="120000" h="120000" extrusionOk="0">
+                <a:moveTo>
+                  <a:pt x="0" y="0"/>
+                </a:moveTo>
+                <a:lnTo>
+                  <a:pt x="120000" y="0"/>
+                </a:lnTo>
+                <a:lnTo>
+                  <a:pt x="120000" y="120000"/>
+                </a:lnTo>
+                <a:lnTo>
+                  <a:pt x="0" y="120000"/>
+                </a:lnTo>
+                <a:close/>
+              </a:path>
+            </a:pathLst>
+          </a:custGeom>
+        </p:spPr>
+      </p:sp>
+    </p:spTree>
+  </p:cSld>
+  <p:clrMapOvr>
+    <a:masterClrMapping/>
+  </p:clrMapOvr>
+</p:notes>
+</file>
+
+<file path=ppt/notesSlides/notesSlide19.xml><?xml version="1.0" encoding="utf-8"?>
 <p:notes xmlns:a="http://schemas.openxmlformats.org/drawingml/2006/main" xmlns:r="http://schemas.openxmlformats.org/officeDocument/2006/relationships" xmlns:p="http://schemas.openxmlformats.org/presentationml/2006/main" showMasterPhAnim="0" showMasterSp="0">
   <p:cSld>
     <p:spTree>
@@ -9003,6 +9503,1744 @@
 </p:sld>
 </file>
 
+<file path=ppt/slides/slide16.xml><?xml version="1.0" encoding="utf-8"?>
+<p:sld xmlns:a="http://schemas.openxmlformats.org/drawingml/2006/main" xmlns:r="http://schemas.openxmlformats.org/officeDocument/2006/relationships" xmlns:p="http://schemas.openxmlformats.org/presentationml/2006/main">
+  <p:cSld>
+    <p:bg>
+      <p:bgPr>
+        <a:blipFill>
+          <a:blip r:embed="rId1"/>
+          <a:stretch>
+            <a:fillRect/>
+          </a:stretch>
+        </a:blipFill>
+        <a:effectLst/>
+      </p:bgPr>
+    </p:bg>
+    <p:spTree>
+      <p:nvGrpSpPr>
+        <p:cNvPr id="74" name="Shape 74"/>
+        <p:cNvGrpSpPr/>
+        <p:nvPr/>
+      </p:nvGrpSpPr>
+      <p:grpSpPr>
+        <a:xfrm>
+          <a:off x="0" y="0"/>
+          <a:ext cx="0" cy="0"/>
+          <a:chOff x="0" y="0"/>
+          <a:chExt cx="0" cy="0"/>
+        </a:xfrm>
+      </p:grpSpPr>
+      <p:sp>
+        <p:nvSpPr>
+          <p:cNvPr id="75" name="Google Shape;75;p17"/>
+          <p:cNvSpPr txBox="1"/>
+          <p:nvPr/>
+        </p:nvSpPr>
+        <p:spPr>
+          <a:xfrm>
+            <a:off x="609320" y="548830"/>
+            <a:ext cx="10972500" cy="582000"/>
+          </a:xfrm>
+          <a:prstGeom prst="rect">
+            <a:avLst/>
+          </a:prstGeom>
+          <a:noFill/>
+          <a:ln>
+            <a:noFill/>
+          </a:ln>
+        </p:spPr>
+        <p:txBody>
+          <a:bodyPr spcFirstLastPara="1" wrap="square" lIns="90000" tIns="45000" rIns="90000" bIns="45000" anchor="ctr" anchorCtr="0">
+            <a:noAutofit/>
+          </a:bodyPr>
+          <a:lstStyle/>
+          <a:p>
+            <a:pPr marL="457200" marR="0" lvl="1" indent="0" algn="l" rtl="0">
+              <a:lnSpc>
+                <a:spcPct val="100000"/>
+              </a:lnSpc>
+              <a:spcBef>
+                <a:spcPts val="400"/>
+              </a:spcBef>
+              <a:spcAft>
+                <a:spcPts val="0"/>
+              </a:spcAft>
+              <a:buClr>
+                <a:srgbClr val="000000"/>
+              </a:buClr>
+              <a:buSzPts val="2000"/>
+              <a:buFont typeface="Arial" panose="02080604020202020204" pitchFamily="34" charset="0"/>
+              <a:buNone/>
+            </a:pPr>
+            <a:r>
+              <a:rPr lang="en-IN" sz="3600" b="0" strike="noStrike">
+                <a:solidFill>
+                  <a:srgbClr val="000000"/>
+                </a:solidFill>
+                <a:latin typeface="Arial"/>
+                <a:ea typeface="Arial"/>
+                <a:cs typeface="Arial"/>
+                <a:sym typeface="Arial"/>
+              </a:rPr>
+              <a:t>			</a:t>
+            </a:r>
+            <a:r>
+              <a:rPr lang="en-IN" sz="3600" b="1" strike="noStrike">
+                <a:solidFill>
+                  <a:srgbClr val="000000"/>
+                </a:solidFill>
+                <a:latin typeface="Arial"/>
+                <a:ea typeface="Arial"/>
+                <a:cs typeface="Arial"/>
+                <a:sym typeface="Arial"/>
+              </a:rPr>
+              <a:t>  My Intenrship Experience</a:t>
+            </a:r>
+            <a:endParaRPr lang="en-IN" sz="3600" b="1" strike="noStrike">
+              <a:solidFill>
+                <a:schemeClr val="tx1"/>
+              </a:solidFill>
+              <a:latin typeface="Arial"/>
+              <a:ea typeface="Arial"/>
+              <a:cs typeface="Arial"/>
+              <a:sym typeface="Arial"/>
+            </a:endParaRPr>
+          </a:p>
+        </p:txBody>
+      </p:sp>
+      <p:sp>
+        <p:nvSpPr>
+          <p:cNvPr id="76" name="Google Shape;76;p17"/>
+          <p:cNvSpPr txBox="1"/>
+          <p:nvPr/>
+        </p:nvSpPr>
+        <p:spPr>
+          <a:xfrm>
+            <a:off x="767715" y="1130935"/>
+            <a:ext cx="10717530" cy="4872355"/>
+          </a:xfrm>
+          <a:prstGeom prst="rect">
+            <a:avLst/>
+          </a:prstGeom>
+          <a:noFill/>
+          <a:ln>
+            <a:noFill/>
+          </a:ln>
+        </p:spPr>
+        <p:txBody>
+          <a:bodyPr spcFirstLastPara="1" wrap="square" lIns="90000" tIns="45000" rIns="90000" bIns="45000" anchor="t" anchorCtr="0">
+            <a:noAutofit/>
+          </a:bodyPr>
+          <a:lstStyle/>
+          <a:p>
+            <a:pPr marL="342900" marR="0" lvl="0" indent="-342900" algn="l" rtl="0">
+              <a:lnSpc>
+                <a:spcPct val="100000"/>
+              </a:lnSpc>
+              <a:spcBef>
+                <a:spcPts val="400"/>
+              </a:spcBef>
+              <a:spcAft>
+                <a:spcPts val="0"/>
+              </a:spcAft>
+              <a:buClr>
+                <a:srgbClr val="000000"/>
+              </a:buClr>
+              <a:buSzPts val="2000"/>
+              <a:buFont typeface="Arial" panose="02080604020202020204" pitchFamily="34" charset="0"/>
+              <a:buChar char="•"/>
+            </a:pPr>
+            <a:r>
+              <a:rPr lang="en-IN" sz="2800" b="1" strike="noStrike">
+                <a:solidFill>
+                  <a:schemeClr val="bg1"/>
+                </a:solidFill>
+                <a:latin typeface="Arial"/>
+                <a:ea typeface="Arial"/>
+                <a:cs typeface="Arial"/>
+                <a:sym typeface="Arial"/>
+              </a:rPr>
+              <a:t>Odoo Training:</a:t>
+            </a:r>
+            <a:endParaRPr lang="en-IN" sz="2800" b="1" strike="noStrike">
+              <a:solidFill>
+                <a:schemeClr val="bg1"/>
+              </a:solidFill>
+              <a:latin typeface="Arial"/>
+              <a:ea typeface="Arial"/>
+              <a:cs typeface="Arial"/>
+              <a:sym typeface="Arial"/>
+            </a:endParaRPr>
+          </a:p>
+          <a:p>
+            <a:pPr marL="800100" marR="0" lvl="1" indent="-342900" algn="l" rtl="0">
+              <a:lnSpc>
+                <a:spcPct val="100000"/>
+              </a:lnSpc>
+              <a:spcBef>
+                <a:spcPts val="400"/>
+              </a:spcBef>
+              <a:spcAft>
+                <a:spcPts val="0"/>
+              </a:spcAft>
+              <a:buClr>
+                <a:srgbClr val="000000"/>
+              </a:buClr>
+              <a:buSzPts val="2000"/>
+              <a:buFont typeface="Arial" panose="02080604020202020204" pitchFamily="34" charset="0"/>
+              <a:buChar char="•"/>
+            </a:pPr>
+            <a:r>
+              <a:rPr lang="en-IN" sz="2800" b="1">
+                <a:solidFill>
+                  <a:schemeClr val="tx1"/>
+                </a:solidFill>
+                <a:sym typeface="Arial"/>
+              </a:rPr>
+              <a:t>Training Duration: - 2 Months</a:t>
+            </a:r>
+            <a:endParaRPr lang="en-IN" sz="2800" b="1" strike="noStrike">
+              <a:solidFill>
+                <a:schemeClr val="tx1"/>
+              </a:solidFill>
+              <a:latin typeface="Arial"/>
+              <a:ea typeface="Arial"/>
+              <a:cs typeface="Arial"/>
+              <a:sym typeface="Arial"/>
+            </a:endParaRPr>
+          </a:p>
+          <a:p>
+            <a:pPr marL="800100" marR="0" lvl="1" indent="-342900" algn="l" rtl="0">
+              <a:lnSpc>
+                <a:spcPct val="100000"/>
+              </a:lnSpc>
+              <a:spcBef>
+                <a:spcPts val="400"/>
+              </a:spcBef>
+              <a:spcAft>
+                <a:spcPts val="0"/>
+              </a:spcAft>
+              <a:buClr>
+                <a:srgbClr val="000000"/>
+              </a:buClr>
+              <a:buSzPts val="2000"/>
+              <a:buFont typeface="Arial" panose="02080604020202020204" pitchFamily="34" charset="0"/>
+              <a:buChar char="•"/>
+            </a:pPr>
+            <a:r>
+              <a:rPr lang="en-IN" sz="2800" b="1">
+                <a:solidFill>
+                  <a:schemeClr val="tx1"/>
+                </a:solidFill>
+                <a:sym typeface="Arial"/>
+              </a:rPr>
+              <a:t>Module :- Real Estate Advertisement Module</a:t>
+            </a:r>
+            <a:endParaRPr lang="en-IN" sz="2800" b="1" strike="noStrike">
+              <a:solidFill>
+                <a:schemeClr val="tx1"/>
+              </a:solidFill>
+              <a:latin typeface="Arial"/>
+              <a:ea typeface="Arial"/>
+              <a:cs typeface="Arial"/>
+              <a:sym typeface="Arial"/>
+            </a:endParaRPr>
+          </a:p>
+          <a:p>
+            <a:pPr marL="457200" marR="0" lvl="1" indent="0" algn="l" rtl="0">
+              <a:lnSpc>
+                <a:spcPct val="100000"/>
+              </a:lnSpc>
+              <a:spcBef>
+                <a:spcPts val="400"/>
+              </a:spcBef>
+              <a:spcAft>
+                <a:spcPts val="0"/>
+              </a:spcAft>
+              <a:buClr>
+                <a:srgbClr val="000000"/>
+              </a:buClr>
+              <a:buSzPts val="2000"/>
+              <a:buFont typeface="Arial" panose="02080604020202020204" pitchFamily="34" charset="0"/>
+              <a:buNone/>
+            </a:pPr>
+            <a:endParaRPr lang="en-IN" sz="2800" b="1" strike="noStrike">
+              <a:solidFill>
+                <a:schemeClr val="bg1"/>
+              </a:solidFill>
+              <a:latin typeface="Arial"/>
+              <a:ea typeface="Arial"/>
+              <a:cs typeface="Arial"/>
+              <a:sym typeface="Arial"/>
+            </a:endParaRPr>
+          </a:p>
+          <a:p>
+            <a:pPr marL="457200" marR="0" lvl="1" indent="0" algn="l" rtl="0">
+              <a:lnSpc>
+                <a:spcPct val="100000"/>
+              </a:lnSpc>
+              <a:spcBef>
+                <a:spcPts val="400"/>
+              </a:spcBef>
+              <a:spcAft>
+                <a:spcPts val="0"/>
+              </a:spcAft>
+              <a:buClr>
+                <a:srgbClr val="000000"/>
+              </a:buClr>
+              <a:buSzPts val="2000"/>
+              <a:buFont typeface="Arial" panose="02080604020202020204" pitchFamily="34" charset="0"/>
+              <a:buNone/>
+            </a:pPr>
+            <a:endParaRPr lang="en-IN" sz="2800" b="1" strike="noStrike">
+              <a:solidFill>
+                <a:schemeClr val="bg1"/>
+              </a:solidFill>
+              <a:latin typeface="Arial"/>
+              <a:ea typeface="Arial"/>
+              <a:cs typeface="Arial"/>
+              <a:sym typeface="Arial"/>
+            </a:endParaRPr>
+          </a:p>
+          <a:p>
+            <a:pPr marL="342900" marR="0" lvl="0" indent="-342900" algn="l" rtl="0">
+              <a:lnSpc>
+                <a:spcPct val="100000"/>
+              </a:lnSpc>
+              <a:spcBef>
+                <a:spcPts val="400"/>
+              </a:spcBef>
+              <a:spcAft>
+                <a:spcPts val="0"/>
+              </a:spcAft>
+              <a:buClr>
+                <a:srgbClr val="000000"/>
+              </a:buClr>
+              <a:buSzPts val="2000"/>
+              <a:buFont typeface="Arial" panose="02080604020202020204" pitchFamily="34" charset="0"/>
+              <a:buChar char="•"/>
+            </a:pPr>
+            <a:r>
+              <a:rPr lang="en-IN" sz="2800" b="1" strike="noStrike">
+                <a:solidFill>
+                  <a:schemeClr val="bg1"/>
+                </a:solidFill>
+                <a:latin typeface="Arial"/>
+                <a:ea typeface="Arial"/>
+                <a:cs typeface="Arial"/>
+                <a:sym typeface="Arial"/>
+              </a:rPr>
+              <a:t>Description :- </a:t>
+            </a:r>
+            <a:endParaRPr lang="en-IN" sz="2800" b="1" strike="noStrike">
+              <a:solidFill>
+                <a:schemeClr val="bg1"/>
+              </a:solidFill>
+              <a:latin typeface="Arial"/>
+              <a:ea typeface="Arial"/>
+              <a:cs typeface="Arial"/>
+              <a:sym typeface="Arial"/>
+            </a:endParaRPr>
+          </a:p>
+          <a:p>
+            <a:pPr marL="800100" marR="0" lvl="1" indent="-342900" algn="l" rtl="0">
+              <a:lnSpc>
+                <a:spcPct val="100000"/>
+              </a:lnSpc>
+              <a:spcBef>
+                <a:spcPts val="400"/>
+              </a:spcBef>
+              <a:spcAft>
+                <a:spcPts val="0"/>
+              </a:spcAft>
+              <a:buClr>
+                <a:srgbClr val="000000"/>
+              </a:buClr>
+              <a:buSzPts val="2000"/>
+              <a:buFont typeface="Arial" panose="02080604020202020204" pitchFamily="34" charset="0"/>
+              <a:buChar char="•"/>
+            </a:pPr>
+            <a:r>
+              <a:rPr lang="en-IN" sz="2400" b="1" strike="noStrike">
+                <a:solidFill>
+                  <a:schemeClr val="tx1"/>
+                </a:solidFill>
+                <a:latin typeface="Arial"/>
+                <a:ea typeface="Arial"/>
+                <a:cs typeface="Arial"/>
+                <a:sym typeface="Arial"/>
+              </a:rPr>
+              <a:t>In the training, we worked on the module “Real Estate Advertisement Module”.</a:t>
+            </a:r>
+            <a:endParaRPr lang="en-IN" sz="2400" b="1" strike="noStrike">
+              <a:solidFill>
+                <a:schemeClr val="tx1"/>
+              </a:solidFill>
+              <a:latin typeface="Arial"/>
+              <a:ea typeface="Arial"/>
+              <a:cs typeface="Arial"/>
+              <a:sym typeface="Arial"/>
+            </a:endParaRPr>
+          </a:p>
+          <a:p>
+            <a:pPr marL="800100" marR="0" lvl="1" indent="-342900" algn="l" rtl="0">
+              <a:lnSpc>
+                <a:spcPct val="100000"/>
+              </a:lnSpc>
+              <a:spcBef>
+                <a:spcPts val="400"/>
+              </a:spcBef>
+              <a:spcAft>
+                <a:spcPts val="0"/>
+              </a:spcAft>
+              <a:buClr>
+                <a:srgbClr val="000000"/>
+              </a:buClr>
+              <a:buSzPts val="2000"/>
+              <a:buFont typeface="Arial" panose="02080604020202020204" pitchFamily="34" charset="0"/>
+              <a:buChar char="•"/>
+            </a:pPr>
+            <a:r>
+              <a:rPr lang="en-IN" sz="2400" b="1" strike="noStrike">
+                <a:solidFill>
+                  <a:schemeClr val="tx1"/>
+                </a:solidFill>
+                <a:latin typeface="Arial"/>
+                <a:ea typeface="Arial"/>
+                <a:cs typeface="Arial"/>
+                <a:sym typeface="Arial"/>
+              </a:rPr>
+              <a:t>In which we added the functionality such as – property offer, property tags, property types.</a:t>
+            </a:r>
+            <a:endParaRPr lang="en-IN" sz="2400" b="1" strike="noStrike">
+              <a:solidFill>
+                <a:schemeClr val="tx1"/>
+              </a:solidFill>
+              <a:latin typeface="Arial"/>
+              <a:ea typeface="Arial"/>
+              <a:cs typeface="Arial"/>
+              <a:sym typeface="Arial"/>
+            </a:endParaRPr>
+          </a:p>
+          <a:p>
+            <a:pPr marL="457200" marR="0" lvl="1" indent="0" algn="l" rtl="0">
+              <a:lnSpc>
+                <a:spcPct val="100000"/>
+              </a:lnSpc>
+              <a:spcBef>
+                <a:spcPts val="400"/>
+              </a:spcBef>
+              <a:spcAft>
+                <a:spcPts val="0"/>
+              </a:spcAft>
+              <a:buClr>
+                <a:srgbClr val="000000"/>
+              </a:buClr>
+              <a:buSzPts val="2000"/>
+              <a:buFont typeface="Arial" panose="02080604020202020204" pitchFamily="34" charset="0"/>
+              <a:buNone/>
+            </a:pPr>
+            <a:endParaRPr lang="en-IN" sz="2400" b="1" strike="noStrike">
+              <a:solidFill>
+                <a:schemeClr val="tx1"/>
+              </a:solidFill>
+              <a:latin typeface="Arial"/>
+              <a:ea typeface="Arial"/>
+              <a:cs typeface="Arial"/>
+              <a:sym typeface="Arial"/>
+            </a:endParaRPr>
+          </a:p>
+          <a:p>
+            <a:pPr marL="0" marR="0" lvl="0" indent="0" algn="l" rtl="0">
+              <a:lnSpc>
+                <a:spcPct val="100000"/>
+              </a:lnSpc>
+              <a:spcBef>
+                <a:spcPts val="400"/>
+              </a:spcBef>
+              <a:spcAft>
+                <a:spcPts val="0"/>
+              </a:spcAft>
+              <a:buClr>
+                <a:srgbClr val="000000"/>
+              </a:buClr>
+              <a:buSzPts val="2000"/>
+              <a:buFont typeface="Arial" panose="02080604020202020204" pitchFamily="34" charset="0"/>
+              <a:buNone/>
+            </a:pPr>
+            <a:endParaRPr lang="en-IN" sz="2400" b="1" strike="noStrike">
+              <a:solidFill>
+                <a:schemeClr val="tx1"/>
+              </a:solidFill>
+              <a:latin typeface="Arial"/>
+              <a:ea typeface="Arial"/>
+              <a:cs typeface="Arial"/>
+              <a:sym typeface="Arial"/>
+            </a:endParaRPr>
+          </a:p>
+        </p:txBody>
+      </p:sp>
+    </p:spTree>
+  </p:cSld>
+  <p:clrMapOvr>
+    <a:masterClrMapping/>
+  </p:clrMapOvr>
+</p:sld>
+</file>
+
+<file path=ppt/slides/slide17.xml><?xml version="1.0" encoding="utf-8"?>
+<p:sld xmlns:a="http://schemas.openxmlformats.org/drawingml/2006/main" xmlns:r="http://schemas.openxmlformats.org/officeDocument/2006/relationships" xmlns:p="http://schemas.openxmlformats.org/presentationml/2006/main">
+  <p:cSld>
+    <p:bg>
+      <p:bgPr>
+        <a:blipFill>
+          <a:blip r:embed="rId1"/>
+          <a:stretch>
+            <a:fillRect/>
+          </a:stretch>
+        </a:blipFill>
+        <a:effectLst/>
+      </p:bgPr>
+    </p:bg>
+    <p:spTree>
+      <p:nvGrpSpPr>
+        <p:cNvPr id="74" name="Shape 74"/>
+        <p:cNvGrpSpPr/>
+        <p:nvPr/>
+      </p:nvGrpSpPr>
+      <p:grpSpPr>
+        <a:xfrm>
+          <a:off x="0" y="0"/>
+          <a:ext cx="0" cy="0"/>
+          <a:chOff x="0" y="0"/>
+          <a:chExt cx="0" cy="0"/>
+        </a:xfrm>
+      </p:grpSpPr>
+      <p:sp>
+        <p:nvSpPr>
+          <p:cNvPr id="75" name="Google Shape;75;p17"/>
+          <p:cNvSpPr txBox="1"/>
+          <p:nvPr/>
+        </p:nvSpPr>
+        <p:spPr>
+          <a:xfrm>
+            <a:off x="609320" y="548830"/>
+            <a:ext cx="10972500" cy="582000"/>
+          </a:xfrm>
+          <a:prstGeom prst="rect">
+            <a:avLst/>
+          </a:prstGeom>
+          <a:noFill/>
+          <a:ln>
+            <a:noFill/>
+          </a:ln>
+        </p:spPr>
+        <p:txBody>
+          <a:bodyPr spcFirstLastPara="1" wrap="square" lIns="90000" tIns="45000" rIns="90000" bIns="45000" anchor="ctr" anchorCtr="0">
+            <a:noAutofit/>
+          </a:bodyPr>
+          <a:lstStyle/>
+          <a:p>
+            <a:pPr marL="457200" marR="0" lvl="1" indent="0" algn="l" rtl="0">
+              <a:lnSpc>
+                <a:spcPct val="100000"/>
+              </a:lnSpc>
+              <a:spcBef>
+                <a:spcPts val="400"/>
+              </a:spcBef>
+              <a:spcAft>
+                <a:spcPts val="0"/>
+              </a:spcAft>
+              <a:buClr>
+                <a:srgbClr val="000000"/>
+              </a:buClr>
+              <a:buSzPts val="2000"/>
+              <a:buFont typeface="Arial" panose="02080604020202020204" pitchFamily="34" charset="0"/>
+              <a:buNone/>
+            </a:pPr>
+            <a:r>
+              <a:rPr lang="en-IN" sz="3600" b="0" strike="noStrike">
+                <a:solidFill>
+                  <a:srgbClr val="000000"/>
+                </a:solidFill>
+                <a:latin typeface="Arial"/>
+                <a:ea typeface="Arial"/>
+                <a:cs typeface="Arial"/>
+                <a:sym typeface="Arial"/>
+              </a:rPr>
+              <a:t>			</a:t>
+            </a:r>
+            <a:r>
+              <a:rPr lang="en-IN" sz="3600" b="1" strike="noStrike">
+                <a:solidFill>
+                  <a:srgbClr val="000000"/>
+                </a:solidFill>
+                <a:latin typeface="Arial"/>
+                <a:ea typeface="Arial"/>
+                <a:cs typeface="Arial"/>
+                <a:sym typeface="Arial"/>
+              </a:rPr>
+              <a:t>  </a:t>
+            </a:r>
+            <a:endParaRPr lang="en-IN" sz="3600" b="1" strike="noStrike">
+              <a:solidFill>
+                <a:schemeClr val="tx1"/>
+              </a:solidFill>
+              <a:latin typeface="Arial"/>
+              <a:ea typeface="Arial"/>
+              <a:cs typeface="Arial"/>
+              <a:sym typeface="Arial"/>
+            </a:endParaRPr>
+          </a:p>
+        </p:txBody>
+      </p:sp>
+      <p:sp>
+        <p:nvSpPr>
+          <p:cNvPr id="76" name="Google Shape;76;p17"/>
+          <p:cNvSpPr txBox="1"/>
+          <p:nvPr/>
+        </p:nvSpPr>
+        <p:spPr>
+          <a:xfrm>
+            <a:off x="767715" y="1130935"/>
+            <a:ext cx="10717530" cy="4872355"/>
+          </a:xfrm>
+          <a:prstGeom prst="rect">
+            <a:avLst/>
+          </a:prstGeom>
+          <a:noFill/>
+          <a:ln>
+            <a:noFill/>
+          </a:ln>
+        </p:spPr>
+        <p:txBody>
+          <a:bodyPr spcFirstLastPara="1" wrap="square" lIns="90000" tIns="45000" rIns="90000" bIns="45000" anchor="t" anchorCtr="0">
+            <a:noAutofit/>
+          </a:bodyPr>
+          <a:lstStyle/>
+          <a:p>
+            <a:pPr marL="342900" marR="0" lvl="0" indent="-342900" algn="l" rtl="0">
+              <a:lnSpc>
+                <a:spcPct val="100000"/>
+              </a:lnSpc>
+              <a:spcBef>
+                <a:spcPts val="400"/>
+              </a:spcBef>
+              <a:spcAft>
+                <a:spcPts val="0"/>
+              </a:spcAft>
+              <a:buClr>
+                <a:srgbClr val="000000"/>
+              </a:buClr>
+              <a:buSzPts val="2000"/>
+              <a:buFont typeface="Arial" panose="02080604020202020204" pitchFamily="34" charset="0"/>
+              <a:buChar char="•"/>
+            </a:pPr>
+            <a:r>
+              <a:rPr lang="en-IN" sz="2400" b="1" strike="noStrike">
+                <a:solidFill>
+                  <a:schemeClr val="tx1"/>
+                </a:solidFill>
+                <a:latin typeface="Arial"/>
+                <a:ea typeface="Arial"/>
+                <a:cs typeface="Arial"/>
+                <a:sym typeface="Arial"/>
+              </a:rPr>
+              <a:t>We used languages such as – python, xml and javascript and for the database we used postgresql.</a:t>
+            </a:r>
+            <a:endParaRPr lang="en-IN" sz="2400" b="1" strike="noStrike">
+              <a:solidFill>
+                <a:schemeClr val="tx1"/>
+              </a:solidFill>
+              <a:latin typeface="Arial"/>
+              <a:ea typeface="Arial"/>
+              <a:cs typeface="Arial"/>
+              <a:sym typeface="Arial"/>
+            </a:endParaRPr>
+          </a:p>
+          <a:p>
+            <a:pPr marL="342900" marR="0" lvl="0" indent="-342900" algn="l" rtl="0">
+              <a:lnSpc>
+                <a:spcPct val="100000"/>
+              </a:lnSpc>
+              <a:spcBef>
+                <a:spcPts val="400"/>
+              </a:spcBef>
+              <a:spcAft>
+                <a:spcPts val="0"/>
+              </a:spcAft>
+              <a:buClr>
+                <a:srgbClr val="000000"/>
+              </a:buClr>
+              <a:buSzPts val="2000"/>
+              <a:buFont typeface="Arial" panose="02080604020202020204" pitchFamily="34" charset="0"/>
+              <a:buChar char="•"/>
+            </a:pPr>
+            <a:endParaRPr lang="en-IN" sz="2400" b="1" strike="noStrike">
+              <a:solidFill>
+                <a:schemeClr val="tx1"/>
+              </a:solidFill>
+              <a:latin typeface="Arial"/>
+              <a:ea typeface="Arial"/>
+              <a:cs typeface="Arial"/>
+              <a:sym typeface="Arial"/>
+            </a:endParaRPr>
+          </a:p>
+          <a:p>
+            <a:pPr marL="342900" marR="0" lvl="0" indent="-342900" algn="l" rtl="0">
+              <a:lnSpc>
+                <a:spcPct val="100000"/>
+              </a:lnSpc>
+              <a:spcBef>
+                <a:spcPts val="400"/>
+              </a:spcBef>
+              <a:spcAft>
+                <a:spcPts val="0"/>
+              </a:spcAft>
+              <a:buClr>
+                <a:srgbClr val="000000"/>
+              </a:buClr>
+              <a:buSzPts val="2000"/>
+              <a:buFont typeface="Arial" panose="02080604020202020204" pitchFamily="34" charset="0"/>
+              <a:buChar char="•"/>
+            </a:pPr>
+            <a:r>
+              <a:rPr lang="en-IN" sz="2400" b="1" strike="noStrike">
+                <a:solidFill>
+                  <a:schemeClr val="tx1"/>
+                </a:solidFill>
+                <a:latin typeface="Arial"/>
+                <a:ea typeface="Arial"/>
+                <a:cs typeface="Arial"/>
+                <a:sym typeface="Arial"/>
+              </a:rPr>
+              <a:t>We have also added the functionality to generate the invoice of the sold property and also to download it’s pdf report.</a:t>
+            </a:r>
+            <a:endParaRPr lang="en-IN" sz="2400" b="1" strike="noStrike">
+              <a:solidFill>
+                <a:schemeClr val="tx1"/>
+              </a:solidFill>
+              <a:latin typeface="Arial"/>
+              <a:ea typeface="Arial"/>
+              <a:cs typeface="Arial"/>
+              <a:sym typeface="Arial"/>
+            </a:endParaRPr>
+          </a:p>
+          <a:p>
+            <a:pPr marL="342900" marR="0" lvl="0" indent="-342900" algn="l" rtl="0">
+              <a:lnSpc>
+                <a:spcPct val="100000"/>
+              </a:lnSpc>
+              <a:spcBef>
+                <a:spcPts val="400"/>
+              </a:spcBef>
+              <a:spcAft>
+                <a:spcPts val="0"/>
+              </a:spcAft>
+              <a:buClr>
+                <a:srgbClr val="000000"/>
+              </a:buClr>
+              <a:buSzPts val="2000"/>
+              <a:buFont typeface="Arial" panose="02080604020202020204" pitchFamily="34" charset="0"/>
+              <a:buChar char="•"/>
+            </a:pPr>
+            <a:endParaRPr lang="en-IN" sz="2400" b="1" strike="noStrike">
+              <a:solidFill>
+                <a:schemeClr val="tx1"/>
+              </a:solidFill>
+              <a:latin typeface="Arial"/>
+              <a:ea typeface="Arial"/>
+              <a:cs typeface="Arial"/>
+              <a:sym typeface="Arial"/>
+            </a:endParaRPr>
+          </a:p>
+          <a:p>
+            <a:pPr marL="342900" marR="0" lvl="0" indent="-342900" algn="l" rtl="0">
+              <a:lnSpc>
+                <a:spcPct val="100000"/>
+              </a:lnSpc>
+              <a:spcBef>
+                <a:spcPts val="400"/>
+              </a:spcBef>
+              <a:spcAft>
+                <a:spcPts val="0"/>
+              </a:spcAft>
+              <a:buClr>
+                <a:srgbClr val="000000"/>
+              </a:buClr>
+              <a:buSzPts val="2000"/>
+              <a:buFont typeface="Arial" panose="02080604020202020204" pitchFamily="34" charset="0"/>
+              <a:buChar char="•"/>
+            </a:pPr>
+            <a:r>
+              <a:rPr lang="en-IN" sz="2400" b="1" strike="noStrike">
+                <a:solidFill>
+                  <a:schemeClr val="tx1"/>
+                </a:solidFill>
+                <a:latin typeface="Arial"/>
+                <a:ea typeface="Arial"/>
+                <a:cs typeface="Arial"/>
+                <a:sym typeface="Arial"/>
+              </a:rPr>
+              <a:t>After odoo training i completed my functional and technical training.</a:t>
+            </a:r>
+            <a:endParaRPr lang="en-IN" sz="2400" b="1" strike="noStrike">
+              <a:solidFill>
+                <a:schemeClr val="tx1"/>
+              </a:solidFill>
+              <a:latin typeface="Arial"/>
+              <a:ea typeface="Arial"/>
+              <a:cs typeface="Arial"/>
+              <a:sym typeface="Arial"/>
+            </a:endParaRPr>
+          </a:p>
+        </p:txBody>
+      </p:sp>
+    </p:spTree>
+  </p:cSld>
+  <p:clrMapOvr>
+    <a:masterClrMapping/>
+  </p:clrMapOvr>
+</p:sld>
+</file>
+
+<file path=ppt/slides/slide18.xml><?xml version="1.0" encoding="utf-8"?>
+<p:sld xmlns:a="http://schemas.openxmlformats.org/drawingml/2006/main" xmlns:r="http://schemas.openxmlformats.org/officeDocument/2006/relationships" xmlns:p="http://schemas.openxmlformats.org/presentationml/2006/main">
+  <p:cSld>
+    <p:bg>
+      <p:bgPr>
+        <a:blipFill>
+          <a:blip r:embed="rId1"/>
+          <a:stretch>
+            <a:fillRect/>
+          </a:stretch>
+        </a:blipFill>
+        <a:effectLst/>
+      </p:bgPr>
+    </p:bg>
+    <p:spTree>
+      <p:nvGrpSpPr>
+        <p:cNvPr id="74" name="Shape 74"/>
+        <p:cNvGrpSpPr/>
+        <p:nvPr/>
+      </p:nvGrpSpPr>
+      <p:grpSpPr>
+        <a:xfrm>
+          <a:off x="0" y="0"/>
+          <a:ext cx="0" cy="0"/>
+          <a:chOff x="0" y="0"/>
+          <a:chExt cx="0" cy="0"/>
+        </a:xfrm>
+      </p:grpSpPr>
+      <p:sp>
+        <p:nvSpPr>
+          <p:cNvPr id="75" name="Google Shape;75;p17"/>
+          <p:cNvSpPr txBox="1"/>
+          <p:nvPr/>
+        </p:nvSpPr>
+        <p:spPr>
+          <a:xfrm>
+            <a:off x="623290" y="548830"/>
+            <a:ext cx="10972500" cy="582000"/>
+          </a:xfrm>
+          <a:prstGeom prst="rect">
+            <a:avLst/>
+          </a:prstGeom>
+          <a:noFill/>
+          <a:ln>
+            <a:noFill/>
+          </a:ln>
+        </p:spPr>
+        <p:txBody>
+          <a:bodyPr spcFirstLastPara="1" wrap="square" lIns="90000" tIns="45000" rIns="90000" bIns="45000" anchor="ctr" anchorCtr="0">
+            <a:noAutofit/>
+          </a:bodyPr>
+          <a:lstStyle/>
+          <a:p>
+            <a:pPr marL="457200" marR="0" lvl="1" indent="0" algn="l" rtl="0">
+              <a:lnSpc>
+                <a:spcPct val="100000"/>
+              </a:lnSpc>
+              <a:spcBef>
+                <a:spcPts val="400"/>
+              </a:spcBef>
+              <a:spcAft>
+                <a:spcPts val="0"/>
+              </a:spcAft>
+              <a:buClr>
+                <a:srgbClr val="000000"/>
+              </a:buClr>
+              <a:buSzPts val="2000"/>
+              <a:buFont typeface="Arial" panose="02080604020202020204" pitchFamily="34" charset="0"/>
+              <a:buNone/>
+            </a:pPr>
+            <a:r>
+              <a:rPr lang="en-IN" sz="3600" b="0" strike="noStrike">
+                <a:solidFill>
+                  <a:srgbClr val="000000"/>
+                </a:solidFill>
+                <a:latin typeface="Arial"/>
+                <a:ea typeface="Arial"/>
+                <a:cs typeface="Arial"/>
+                <a:sym typeface="Arial"/>
+              </a:rPr>
+              <a:t>		</a:t>
+            </a:r>
+            <a:r>
+              <a:rPr lang="en-IN" sz="3600" b="1" strike="noStrike">
+                <a:solidFill>
+                  <a:srgbClr val="000000"/>
+                </a:solidFill>
+                <a:latin typeface="Arial"/>
+                <a:ea typeface="Arial"/>
+                <a:cs typeface="Arial"/>
+                <a:sym typeface="Arial"/>
+              </a:rPr>
+              <a:t>Current working Experince	..</a:t>
+            </a:r>
+            <a:r>
+              <a:rPr lang="en-IN" sz="3600" b="0" strike="noStrike">
+                <a:solidFill>
+                  <a:srgbClr val="000000"/>
+                </a:solidFill>
+                <a:latin typeface="Arial"/>
+                <a:ea typeface="Arial"/>
+                <a:cs typeface="Arial"/>
+                <a:sym typeface="Arial"/>
+              </a:rPr>
+              <a:t>		</a:t>
+            </a:r>
+            <a:r>
+              <a:rPr lang="en-IN" sz="3600" b="1" strike="noStrike">
+                <a:solidFill>
+                  <a:srgbClr val="000000"/>
+                </a:solidFill>
+                <a:latin typeface="Arial"/>
+                <a:ea typeface="Arial"/>
+                <a:cs typeface="Arial"/>
+                <a:sym typeface="Arial"/>
+              </a:rPr>
+              <a:t>  </a:t>
+            </a:r>
+            <a:endParaRPr lang="en-IN" sz="3600" b="1" strike="noStrike">
+              <a:solidFill>
+                <a:schemeClr val="tx1"/>
+              </a:solidFill>
+              <a:latin typeface="Arial"/>
+              <a:ea typeface="Arial"/>
+              <a:cs typeface="Arial"/>
+              <a:sym typeface="Arial"/>
+            </a:endParaRPr>
+          </a:p>
+        </p:txBody>
+      </p:sp>
+      <p:sp>
+        <p:nvSpPr>
+          <p:cNvPr id="76" name="Google Shape;76;p17"/>
+          <p:cNvSpPr txBox="1"/>
+          <p:nvPr/>
+        </p:nvSpPr>
+        <p:spPr>
+          <a:xfrm>
+            <a:off x="767715" y="1130935"/>
+            <a:ext cx="10717530" cy="4872355"/>
+          </a:xfrm>
+          <a:prstGeom prst="rect">
+            <a:avLst/>
+          </a:prstGeom>
+          <a:noFill/>
+          <a:ln>
+            <a:noFill/>
+          </a:ln>
+        </p:spPr>
+        <p:txBody>
+          <a:bodyPr spcFirstLastPara="1" wrap="square" lIns="90000" tIns="45000" rIns="90000" bIns="45000" anchor="t" anchorCtr="0">
+            <a:noAutofit/>
+          </a:bodyPr>
+          <a:lstStyle/>
+          <a:p>
+            <a:pPr marL="342900" marR="0" lvl="0" indent="-342900" algn="l" rtl="0">
+              <a:lnSpc>
+                <a:spcPct val="100000"/>
+              </a:lnSpc>
+              <a:spcBef>
+                <a:spcPts val="400"/>
+              </a:spcBef>
+              <a:spcAft>
+                <a:spcPts val="0"/>
+              </a:spcAft>
+              <a:buClr>
+                <a:srgbClr val="000000"/>
+              </a:buClr>
+              <a:buSzPts val="2000"/>
+              <a:buFont typeface="Arial" panose="02080604020202020204" pitchFamily="34" charset="0"/>
+              <a:buChar char="•"/>
+            </a:pPr>
+            <a:endParaRPr lang="en-IN" sz="2400" b="1" strike="noStrike">
+              <a:solidFill>
+                <a:schemeClr val="tx1"/>
+              </a:solidFill>
+              <a:latin typeface="Arial"/>
+              <a:ea typeface="Arial"/>
+              <a:cs typeface="Arial"/>
+              <a:sym typeface="Arial"/>
+            </a:endParaRPr>
+          </a:p>
+          <a:p>
+            <a:pPr marL="342900" marR="0" lvl="0" indent="-342900" algn="l" rtl="0">
+              <a:lnSpc>
+                <a:spcPct val="100000"/>
+              </a:lnSpc>
+              <a:spcBef>
+                <a:spcPts val="400"/>
+              </a:spcBef>
+              <a:spcAft>
+                <a:spcPts val="0"/>
+              </a:spcAft>
+              <a:buClr>
+                <a:srgbClr val="000000"/>
+              </a:buClr>
+              <a:buSzPts val="2000"/>
+              <a:buFont typeface="Arial" panose="02080604020202020204" pitchFamily="34" charset="0"/>
+              <a:buChar char="•"/>
+            </a:pPr>
+            <a:r>
+              <a:rPr lang="en-IN" sz="2400" b="1" strike="noStrike">
+                <a:solidFill>
+                  <a:schemeClr val="bg1"/>
+                </a:solidFill>
+                <a:latin typeface="Arial"/>
+                <a:ea typeface="Arial"/>
+                <a:cs typeface="Arial"/>
+                <a:sym typeface="Arial"/>
+              </a:rPr>
+              <a:t>After completing the training, I am currently working in the sentry team of the R&amp;D department.</a:t>
+            </a:r>
+            <a:endParaRPr lang="en-IN" sz="2400" b="1" strike="noStrike">
+              <a:solidFill>
+                <a:schemeClr val="bg1"/>
+              </a:solidFill>
+              <a:latin typeface="Arial"/>
+              <a:ea typeface="Arial"/>
+              <a:cs typeface="Arial"/>
+              <a:sym typeface="Arial"/>
+            </a:endParaRPr>
+          </a:p>
+          <a:p>
+            <a:pPr marL="342900" marR="0" lvl="0" indent="-342900" algn="l" rtl="0">
+              <a:lnSpc>
+                <a:spcPct val="100000"/>
+              </a:lnSpc>
+              <a:spcBef>
+                <a:spcPts val="400"/>
+              </a:spcBef>
+              <a:spcAft>
+                <a:spcPts val="0"/>
+              </a:spcAft>
+              <a:buClr>
+                <a:srgbClr val="000000"/>
+              </a:buClr>
+              <a:buSzPts val="2000"/>
+              <a:buFont typeface="Arial" panose="02080604020202020204" pitchFamily="34" charset="0"/>
+              <a:buChar char="•"/>
+            </a:pPr>
+            <a:r>
+              <a:rPr lang="en-IN" sz="2400" b="1" strike="noStrike">
+                <a:solidFill>
+                  <a:schemeClr val="tx1"/>
+                </a:solidFill>
+                <a:latin typeface="Arial"/>
+                <a:ea typeface="Arial"/>
+                <a:cs typeface="Arial"/>
+                <a:sym typeface="Arial"/>
+              </a:rPr>
+              <a:t>Currently we have 20 people working in our team.</a:t>
+            </a:r>
+            <a:endParaRPr lang="en-IN" sz="2400" b="1" strike="noStrike">
+              <a:solidFill>
+                <a:schemeClr val="tx1"/>
+              </a:solidFill>
+              <a:latin typeface="Arial"/>
+              <a:ea typeface="Arial"/>
+              <a:cs typeface="Arial"/>
+              <a:sym typeface="Arial"/>
+            </a:endParaRPr>
+          </a:p>
+          <a:p>
+            <a:pPr marL="342900" marR="0" lvl="0" indent="-342900" algn="l" rtl="0">
+              <a:lnSpc>
+                <a:spcPct val="100000"/>
+              </a:lnSpc>
+              <a:spcBef>
+                <a:spcPts val="400"/>
+              </a:spcBef>
+              <a:spcAft>
+                <a:spcPts val="0"/>
+              </a:spcAft>
+              <a:buClr>
+                <a:srgbClr val="000000"/>
+              </a:buClr>
+              <a:buSzPts val="2000"/>
+              <a:buFont typeface="Arial" panose="02080604020202020204" pitchFamily="34" charset="0"/>
+              <a:buChar char="•"/>
+            </a:pPr>
+            <a:endParaRPr lang="en-IN" sz="2400" b="1" strike="noStrike">
+              <a:solidFill>
+                <a:schemeClr val="tx1"/>
+              </a:solidFill>
+              <a:latin typeface="Arial"/>
+              <a:ea typeface="Arial"/>
+              <a:cs typeface="Arial"/>
+              <a:sym typeface="Arial"/>
+            </a:endParaRPr>
+          </a:p>
+          <a:p>
+            <a:pPr marL="342900" marR="0" lvl="0" indent="-342900" algn="l" rtl="0">
+              <a:lnSpc>
+                <a:spcPct val="100000"/>
+              </a:lnSpc>
+              <a:spcBef>
+                <a:spcPts val="400"/>
+              </a:spcBef>
+              <a:spcAft>
+                <a:spcPts val="0"/>
+              </a:spcAft>
+              <a:buClr>
+                <a:srgbClr val="000000"/>
+              </a:buClr>
+              <a:buSzPts val="2000"/>
+              <a:buFont typeface="Arial" panose="02080604020202020204" pitchFamily="34" charset="0"/>
+              <a:buChar char="•"/>
+            </a:pPr>
+            <a:r>
+              <a:rPr lang="en-IN" sz="2800" b="1" strike="noStrike">
+                <a:solidFill>
+                  <a:schemeClr val="bg1"/>
+                </a:solidFill>
+                <a:latin typeface="Arial"/>
+                <a:ea typeface="Arial"/>
+                <a:cs typeface="Arial"/>
+                <a:sym typeface="Arial"/>
+              </a:rPr>
+              <a:t>SENTRY :</a:t>
+            </a:r>
+            <a:endParaRPr lang="en-IN" sz="2800" b="1" strike="noStrike">
+              <a:solidFill>
+                <a:schemeClr val="bg1"/>
+              </a:solidFill>
+              <a:latin typeface="Arial"/>
+              <a:ea typeface="Arial"/>
+              <a:cs typeface="Arial"/>
+              <a:sym typeface="Arial"/>
+            </a:endParaRPr>
+          </a:p>
+          <a:p>
+            <a:pPr marL="800100" marR="0" lvl="1" indent="-342900" algn="l" rtl="0">
+              <a:lnSpc>
+                <a:spcPct val="100000"/>
+              </a:lnSpc>
+              <a:spcBef>
+                <a:spcPts val="400"/>
+              </a:spcBef>
+              <a:spcAft>
+                <a:spcPts val="0"/>
+              </a:spcAft>
+              <a:buClr>
+                <a:srgbClr val="000000"/>
+              </a:buClr>
+              <a:buSzPts val="2000"/>
+              <a:buFont typeface="Arial" panose="02080604020202020204" pitchFamily="34" charset="0"/>
+              <a:buChar char="•"/>
+            </a:pPr>
+            <a:r>
+              <a:rPr lang="en-IN" sz="2400" b="1" strike="noStrike">
+                <a:solidFill>
+                  <a:schemeClr val="tx1"/>
+                </a:solidFill>
+                <a:latin typeface="Arial"/>
+                <a:ea typeface="Arial"/>
+                <a:cs typeface="Arial"/>
+                <a:sym typeface="Arial"/>
+              </a:rPr>
+              <a:t>Sentry is a team in R&amp;D department in odoo which uses the sentry platform.</a:t>
+            </a:r>
+            <a:endParaRPr lang="en-IN" sz="2400" b="1" strike="noStrike">
+              <a:solidFill>
+                <a:schemeClr val="tx1"/>
+              </a:solidFill>
+              <a:latin typeface="Arial"/>
+              <a:ea typeface="Arial"/>
+              <a:cs typeface="Arial"/>
+              <a:sym typeface="Arial"/>
+            </a:endParaRPr>
+          </a:p>
+          <a:p>
+            <a:pPr marL="800100" marR="0" lvl="1" indent="-342900" algn="l" rtl="0">
+              <a:lnSpc>
+                <a:spcPct val="100000"/>
+              </a:lnSpc>
+              <a:spcBef>
+                <a:spcPts val="400"/>
+              </a:spcBef>
+              <a:spcAft>
+                <a:spcPts val="0"/>
+              </a:spcAft>
+              <a:buClr>
+                <a:srgbClr val="000000"/>
+              </a:buClr>
+              <a:buSzPts val="2000"/>
+              <a:buFont typeface="Arial" panose="02080604020202020204" pitchFamily="34" charset="0"/>
+              <a:buChar char="•"/>
+            </a:pPr>
+            <a:r>
+              <a:rPr lang="en-IN" sz="2400" b="1" strike="noStrike">
+                <a:solidFill>
+                  <a:schemeClr val="tx1"/>
+                </a:solidFill>
+                <a:latin typeface="Arial"/>
+                <a:ea typeface="Arial"/>
+                <a:cs typeface="Arial"/>
+                <a:sym typeface="Arial"/>
+              </a:rPr>
+              <a:t>Sentry is crash reporting platform that provides you with “real-time insight into production deployments with info to reproduce and fix crashes”.</a:t>
+            </a:r>
+            <a:endParaRPr lang="en-IN" sz="2400" b="1" strike="noStrike">
+              <a:solidFill>
+                <a:schemeClr val="tx1"/>
+              </a:solidFill>
+              <a:latin typeface="Arial"/>
+              <a:ea typeface="Arial"/>
+              <a:cs typeface="Arial"/>
+              <a:sym typeface="Arial"/>
+            </a:endParaRPr>
+          </a:p>
+          <a:p>
+            <a:pPr marL="342900" marR="0" lvl="0" indent="-342900" algn="l" rtl="0">
+              <a:lnSpc>
+                <a:spcPct val="100000"/>
+              </a:lnSpc>
+              <a:spcBef>
+                <a:spcPts val="400"/>
+              </a:spcBef>
+              <a:spcAft>
+                <a:spcPts val="0"/>
+              </a:spcAft>
+              <a:buClr>
+                <a:srgbClr val="000000"/>
+              </a:buClr>
+              <a:buSzPts val="2000"/>
+              <a:buFont typeface="Arial" panose="02080604020202020204" pitchFamily="34" charset="0"/>
+              <a:buChar char="•"/>
+            </a:pPr>
+            <a:r>
+              <a:rPr lang="en-IN" sz="2400" b="1" strike="noStrike">
+                <a:solidFill>
+                  <a:schemeClr val="tx1"/>
+                </a:solidFill>
+                <a:latin typeface="Arial"/>
+                <a:ea typeface="Arial"/>
+                <a:cs typeface="Arial"/>
+                <a:sym typeface="Arial"/>
+              </a:rPr>
+              <a:t></a:t>
+            </a:r>
+            <a:endParaRPr lang="en-IN" sz="2400" b="1" strike="noStrike">
+              <a:solidFill>
+                <a:schemeClr val="tx1"/>
+              </a:solidFill>
+              <a:latin typeface="Arial"/>
+              <a:ea typeface="Arial"/>
+              <a:cs typeface="Arial"/>
+              <a:sym typeface="Arial"/>
+            </a:endParaRPr>
+          </a:p>
+        </p:txBody>
+      </p:sp>
+    </p:spTree>
+  </p:cSld>
+  <p:clrMapOvr>
+    <a:masterClrMapping/>
+  </p:clrMapOvr>
+</p:sld>
+</file>
+
+<file path=ppt/slides/slide19.xml><?xml version="1.0" encoding="utf-8"?>
+<p:sld xmlns:a="http://schemas.openxmlformats.org/drawingml/2006/main" xmlns:r="http://schemas.openxmlformats.org/officeDocument/2006/relationships" xmlns:p="http://schemas.openxmlformats.org/presentationml/2006/main">
+  <p:cSld>
+    <p:bg>
+      <p:bgPr>
+        <a:blipFill>
+          <a:blip r:embed="rId1"/>
+          <a:stretch>
+            <a:fillRect/>
+          </a:stretch>
+        </a:blipFill>
+        <a:effectLst/>
+      </p:bgPr>
+    </p:bg>
+    <p:spTree>
+      <p:nvGrpSpPr>
+        <p:cNvPr id="74" name="Shape 74"/>
+        <p:cNvGrpSpPr/>
+        <p:nvPr/>
+      </p:nvGrpSpPr>
+      <p:grpSpPr>
+        <a:xfrm>
+          <a:off x="0" y="0"/>
+          <a:ext cx="0" cy="0"/>
+          <a:chOff x="0" y="0"/>
+          <a:chExt cx="0" cy="0"/>
+        </a:xfrm>
+      </p:grpSpPr>
+      <p:sp>
+        <p:nvSpPr>
+          <p:cNvPr id="75" name="Google Shape;75;p17"/>
+          <p:cNvSpPr txBox="1"/>
+          <p:nvPr/>
+        </p:nvSpPr>
+        <p:spPr>
+          <a:xfrm>
+            <a:off x="609320" y="332930"/>
+            <a:ext cx="10972500" cy="582000"/>
+          </a:xfrm>
+          <a:prstGeom prst="rect">
+            <a:avLst/>
+          </a:prstGeom>
+          <a:noFill/>
+          <a:ln>
+            <a:noFill/>
+          </a:ln>
+        </p:spPr>
+        <p:txBody>
+          <a:bodyPr spcFirstLastPara="1" wrap="square" lIns="90000" tIns="45000" rIns="90000" bIns="45000" anchor="ctr" anchorCtr="0">
+            <a:noAutofit/>
+          </a:bodyPr>
+          <a:lstStyle/>
+          <a:p>
+            <a:pPr marL="457200" marR="0" lvl="1" indent="0" algn="l" rtl="0">
+              <a:lnSpc>
+                <a:spcPct val="100000"/>
+              </a:lnSpc>
+              <a:spcBef>
+                <a:spcPts val="400"/>
+              </a:spcBef>
+              <a:spcAft>
+                <a:spcPts val="0"/>
+              </a:spcAft>
+              <a:buClr>
+                <a:srgbClr val="000000"/>
+              </a:buClr>
+              <a:buSzPts val="2000"/>
+              <a:buFont typeface="Arial" panose="02080604020202020204" pitchFamily="34" charset="0"/>
+              <a:buNone/>
+            </a:pPr>
+            <a:r>
+              <a:rPr lang="en-IN" sz="3600" b="0" strike="noStrike">
+                <a:solidFill>
+                  <a:srgbClr val="000000"/>
+                </a:solidFill>
+                <a:latin typeface="Arial"/>
+                <a:ea typeface="Arial"/>
+                <a:cs typeface="Arial"/>
+                <a:sym typeface="Arial"/>
+              </a:rPr>
+              <a:t>			</a:t>
+            </a:r>
+            <a:r>
+              <a:rPr lang="en-IN" sz="3600" b="1" strike="noStrike">
+                <a:solidFill>
+                  <a:srgbClr val="000000"/>
+                </a:solidFill>
+                <a:latin typeface="Arial"/>
+                <a:ea typeface="Arial"/>
+                <a:cs typeface="Arial"/>
+                <a:sym typeface="Arial"/>
+              </a:rPr>
+              <a:t>Current working Experince	..</a:t>
+            </a:r>
+            <a:r>
+              <a:rPr lang="en-IN" sz="3600" b="0" strike="noStrike">
+                <a:solidFill>
+                  <a:srgbClr val="000000"/>
+                </a:solidFill>
+                <a:latin typeface="Arial"/>
+                <a:ea typeface="Arial"/>
+                <a:cs typeface="Arial"/>
+                <a:sym typeface="Arial"/>
+              </a:rPr>
+              <a:t>		</a:t>
+            </a:r>
+            <a:r>
+              <a:rPr lang="en-IN" sz="3600" b="1" strike="noStrike">
+                <a:solidFill>
+                  <a:srgbClr val="000000"/>
+                </a:solidFill>
+                <a:latin typeface="Arial"/>
+                <a:ea typeface="Arial"/>
+                <a:cs typeface="Arial"/>
+                <a:sym typeface="Arial"/>
+              </a:rPr>
+              <a:t>  </a:t>
+            </a:r>
+            <a:endParaRPr lang="en-IN" sz="3600" b="1" strike="noStrike">
+              <a:solidFill>
+                <a:schemeClr val="tx1"/>
+              </a:solidFill>
+              <a:latin typeface="Arial"/>
+              <a:ea typeface="Arial"/>
+              <a:cs typeface="Arial"/>
+              <a:sym typeface="Arial"/>
+            </a:endParaRPr>
+          </a:p>
+        </p:txBody>
+      </p:sp>
+      <p:sp>
+        <p:nvSpPr>
+          <p:cNvPr id="76" name="Google Shape;76;p17"/>
+          <p:cNvSpPr txBox="1"/>
+          <p:nvPr/>
+        </p:nvSpPr>
+        <p:spPr>
+          <a:xfrm>
+            <a:off x="767715" y="1130935"/>
+            <a:ext cx="10717530" cy="4872355"/>
+          </a:xfrm>
+          <a:prstGeom prst="rect">
+            <a:avLst/>
+          </a:prstGeom>
+          <a:noFill/>
+          <a:ln>
+            <a:noFill/>
+          </a:ln>
+        </p:spPr>
+        <p:txBody>
+          <a:bodyPr spcFirstLastPara="1" wrap="square" lIns="90000" tIns="45000" rIns="90000" bIns="45000" anchor="t" anchorCtr="0">
+            <a:noAutofit/>
+          </a:bodyPr>
+          <a:lstStyle/>
+          <a:p>
+            <a:pPr marL="342900" marR="0" lvl="0" indent="-342900" algn="l" rtl="0">
+              <a:lnSpc>
+                <a:spcPct val="100000"/>
+              </a:lnSpc>
+              <a:spcBef>
+                <a:spcPts val="400"/>
+              </a:spcBef>
+              <a:spcAft>
+                <a:spcPts val="0"/>
+              </a:spcAft>
+              <a:buClr>
+                <a:srgbClr val="000000"/>
+              </a:buClr>
+              <a:buSzPts val="2000"/>
+              <a:buFont typeface="Arial" panose="02080604020202020204" pitchFamily="34" charset="0"/>
+              <a:buChar char="•"/>
+            </a:pPr>
+            <a:r>
+              <a:rPr lang="en-IN" sz="2400" b="1" strike="noStrike">
+                <a:solidFill>
+                  <a:schemeClr val="tx1"/>
+                </a:solidFill>
+                <a:latin typeface="Arial"/>
+                <a:ea typeface="Arial"/>
+                <a:cs typeface="Arial"/>
+                <a:sym typeface="Arial"/>
+              </a:rPr>
+              <a:t>It is third party software used by odoo.</a:t>
+            </a:r>
+            <a:endParaRPr lang="en-IN" sz="2400" b="1" strike="noStrike">
+              <a:solidFill>
+                <a:schemeClr val="tx1"/>
+              </a:solidFill>
+              <a:latin typeface="Arial"/>
+              <a:ea typeface="Arial"/>
+              <a:cs typeface="Arial"/>
+              <a:sym typeface="Arial"/>
+            </a:endParaRPr>
+          </a:p>
+          <a:p>
+            <a:pPr marL="342900" marR="0" lvl="0" indent="-342900" algn="l" rtl="0">
+              <a:lnSpc>
+                <a:spcPct val="100000"/>
+              </a:lnSpc>
+              <a:spcBef>
+                <a:spcPts val="400"/>
+              </a:spcBef>
+              <a:spcAft>
+                <a:spcPts val="0"/>
+              </a:spcAft>
+              <a:buClr>
+                <a:srgbClr val="000000"/>
+              </a:buClr>
+              <a:buSzPts val="2000"/>
+              <a:buFont typeface="Arial" panose="02080604020202020204" pitchFamily="34" charset="0"/>
+              <a:buChar char="•"/>
+            </a:pPr>
+            <a:endParaRPr lang="en-IN" sz="2400" b="1" strike="noStrike">
+              <a:solidFill>
+                <a:schemeClr val="tx1"/>
+              </a:solidFill>
+              <a:latin typeface="Arial"/>
+              <a:ea typeface="Arial"/>
+              <a:cs typeface="Arial"/>
+              <a:sym typeface="Arial"/>
+            </a:endParaRPr>
+          </a:p>
+          <a:p>
+            <a:pPr marL="342900" marR="0" lvl="0" indent="-342900" algn="l" rtl="0">
+              <a:lnSpc>
+                <a:spcPct val="100000"/>
+              </a:lnSpc>
+              <a:spcBef>
+                <a:spcPts val="400"/>
+              </a:spcBef>
+              <a:spcAft>
+                <a:spcPts val="0"/>
+              </a:spcAft>
+              <a:buClr>
+                <a:srgbClr val="000000"/>
+              </a:buClr>
+              <a:buSzPts val="2000"/>
+              <a:buFont typeface="Arial" panose="02080604020202020204" pitchFamily="34" charset="0"/>
+              <a:buChar char="•"/>
+            </a:pPr>
+            <a:r>
+              <a:rPr lang="en-IN" sz="2400" b="1" strike="noStrike">
+                <a:solidFill>
+                  <a:schemeClr val="tx1"/>
+                </a:solidFill>
+                <a:latin typeface="Arial"/>
+                <a:ea typeface="Arial"/>
+                <a:cs typeface="Arial"/>
+                <a:sym typeface="Arial"/>
+              </a:rPr>
+              <a:t>Sentry has support for Javascript, React, Node, Python, PHP, Ruby, Java and other programming languages.</a:t>
+            </a:r>
+            <a:endParaRPr lang="en-IN" sz="2400" b="1" strike="noStrike">
+              <a:solidFill>
+                <a:schemeClr val="tx1"/>
+              </a:solidFill>
+              <a:latin typeface="Arial"/>
+              <a:ea typeface="Arial"/>
+              <a:cs typeface="Arial"/>
+              <a:sym typeface="Arial"/>
+            </a:endParaRPr>
+          </a:p>
+          <a:p>
+            <a:pPr marL="342900" marR="0" lvl="0" indent="-342900" algn="l" rtl="0">
+              <a:lnSpc>
+                <a:spcPct val="100000"/>
+              </a:lnSpc>
+              <a:spcBef>
+                <a:spcPts val="400"/>
+              </a:spcBef>
+              <a:spcAft>
+                <a:spcPts val="0"/>
+              </a:spcAft>
+              <a:buClr>
+                <a:srgbClr val="000000"/>
+              </a:buClr>
+              <a:buSzPts val="2000"/>
+              <a:buFont typeface="Arial" panose="02080604020202020204" pitchFamily="34" charset="0"/>
+              <a:buChar char="•"/>
+            </a:pPr>
+            <a:endParaRPr lang="en-IN" sz="2400" b="1" strike="noStrike">
+              <a:solidFill>
+                <a:schemeClr val="tx1"/>
+              </a:solidFill>
+              <a:latin typeface="Arial"/>
+              <a:ea typeface="Arial"/>
+              <a:cs typeface="Arial"/>
+              <a:sym typeface="Arial"/>
+            </a:endParaRPr>
+          </a:p>
+          <a:p>
+            <a:pPr marL="342900" marR="0" lvl="0" indent="-342900" algn="l" rtl="0">
+              <a:lnSpc>
+                <a:spcPct val="100000"/>
+              </a:lnSpc>
+              <a:spcBef>
+                <a:spcPts val="400"/>
+              </a:spcBef>
+              <a:spcAft>
+                <a:spcPts val="0"/>
+              </a:spcAft>
+              <a:buClr>
+                <a:srgbClr val="000000"/>
+              </a:buClr>
+              <a:buSzPts val="2000"/>
+              <a:buFont typeface="Arial" panose="02080604020202020204" pitchFamily="34" charset="0"/>
+              <a:buChar char="•"/>
+            </a:pPr>
+            <a:r>
+              <a:rPr lang="en-IN" sz="2400" b="1" strike="noStrike">
+                <a:solidFill>
+                  <a:schemeClr val="tx1"/>
+                </a:solidFill>
+                <a:latin typeface="Arial"/>
+                <a:ea typeface="Arial"/>
+                <a:cs typeface="Arial"/>
+                <a:sym typeface="Arial"/>
+              </a:rPr>
+              <a:t>In odoo, sentry report the errors (trace back) that occurred in the user’s database.</a:t>
+            </a:r>
+            <a:endParaRPr lang="en-IN" sz="2400" b="1" strike="noStrike">
+              <a:solidFill>
+                <a:schemeClr val="tx1"/>
+              </a:solidFill>
+              <a:latin typeface="Arial"/>
+              <a:ea typeface="Arial"/>
+              <a:cs typeface="Arial"/>
+              <a:sym typeface="Arial"/>
+            </a:endParaRPr>
+          </a:p>
+          <a:p>
+            <a:pPr marL="342900" marR="0" lvl="0" indent="-342900" algn="l" rtl="0">
+              <a:lnSpc>
+                <a:spcPct val="100000"/>
+              </a:lnSpc>
+              <a:spcBef>
+                <a:spcPts val="400"/>
+              </a:spcBef>
+              <a:spcAft>
+                <a:spcPts val="0"/>
+              </a:spcAft>
+              <a:buClr>
+                <a:srgbClr val="000000"/>
+              </a:buClr>
+              <a:buSzPts val="2000"/>
+              <a:buFont typeface="Arial" panose="02080604020202020204" pitchFamily="34" charset="0"/>
+              <a:buChar char="•"/>
+            </a:pPr>
+            <a:endParaRPr lang="en-IN" sz="2400" b="1" strike="noStrike">
+              <a:solidFill>
+                <a:schemeClr val="tx1"/>
+              </a:solidFill>
+              <a:latin typeface="Arial"/>
+              <a:ea typeface="Arial"/>
+              <a:cs typeface="Arial"/>
+              <a:sym typeface="Arial"/>
+            </a:endParaRPr>
+          </a:p>
+          <a:p>
+            <a:pPr marL="342900" marR="0" lvl="0" indent="-342900" algn="l" rtl="0">
+              <a:lnSpc>
+                <a:spcPct val="100000"/>
+              </a:lnSpc>
+              <a:spcBef>
+                <a:spcPts val="400"/>
+              </a:spcBef>
+              <a:spcAft>
+                <a:spcPts val="0"/>
+              </a:spcAft>
+              <a:buClr>
+                <a:srgbClr val="000000"/>
+              </a:buClr>
+              <a:buSzPts val="2000"/>
+              <a:buFont typeface="Arial" panose="02080604020202020204" pitchFamily="34" charset="0"/>
+              <a:buChar char="•"/>
+            </a:pPr>
+            <a:r>
+              <a:rPr lang="en-IN" sz="2400" b="1" strike="noStrike">
+                <a:solidFill>
+                  <a:schemeClr val="tx1"/>
+                </a:solidFill>
+                <a:latin typeface="Arial"/>
+                <a:ea typeface="Arial"/>
+                <a:cs typeface="Arial"/>
+                <a:sym typeface="Arial"/>
+              </a:rPr>
+              <a:t>And our team try to generate the same error by information provided by sentry and fix them.</a:t>
+            </a:r>
+            <a:endParaRPr lang="en-IN" sz="2400" b="1" strike="noStrike">
+              <a:solidFill>
+                <a:schemeClr val="tx1"/>
+              </a:solidFill>
+              <a:latin typeface="Arial"/>
+              <a:ea typeface="Arial"/>
+              <a:cs typeface="Arial"/>
+              <a:sym typeface="Arial"/>
+            </a:endParaRPr>
+          </a:p>
+          <a:p>
+            <a:pPr marL="342900" marR="0" lvl="0" indent="-342900" algn="l" rtl="0">
+              <a:lnSpc>
+                <a:spcPct val="100000"/>
+              </a:lnSpc>
+              <a:spcBef>
+                <a:spcPts val="400"/>
+              </a:spcBef>
+              <a:spcAft>
+                <a:spcPts val="0"/>
+              </a:spcAft>
+              <a:buClr>
+                <a:srgbClr val="000000"/>
+              </a:buClr>
+              <a:buSzPts val="2000"/>
+              <a:buFont typeface="Arial" panose="02080604020202020204" pitchFamily="34" charset="0"/>
+              <a:buChar char="•"/>
+            </a:pPr>
+            <a:endParaRPr lang="en-IN" sz="2400" b="1" strike="noStrike">
+              <a:solidFill>
+                <a:schemeClr val="tx1"/>
+              </a:solidFill>
+              <a:latin typeface="Arial"/>
+              <a:ea typeface="Arial"/>
+              <a:cs typeface="Arial"/>
+              <a:sym typeface="Arial"/>
+            </a:endParaRPr>
+          </a:p>
+          <a:p>
+            <a:pPr marL="342900" marR="0" lvl="0" indent="-342900" algn="l" rtl="0">
+              <a:lnSpc>
+                <a:spcPct val="100000"/>
+              </a:lnSpc>
+              <a:spcBef>
+                <a:spcPts val="400"/>
+              </a:spcBef>
+              <a:spcAft>
+                <a:spcPts val="0"/>
+              </a:spcAft>
+              <a:buClr>
+                <a:srgbClr val="000000"/>
+              </a:buClr>
+              <a:buSzPts val="2000"/>
+              <a:buFont typeface="Arial" panose="02080604020202020204" pitchFamily="34" charset="0"/>
+              <a:buChar char="•"/>
+            </a:pPr>
+            <a:r>
+              <a:rPr lang="en-IN" sz="2400" b="1" strike="noStrike">
+                <a:solidFill>
+                  <a:schemeClr val="tx1"/>
+                </a:solidFill>
+                <a:latin typeface="Arial"/>
+                <a:ea typeface="Arial"/>
+                <a:cs typeface="Arial"/>
+                <a:sym typeface="Arial"/>
+              </a:rPr>
+              <a:t>Basically, team sentry fixes all the bugs that has come in the user’s database.</a:t>
+            </a:r>
+            <a:endParaRPr lang="en-IN" sz="2400" b="1" strike="noStrike">
+              <a:solidFill>
+                <a:schemeClr val="tx1"/>
+              </a:solidFill>
+              <a:latin typeface="Arial"/>
+              <a:ea typeface="Arial"/>
+              <a:cs typeface="Arial"/>
+              <a:sym typeface="Arial"/>
+            </a:endParaRPr>
+          </a:p>
+        </p:txBody>
+      </p:sp>
+    </p:spTree>
+  </p:cSld>
+  <p:clrMapOvr>
+    <a:masterClrMapping/>
+  </p:clrMapOvr>
+</p:sld>
+</file>
+
 <file path=ppt/slides/slide2.xml><?xml version="1.0" encoding="utf-8"?>
 <p:sld xmlns:a="http://schemas.openxmlformats.org/drawingml/2006/main" xmlns:r="http://schemas.openxmlformats.org/officeDocument/2006/relationships" xmlns:p="http://schemas.openxmlformats.org/presentationml/2006/main">
   <p:cSld>
@@ -9405,6 +11643,278 @@
             <a:endParaRPr sz="2400" b="0" strike="noStrike">
               <a:solidFill>
                 <a:srgbClr val="191919"/>
+              </a:solidFill>
+              <a:latin typeface="Arial"/>
+              <a:ea typeface="Arial"/>
+              <a:cs typeface="Arial"/>
+              <a:sym typeface="Arial"/>
+            </a:endParaRPr>
+          </a:p>
+        </p:txBody>
+      </p:sp>
+    </p:spTree>
+  </p:cSld>
+  <p:clrMapOvr>
+    <a:masterClrMapping/>
+  </p:clrMapOvr>
+</p:sld>
+</file>
+
+<file path=ppt/slides/slide20.xml><?xml version="1.0" encoding="utf-8"?>
+<p:sld xmlns:a="http://schemas.openxmlformats.org/drawingml/2006/main" xmlns:r="http://schemas.openxmlformats.org/officeDocument/2006/relationships" xmlns:p="http://schemas.openxmlformats.org/presentationml/2006/main">
+  <p:cSld>
+    <p:bg>
+      <p:bgPr>
+        <a:blipFill>
+          <a:blip r:embed="rId1"/>
+          <a:stretch>
+            <a:fillRect/>
+          </a:stretch>
+        </a:blipFill>
+        <a:effectLst/>
+      </p:bgPr>
+    </p:bg>
+    <p:spTree>
+      <p:nvGrpSpPr>
+        <p:cNvPr id="74" name="Shape 74"/>
+        <p:cNvGrpSpPr/>
+        <p:nvPr/>
+      </p:nvGrpSpPr>
+      <p:grpSpPr>
+        <a:xfrm>
+          <a:off x="0" y="0"/>
+          <a:ext cx="0" cy="0"/>
+          <a:chOff x="0" y="0"/>
+          <a:chExt cx="0" cy="0"/>
+        </a:xfrm>
+      </p:grpSpPr>
+      <p:sp>
+        <p:nvSpPr>
+          <p:cNvPr id="75" name="Google Shape;75;p17"/>
+          <p:cNvSpPr txBox="1"/>
+          <p:nvPr/>
+        </p:nvSpPr>
+        <p:spPr>
+          <a:xfrm>
+            <a:off x="609320" y="837120"/>
+            <a:ext cx="10972500" cy="582000"/>
+          </a:xfrm>
+          <a:prstGeom prst="rect">
+            <a:avLst/>
+          </a:prstGeom>
+          <a:noFill/>
+          <a:ln>
+            <a:noFill/>
+          </a:ln>
+        </p:spPr>
+        <p:txBody>
+          <a:bodyPr spcFirstLastPara="1" wrap="square" lIns="90000" tIns="45000" rIns="90000" bIns="45000" anchor="ctr" anchorCtr="0">
+            <a:noAutofit/>
+          </a:bodyPr>
+          <a:lstStyle/>
+          <a:p>
+            <a:pPr marL="457200" marR="0" lvl="1" indent="0" algn="l" rtl="0">
+              <a:lnSpc>
+                <a:spcPct val="100000"/>
+              </a:lnSpc>
+              <a:spcBef>
+                <a:spcPts val="400"/>
+              </a:spcBef>
+              <a:spcAft>
+                <a:spcPts val="0"/>
+              </a:spcAft>
+              <a:buClr>
+                <a:srgbClr val="000000"/>
+              </a:buClr>
+              <a:buSzPts val="2000"/>
+              <a:buFont typeface="Arial" panose="02080604020202020204" pitchFamily="34" charset="0"/>
+              <a:buNone/>
+            </a:pPr>
+            <a:r>
+              <a:rPr lang="en-IN" sz="3600" b="0" strike="noStrike">
+                <a:solidFill>
+                  <a:srgbClr val="000000"/>
+                </a:solidFill>
+                <a:latin typeface="Arial"/>
+                <a:ea typeface="Arial"/>
+                <a:cs typeface="Arial"/>
+                <a:sym typeface="Arial"/>
+              </a:rPr>
+              <a:t>			</a:t>
+            </a:r>
+            <a:r>
+              <a:rPr lang="en-IN" sz="3600" b="1" strike="noStrike">
+                <a:solidFill>
+                  <a:srgbClr val="000000"/>
+                </a:solidFill>
+                <a:latin typeface="Arial"/>
+                <a:ea typeface="Arial"/>
+                <a:cs typeface="Arial"/>
+                <a:sym typeface="Arial"/>
+              </a:rPr>
+              <a:t>Current working Experince	..</a:t>
+            </a:r>
+            <a:r>
+              <a:rPr lang="en-IN" sz="3600" b="0" strike="noStrike">
+                <a:solidFill>
+                  <a:srgbClr val="000000"/>
+                </a:solidFill>
+                <a:latin typeface="Arial"/>
+                <a:ea typeface="Arial"/>
+                <a:cs typeface="Arial"/>
+                <a:sym typeface="Arial"/>
+              </a:rPr>
+              <a:t>		</a:t>
+            </a:r>
+            <a:r>
+              <a:rPr lang="en-IN" sz="3600" b="1" strike="noStrike">
+                <a:solidFill>
+                  <a:srgbClr val="000000"/>
+                </a:solidFill>
+                <a:latin typeface="Arial"/>
+                <a:ea typeface="Arial"/>
+                <a:cs typeface="Arial"/>
+                <a:sym typeface="Arial"/>
+              </a:rPr>
+              <a:t>  </a:t>
+            </a:r>
+            <a:endParaRPr lang="en-IN" sz="3600" b="1" strike="noStrike">
+              <a:solidFill>
+                <a:schemeClr val="tx1"/>
+              </a:solidFill>
+              <a:latin typeface="Arial"/>
+              <a:ea typeface="Arial"/>
+              <a:cs typeface="Arial"/>
+              <a:sym typeface="Arial"/>
+            </a:endParaRPr>
+          </a:p>
+        </p:txBody>
+      </p:sp>
+      <p:sp>
+        <p:nvSpPr>
+          <p:cNvPr id="76" name="Google Shape;76;p17"/>
+          <p:cNvSpPr txBox="1"/>
+          <p:nvPr/>
+        </p:nvSpPr>
+        <p:spPr>
+          <a:xfrm>
+            <a:off x="736600" y="1917065"/>
+            <a:ext cx="10717530" cy="3939540"/>
+          </a:xfrm>
+          <a:prstGeom prst="rect">
+            <a:avLst/>
+          </a:prstGeom>
+          <a:noFill/>
+          <a:ln>
+            <a:noFill/>
+          </a:ln>
+        </p:spPr>
+        <p:txBody>
+          <a:bodyPr spcFirstLastPara="1" wrap="square" lIns="90000" tIns="45000" rIns="90000" bIns="45000" anchor="t" anchorCtr="0">
+            <a:noAutofit/>
+          </a:bodyPr>
+          <a:lstStyle/>
+          <a:p>
+            <a:pPr marL="342900" marR="0" lvl="0" indent="-342900" algn="l" rtl="0">
+              <a:lnSpc>
+                <a:spcPct val="100000"/>
+              </a:lnSpc>
+              <a:spcBef>
+                <a:spcPts val="400"/>
+              </a:spcBef>
+              <a:spcAft>
+                <a:spcPts val="0"/>
+              </a:spcAft>
+              <a:buClr>
+                <a:srgbClr val="000000"/>
+              </a:buClr>
+              <a:buSzPts val="2000"/>
+              <a:buFont typeface="Arial" panose="02080604020202020204" pitchFamily="34" charset="0"/>
+              <a:buChar char="•"/>
+            </a:pPr>
+            <a:r>
+              <a:rPr lang="en-IN" sz="2400" b="1" strike="noStrike">
+                <a:solidFill>
+                  <a:schemeClr val="bg1"/>
+                </a:solidFill>
+                <a:latin typeface="Arial"/>
+                <a:ea typeface="Arial"/>
+                <a:cs typeface="Arial"/>
+                <a:sym typeface="Arial"/>
+              </a:rPr>
+              <a:t>I was fortunate enough to work under the direct mentorship of our sentry team leadeer : bhaumik sir who was not only kind and knowledgeable but also knew how to teach a trainee of  an internship program.</a:t>
+            </a:r>
+            <a:endParaRPr lang="en-IN" sz="2400" b="1" strike="noStrike">
+              <a:solidFill>
+                <a:schemeClr val="tx1"/>
+              </a:solidFill>
+              <a:latin typeface="Arial"/>
+              <a:ea typeface="Arial"/>
+              <a:cs typeface="Arial"/>
+              <a:sym typeface="Arial"/>
+            </a:endParaRPr>
+          </a:p>
+          <a:p>
+            <a:pPr marL="342900" marR="0" lvl="0" indent="-342900" algn="l" rtl="0">
+              <a:lnSpc>
+                <a:spcPct val="100000"/>
+              </a:lnSpc>
+              <a:spcBef>
+                <a:spcPts val="400"/>
+              </a:spcBef>
+              <a:spcAft>
+                <a:spcPts val="0"/>
+              </a:spcAft>
+              <a:buClr>
+                <a:srgbClr val="000000"/>
+              </a:buClr>
+              <a:buSzPts val="2000"/>
+              <a:buFont typeface="Arial" panose="02080604020202020204" pitchFamily="34" charset="0"/>
+              <a:buChar char="•"/>
+            </a:pPr>
+            <a:endParaRPr lang="en-IN" sz="2400" b="1" strike="noStrike">
+              <a:solidFill>
+                <a:schemeClr val="tx1"/>
+              </a:solidFill>
+              <a:latin typeface="Arial"/>
+              <a:ea typeface="Arial"/>
+              <a:cs typeface="Arial"/>
+              <a:sym typeface="Arial"/>
+            </a:endParaRPr>
+          </a:p>
+          <a:p>
+            <a:pPr marL="342900" marR="0" lvl="0" indent="-342900" algn="l" rtl="0">
+              <a:lnSpc>
+                <a:spcPct val="100000"/>
+              </a:lnSpc>
+              <a:spcBef>
+                <a:spcPts val="400"/>
+              </a:spcBef>
+              <a:spcAft>
+                <a:spcPts val="0"/>
+              </a:spcAft>
+              <a:buClr>
+                <a:srgbClr val="000000"/>
+              </a:buClr>
+              <a:buSzPts val="2000"/>
+              <a:buFont typeface="Arial" panose="02080604020202020204" pitchFamily="34" charset="0"/>
+              <a:buChar char="•"/>
+            </a:pPr>
+            <a:r>
+              <a:rPr lang="en-IN" sz="2400" b="1" strike="noStrike">
+                <a:solidFill>
+                  <a:schemeClr val="tx1"/>
+                </a:solidFill>
+                <a:latin typeface="Arial"/>
+                <a:ea typeface="Arial"/>
+                <a:cs typeface="Arial"/>
+                <a:sym typeface="Arial"/>
+              </a:rPr>
+              <a:t>Problems can be difficult to solve on your own. That’s why working together as a team can offer quicker and often more effective solutions. </a:t>
+            </a:r>
+            <a:endParaRPr lang="en-IN" sz="2400" b="1" strike="noStrike">
+              <a:solidFill>
+                <a:schemeClr val="tx1"/>
               </a:solidFill>
               <a:latin typeface="Arial"/>
               <a:ea typeface="Arial"/>

--- a/Presentation/intership.pptx
+++ b/Presentation/intership.pptx
@@ -8121,7 +8121,7 @@
                 <a:cs typeface="Arial"/>
                 <a:sym typeface="Arial"/>
               </a:rPr>
-              <a:t>Deveopment on demand</a:t>
+              <a:t>Development on demand</a:t>
             </a:r>
             <a:endParaRPr lang="en-IN" sz="3200" b="1" strike="noStrike">
               <a:solidFill>
@@ -8866,7 +8866,7 @@
                 <a:cs typeface="Arial"/>
                 <a:sym typeface="Arial"/>
               </a:rPr>
-              <a:t>As the name denotes, it is switching over from Odoo 13 to the latest Odoo 14. Keep in mind that it does not change the edition from community to enterprise editions, and it also does not cover the hosting type or migration from enterprise software to Odoo. </a:t>
+              <a:t>As the name denotes, it is switching over from Odoo 14 to the latest Odoo 16. Keep in mind that it does not change the edition from community to enterprise editions, and it also does not cover the hosting type or migration from enterprise software to Odoo. </a:t>
             </a:r>
             <a:endParaRPr lang="en-IN" sz="2400" b="1" strike="noStrike">
               <a:solidFill>
@@ -10385,7 +10385,7 @@
                 <a:cs typeface="Arial"/>
                 <a:sym typeface="Arial"/>
               </a:rPr>
-              <a:t>		</a:t>
+              <a:t>		 </a:t>
             </a:r>
             <a:r>
               <a:rPr lang="en-IN" sz="3600" b="1" strike="noStrike">
@@ -10528,6 +10528,34 @@
             </a:endParaRPr>
           </a:p>
           <a:p>
+            <a:pPr marL="0" marR="0" lvl="0" indent="0" algn="l" rtl="0">
+              <a:lnSpc>
+                <a:spcPct val="100000"/>
+              </a:lnSpc>
+              <a:spcBef>
+                <a:spcPts val="400"/>
+              </a:spcBef>
+              <a:spcAft>
+                <a:spcPts val="0"/>
+              </a:spcAft>
+              <a:buClr>
+                <a:srgbClr val="000000"/>
+              </a:buClr>
+              <a:buSzPts val="2000"/>
+              <a:buFont typeface="Arial" panose="02080604020202020204" pitchFamily="34" charset="0"/>
+              <a:buNone/>
+            </a:pPr>
+            <a:endParaRPr lang="en-IN" sz="2400" b="1" strike="noStrike">
+              <a:solidFill>
+                <a:schemeClr val="bg1"/>
+              </a:solidFill>
+              <a:latin typeface="Arial"/>
+              <a:ea typeface="Arial"/>
+              <a:cs typeface="Arial"/>
+              <a:sym typeface="Arial"/>
+            </a:endParaRPr>
+          </a:p>
+          <a:p>
             <a:pPr marL="342900" marR="0" lvl="0" indent="-342900" algn="l" rtl="0">
               <a:lnSpc>
                 <a:spcPct val="100000"/>
@@ -10716,7 +10744,7 @@
             </a:endParaRPr>
           </a:p>
           <a:p>
-            <a:pPr marL="342900" marR="0" lvl="0" indent="-342900" algn="l" rtl="0">
+            <a:pPr marL="0" marR="0" lvl="0" indent="0" algn="l" rtl="0">
               <a:lnSpc>
                 <a:spcPct val="100000"/>
               </a:lnSpc>
@@ -10731,20 +10759,8 @@
               </a:buClr>
               <a:buSzPts val="2000"/>
               <a:buFont typeface="Arial" panose="02080604020202020204" pitchFamily="34" charset="0"/>
-              <a:buChar char="•"/>
-            </a:pPr>
-            <a:r>
-              <a:rPr lang="en-IN" sz="2400" b="1" strike="noStrike">
-                <a:solidFill>
-                  <a:schemeClr val="tx1"/>
-                </a:solidFill>
-                <a:latin typeface="Arial"/>
-                <a:ea typeface="Arial"/>
-                <a:cs typeface="Arial"/>
-                <a:sym typeface="Arial"/>
-              </a:rPr>
-              <a:t></a:t>
-            </a:r>
+              <a:buNone/>
+            </a:pPr>
             <a:endParaRPr lang="en-IN" sz="2400" b="1" strike="noStrike">
               <a:solidFill>
                 <a:schemeClr val="tx1"/>
@@ -10940,7 +10956,7 @@
             <a:r>
               <a:rPr lang="en-IN" sz="2400" b="1" strike="noStrike">
                 <a:solidFill>
-                  <a:schemeClr val="tx1"/>
+                  <a:schemeClr val="bg1"/>
                 </a:solidFill>
                 <a:latin typeface="Arial"/>
                 <a:ea typeface="Arial"/>
@@ -10951,7 +10967,7 @@
             </a:r>
             <a:endParaRPr lang="en-IN" sz="2400" b="1" strike="noStrike">
               <a:solidFill>
-                <a:schemeClr val="tx1"/>
+                <a:schemeClr val="bg1"/>
               </a:solidFill>
               <a:latin typeface="Arial"/>
               <a:ea typeface="Arial"/>
@@ -11076,7 +11092,7 @@
             <a:r>
               <a:rPr lang="en-IN" sz="2400" b="1" strike="noStrike">
                 <a:solidFill>
-                  <a:schemeClr val="tx1"/>
+                  <a:schemeClr val="bg1"/>
                 </a:solidFill>
                 <a:latin typeface="Arial"/>
                 <a:ea typeface="Arial"/>
@@ -11087,7 +11103,7 @@
             </a:r>
             <a:endParaRPr lang="en-IN" sz="2400" b="1" strike="noStrike">
               <a:solidFill>
-                <a:schemeClr val="tx1"/>
+                <a:schemeClr val="bg1"/>
               </a:solidFill>
               <a:latin typeface="Arial"/>
               <a:ea typeface="Arial"/>
@@ -11212,7 +11228,7 @@
             <a:r>
               <a:rPr lang="en-IN" sz="2400" b="1" strike="noStrike">
                 <a:solidFill>
-                  <a:schemeClr val="tx1"/>
+                  <a:schemeClr val="bg1"/>
                 </a:solidFill>
                 <a:latin typeface="Arial"/>
                 <a:ea typeface="Arial"/>
@@ -11223,7 +11239,7 @@
             </a:r>
             <a:endParaRPr lang="en-IN" sz="2400" b="1" strike="noStrike">
               <a:solidFill>
-                <a:schemeClr val="tx1"/>
+                <a:schemeClr val="bg1"/>
               </a:solidFill>
               <a:latin typeface="Arial"/>
               <a:ea typeface="Arial"/>
@@ -12949,7 +12965,47 @@
                 <a:cs typeface="Arial"/>
                 <a:sym typeface="Arial"/>
               </a:rPr>
-              <a:t>"Community" version: GNU Lesser General Public License v3; "Enterprise" version: Proprietary license</a:t>
+              <a:t>"Community" version: GNU Lesser General Public License v3; </a:t>
+            </a:r>
+            <a:endParaRPr lang="en-IN" sz="2100" b="1" i="0" u="none" strike="noStrike" cap="none">
+              <a:solidFill>
+                <a:srgbClr val="FFFFFE"/>
+              </a:solidFill>
+              <a:latin typeface="Arial"/>
+              <a:ea typeface="Arial"/>
+              <a:cs typeface="Arial"/>
+              <a:sym typeface="Arial"/>
+            </a:endParaRPr>
+          </a:p>
+          <a:p>
+            <a:pPr marL="742950" marR="0" lvl="1" indent="-285750" algn="l" rtl="0">
+              <a:lnSpc>
+                <a:spcPct val="100000"/>
+              </a:lnSpc>
+              <a:spcBef>
+                <a:spcPts val="420"/>
+              </a:spcBef>
+              <a:spcAft>
+                <a:spcPts val="0"/>
+              </a:spcAft>
+              <a:buClr>
+                <a:srgbClr val="000000"/>
+              </a:buClr>
+              <a:buSzPts val="2100"/>
+              <a:buFont typeface="Noto Sans Symbols"/>
+              <a:buChar char="−"/>
+            </a:pPr>
+            <a:r>
+              <a:rPr lang="en-IN" sz="2100" b="1" i="0" u="none" strike="noStrike" cap="none">
+                <a:solidFill>
+                  <a:srgbClr val="FFFFFE"/>
+                </a:solidFill>
+                <a:latin typeface="Arial"/>
+                <a:ea typeface="Arial"/>
+                <a:cs typeface="Arial"/>
+                <a:sym typeface="Arial"/>
+              </a:rPr>
+              <a:t>"Enterprise" version: Proprietary license</a:t>
             </a:r>
             <a:endParaRPr sz="2100" b="0" i="0" u="none" strike="noStrike" cap="none">
               <a:solidFill>
